--- a/Step05-Infrastructure_as_a_Code_speach.pptx
+++ b/Step05-Infrastructure_as_a_Code_speach.pptx
@@ -5,7 +5,7 @@
     <p:sldMasterId id="2147483648" r:id="rId1"/>
   </p:sldMasterIdLst>
   <p:notesMasterIdLst>
-    <p:notesMasterId r:id="rId20"/>
+    <p:notesMasterId r:id="rId27"/>
   </p:notesMasterIdLst>
   <p:sldIdLst>
     <p:sldId id="307" r:id="rId2"/>
@@ -26,6 +26,13 @@
     <p:sldId id="319" r:id="rId17"/>
     <p:sldId id="320" r:id="rId18"/>
     <p:sldId id="321" r:id="rId19"/>
+    <p:sldId id="322" r:id="rId20"/>
+    <p:sldId id="323" r:id="rId21"/>
+    <p:sldId id="324" r:id="rId22"/>
+    <p:sldId id="326" r:id="rId23"/>
+    <p:sldId id="328" r:id="rId24"/>
+    <p:sldId id="329" r:id="rId25"/>
+    <p:sldId id="330" r:id="rId26"/>
   </p:sldIdLst>
   <p:sldSz cx="12192000" cy="6858000"/>
   <p:notesSz cx="6858000" cy="9144000"/>
@@ -154,7 +161,15 @@
           </p14:sldIdLst>
         </p14:section>
         <p14:section name="Ansible" id="{61339B9F-370C-4827-AD88-BC067C3A674D}">
-          <p14:sldIdLst/>
+          <p14:sldIdLst>
+            <p14:sldId id="322"/>
+            <p14:sldId id="323"/>
+            <p14:sldId id="324"/>
+            <p14:sldId id="326"/>
+            <p14:sldId id="328"/>
+            <p14:sldId id="329"/>
+            <p14:sldId id="330"/>
+          </p14:sldIdLst>
         </p14:section>
       </p14:sectionLst>
     </p:ext>
@@ -168,7 +183,7 @@
 <file path=ppt/revisionInfo.xml><?xml version="1.0" encoding="utf-8"?>
 <p1510:revInfo xmlns:a="http://schemas.openxmlformats.org/drawingml/2006/main" xmlns:r="http://schemas.openxmlformats.org/officeDocument/2006/relationships" xmlns:p1510="http://schemas.microsoft.com/office/powerpoint/2015/10/main">
   <p1510:revLst>
-    <p1510:client id="{0C8A6E1B-185E-41A2-9AF9-E290758567BE}" v="15" dt="2024-01-31T15:06:31.502"/>
+    <p1510:client id="{0C8A6E1B-185E-41A2-9AF9-E290758567BE}" v="57" dt="2024-01-31T16:35:32.055"/>
     <p1510:client id="{A3EFBF31-7B9C-4D5A-89F5-DC51A0BFC201}" v="99" dt="2024-01-31T08:20:50.487"/>
   </p1510:revLst>
 </p1510:revInfo>
@@ -178,8 +193,8 @@
 <pc:chgInfo xmlns:a="http://schemas.openxmlformats.org/drawingml/2006/main" xmlns:r="http://schemas.openxmlformats.org/officeDocument/2006/relationships" xmlns:ac="http://schemas.microsoft.com/office/drawing/2013/main/command" xmlns:pc="http://schemas.microsoft.com/office/powerpoint/2013/main/command">
   <pc:docChgLst>
     <pc:chgData name="Ihor Aleksandrov" userId="c3051032-6b87-4db2-b257-777a0106fbd9" providerId="ADAL" clId="{0C8A6E1B-185E-41A2-9AF9-E290758567BE}"/>
-    <pc:docChg chg="undo custSel addSld delSld modSld addSection delSection modSection">
-      <pc:chgData name="Ihor Aleksandrov" userId="c3051032-6b87-4db2-b257-777a0106fbd9" providerId="ADAL" clId="{0C8A6E1B-185E-41A2-9AF9-E290758567BE}" dt="2024-01-31T15:07:03.513" v="334" actId="17846"/>
+    <pc:docChg chg="undo custSel addSld delSld modSld sldOrd addSection delSection modSection">
+      <pc:chgData name="Ihor Aleksandrov" userId="c3051032-6b87-4db2-b257-777a0106fbd9" providerId="ADAL" clId="{0C8A6E1B-185E-41A2-9AF9-E290758567BE}" dt="2024-01-31T16:35:34.689" v="460" actId="14100"/>
       <pc:docMkLst>
         <pc:docMk/>
       </pc:docMkLst>
@@ -362,6 +377,21 @@
           </ac:spMkLst>
         </pc:spChg>
       </pc:sldChg>
+      <pc:sldChg chg="modSp mod">
+        <pc:chgData name="Ihor Aleksandrov" userId="c3051032-6b87-4db2-b257-777a0106fbd9" providerId="ADAL" clId="{0C8A6E1B-185E-41A2-9AF9-E290758567BE}" dt="2024-01-31T16:35:34.689" v="460" actId="14100"/>
+        <pc:sldMkLst>
+          <pc:docMk/>
+          <pc:sldMk cId="2972731808" sldId="308"/>
+        </pc:sldMkLst>
+        <pc:graphicFrameChg chg="mod">
+          <ac:chgData name="Ihor Aleksandrov" userId="c3051032-6b87-4db2-b257-777a0106fbd9" providerId="ADAL" clId="{0C8A6E1B-185E-41A2-9AF9-E290758567BE}" dt="2024-01-31T16:35:34.689" v="460" actId="14100"/>
+          <ac:graphicFrameMkLst>
+            <pc:docMk/>
+            <pc:sldMk cId="2972731808" sldId="308"/>
+            <ac:graphicFrameMk id="6" creationId="{0A25AD42-052A-793B-B420-809C33CC274D}"/>
+          </ac:graphicFrameMkLst>
+        </pc:graphicFrameChg>
+      </pc:sldChg>
       <pc:sldChg chg="del">
         <pc:chgData name="Ihor Aleksandrov" userId="c3051032-6b87-4db2-b257-777a0106fbd9" providerId="ADAL" clId="{0C8A6E1B-185E-41A2-9AF9-E290758567BE}" dt="2024-01-31T09:09:07.384" v="37" actId="2696"/>
         <pc:sldMkLst>
@@ -1176,6 +1206,45 @@
           </ac:spMkLst>
         </pc:spChg>
       </pc:sldChg>
+      <pc:sldChg chg="addSp delSp modSp add mod ord">
+        <pc:chgData name="Ihor Aleksandrov" userId="c3051032-6b87-4db2-b257-777a0106fbd9" providerId="ADAL" clId="{0C8A6E1B-185E-41A2-9AF9-E290758567BE}" dt="2024-01-31T16:19:42.693" v="351" actId="1076"/>
+        <pc:sldMkLst>
+          <pc:docMk/>
+          <pc:sldMk cId="1092589088" sldId="322"/>
+        </pc:sldMkLst>
+        <pc:spChg chg="mod">
+          <ac:chgData name="Ihor Aleksandrov" userId="c3051032-6b87-4db2-b257-777a0106fbd9" providerId="ADAL" clId="{0C8A6E1B-185E-41A2-9AF9-E290758567BE}" dt="2024-01-31T16:19:10.303" v="344" actId="20577"/>
+          <ac:spMkLst>
+            <pc:docMk/>
+            <pc:sldMk cId="1092589088" sldId="322"/>
+            <ac:spMk id="2" creationId="{2C4A1DFF-3C45-F11D-E6A6-19C0306E5E2B}"/>
+          </ac:spMkLst>
+        </pc:spChg>
+        <pc:spChg chg="del mod">
+          <ac:chgData name="Ihor Aleksandrov" userId="c3051032-6b87-4db2-b257-777a0106fbd9" providerId="ADAL" clId="{0C8A6E1B-185E-41A2-9AF9-E290758567BE}" dt="2024-01-31T16:19:34.088" v="347" actId="478"/>
+          <ac:spMkLst>
+            <pc:docMk/>
+            <pc:sldMk cId="1092589088" sldId="322"/>
+            <ac:spMk id="5" creationId="{F194A616-7254-08E0-5BB4-00D122C8B492}"/>
+          </ac:spMkLst>
+        </pc:spChg>
+        <pc:spChg chg="add mod">
+          <ac:chgData name="Ihor Aleksandrov" userId="c3051032-6b87-4db2-b257-777a0106fbd9" providerId="ADAL" clId="{0C8A6E1B-185E-41A2-9AF9-E290758567BE}" dt="2024-01-31T16:19:42.693" v="351" actId="1076"/>
+          <ac:spMkLst>
+            <pc:docMk/>
+            <pc:sldMk cId="1092589088" sldId="322"/>
+            <ac:spMk id="6" creationId="{F19A30DC-656B-BC02-5817-2DDFC04DE58D}"/>
+          </ac:spMkLst>
+        </pc:spChg>
+        <pc:spChg chg="del mod">
+          <ac:chgData name="Ihor Aleksandrov" userId="c3051032-6b87-4db2-b257-777a0106fbd9" providerId="ADAL" clId="{0C8A6E1B-185E-41A2-9AF9-E290758567BE}" dt="2024-01-31T16:19:36.968" v="349" actId="478"/>
+          <ac:spMkLst>
+            <pc:docMk/>
+            <pc:sldMk cId="1092589088" sldId="322"/>
+            <ac:spMk id="10" creationId="{689554E7-E53A-01D8-3C91-46AEA2F8F4E6}"/>
+          </ac:spMkLst>
+        </pc:spChg>
+      </pc:sldChg>
       <pc:sldChg chg="del">
         <pc:chgData name="Ihor Aleksandrov" userId="c3051032-6b87-4db2-b257-777a0106fbd9" providerId="ADAL" clId="{0C8A6E1B-185E-41A2-9AF9-E290758567BE}" dt="2024-01-31T09:09:07.384" v="37" actId="2696"/>
         <pc:sldMkLst>
@@ -1190,6 +1259,139 @@
           <pc:sldMk cId="1792278959" sldId="323"/>
         </pc:sldMkLst>
       </pc:sldChg>
+      <pc:sldChg chg="addSp delSp modSp add mod setBg delDesignElem">
+        <pc:chgData name="Ihor Aleksandrov" userId="c3051032-6b87-4db2-b257-777a0106fbd9" providerId="ADAL" clId="{0C8A6E1B-185E-41A2-9AF9-E290758567BE}" dt="2024-01-31T16:21:43.277" v="361" actId="1076"/>
+        <pc:sldMkLst>
+          <pc:docMk/>
+          <pc:sldMk cId="3618741339" sldId="323"/>
+        </pc:sldMkLst>
+        <pc:spChg chg="mod">
+          <ac:chgData name="Ihor Aleksandrov" userId="c3051032-6b87-4db2-b257-777a0106fbd9" providerId="ADAL" clId="{0C8A6E1B-185E-41A2-9AF9-E290758567BE}" dt="2024-01-31T16:21:09.280" v="354" actId="26606"/>
+          <ac:spMkLst>
+            <pc:docMk/>
+            <pc:sldMk cId="3618741339" sldId="323"/>
+            <ac:spMk id="2" creationId="{53C5D828-9666-E312-B574-9FE965A7D6BE}"/>
+          </ac:spMkLst>
+        </pc:spChg>
+        <pc:spChg chg="mod ord">
+          <ac:chgData name="Ihor Aleksandrov" userId="c3051032-6b87-4db2-b257-777a0106fbd9" providerId="ADAL" clId="{0C8A6E1B-185E-41A2-9AF9-E290758567BE}" dt="2024-01-31T16:21:09.280" v="354" actId="26606"/>
+          <ac:spMkLst>
+            <pc:docMk/>
+            <pc:sldMk cId="3618741339" sldId="323"/>
+            <ac:spMk id="3" creationId="{5AA19FA0-A765-8169-03F1-928E3EF7B595}"/>
+          </ac:spMkLst>
+        </pc:spChg>
+        <pc:spChg chg="add mod">
+          <ac:chgData name="Ihor Aleksandrov" userId="c3051032-6b87-4db2-b257-777a0106fbd9" providerId="ADAL" clId="{0C8A6E1B-185E-41A2-9AF9-E290758567BE}" dt="2024-01-31T16:21:43.277" v="361" actId="1076"/>
+          <ac:spMkLst>
+            <pc:docMk/>
+            <pc:sldMk cId="3618741339" sldId="323"/>
+            <ac:spMk id="6" creationId="{B700BAFA-9FA8-430E-DD14-82DDC976B93D}"/>
+          </ac:spMkLst>
+        </pc:spChg>
+        <pc:spChg chg="add">
+          <ac:chgData name="Ihor Aleksandrov" userId="c3051032-6b87-4db2-b257-777a0106fbd9" providerId="ADAL" clId="{0C8A6E1B-185E-41A2-9AF9-E290758567BE}" dt="2024-01-31T16:21:09.280" v="354" actId="26606"/>
+          <ac:spMkLst>
+            <pc:docMk/>
+            <pc:sldMk cId="3618741339" sldId="323"/>
+            <ac:spMk id="10" creationId="{D4771268-CB57-404A-9271-370EB28F6090}"/>
+          </ac:spMkLst>
+        </pc:spChg>
+        <pc:spChg chg="del">
+          <ac:chgData name="Ihor Aleksandrov" userId="c3051032-6b87-4db2-b257-777a0106fbd9" providerId="ADAL" clId="{0C8A6E1B-185E-41A2-9AF9-E290758567BE}" dt="2024-01-31T16:21:05.212" v="353"/>
+          <ac:spMkLst>
+            <pc:docMk/>
+            <pc:sldMk cId="3618741339" sldId="323"/>
+            <ac:spMk id="24" creationId="{D4771268-CB57-404A-9271-370EB28F6090}"/>
+          </ac:spMkLst>
+        </pc:spChg>
+        <pc:picChg chg="mod">
+          <ac:chgData name="Ihor Aleksandrov" userId="c3051032-6b87-4db2-b257-777a0106fbd9" providerId="ADAL" clId="{0C8A6E1B-185E-41A2-9AF9-E290758567BE}" dt="2024-01-31T16:21:26.679" v="359" actId="1076"/>
+          <ac:picMkLst>
+            <pc:docMk/>
+            <pc:sldMk cId="3618741339" sldId="323"/>
+            <ac:picMk id="5" creationId="{F532E8B4-0BE7-0CB3-9EF5-566DC21B1A9C}"/>
+          </ac:picMkLst>
+        </pc:picChg>
+      </pc:sldChg>
+      <pc:sldChg chg="addSp delSp modSp add mod setBg delDesignElem">
+        <pc:chgData name="Ihor Aleksandrov" userId="c3051032-6b87-4db2-b257-777a0106fbd9" providerId="ADAL" clId="{0C8A6E1B-185E-41A2-9AF9-E290758567BE}" dt="2024-01-31T16:25:05.236" v="376" actId="1076"/>
+        <pc:sldMkLst>
+          <pc:docMk/>
+          <pc:sldMk cId="955539517" sldId="324"/>
+        </pc:sldMkLst>
+        <pc:spChg chg="mod">
+          <ac:chgData name="Ihor Aleksandrov" userId="c3051032-6b87-4db2-b257-777a0106fbd9" providerId="ADAL" clId="{0C8A6E1B-185E-41A2-9AF9-E290758567BE}" dt="2024-01-31T16:24:20.051" v="367" actId="26606"/>
+          <ac:spMkLst>
+            <pc:docMk/>
+            <pc:sldMk cId="955539517" sldId="324"/>
+            <ac:spMk id="2" creationId="{53C5D828-9666-E312-B574-9FE965A7D6BE}"/>
+          </ac:spMkLst>
+        </pc:spChg>
+        <pc:spChg chg="mod ord">
+          <ac:chgData name="Ihor Aleksandrov" userId="c3051032-6b87-4db2-b257-777a0106fbd9" providerId="ADAL" clId="{0C8A6E1B-185E-41A2-9AF9-E290758567BE}" dt="2024-01-31T16:24:20.051" v="367" actId="26606"/>
+          <ac:spMkLst>
+            <pc:docMk/>
+            <pc:sldMk cId="955539517" sldId="324"/>
+            <ac:spMk id="3" creationId="{5AA19FA0-A765-8169-03F1-928E3EF7B595}"/>
+          </ac:spMkLst>
+        </pc:spChg>
+        <pc:spChg chg="add mod">
+          <ac:chgData name="Ihor Aleksandrov" userId="c3051032-6b87-4db2-b257-777a0106fbd9" providerId="ADAL" clId="{0C8A6E1B-185E-41A2-9AF9-E290758567BE}" dt="2024-01-31T16:24:42.201" v="373" actId="1076"/>
+          <ac:spMkLst>
+            <pc:docMk/>
+            <pc:sldMk cId="955539517" sldId="324"/>
+            <ac:spMk id="6" creationId="{D1FD7F83-D2DD-8542-651C-274C980E0291}"/>
+          </ac:spMkLst>
+        </pc:spChg>
+        <pc:spChg chg="add mod">
+          <ac:chgData name="Ihor Aleksandrov" userId="c3051032-6b87-4db2-b257-777a0106fbd9" providerId="ADAL" clId="{0C8A6E1B-185E-41A2-9AF9-E290758567BE}" dt="2024-01-31T16:25:05.236" v="376" actId="1076"/>
+          <ac:spMkLst>
+            <pc:docMk/>
+            <pc:sldMk cId="955539517" sldId="324"/>
+            <ac:spMk id="8" creationId="{96901502-3988-6DFA-1FFA-55C95A533429}"/>
+          </ac:spMkLst>
+        </pc:spChg>
+        <pc:spChg chg="add">
+          <ac:chgData name="Ihor Aleksandrov" userId="c3051032-6b87-4db2-b257-777a0106fbd9" providerId="ADAL" clId="{0C8A6E1B-185E-41A2-9AF9-E290758567BE}" dt="2024-01-31T16:24:20.051" v="367" actId="26606"/>
+          <ac:spMkLst>
+            <pc:docMk/>
+            <pc:sldMk cId="955539517" sldId="324"/>
+            <ac:spMk id="9" creationId="{D4771268-CB57-404A-9271-370EB28F6090}"/>
+          </ac:spMkLst>
+        </pc:spChg>
+        <pc:spChg chg="del">
+          <ac:chgData name="Ihor Aleksandrov" userId="c3051032-6b87-4db2-b257-777a0106fbd9" providerId="ADAL" clId="{0C8A6E1B-185E-41A2-9AF9-E290758567BE}" dt="2024-01-31T16:24:17.215" v="366"/>
+          <ac:spMkLst>
+            <pc:docMk/>
+            <pc:sldMk cId="955539517" sldId="324"/>
+            <ac:spMk id="24" creationId="{D4771268-CB57-404A-9271-370EB28F6090}"/>
+          </ac:spMkLst>
+        </pc:spChg>
+        <pc:picChg chg="mod">
+          <ac:chgData name="Ihor Aleksandrov" userId="c3051032-6b87-4db2-b257-777a0106fbd9" providerId="ADAL" clId="{0C8A6E1B-185E-41A2-9AF9-E290758567BE}" dt="2024-01-31T16:24:25.383" v="369" actId="1076"/>
+          <ac:picMkLst>
+            <pc:docMk/>
+            <pc:sldMk cId="955539517" sldId="324"/>
+            <ac:picMk id="4" creationId="{28A2D3FD-7D05-8035-871B-BC18824DA49F}"/>
+          </ac:picMkLst>
+        </pc:picChg>
+      </pc:sldChg>
+      <pc:sldChg chg="addSp delSp add del setBg delDesignElem">
+        <pc:chgData name="Ihor Aleksandrov" userId="c3051032-6b87-4db2-b257-777a0106fbd9" providerId="ADAL" clId="{0C8A6E1B-185E-41A2-9AF9-E290758567BE}" dt="2024-01-31T16:24:10.018" v="364"/>
+        <pc:sldMkLst>
+          <pc:docMk/>
+          <pc:sldMk cId="2303719717" sldId="324"/>
+        </pc:sldMkLst>
+        <pc:spChg chg="add del">
+          <ac:chgData name="Ihor Aleksandrov" userId="c3051032-6b87-4db2-b257-777a0106fbd9" providerId="ADAL" clId="{0C8A6E1B-185E-41A2-9AF9-E290758567BE}" dt="2024-01-31T16:24:10.018" v="364"/>
+          <ac:spMkLst>
+            <pc:docMk/>
+            <pc:sldMk cId="2303719717" sldId="324"/>
+            <ac:spMk id="24" creationId="{D4771268-CB57-404A-9271-370EB28F6090}"/>
+          </ac:spMkLst>
+        </pc:spChg>
+      </pc:sldChg>
       <pc:sldChg chg="del">
         <pc:chgData name="Ihor Aleksandrov" userId="c3051032-6b87-4db2-b257-777a0106fbd9" providerId="ADAL" clId="{0C8A6E1B-185E-41A2-9AF9-E290758567BE}" dt="2024-01-31T09:09:07.384" v="37" actId="2696"/>
         <pc:sldMkLst>
@@ -1204,6 +1406,29 @@
           <pc:sldMk cId="2741142378" sldId="325"/>
         </pc:sldMkLst>
       </pc:sldChg>
+      <pc:sldChg chg="delSp modSp add del mod setBg delDesignElem">
+        <pc:chgData name="Ihor Aleksandrov" userId="c3051032-6b87-4db2-b257-777a0106fbd9" providerId="ADAL" clId="{0C8A6E1B-185E-41A2-9AF9-E290758567BE}" dt="2024-01-31T16:29:47.363" v="396" actId="2696"/>
+        <pc:sldMkLst>
+          <pc:docMk/>
+          <pc:sldMk cId="3974958853" sldId="325"/>
+        </pc:sldMkLst>
+        <pc:spChg chg="del">
+          <ac:chgData name="Ihor Aleksandrov" userId="c3051032-6b87-4db2-b257-777a0106fbd9" providerId="ADAL" clId="{0C8A6E1B-185E-41A2-9AF9-E290758567BE}" dt="2024-01-31T16:27:37.067" v="378"/>
+          <ac:spMkLst>
+            <pc:docMk/>
+            <pc:sldMk cId="3974958853" sldId="325"/>
+            <ac:spMk id="24" creationId="{D4771268-CB57-404A-9271-370EB28F6090}"/>
+          </ac:spMkLst>
+        </pc:spChg>
+        <pc:picChg chg="del mod">
+          <ac:chgData name="Ihor Aleksandrov" userId="c3051032-6b87-4db2-b257-777a0106fbd9" providerId="ADAL" clId="{0C8A6E1B-185E-41A2-9AF9-E290758567BE}" dt="2024-01-31T16:28:19.399" v="383" actId="21"/>
+          <ac:picMkLst>
+            <pc:docMk/>
+            <pc:sldMk cId="3974958853" sldId="325"/>
+            <ac:picMk id="6" creationId="{B6424C26-77F8-976F-095A-C034C68F13F1}"/>
+          </ac:picMkLst>
+        </pc:picChg>
+      </pc:sldChg>
       <pc:sldChg chg="del">
         <pc:chgData name="Ihor Aleksandrov" userId="c3051032-6b87-4db2-b257-777a0106fbd9" providerId="ADAL" clId="{0C8A6E1B-185E-41A2-9AF9-E290758567BE}" dt="2024-01-31T09:09:07.384" v="37" actId="2696"/>
         <pc:sldMkLst>
@@ -1211,6 +1436,84 @@
           <pc:sldMk cId="1250702623" sldId="326"/>
         </pc:sldMkLst>
       </pc:sldChg>
+      <pc:sldChg chg="addSp delSp modSp add mod">
+        <pc:chgData name="Ihor Aleksandrov" userId="c3051032-6b87-4db2-b257-777a0106fbd9" providerId="ADAL" clId="{0C8A6E1B-185E-41A2-9AF9-E290758567BE}" dt="2024-01-31T16:28:56.493" v="395" actId="1076"/>
+        <pc:sldMkLst>
+          <pc:docMk/>
+          <pc:sldMk cId="4075213889" sldId="326"/>
+        </pc:sldMkLst>
+        <pc:spChg chg="mod">
+          <ac:chgData name="Ihor Aleksandrov" userId="c3051032-6b87-4db2-b257-777a0106fbd9" providerId="ADAL" clId="{0C8A6E1B-185E-41A2-9AF9-E290758567BE}" dt="2024-01-31T16:28:13.079" v="381"/>
+          <ac:spMkLst>
+            <pc:docMk/>
+            <pc:sldMk cId="4075213889" sldId="326"/>
+            <ac:spMk id="2" creationId="{53C5D828-9666-E312-B574-9FE965A7D6BE}"/>
+          </ac:spMkLst>
+        </pc:spChg>
+        <pc:spChg chg="del mod">
+          <ac:chgData name="Ihor Aleksandrov" userId="c3051032-6b87-4db2-b257-777a0106fbd9" providerId="ADAL" clId="{0C8A6E1B-185E-41A2-9AF9-E290758567BE}" dt="2024-01-31T16:28:31.252" v="389" actId="478"/>
+          <ac:spMkLst>
+            <pc:docMk/>
+            <pc:sldMk cId="4075213889" sldId="326"/>
+            <ac:spMk id="6" creationId="{D1FD7F83-D2DD-8542-651C-274C980E0291}"/>
+          </ac:spMkLst>
+        </pc:spChg>
+        <pc:spChg chg="del">
+          <ac:chgData name="Ihor Aleksandrov" userId="c3051032-6b87-4db2-b257-777a0106fbd9" providerId="ADAL" clId="{0C8A6E1B-185E-41A2-9AF9-E290758567BE}" dt="2024-01-31T16:28:29.393" v="388" actId="478"/>
+          <ac:spMkLst>
+            <pc:docMk/>
+            <pc:sldMk cId="4075213889" sldId="326"/>
+            <ac:spMk id="8" creationId="{96901502-3988-6DFA-1FFA-55C95A533429}"/>
+          </ac:spMkLst>
+        </pc:spChg>
+        <pc:spChg chg="add mod">
+          <ac:chgData name="Ihor Aleksandrov" userId="c3051032-6b87-4db2-b257-777a0106fbd9" providerId="ADAL" clId="{0C8A6E1B-185E-41A2-9AF9-E290758567BE}" dt="2024-01-31T16:28:42.669" v="392" actId="1076"/>
+          <ac:spMkLst>
+            <pc:docMk/>
+            <pc:sldMk cId="4075213889" sldId="326"/>
+            <ac:spMk id="10" creationId="{82295023-874F-775A-245F-361DE33C4AD9}"/>
+          </ac:spMkLst>
+        </pc:spChg>
+        <pc:spChg chg="add mod">
+          <ac:chgData name="Ihor Aleksandrov" userId="c3051032-6b87-4db2-b257-777a0106fbd9" providerId="ADAL" clId="{0C8A6E1B-185E-41A2-9AF9-E290758567BE}" dt="2024-01-31T16:28:56.493" v="395" actId="1076"/>
+          <ac:spMkLst>
+            <pc:docMk/>
+            <pc:sldMk cId="4075213889" sldId="326"/>
+            <ac:spMk id="12" creationId="{0247332F-05A4-9E2E-77A4-2651C868E60C}"/>
+          </ac:spMkLst>
+        </pc:spChg>
+        <pc:picChg chg="del">
+          <ac:chgData name="Ihor Aleksandrov" userId="c3051032-6b87-4db2-b257-777a0106fbd9" providerId="ADAL" clId="{0C8A6E1B-185E-41A2-9AF9-E290758567BE}" dt="2024-01-31T16:28:15.457" v="382" actId="478"/>
+          <ac:picMkLst>
+            <pc:docMk/>
+            <pc:sldMk cId="4075213889" sldId="326"/>
+            <ac:picMk id="4" creationId="{28A2D3FD-7D05-8035-871B-BC18824DA49F}"/>
+          </ac:picMkLst>
+        </pc:picChg>
+        <pc:picChg chg="add mod">
+          <ac:chgData name="Ihor Aleksandrov" userId="c3051032-6b87-4db2-b257-777a0106fbd9" providerId="ADAL" clId="{0C8A6E1B-185E-41A2-9AF9-E290758567BE}" dt="2024-01-31T16:28:27.990" v="387" actId="1076"/>
+          <ac:picMkLst>
+            <pc:docMk/>
+            <pc:sldMk cId="4075213889" sldId="326"/>
+            <ac:picMk id="5" creationId="{F13C6C4A-F37A-C4A5-EA65-CC66DD6DCA67}"/>
+          </ac:picMkLst>
+        </pc:picChg>
+      </pc:sldChg>
+      <pc:sldChg chg="delSp add del setBg delDesignElem">
+        <pc:chgData name="Ihor Aleksandrov" userId="c3051032-6b87-4db2-b257-777a0106fbd9" providerId="ADAL" clId="{0C8A6E1B-185E-41A2-9AF9-E290758567BE}" dt="2024-01-31T16:31:09.337" v="412" actId="2696"/>
+        <pc:sldMkLst>
+          <pc:docMk/>
+          <pc:sldMk cId="3021423085" sldId="327"/>
+        </pc:sldMkLst>
+        <pc:spChg chg="del">
+          <ac:chgData name="Ihor Aleksandrov" userId="c3051032-6b87-4db2-b257-777a0106fbd9" providerId="ADAL" clId="{0C8A6E1B-185E-41A2-9AF9-E290758567BE}" dt="2024-01-31T16:30:31.366" v="403"/>
+          <ac:spMkLst>
+            <pc:docMk/>
+            <pc:sldMk cId="3021423085" sldId="327"/>
+            <ac:spMk id="24" creationId="{D4771268-CB57-404A-9271-370EB28F6090}"/>
+          </ac:spMkLst>
+        </pc:spChg>
+      </pc:sldChg>
       <pc:sldChg chg="del">
         <pc:chgData name="Ihor Aleksandrov" userId="c3051032-6b87-4db2-b257-777a0106fbd9" providerId="ADAL" clId="{0C8A6E1B-185E-41A2-9AF9-E290758567BE}" dt="2024-01-31T09:09:07.384" v="37" actId="2696"/>
         <pc:sldMkLst>
@@ -1225,12 +1528,144 @@
           <pc:sldMk cId="1044734843" sldId="328"/>
         </pc:sldMkLst>
       </pc:sldChg>
+      <pc:sldChg chg="addSp delSp modSp add mod">
+        <pc:chgData name="Ihor Aleksandrov" userId="c3051032-6b87-4db2-b257-777a0106fbd9" providerId="ADAL" clId="{0C8A6E1B-185E-41A2-9AF9-E290758567BE}" dt="2024-01-31T16:31:43.802" v="420" actId="1076"/>
+        <pc:sldMkLst>
+          <pc:docMk/>
+          <pc:sldMk cId="1394515765" sldId="328"/>
+        </pc:sldMkLst>
+        <pc:spChg chg="add mod">
+          <ac:chgData name="Ihor Aleksandrov" userId="c3051032-6b87-4db2-b257-777a0106fbd9" providerId="ADAL" clId="{0C8A6E1B-185E-41A2-9AF9-E290758567BE}" dt="2024-01-31T16:31:28.479" v="417" actId="14100"/>
+          <ac:spMkLst>
+            <pc:docMk/>
+            <pc:sldMk cId="1394515765" sldId="328"/>
+            <ac:spMk id="7" creationId="{B7D913B4-1DD7-F1BB-EB0A-B6E520620316}"/>
+          </ac:spMkLst>
+        </pc:spChg>
+        <pc:spChg chg="del">
+          <ac:chgData name="Ihor Aleksandrov" userId="c3051032-6b87-4db2-b257-777a0106fbd9" providerId="ADAL" clId="{0C8A6E1B-185E-41A2-9AF9-E290758567BE}" dt="2024-01-31T16:30:52.751" v="406" actId="478"/>
+          <ac:spMkLst>
+            <pc:docMk/>
+            <pc:sldMk cId="1394515765" sldId="328"/>
+            <ac:spMk id="10" creationId="{82295023-874F-775A-245F-361DE33C4AD9}"/>
+          </ac:spMkLst>
+        </pc:spChg>
+        <pc:spChg chg="add mod">
+          <ac:chgData name="Ihor Aleksandrov" userId="c3051032-6b87-4db2-b257-777a0106fbd9" providerId="ADAL" clId="{0C8A6E1B-185E-41A2-9AF9-E290758567BE}" dt="2024-01-31T16:31:43.802" v="420" actId="1076"/>
+          <ac:spMkLst>
+            <pc:docMk/>
+            <pc:sldMk cId="1394515765" sldId="328"/>
+            <ac:spMk id="11" creationId="{F788A21C-E612-63FB-861A-CFA09261C56A}"/>
+          </ac:spMkLst>
+        </pc:spChg>
+        <pc:spChg chg="del">
+          <ac:chgData name="Ihor Aleksandrov" userId="c3051032-6b87-4db2-b257-777a0106fbd9" providerId="ADAL" clId="{0C8A6E1B-185E-41A2-9AF9-E290758567BE}" dt="2024-01-31T16:30:54.346" v="407" actId="478"/>
+          <ac:spMkLst>
+            <pc:docMk/>
+            <pc:sldMk cId="1394515765" sldId="328"/>
+            <ac:spMk id="12" creationId="{0247332F-05A4-9E2E-77A4-2651C868E60C}"/>
+          </ac:spMkLst>
+        </pc:spChg>
+        <pc:picChg chg="add mod">
+          <ac:chgData name="Ihor Aleksandrov" userId="c3051032-6b87-4db2-b257-777a0106fbd9" providerId="ADAL" clId="{0C8A6E1B-185E-41A2-9AF9-E290758567BE}" dt="2024-01-31T16:31:06.421" v="411" actId="1076"/>
+          <ac:picMkLst>
+            <pc:docMk/>
+            <pc:sldMk cId="1394515765" sldId="328"/>
+            <ac:picMk id="4" creationId="{E5B61C1D-CA2C-C2B6-46ED-F1AA69993E96}"/>
+          </ac:picMkLst>
+        </pc:picChg>
+        <pc:picChg chg="del">
+          <ac:chgData name="Ihor Aleksandrov" userId="c3051032-6b87-4db2-b257-777a0106fbd9" providerId="ADAL" clId="{0C8A6E1B-185E-41A2-9AF9-E290758567BE}" dt="2024-01-31T16:30:50.766" v="405" actId="478"/>
+          <ac:picMkLst>
+            <pc:docMk/>
+            <pc:sldMk cId="1394515765" sldId="328"/>
+            <ac:picMk id="5" creationId="{F13C6C4A-F37A-C4A5-EA65-CC66DD6DCA67}"/>
+          </ac:picMkLst>
+        </pc:picChg>
+      </pc:sldChg>
+      <pc:sldChg chg="add del">
+        <pc:chgData name="Ihor Aleksandrov" userId="c3051032-6b87-4db2-b257-777a0106fbd9" providerId="ADAL" clId="{0C8A6E1B-185E-41A2-9AF9-E290758567BE}" dt="2024-01-31T16:30:24.963" v="401" actId="2696"/>
+        <pc:sldMkLst>
+          <pc:docMk/>
+          <pc:sldMk cId="4132299319" sldId="328"/>
+        </pc:sldMkLst>
+      </pc:sldChg>
+      <pc:sldChg chg="addSp delSp modSp add mod">
+        <pc:chgData name="Ihor Aleksandrov" userId="c3051032-6b87-4db2-b257-777a0106fbd9" providerId="ADAL" clId="{0C8A6E1B-185E-41A2-9AF9-E290758567BE}" dt="2024-01-31T16:32:55.793" v="428" actId="1076"/>
+        <pc:sldMkLst>
+          <pc:docMk/>
+          <pc:sldMk cId="2894895994" sldId="329"/>
+        </pc:sldMkLst>
+        <pc:spChg chg="mod">
+          <ac:chgData name="Ihor Aleksandrov" userId="c3051032-6b87-4db2-b257-777a0106fbd9" providerId="ADAL" clId="{0C8A6E1B-185E-41A2-9AF9-E290758567BE}" dt="2024-01-31T16:32:42.092" v="426"/>
+          <ac:spMkLst>
+            <pc:docMk/>
+            <pc:sldMk cId="2894895994" sldId="329"/>
+            <ac:spMk id="2" creationId="{53C5D828-9666-E312-B574-9FE965A7D6BE}"/>
+          </ac:spMkLst>
+        </pc:spChg>
+        <pc:spChg chg="add mod">
+          <ac:chgData name="Ihor Aleksandrov" userId="c3051032-6b87-4db2-b257-777a0106fbd9" providerId="ADAL" clId="{0C8A6E1B-185E-41A2-9AF9-E290758567BE}" dt="2024-01-31T16:32:55.793" v="428" actId="1076"/>
+          <ac:spMkLst>
+            <pc:docMk/>
+            <pc:sldMk cId="2894895994" sldId="329"/>
+            <ac:spMk id="6" creationId="{971188D3-ABDB-59D4-7320-5A1CD01AB180}"/>
+          </ac:spMkLst>
+        </pc:spChg>
+        <pc:spChg chg="del mod">
+          <ac:chgData name="Ihor Aleksandrov" userId="c3051032-6b87-4db2-b257-777a0106fbd9" providerId="ADAL" clId="{0C8A6E1B-185E-41A2-9AF9-E290758567BE}" dt="2024-01-31T16:32:36.581" v="424" actId="478"/>
+          <ac:spMkLst>
+            <pc:docMk/>
+            <pc:sldMk cId="2894895994" sldId="329"/>
+            <ac:spMk id="7" creationId="{B7D913B4-1DD7-F1BB-EB0A-B6E520620316}"/>
+          </ac:spMkLst>
+        </pc:spChg>
+        <pc:spChg chg="del">
+          <ac:chgData name="Ihor Aleksandrov" userId="c3051032-6b87-4db2-b257-777a0106fbd9" providerId="ADAL" clId="{0C8A6E1B-185E-41A2-9AF9-E290758567BE}" dt="2024-01-31T16:32:37.743" v="425" actId="478"/>
+          <ac:spMkLst>
+            <pc:docMk/>
+            <pc:sldMk cId="2894895994" sldId="329"/>
+            <ac:spMk id="11" creationId="{F788A21C-E612-63FB-861A-CFA09261C56A}"/>
+          </ac:spMkLst>
+        </pc:spChg>
+        <pc:picChg chg="del">
+          <ac:chgData name="Ihor Aleksandrov" userId="c3051032-6b87-4db2-b257-777a0106fbd9" providerId="ADAL" clId="{0C8A6E1B-185E-41A2-9AF9-E290758567BE}" dt="2024-01-31T16:32:34.991" v="422" actId="478"/>
+          <ac:picMkLst>
+            <pc:docMk/>
+            <pc:sldMk cId="2894895994" sldId="329"/>
+            <ac:picMk id="4" creationId="{E5B61C1D-CA2C-C2B6-46ED-F1AA69993E96}"/>
+          </ac:picMkLst>
+        </pc:picChg>
+      </pc:sldChg>
       <pc:sldChg chg="del">
         <pc:chgData name="Ihor Aleksandrov" userId="c3051032-6b87-4db2-b257-777a0106fbd9" providerId="ADAL" clId="{0C8A6E1B-185E-41A2-9AF9-E290758567BE}" dt="2024-01-31T09:09:07.384" v="37" actId="2696"/>
         <pc:sldMkLst>
           <pc:docMk/>
           <pc:sldMk cId="2973520647" sldId="329"/>
         </pc:sldMkLst>
+      </pc:sldChg>
+      <pc:sldChg chg="modSp add mod">
+        <pc:chgData name="Ihor Aleksandrov" userId="c3051032-6b87-4db2-b257-777a0106fbd9" providerId="ADAL" clId="{0C8A6E1B-185E-41A2-9AF9-E290758567BE}" dt="2024-01-31T16:33:38.182" v="436" actId="1076"/>
+        <pc:sldMkLst>
+          <pc:docMk/>
+          <pc:sldMk cId="1199785366" sldId="330"/>
+        </pc:sldMkLst>
+        <pc:spChg chg="mod">
+          <ac:chgData name="Ihor Aleksandrov" userId="c3051032-6b87-4db2-b257-777a0106fbd9" providerId="ADAL" clId="{0C8A6E1B-185E-41A2-9AF9-E290758567BE}" dt="2024-01-31T16:33:25.486" v="430"/>
+          <ac:spMkLst>
+            <pc:docMk/>
+            <pc:sldMk cId="1199785366" sldId="330"/>
+            <ac:spMk id="2" creationId="{53C5D828-9666-E312-B574-9FE965A7D6BE}"/>
+          </ac:spMkLst>
+        </pc:spChg>
+        <pc:spChg chg="mod">
+          <ac:chgData name="Ihor Aleksandrov" userId="c3051032-6b87-4db2-b257-777a0106fbd9" providerId="ADAL" clId="{0C8A6E1B-185E-41A2-9AF9-E290758567BE}" dt="2024-01-31T16:33:38.182" v="436" actId="1076"/>
+          <ac:spMkLst>
+            <pc:docMk/>
+            <pc:sldMk cId="1199785366" sldId="330"/>
+            <ac:spMk id="6" creationId="{971188D3-ABDB-59D4-7320-5A1CD01AB180}"/>
+          </ac:spMkLst>
+        </pc:spChg>
       </pc:sldChg>
       <pc:sldChg chg="del">
         <pc:chgData name="Ihor Aleksandrov" userId="c3051032-6b87-4db2-b257-777a0106fbd9" providerId="ADAL" clId="{0C8A6E1B-185E-41A2-9AF9-E290758567BE}" dt="2024-01-31T09:09:07.384" v="37" actId="2696"/>
@@ -8904,7 +9339,7 @@
         <a:p>
           <a:r>
             <a:rPr lang="en-US" dirty="0"/>
-            <a:t>Cloud Computing</a:t>
+            <a:t>Terraform</a:t>
           </a:r>
         </a:p>
       </dgm:t>
@@ -8947,7 +9382,7 @@
         <a:p>
           <a:r>
             <a:rPr lang="en-US" dirty="0"/>
-            <a:t>AWS</a:t>
+            <a:t>Ansible</a:t>
           </a:r>
         </a:p>
       </dgm:t>
@@ -8981,49 +9416,6 @@
         </a:p>
       </dgm:t>
     </dgm:pt>
-    <dgm:pt modelId="{C7DEA20A-4F3A-4722-AA83-AD35797AC4FA}">
-      <dgm:prSet/>
-      <dgm:spPr/>
-      <dgm:t>
-        <a:bodyPr/>
-        <a:lstStyle/>
-        <a:p>
-          <a:r>
-            <a:rPr lang="en-US" dirty="0"/>
-            <a:t>Azure</a:t>
-          </a:r>
-        </a:p>
-      </dgm:t>
-      <dgm:extLst>
-        <a:ext uri="{E40237B7-FDA0-4F09-8148-C483321AD2D9}">
-          <dgm14:cNvPr xmlns:dgm14="http://schemas.microsoft.com/office/drawing/2010/diagram" id="0" name="">
-            <a:hlinkClick xmlns:r="http://schemas.openxmlformats.org/officeDocument/2006/relationships" r:id="" action="ppaction://noaction"/>
-          </dgm14:cNvPr>
-        </a:ext>
-      </dgm:extLst>
-    </dgm:pt>
-    <dgm:pt modelId="{FD63AF42-2B8F-4A04-BE93-32A2395FC789}" type="parTrans" cxnId="{A9B804C7-3376-4AAF-8FE0-315428AD2188}">
-      <dgm:prSet/>
-      <dgm:spPr/>
-      <dgm:t>
-        <a:bodyPr/>
-        <a:lstStyle/>
-        <a:p>
-          <a:endParaRPr lang="ru-UA"/>
-        </a:p>
-      </dgm:t>
-    </dgm:pt>
-    <dgm:pt modelId="{A83F41D3-783A-4A87-B7B7-65AB51A7BBDF}" type="sibTrans" cxnId="{A9B804C7-3376-4AAF-8FE0-315428AD2188}">
-      <dgm:prSet/>
-      <dgm:spPr/>
-      <dgm:t>
-        <a:bodyPr/>
-        <a:lstStyle/>
-        <a:p>
-          <a:endParaRPr lang="ru-UA"/>
-        </a:p>
-      </dgm:t>
-    </dgm:pt>
     <dgm:pt modelId="{4FE4B1AC-A99B-45EC-AFA8-E510D59359ED}" type="pres">
       <dgm:prSet presAssocID="{1C600E66-A0CB-470F-8514-C91590285CB3}" presName="Name0" presStyleCnt="0">
         <dgm:presLayoutVars>
@@ -9039,7 +9431,7 @@
       <dgm:spPr/>
     </dgm:pt>
     <dgm:pt modelId="{938A66F9-A955-4384-A32F-5A244E92AC01}" type="pres">
-      <dgm:prSet presAssocID="{64E9ACE6-9AFD-4BBA-80CB-01DA1300E087}" presName="parentText" presStyleLbl="node1" presStyleIdx="0" presStyleCnt="3">
+      <dgm:prSet presAssocID="{64E9ACE6-9AFD-4BBA-80CB-01DA1300E087}" presName="parentText" presStyleLbl="node1" presStyleIdx="0" presStyleCnt="2">
         <dgm:presLayoutVars>
           <dgm:chMax val="1"/>
           <dgm:bulletEnabled val="1"/>
@@ -9056,24 +9448,7 @@
       <dgm:spPr/>
     </dgm:pt>
     <dgm:pt modelId="{5201E5E7-37E9-4B9E-A739-F052FDC9C480}" type="pres">
-      <dgm:prSet presAssocID="{CDDBB8DD-A01C-4732-AC35-F28DD8AF8C15}" presName="parentText" presStyleLbl="node1" presStyleIdx="1" presStyleCnt="3">
-        <dgm:presLayoutVars>
-          <dgm:chMax val="1"/>
-          <dgm:bulletEnabled val="1"/>
-        </dgm:presLayoutVars>
-      </dgm:prSet>
-      <dgm:spPr/>
-    </dgm:pt>
-    <dgm:pt modelId="{428A7336-C309-49DE-9331-9B10C9E3F7DE}" type="pres">
-      <dgm:prSet presAssocID="{A9DDE59F-C1EA-4792-AE58-0C79FA5AF3CA}" presName="sp" presStyleCnt="0"/>
-      <dgm:spPr/>
-    </dgm:pt>
-    <dgm:pt modelId="{35DEAE47-3BE5-41AA-956B-8FA7F965C01E}" type="pres">
-      <dgm:prSet presAssocID="{C7DEA20A-4F3A-4722-AA83-AD35797AC4FA}" presName="linNode" presStyleCnt="0"/>
-      <dgm:spPr/>
-    </dgm:pt>
-    <dgm:pt modelId="{87A382D5-39DB-4AE3-AEC5-6AB807D9BCEF}" type="pres">
-      <dgm:prSet presAssocID="{C7DEA20A-4F3A-4722-AA83-AD35797AC4FA}" presName="parentText" presStyleLbl="node1" presStyleIdx="2" presStyleCnt="3">
+      <dgm:prSet presAssocID="{CDDBB8DD-A01C-4732-AC35-F28DD8AF8C15}" presName="parentText" presStyleLbl="node1" presStyleIdx="1" presStyleCnt="2">
         <dgm:presLayoutVars>
           <dgm:chMax val="1"/>
           <dgm:bulletEnabled val="1"/>
@@ -9085,19 +9460,14 @@
   <dgm:cxnLst>
     <dgm:cxn modelId="{B4E32220-B6E5-419F-85FB-810888F0627F}" type="presOf" srcId="{64E9ACE6-9AFD-4BBA-80CB-01DA1300E087}" destId="{938A66F9-A955-4384-A32F-5A244E92AC01}" srcOrd="0" destOrd="0" presId="urn:microsoft.com/office/officeart/2005/8/layout/vList5"/>
     <dgm:cxn modelId="{43DBA823-5DC9-40A6-95CA-D5A624D6DBC8}" type="presOf" srcId="{CDDBB8DD-A01C-4732-AC35-F28DD8AF8C15}" destId="{5201E5E7-37E9-4B9E-A739-F052FDC9C480}" srcOrd="0" destOrd="0" presId="urn:microsoft.com/office/officeart/2005/8/layout/vList5"/>
-    <dgm:cxn modelId="{0701E433-6ECD-4286-8F9B-53552CBAFF00}" type="presOf" srcId="{C7DEA20A-4F3A-4722-AA83-AD35797AC4FA}" destId="{87A382D5-39DB-4AE3-AEC5-6AB807D9BCEF}" srcOrd="0" destOrd="0" presId="urn:microsoft.com/office/officeart/2005/8/layout/vList5"/>
     <dgm:cxn modelId="{C7C38DA0-CE59-4FEF-BFD1-6FDA69259313}" srcId="{1C600E66-A0CB-470F-8514-C91590285CB3}" destId="{64E9ACE6-9AFD-4BBA-80CB-01DA1300E087}" srcOrd="0" destOrd="0" parTransId="{FD0FAFBC-EEAF-4FBF-916F-D182FE250A26}" sibTransId="{7B2C8051-D046-465E-BB80-77D9BB7B38CD}"/>
     <dgm:cxn modelId="{5B5625A1-2376-4504-8D09-CFD67F0F8444}" srcId="{1C600E66-A0CB-470F-8514-C91590285CB3}" destId="{CDDBB8DD-A01C-4732-AC35-F28DD8AF8C15}" srcOrd="1" destOrd="0" parTransId="{DFB4CC20-ADD4-4C51-9B29-CA7EC3DD7DF0}" sibTransId="{A9DDE59F-C1EA-4792-AE58-0C79FA5AF3CA}"/>
-    <dgm:cxn modelId="{A9B804C7-3376-4AAF-8FE0-315428AD2188}" srcId="{1C600E66-A0CB-470F-8514-C91590285CB3}" destId="{C7DEA20A-4F3A-4722-AA83-AD35797AC4FA}" srcOrd="2" destOrd="0" parTransId="{FD63AF42-2B8F-4A04-BE93-32A2395FC789}" sibTransId="{A83F41D3-783A-4A87-B7B7-65AB51A7BBDF}"/>
     <dgm:cxn modelId="{C92152C9-FF79-4894-84FC-66E915F78959}" type="presOf" srcId="{1C600E66-A0CB-470F-8514-C91590285CB3}" destId="{4FE4B1AC-A99B-45EC-AFA8-E510D59359ED}" srcOrd="0" destOrd="0" presId="urn:microsoft.com/office/officeart/2005/8/layout/vList5"/>
     <dgm:cxn modelId="{83CB446D-F423-469F-BA03-5D05F0C13392}" type="presParOf" srcId="{4FE4B1AC-A99B-45EC-AFA8-E510D59359ED}" destId="{025ACBAF-46AC-4624-83DD-68FF5F6C7CAC}" srcOrd="0" destOrd="0" presId="urn:microsoft.com/office/officeart/2005/8/layout/vList5"/>
     <dgm:cxn modelId="{63EE6CDD-CD71-4C1F-8B53-41E7553C7928}" type="presParOf" srcId="{025ACBAF-46AC-4624-83DD-68FF5F6C7CAC}" destId="{938A66F9-A955-4384-A32F-5A244E92AC01}" srcOrd="0" destOrd="0" presId="urn:microsoft.com/office/officeart/2005/8/layout/vList5"/>
     <dgm:cxn modelId="{0DBC9438-D464-4937-8CB4-AFDC8AA3A081}" type="presParOf" srcId="{4FE4B1AC-A99B-45EC-AFA8-E510D59359ED}" destId="{CDD65FAC-2AE3-4501-9800-184AE3820557}" srcOrd="1" destOrd="0" presId="urn:microsoft.com/office/officeart/2005/8/layout/vList5"/>
     <dgm:cxn modelId="{B05608C4-953F-4B6F-9DB3-3B965BA5AC2E}" type="presParOf" srcId="{4FE4B1AC-A99B-45EC-AFA8-E510D59359ED}" destId="{E941C728-4ECD-4779-A47F-0FD71CBA77D9}" srcOrd="2" destOrd="0" presId="urn:microsoft.com/office/officeart/2005/8/layout/vList5"/>
     <dgm:cxn modelId="{4E2E09B6-7579-4FB6-B6CB-EBB7768E04A4}" type="presParOf" srcId="{E941C728-4ECD-4779-A47F-0FD71CBA77D9}" destId="{5201E5E7-37E9-4B9E-A739-F052FDC9C480}" srcOrd="0" destOrd="0" presId="urn:microsoft.com/office/officeart/2005/8/layout/vList5"/>
-    <dgm:cxn modelId="{203EAC0D-37C8-4535-895D-1B6AE3771A59}" type="presParOf" srcId="{4FE4B1AC-A99B-45EC-AFA8-E510D59359ED}" destId="{428A7336-C309-49DE-9331-9B10C9E3F7DE}" srcOrd="3" destOrd="0" presId="urn:microsoft.com/office/officeart/2005/8/layout/vList5"/>
-    <dgm:cxn modelId="{25556550-AE4C-46C8-9040-BCF3845C8146}" type="presParOf" srcId="{4FE4B1AC-A99B-45EC-AFA8-E510D59359ED}" destId="{35DEAE47-3BE5-41AA-956B-8FA7F965C01E}" srcOrd="4" destOrd="0" presId="urn:microsoft.com/office/officeart/2005/8/layout/vList5"/>
-    <dgm:cxn modelId="{FE6A97A0-FDF6-4BC9-8736-810BD184F3A7}" type="presParOf" srcId="{35DEAE47-3BE5-41AA-956B-8FA7F965C01E}" destId="{87A382D5-39DB-4AE3-AEC5-6AB807D9BCEF}" srcOrd="0" destOrd="0" presId="urn:microsoft.com/office/officeart/2005/8/layout/vList5"/>
   </dgm:cxnLst>
   <dgm:bg/>
   <dgm:whole/>
@@ -9124,8 +9494,8 @@
       </dsp:nvSpPr>
       <dsp:spPr>
         <a:xfrm>
-          <a:off x="2044999" y="1741"/>
-          <a:ext cx="2300624" cy="1149250"/>
+          <a:off x="2044999" y="40"/>
+          <a:ext cx="2300624" cy="1616549"/>
         </a:xfrm>
         <a:prstGeom prst="roundRect">
           <a:avLst/>
@@ -9167,12 +9537,12 @@
         </a:fontRef>
       </dsp:style>
       <dsp:txBody>
-        <a:bodyPr spcFirstLastPara="0" vert="horz" wrap="square" lIns="121920" tIns="60960" rIns="121920" bIns="60960" numCol="1" spcCol="1270" anchor="ctr" anchorCtr="0">
+        <a:bodyPr spcFirstLastPara="0" vert="horz" wrap="square" lIns="133350" tIns="66675" rIns="133350" bIns="66675" numCol="1" spcCol="1270" anchor="ctr" anchorCtr="0">
           <a:noAutofit/>
         </a:bodyPr>
         <a:lstStyle/>
         <a:p>
-          <a:pPr marL="0" lvl="0" indent="0" algn="ctr" defTabSz="1422400">
+          <a:pPr marL="0" lvl="0" indent="0" algn="ctr" defTabSz="1555750">
             <a:lnSpc>
               <a:spcPct val="90000"/>
             </a:lnSpc>
@@ -9185,14 +9555,14 @@
             <a:buNone/>
           </a:pPr>
           <a:r>
-            <a:rPr lang="en-US" sz="3200" kern="1200" dirty="0"/>
-            <a:t>Cloud Computing</a:t>
+            <a:rPr lang="en-US" sz="3500" kern="1200" dirty="0"/>
+            <a:t>Terraform</a:t>
           </a:r>
         </a:p>
       </dsp:txBody>
       <dsp:txXfrm>
-        <a:off x="2101101" y="57843"/>
-        <a:ext cx="2188420" cy="1037046"/>
+        <a:off x="2123912" y="78953"/>
+        <a:ext cx="2142798" cy="1458723"/>
       </dsp:txXfrm>
     </dsp:sp>
     <dsp:sp modelId="{5201E5E7-37E9-4B9E-A739-F052FDC9C480}">
@@ -9202,8 +9572,8 @@
       </dsp:nvSpPr>
       <dsp:spPr>
         <a:xfrm>
-          <a:off x="2044999" y="1208454"/>
-          <a:ext cx="2300624" cy="1149250"/>
+          <a:off x="2044999" y="1697417"/>
+          <a:ext cx="2300624" cy="1616549"/>
         </a:xfrm>
         <a:prstGeom prst="roundRect">
           <a:avLst/>
@@ -9245,12 +9615,12 @@
         </a:fontRef>
       </dsp:style>
       <dsp:txBody>
-        <a:bodyPr spcFirstLastPara="0" vert="horz" wrap="square" lIns="121920" tIns="60960" rIns="121920" bIns="60960" numCol="1" spcCol="1270" anchor="ctr" anchorCtr="0">
+        <a:bodyPr spcFirstLastPara="0" vert="horz" wrap="square" lIns="133350" tIns="66675" rIns="133350" bIns="66675" numCol="1" spcCol="1270" anchor="ctr" anchorCtr="0">
           <a:noAutofit/>
         </a:bodyPr>
         <a:lstStyle/>
         <a:p>
-          <a:pPr marL="0" lvl="0" indent="0" algn="ctr" defTabSz="1422400">
+          <a:pPr marL="0" lvl="0" indent="0" algn="ctr" defTabSz="1555750">
             <a:lnSpc>
               <a:spcPct val="90000"/>
             </a:lnSpc>
@@ -9263,92 +9633,14 @@
             <a:buNone/>
           </a:pPr>
           <a:r>
-            <a:rPr lang="en-US" sz="3200" kern="1200" dirty="0"/>
-            <a:t>AWS</a:t>
+            <a:rPr lang="en-US" sz="3500" kern="1200" dirty="0"/>
+            <a:t>Ansible</a:t>
           </a:r>
         </a:p>
       </dsp:txBody>
       <dsp:txXfrm>
-        <a:off x="2101101" y="1264556"/>
-        <a:ext cx="2188420" cy="1037046"/>
-      </dsp:txXfrm>
-    </dsp:sp>
-    <dsp:sp modelId="{87A382D5-39DB-4AE3-AEC5-6AB807D9BCEF}">
-      <dsp:nvSpPr>
-        <dsp:cNvPr id="0" name=""/>
-        <dsp:cNvSpPr/>
-      </dsp:nvSpPr>
-      <dsp:spPr>
-        <a:xfrm>
-          <a:off x="2044999" y="2415167"/>
-          <a:ext cx="2300624" cy="1149250"/>
-        </a:xfrm>
-        <a:prstGeom prst="roundRect">
-          <a:avLst/>
-        </a:prstGeom>
-        <a:solidFill>
-          <a:schemeClr val="accent1">
-            <a:hueOff val="0"/>
-            <a:satOff val="0"/>
-            <a:lumOff val="0"/>
-            <a:alphaOff val="0"/>
-          </a:schemeClr>
-        </a:solidFill>
-        <a:ln w="12700" cap="flat" cmpd="sng" algn="ctr">
-          <a:solidFill>
-            <a:schemeClr val="lt1">
-              <a:hueOff val="0"/>
-              <a:satOff val="0"/>
-              <a:lumOff val="0"/>
-              <a:alphaOff val="0"/>
-            </a:schemeClr>
-          </a:solidFill>
-          <a:prstDash val="solid"/>
-          <a:miter lim="800000"/>
-        </a:ln>
-        <a:effectLst/>
-      </dsp:spPr>
-      <dsp:style>
-        <a:lnRef idx="2">
-          <a:scrgbClr r="0" g="0" b="0"/>
-        </a:lnRef>
-        <a:fillRef idx="1">
-          <a:scrgbClr r="0" g="0" b="0"/>
-        </a:fillRef>
-        <a:effectRef idx="0">
-          <a:scrgbClr r="0" g="0" b="0"/>
-        </a:effectRef>
-        <a:fontRef idx="minor">
-          <a:schemeClr val="lt1"/>
-        </a:fontRef>
-      </dsp:style>
-      <dsp:txBody>
-        <a:bodyPr spcFirstLastPara="0" vert="horz" wrap="square" lIns="121920" tIns="60960" rIns="121920" bIns="60960" numCol="1" spcCol="1270" anchor="ctr" anchorCtr="0">
-          <a:noAutofit/>
-        </a:bodyPr>
-        <a:lstStyle/>
-        <a:p>
-          <a:pPr marL="0" lvl="0" indent="0" algn="ctr" defTabSz="1422400">
-            <a:lnSpc>
-              <a:spcPct val="90000"/>
-            </a:lnSpc>
-            <a:spcBef>
-              <a:spcPct val="0"/>
-            </a:spcBef>
-            <a:spcAft>
-              <a:spcPct val="35000"/>
-            </a:spcAft>
-            <a:buNone/>
-          </a:pPr>
-          <a:r>
-            <a:rPr lang="en-US" sz="3200" kern="1200" dirty="0"/>
-            <a:t>Azure</a:t>
-          </a:r>
-        </a:p>
-      </dsp:txBody>
-      <dsp:txXfrm>
-        <a:off x="2101101" y="2471269"/>
-        <a:ext cx="2188420" cy="1037046"/>
+        <a:off x="2123912" y="1776330"/>
+        <a:ext cx="2142798" cy="1458723"/>
       </dsp:txXfrm>
     </dsp:sp>
   </dsp:spTree>
@@ -17485,6 +17777,423 @@
 </p:sld>
 </file>
 
+<file path=ppt/slides/slide19.xml><?xml version="1.0" encoding="utf-8"?>
+<p:sld xmlns:a="http://schemas.openxmlformats.org/drawingml/2006/main" xmlns:r="http://schemas.openxmlformats.org/officeDocument/2006/relationships" xmlns:p="http://schemas.openxmlformats.org/presentationml/2006/main">
+  <p:cSld>
+    <p:bg>
+      <p:bgPr>
+        <a:solidFill>
+          <a:schemeClr val="bg1"/>
+        </a:solidFill>
+        <a:effectLst/>
+      </p:bgPr>
+    </p:bg>
+    <p:spTree>
+      <p:nvGrpSpPr>
+        <p:cNvPr id="1" name=""/>
+        <p:cNvGrpSpPr/>
+        <p:nvPr/>
+      </p:nvGrpSpPr>
+      <p:grpSpPr>
+        <a:xfrm>
+          <a:off x="0" y="0"/>
+          <a:ext cx="0" cy="0"/>
+          <a:chOff x="0" y="0"/>
+          <a:chExt cx="0" cy="0"/>
+        </a:xfrm>
+      </p:grpSpPr>
+      <p:sp>
+        <p:nvSpPr>
+          <p:cNvPr id="9" name="Rectangle 8">
+            <a:extLst>
+              <a:ext uri="{FF2B5EF4-FFF2-40B4-BE49-F238E27FC236}">
+                <a16:creationId xmlns:a16="http://schemas.microsoft.com/office/drawing/2014/main" id="{C3896A03-3945-419A-B66B-4EE266EDD152}"/>
+              </a:ext>
+              <a:ext uri="{C183D7F6-B498-43B3-948B-1728B52AA6E4}">
+                <adec:decorative xmlns:adec="http://schemas.microsoft.com/office/drawing/2017/decorative" val="1"/>
+              </a:ext>
+            </a:extLst>
+          </p:cNvPr>
+          <p:cNvSpPr>
+            <a:spLocks noGrp="1" noRot="1" noChangeAspect="1" noMove="1" noResize="1" noEditPoints="1" noAdjustHandles="1" noChangeArrowheads="1" noChangeShapeType="1" noTextEdit="1"/>
+          </p:cNvSpPr>
+          <p:nvPr>
+            <p:extLst>
+              <p:ext uri="{386F3935-93C4-4BCD-93E2-E3B085C9AB24}">
+                <p16:designElem xmlns:p16="http://schemas.microsoft.com/office/powerpoint/2015/main" val="1"/>
+              </p:ext>
+            </p:extLst>
+          </p:nvPr>
+        </p:nvSpPr>
+        <p:spPr>
+          <a:xfrm>
+            <a:off x="10" y="0"/>
+            <a:ext cx="6083447" cy="6858001"/>
+          </a:xfrm>
+          <a:prstGeom prst="rect">
+            <a:avLst/>
+          </a:prstGeom>
+          <a:solidFill>
+            <a:schemeClr val="tx1">
+              <a:lumMod val="85000"/>
+              <a:lumOff val="15000"/>
+            </a:schemeClr>
+          </a:solidFill>
+          <a:ln>
+            <a:noFill/>
+          </a:ln>
+        </p:spPr>
+        <p:style>
+          <a:lnRef idx="2">
+            <a:schemeClr val="accent1">
+              <a:shade val="50000"/>
+            </a:schemeClr>
+          </a:lnRef>
+          <a:fillRef idx="1">
+            <a:schemeClr val="accent1"/>
+          </a:fillRef>
+          <a:effectRef idx="0">
+            <a:schemeClr val="accent1"/>
+          </a:effectRef>
+          <a:fontRef idx="minor">
+            <a:schemeClr val="lt1"/>
+          </a:fontRef>
+        </p:style>
+        <p:txBody>
+          <a:bodyPr rtlCol="0" anchor="ctr"/>
+          <a:lstStyle/>
+          <a:p>
+            <a:pPr algn="ctr"/>
+            <a:endParaRPr lang="en-US"/>
+          </a:p>
+        </p:txBody>
+      </p:sp>
+      <p:sp>
+        <p:nvSpPr>
+          <p:cNvPr id="2" name="Title 1">
+            <a:extLst>
+              <a:ext uri="{FF2B5EF4-FFF2-40B4-BE49-F238E27FC236}">
+                <a16:creationId xmlns:a16="http://schemas.microsoft.com/office/drawing/2014/main" id="{2C4A1DFF-3C45-F11D-E6A6-19C0306E5E2B}"/>
+              </a:ext>
+            </a:extLst>
+          </p:cNvPr>
+          <p:cNvSpPr>
+            <a:spLocks noGrp="1"/>
+          </p:cNvSpPr>
+          <p:nvPr>
+            <p:ph type="ctrTitle"/>
+          </p:nvPr>
+        </p:nvSpPr>
+        <p:spPr>
+          <a:xfrm>
+            <a:off x="1155558" y="637762"/>
+            <a:ext cx="4284397" cy="5576770"/>
+          </a:xfrm>
+        </p:spPr>
+        <p:txBody>
+          <a:bodyPr anchor="ctr">
+            <a:normAutofit/>
+          </a:bodyPr>
+          <a:lstStyle/>
+          <a:p>
+            <a:pPr algn="l"/>
+            <a:r>
+              <a:rPr lang="en-US" sz="5600" dirty="0">
+                <a:solidFill>
+                  <a:schemeClr val="bg1"/>
+                </a:solidFill>
+              </a:rPr>
+              <a:t>Ansible</a:t>
+            </a:r>
+            <a:endParaRPr lang="ru-UA" sz="5600" dirty="0">
+              <a:solidFill>
+                <a:schemeClr val="bg1"/>
+              </a:solidFill>
+            </a:endParaRPr>
+          </a:p>
+        </p:txBody>
+      </p:sp>
+      <p:sp>
+        <p:nvSpPr>
+          <p:cNvPr id="11" name="Rectangle 10">
+            <a:extLst>
+              <a:ext uri="{FF2B5EF4-FFF2-40B4-BE49-F238E27FC236}">
+                <a16:creationId xmlns:a16="http://schemas.microsoft.com/office/drawing/2014/main" id="{B34F5AD2-EDBD-4BBD-A55C-EAFFD0C7097A}"/>
+              </a:ext>
+              <a:ext uri="{C183D7F6-B498-43B3-948B-1728B52AA6E4}">
+                <adec:decorative xmlns:adec="http://schemas.microsoft.com/office/drawing/2017/decorative" val="1"/>
+              </a:ext>
+            </a:extLst>
+          </p:cNvPr>
+          <p:cNvSpPr>
+            <a:spLocks noGrp="1" noRot="1" noChangeAspect="1" noMove="1" noResize="1" noEditPoints="1" noAdjustHandles="1" noChangeArrowheads="1" noChangeShapeType="1" noTextEdit="1"/>
+          </p:cNvSpPr>
+          <p:nvPr>
+            <p:extLst>
+              <p:ext uri="{386F3935-93C4-4BCD-93E2-E3B085C9AB24}">
+                <p16:designElem xmlns:p16="http://schemas.microsoft.com/office/powerpoint/2015/main" val="1"/>
+              </p:ext>
+            </p:extLst>
+          </p:nvPr>
+        </p:nvSpPr>
+        <p:spPr>
+          <a:xfrm>
+            <a:off x="6096000" y="0"/>
+            <a:ext cx="6095990" cy="6858001"/>
+          </a:xfrm>
+          <a:prstGeom prst="rect">
+            <a:avLst/>
+          </a:prstGeom>
+          <a:solidFill>
+            <a:schemeClr val="bg1">
+              <a:lumMod val="95000"/>
+            </a:schemeClr>
+          </a:solidFill>
+          <a:ln>
+            <a:noFill/>
+          </a:ln>
+        </p:spPr>
+        <p:style>
+          <a:lnRef idx="2">
+            <a:schemeClr val="accent1">
+              <a:shade val="50000"/>
+            </a:schemeClr>
+          </a:lnRef>
+          <a:fillRef idx="1">
+            <a:schemeClr val="accent1"/>
+          </a:fillRef>
+          <a:effectRef idx="0">
+            <a:schemeClr val="accent1"/>
+          </a:effectRef>
+          <a:fontRef idx="minor">
+            <a:schemeClr val="lt1"/>
+          </a:fontRef>
+        </p:style>
+        <p:txBody>
+          <a:bodyPr rtlCol="0" anchor="ctr"/>
+          <a:lstStyle/>
+          <a:p>
+            <a:pPr algn="ctr"/>
+            <a:endParaRPr lang="en-US"/>
+          </a:p>
+        </p:txBody>
+      </p:sp>
+      <p:sp>
+        <p:nvSpPr>
+          <p:cNvPr id="4" name="Footer Placeholder 3">
+            <a:extLst>
+              <a:ext uri="{FF2B5EF4-FFF2-40B4-BE49-F238E27FC236}">
+                <a16:creationId xmlns:a16="http://schemas.microsoft.com/office/drawing/2014/main" id="{6AEA980F-0A48-FA7E-1AE7-6E7F30B49C17}"/>
+              </a:ext>
+            </a:extLst>
+          </p:cNvPr>
+          <p:cNvSpPr>
+            <a:spLocks noGrp="1"/>
+          </p:cNvSpPr>
+          <p:nvPr>
+            <p:ph type="ftr" sz="quarter" idx="11"/>
+          </p:nvPr>
+        </p:nvSpPr>
+        <p:spPr>
+          <a:xfrm rot="5400000">
+            <a:off x="-349845" y="5226028"/>
+            <a:ext cx="1663495" cy="313512"/>
+          </a:xfrm>
+        </p:spPr>
+        <p:txBody>
+          <a:bodyPr anchor="ctr">
+            <a:normAutofit/>
+          </a:bodyPr>
+          <a:lstStyle/>
+          <a:p>
+            <a:pPr algn="r">
+              <a:spcAft>
+                <a:spcPts val="600"/>
+              </a:spcAft>
+            </a:pPr>
+            <a:r>
+              <a:rPr lang="es-ES" sz="900">
+                <a:solidFill>
+                  <a:schemeClr val="bg1"/>
+                </a:solidFill>
+              </a:rPr>
+              <a:t>Step 1 - Model - ver. 1</a:t>
+            </a:r>
+            <a:endParaRPr lang="ru-UA" sz="900">
+              <a:solidFill>
+                <a:schemeClr val="bg1"/>
+              </a:solidFill>
+            </a:endParaRPr>
+          </a:p>
+        </p:txBody>
+      </p:sp>
+      <p:sp>
+        <p:nvSpPr>
+          <p:cNvPr id="6" name="TextBox 5">
+            <a:extLst>
+              <a:ext uri="{FF2B5EF4-FFF2-40B4-BE49-F238E27FC236}">
+                <a16:creationId xmlns:a16="http://schemas.microsoft.com/office/drawing/2014/main" id="{F19A30DC-656B-BC02-5817-2DDFC04DE58D}"/>
+              </a:ext>
+            </a:extLst>
+          </p:cNvPr>
+          <p:cNvSpPr txBox="1"/>
+          <p:nvPr/>
+        </p:nvSpPr>
+        <p:spPr>
+          <a:xfrm>
+            <a:off x="6220691" y="1803829"/>
+            <a:ext cx="6096000" cy="2585323"/>
+          </a:xfrm>
+          <a:prstGeom prst="rect">
+            <a:avLst/>
+          </a:prstGeom>
+          <a:noFill/>
+        </p:spPr>
+        <p:txBody>
+          <a:bodyPr wrap="square">
+            <a:spAutoFit/>
+          </a:bodyPr>
+          <a:lstStyle/>
+          <a:p>
+            <a:r>
+              <a:rPr lang="en-US" dirty="0"/>
+              <a:t>Ansible is an open-source IT engine that automates application deployment, cloud provisioning, intra-service orchestration, and other IT tools. It is an automation and orchestration tool popular for the following reasons: </a:t>
+            </a:r>
+          </a:p>
+          <a:p>
+            <a:endParaRPr lang="en-US" dirty="0"/>
+          </a:p>
+          <a:p>
+            <a:r>
+              <a:rPr lang="en-US" dirty="0"/>
+              <a:t>    Simple to Install.</a:t>
+            </a:r>
+          </a:p>
+          <a:p>
+            <a:r>
+              <a:rPr lang="en-US" dirty="0"/>
+              <a:t>    Free and open source.</a:t>
+            </a:r>
+          </a:p>
+          <a:p>
+            <a:r>
+              <a:rPr lang="en-US" dirty="0"/>
+              <a:t>    Lightweight and consistent.</a:t>
+            </a:r>
+          </a:p>
+          <a:p>
+            <a:r>
+              <a:rPr lang="en-US" dirty="0"/>
+              <a:t>    OpenSSH security features make it very secure.</a:t>
+            </a:r>
+          </a:p>
+        </p:txBody>
+      </p:sp>
+    </p:spTree>
+    <p:extLst>
+      <p:ext uri="{BB962C8B-B14F-4D97-AF65-F5344CB8AC3E}">
+        <p14:creationId xmlns:p14="http://schemas.microsoft.com/office/powerpoint/2010/main" val="1092589088"/>
+      </p:ext>
+    </p:extLst>
+  </p:cSld>
+  <p:clrMapOvr>
+    <a:masterClrMapping/>
+  </p:clrMapOvr>
+  <p:timing>
+    <p:tnLst>
+      <p:par>
+        <p:cTn id="1" dur="indefinite" restart="never" nodeType="tmRoot">
+          <p:childTnLst>
+            <p:seq concurrent="1" nextAc="seek">
+              <p:cTn id="2" dur="indefinite" nodeType="mainSeq">
+                <p:childTnLst>
+                  <p:par>
+                    <p:cTn id="3" fill="hold">
+                      <p:stCondLst>
+                        <p:cond delay="indefinite"/>
+                        <p:cond evt="onBegin" delay="0">
+                          <p:tn val="2"/>
+                        </p:cond>
+                      </p:stCondLst>
+                      <p:childTnLst>
+                        <p:par>
+                          <p:cTn id="4" fill="hold">
+                            <p:stCondLst>
+                              <p:cond delay="0"/>
+                            </p:stCondLst>
+                            <p:childTnLst>
+                              <p:par>
+                                <p:cTn id="5" presetID="10" presetClass="entr" presetSubtype="0" fill="hold" grpId="0" nodeType="withEffect">
+                                  <p:stCondLst>
+                                    <p:cond delay="500"/>
+                                  </p:stCondLst>
+                                  <p:iterate type="wd">
+                                    <p:tmPct val="15000"/>
+                                  </p:iterate>
+                                  <p:childTnLst>
+                                    <p:set>
+                                      <p:cBhvr>
+                                        <p:cTn id="6" dur="1" fill="hold">
+                                          <p:stCondLst>
+                                            <p:cond delay="0"/>
+                                          </p:stCondLst>
+                                        </p:cTn>
+                                        <p:tgtEl>
+                                          <p:spTgt spid="2"/>
+                                        </p:tgtEl>
+                                        <p:attrNameLst>
+                                          <p:attrName>style.visibility</p:attrName>
+                                        </p:attrNameLst>
+                                      </p:cBhvr>
+                                      <p:to>
+                                        <p:strVal val="visible"/>
+                                      </p:to>
+                                    </p:set>
+                                    <p:animEffect transition="in" filter="fade">
+                                      <p:cBhvr>
+                                        <p:cTn id="7" dur="1000"/>
+                                        <p:tgtEl>
+                                          <p:spTgt spid="2"/>
+                                        </p:tgtEl>
+                                      </p:cBhvr>
+                                    </p:animEffect>
+                                  </p:childTnLst>
+                                </p:cTn>
+                              </p:par>
+                            </p:childTnLst>
+                          </p:cTn>
+                        </p:par>
+                      </p:childTnLst>
+                    </p:cTn>
+                  </p:par>
+                </p:childTnLst>
+              </p:cTn>
+              <p:prevCondLst>
+                <p:cond evt="onPrev" delay="0">
+                  <p:tgtEl>
+                    <p:sldTgt/>
+                  </p:tgtEl>
+                </p:cond>
+              </p:prevCondLst>
+              <p:nextCondLst>
+                <p:cond evt="onNext" delay="0">
+                  <p:tgtEl>
+                    <p:sldTgt/>
+                  </p:tgtEl>
+                </p:cond>
+              </p:nextCondLst>
+            </p:seq>
+          </p:childTnLst>
+        </p:cTn>
+      </p:par>
+    </p:tnLst>
+    <p:bldLst>
+      <p:bldP spid="2" grpId="0"/>
+    </p:bldLst>
+  </p:timing>
+</p:sld>
+</file>
+
 <file path=ppt/slides/slide2.xml><?xml version="1.0" encoding="utf-8"?>
 <p:sld xmlns:a="http://schemas.openxmlformats.org/drawingml/2006/main" xmlns:r="http://schemas.openxmlformats.org/officeDocument/2006/relationships" xmlns:p="http://schemas.openxmlformats.org/presentationml/2006/main">
   <p:cSld>
@@ -17812,14 +18521,14 @@
           <p:nvPr>
             <p:extLst>
               <p:ext uri="{D42A27DB-BD31-4B8C-83A1-F6EECF244321}">
-                <p14:modId xmlns:p14="http://schemas.microsoft.com/office/powerpoint/2010/main" val="2145009494"/>
+                <p14:modId xmlns:p14="http://schemas.microsoft.com/office/powerpoint/2010/main" val="2341630143"/>
               </p:ext>
             </p:extLst>
           </p:nvPr>
         </p:nvGraphicFramePr>
         <p:xfrm>
           <a:off x="4654732" y="2026920"/>
-          <a:ext cx="6390623" cy="3566159"/>
+          <a:ext cx="6390623" cy="3314007"/>
         </p:xfrm>
         <a:graphic>
           <a:graphicData uri="http://schemas.openxmlformats.org/drawingml/2006/diagram">
@@ -17831,6 +18540,1842 @@
     <p:extLst>
       <p:ext uri="{BB962C8B-B14F-4D97-AF65-F5344CB8AC3E}">
         <p14:creationId xmlns:p14="http://schemas.microsoft.com/office/powerpoint/2010/main" val="2972731808"/>
+      </p:ext>
+    </p:extLst>
+  </p:cSld>
+  <p:clrMapOvr>
+    <a:masterClrMapping/>
+  </p:clrMapOvr>
+</p:sld>
+</file>
+
+<file path=ppt/slides/slide20.xml><?xml version="1.0" encoding="utf-8"?>
+<p:sld xmlns:a="http://schemas.openxmlformats.org/drawingml/2006/main" xmlns:r="http://schemas.openxmlformats.org/officeDocument/2006/relationships" xmlns:p="http://schemas.openxmlformats.org/presentationml/2006/main">
+  <p:cSld>
+    <p:bg>
+      <p:bgPr>
+        <a:solidFill>
+          <a:schemeClr val="bg1"/>
+        </a:solidFill>
+        <a:effectLst/>
+      </p:bgPr>
+    </p:bg>
+    <p:spTree>
+      <p:nvGrpSpPr>
+        <p:cNvPr id="1" name=""/>
+        <p:cNvGrpSpPr/>
+        <p:nvPr/>
+      </p:nvGrpSpPr>
+      <p:grpSpPr>
+        <a:xfrm>
+          <a:off x="0" y="0"/>
+          <a:ext cx="0" cy="0"/>
+          <a:chOff x="0" y="0"/>
+          <a:chExt cx="0" cy="0"/>
+        </a:xfrm>
+      </p:grpSpPr>
+      <p:sp>
+        <p:nvSpPr>
+          <p:cNvPr id="10" name="Down Arrow 7">
+            <a:extLst>
+              <a:ext uri="{FF2B5EF4-FFF2-40B4-BE49-F238E27FC236}">
+                <a16:creationId xmlns:a16="http://schemas.microsoft.com/office/drawing/2014/main" id="{D4771268-CB57-404A-9271-370EB28F6090}"/>
+              </a:ext>
+              <a:ext uri="{C183D7F6-B498-43B3-948B-1728B52AA6E4}">
+                <adec:decorative xmlns:adec="http://schemas.microsoft.com/office/drawing/2017/decorative" val="1"/>
+              </a:ext>
+            </a:extLst>
+          </p:cNvPr>
+          <p:cNvSpPr>
+            <a:spLocks noGrp="1" noRot="1" noChangeAspect="1" noMove="1" noResize="1" noEditPoints="1" noAdjustHandles="1" noChangeArrowheads="1" noChangeShapeType="1" noTextEdit="1"/>
+          </p:cNvSpPr>
+          <p:nvPr>
+            <p:extLst>
+              <p:ext uri="{386F3935-93C4-4BCD-93E2-E3B085C9AB24}">
+                <p16:designElem xmlns:p16="http://schemas.microsoft.com/office/powerpoint/2015/main" val="1"/>
+              </p:ext>
+            </p:extLst>
+          </p:nvPr>
+        </p:nvSpPr>
+        <p:spPr>
+          <a:xfrm rot="16200000">
+            <a:off x="800100" y="1491343"/>
+            <a:ext cx="3333749" cy="3499103"/>
+          </a:xfrm>
+          <a:prstGeom prst="downArrow">
+            <a:avLst>
+              <a:gd name="adj1" fmla="val 100000"/>
+              <a:gd name="adj2" fmla="val 15788"/>
+            </a:avLst>
+          </a:prstGeom>
+          <a:solidFill>
+            <a:srgbClr val="404040"/>
+          </a:solidFill>
+          <a:ln w="53975">
+            <a:noFill/>
+          </a:ln>
+        </p:spPr>
+        <p:style>
+          <a:lnRef idx="2">
+            <a:schemeClr val="accent1">
+              <a:shade val="50000"/>
+            </a:schemeClr>
+          </a:lnRef>
+          <a:fillRef idx="1">
+            <a:schemeClr val="accent1"/>
+          </a:fillRef>
+          <a:effectRef idx="0">
+            <a:schemeClr val="accent1"/>
+          </a:effectRef>
+          <a:fontRef idx="minor">
+            <a:schemeClr val="lt1"/>
+          </a:fontRef>
+        </p:style>
+        <p:txBody>
+          <a:bodyPr rtlCol="0" anchor="ctr"/>
+          <a:lstStyle/>
+          <a:p>
+            <a:pPr algn="ctr"/>
+            <a:endParaRPr lang="en-US"/>
+          </a:p>
+        </p:txBody>
+      </p:sp>
+      <p:sp>
+        <p:nvSpPr>
+          <p:cNvPr id="2" name="Title 1">
+            <a:extLst>
+              <a:ext uri="{FF2B5EF4-FFF2-40B4-BE49-F238E27FC236}">
+                <a16:creationId xmlns:a16="http://schemas.microsoft.com/office/drawing/2014/main" id="{53C5D828-9666-E312-B574-9FE965A7D6BE}"/>
+              </a:ext>
+            </a:extLst>
+          </p:cNvPr>
+          <p:cNvSpPr>
+            <a:spLocks noGrp="1"/>
+          </p:cNvSpPr>
+          <p:nvPr>
+            <p:ph type="title"/>
+          </p:nvPr>
+        </p:nvSpPr>
+        <p:spPr>
+          <a:xfrm>
+            <a:off x="1028700" y="1967266"/>
+            <a:ext cx="2628900" cy="2547257"/>
+          </a:xfrm>
+          <a:noFill/>
+        </p:spPr>
+        <p:txBody>
+          <a:bodyPr vert="horz" lIns="91440" tIns="45720" rIns="91440" bIns="45720" rtlCol="0" anchor="ctr">
+            <a:normAutofit/>
+          </a:bodyPr>
+          <a:lstStyle/>
+          <a:p>
+            <a:pPr algn="ctr"/>
+            <a:r>
+              <a:rPr lang="en-US" sz="3600" kern="1200">
+                <a:solidFill>
+                  <a:srgbClr val="FFFFFF"/>
+                </a:solidFill>
+                <a:latin typeface="+mj-lt"/>
+                <a:ea typeface="+mj-ea"/>
+                <a:cs typeface="+mj-cs"/>
+              </a:rPr>
+              <a:t>What Is Ansible?</a:t>
+            </a:r>
+            <a:endParaRPr lang="en-US" sz="3600" kern="1200" dirty="0">
+              <a:solidFill>
+                <a:srgbClr val="FFFFFF"/>
+              </a:solidFill>
+              <a:latin typeface="+mj-lt"/>
+              <a:ea typeface="+mj-ea"/>
+              <a:cs typeface="+mj-cs"/>
+            </a:endParaRPr>
+          </a:p>
+        </p:txBody>
+      </p:sp>
+      <p:pic>
+        <p:nvPicPr>
+          <p:cNvPr id="5" name="Picture 4" descr="A screenshot of a computer&#10;&#10;Description automatically generated">
+            <a:extLst>
+              <a:ext uri="{FF2B5EF4-FFF2-40B4-BE49-F238E27FC236}">
+                <a16:creationId xmlns:a16="http://schemas.microsoft.com/office/drawing/2014/main" id="{F532E8B4-0BE7-0CB3-9EF5-566DC21B1A9C}"/>
+              </a:ext>
+            </a:extLst>
+          </p:cNvPr>
+          <p:cNvPicPr>
+            <a:picLocks noChangeAspect="1"/>
+          </p:cNvPicPr>
+          <p:nvPr/>
+        </p:nvPicPr>
+        <p:blipFill>
+          <a:blip r:embed="rId2">
+            <a:duotone>
+              <a:schemeClr val="accent6">
+                <a:shade val="45000"/>
+                <a:satMod val="135000"/>
+              </a:schemeClr>
+              <a:prstClr val="white"/>
+            </a:duotone>
+          </a:blip>
+          <a:stretch>
+            <a:fillRect/>
+          </a:stretch>
+        </p:blipFill>
+        <p:spPr>
+          <a:xfrm>
+            <a:off x="1934305" y="5090776"/>
+            <a:ext cx="817689" cy="731832"/>
+          </a:xfrm>
+          <a:prstGeom prst="rect">
+            <a:avLst/>
+          </a:prstGeom>
+        </p:spPr>
+      </p:pic>
+      <p:sp>
+        <p:nvSpPr>
+          <p:cNvPr id="3" name="Footer Placeholder 2">
+            <a:extLst>
+              <a:ext uri="{FF2B5EF4-FFF2-40B4-BE49-F238E27FC236}">
+                <a16:creationId xmlns:a16="http://schemas.microsoft.com/office/drawing/2014/main" id="{5AA19FA0-A765-8169-03F1-928E3EF7B595}"/>
+              </a:ext>
+            </a:extLst>
+          </p:cNvPr>
+          <p:cNvSpPr>
+            <a:spLocks noGrp="1"/>
+          </p:cNvSpPr>
+          <p:nvPr>
+            <p:ph type="ftr" sz="quarter" idx="11"/>
+          </p:nvPr>
+        </p:nvSpPr>
+        <p:spPr>
+          <a:xfrm>
+            <a:off x="1028700" y="6356350"/>
+            <a:ext cx="6210300" cy="365125"/>
+          </a:xfrm>
+        </p:spPr>
+        <p:txBody>
+          <a:bodyPr vert="horz" lIns="91440" tIns="45720" rIns="91440" bIns="45720" rtlCol="0" anchor="ctr">
+            <a:normAutofit/>
+          </a:bodyPr>
+          <a:lstStyle/>
+          <a:p>
+            <a:pPr algn="l">
+              <a:spcAft>
+                <a:spcPts val="600"/>
+              </a:spcAft>
+            </a:pPr>
+            <a:r>
+              <a:rPr lang="en-US" kern="1200" dirty="0">
+                <a:solidFill>
+                  <a:schemeClr val="tx1">
+                    <a:alpha val="80000"/>
+                  </a:schemeClr>
+                </a:solidFill>
+                <a:latin typeface="+mn-lt"/>
+                <a:ea typeface="+mn-ea"/>
+                <a:cs typeface="+mn-cs"/>
+              </a:rPr>
+              <a:t>Step 1 - Model - ver. 1</a:t>
+            </a:r>
+          </a:p>
+        </p:txBody>
+      </p:sp>
+      <p:sp>
+        <p:nvSpPr>
+          <p:cNvPr id="6" name="TextBox 5">
+            <a:extLst>
+              <a:ext uri="{FF2B5EF4-FFF2-40B4-BE49-F238E27FC236}">
+                <a16:creationId xmlns:a16="http://schemas.microsoft.com/office/drawing/2014/main" id="{B700BAFA-9FA8-430E-DD14-82DDC976B93D}"/>
+              </a:ext>
+            </a:extLst>
+          </p:cNvPr>
+          <p:cNvSpPr txBox="1"/>
+          <p:nvPr/>
+        </p:nvSpPr>
+        <p:spPr>
+          <a:xfrm>
+            <a:off x="4927476" y="1720840"/>
+            <a:ext cx="6096000" cy="3416320"/>
+          </a:xfrm>
+          <a:prstGeom prst="rect">
+            <a:avLst/>
+          </a:prstGeom>
+          <a:noFill/>
+        </p:spPr>
+        <p:txBody>
+          <a:bodyPr wrap="square">
+            <a:spAutoFit/>
+          </a:bodyPr>
+          <a:lstStyle/>
+          <a:p>
+            <a:r>
+              <a:rPr lang="en-US" dirty="0"/>
+              <a:t>Ansible can be used to deploy the software on different servers at a time without human interaction. Ansible can also be used to configure the servers and create user accounts. Ansible is an agent-less software which means there is no need to install the software in the nodes which means you need to do the SSH to connect the nodes to perform the required operations on the servers.</a:t>
+            </a:r>
+          </a:p>
+          <a:p>
+            <a:endParaRPr lang="en-US" dirty="0"/>
+          </a:p>
+          <a:p>
+            <a:r>
+              <a:rPr lang="en-US" dirty="0"/>
+              <a:t>Ansible playbooks can be written very easily they will be like plain </a:t>
+            </a:r>
+            <a:r>
+              <a:rPr lang="en-US" dirty="0" err="1"/>
+              <a:t>english</a:t>
+            </a:r>
+            <a:r>
+              <a:rPr lang="en-US" dirty="0"/>
+              <a:t> and Ansible is developed using Python language. There is no need for any knowledge of programming. A single ansible control node can manage thousands of the nodes. </a:t>
+            </a:r>
+            <a:endParaRPr lang="ru-UA" dirty="0"/>
+          </a:p>
+        </p:txBody>
+      </p:sp>
+    </p:spTree>
+    <p:extLst>
+      <p:ext uri="{BB962C8B-B14F-4D97-AF65-F5344CB8AC3E}">
+        <p14:creationId xmlns:p14="http://schemas.microsoft.com/office/powerpoint/2010/main" val="3618741339"/>
+      </p:ext>
+    </p:extLst>
+  </p:cSld>
+  <p:clrMapOvr>
+    <a:masterClrMapping/>
+  </p:clrMapOvr>
+</p:sld>
+</file>
+
+<file path=ppt/slides/slide21.xml><?xml version="1.0" encoding="utf-8"?>
+<p:sld xmlns:a="http://schemas.openxmlformats.org/drawingml/2006/main" xmlns:r="http://schemas.openxmlformats.org/officeDocument/2006/relationships" xmlns:p="http://schemas.openxmlformats.org/presentationml/2006/main">
+  <p:cSld>
+    <p:bg>
+      <p:bgPr>
+        <a:solidFill>
+          <a:schemeClr val="bg1"/>
+        </a:solidFill>
+        <a:effectLst/>
+      </p:bgPr>
+    </p:bg>
+    <p:spTree>
+      <p:nvGrpSpPr>
+        <p:cNvPr id="1" name=""/>
+        <p:cNvGrpSpPr/>
+        <p:nvPr/>
+      </p:nvGrpSpPr>
+      <p:grpSpPr>
+        <a:xfrm>
+          <a:off x="0" y="0"/>
+          <a:ext cx="0" cy="0"/>
+          <a:chOff x="0" y="0"/>
+          <a:chExt cx="0" cy="0"/>
+        </a:xfrm>
+      </p:grpSpPr>
+      <p:sp>
+        <p:nvSpPr>
+          <p:cNvPr id="9" name="Down Arrow 7">
+            <a:extLst>
+              <a:ext uri="{FF2B5EF4-FFF2-40B4-BE49-F238E27FC236}">
+                <a16:creationId xmlns:a16="http://schemas.microsoft.com/office/drawing/2014/main" id="{D4771268-CB57-404A-9271-370EB28F6090}"/>
+              </a:ext>
+              <a:ext uri="{C183D7F6-B498-43B3-948B-1728B52AA6E4}">
+                <adec:decorative xmlns:adec="http://schemas.microsoft.com/office/drawing/2017/decorative" val="1"/>
+              </a:ext>
+            </a:extLst>
+          </p:cNvPr>
+          <p:cNvSpPr>
+            <a:spLocks noGrp="1" noRot="1" noChangeAspect="1" noMove="1" noResize="1" noEditPoints="1" noAdjustHandles="1" noChangeArrowheads="1" noChangeShapeType="1" noTextEdit="1"/>
+          </p:cNvSpPr>
+          <p:nvPr>
+            <p:extLst>
+              <p:ext uri="{386F3935-93C4-4BCD-93E2-E3B085C9AB24}">
+                <p16:designElem xmlns:p16="http://schemas.microsoft.com/office/powerpoint/2015/main" val="1"/>
+              </p:ext>
+            </p:extLst>
+          </p:nvPr>
+        </p:nvSpPr>
+        <p:spPr>
+          <a:xfrm rot="16200000">
+            <a:off x="800100" y="1491343"/>
+            <a:ext cx="3333749" cy="3499103"/>
+          </a:xfrm>
+          <a:prstGeom prst="downArrow">
+            <a:avLst>
+              <a:gd name="adj1" fmla="val 100000"/>
+              <a:gd name="adj2" fmla="val 15788"/>
+            </a:avLst>
+          </a:prstGeom>
+          <a:solidFill>
+            <a:srgbClr val="404040"/>
+          </a:solidFill>
+          <a:ln w="53975">
+            <a:noFill/>
+          </a:ln>
+        </p:spPr>
+        <p:style>
+          <a:lnRef idx="2">
+            <a:schemeClr val="accent1">
+              <a:shade val="50000"/>
+            </a:schemeClr>
+          </a:lnRef>
+          <a:fillRef idx="1">
+            <a:schemeClr val="accent1"/>
+          </a:fillRef>
+          <a:effectRef idx="0">
+            <a:schemeClr val="accent1"/>
+          </a:effectRef>
+          <a:fontRef idx="minor">
+            <a:schemeClr val="lt1"/>
+          </a:fontRef>
+        </p:style>
+        <p:txBody>
+          <a:bodyPr rtlCol="0" anchor="ctr"/>
+          <a:lstStyle/>
+          <a:p>
+            <a:pPr algn="ctr"/>
+            <a:endParaRPr lang="en-US"/>
+          </a:p>
+        </p:txBody>
+      </p:sp>
+      <p:sp>
+        <p:nvSpPr>
+          <p:cNvPr id="2" name="Title 1">
+            <a:extLst>
+              <a:ext uri="{FF2B5EF4-FFF2-40B4-BE49-F238E27FC236}">
+                <a16:creationId xmlns:a16="http://schemas.microsoft.com/office/drawing/2014/main" id="{53C5D828-9666-E312-B574-9FE965A7D6BE}"/>
+              </a:ext>
+            </a:extLst>
+          </p:cNvPr>
+          <p:cNvSpPr>
+            <a:spLocks noGrp="1"/>
+          </p:cNvSpPr>
+          <p:nvPr>
+            <p:ph type="title"/>
+          </p:nvPr>
+        </p:nvSpPr>
+        <p:spPr>
+          <a:xfrm>
+            <a:off x="1028700" y="1967266"/>
+            <a:ext cx="2628900" cy="2547257"/>
+          </a:xfrm>
+          <a:noFill/>
+        </p:spPr>
+        <p:txBody>
+          <a:bodyPr vert="horz" lIns="91440" tIns="45720" rIns="91440" bIns="45720" rtlCol="0" anchor="ctr">
+            <a:normAutofit/>
+          </a:bodyPr>
+          <a:lstStyle/>
+          <a:p>
+            <a:pPr algn="ctr"/>
+            <a:r>
+              <a:rPr lang="en-US" sz="3600" kern="1200">
+                <a:solidFill>
+                  <a:srgbClr val="FFFFFF"/>
+                </a:solidFill>
+                <a:latin typeface="+mj-lt"/>
+                <a:ea typeface="+mj-ea"/>
+                <a:cs typeface="+mj-cs"/>
+              </a:rPr>
+              <a:t>Ansible Architecture</a:t>
+            </a:r>
+            <a:endParaRPr lang="en-US" sz="3600" kern="1200" dirty="0">
+              <a:solidFill>
+                <a:srgbClr val="FFFFFF"/>
+              </a:solidFill>
+              <a:latin typeface="+mj-lt"/>
+              <a:ea typeface="+mj-ea"/>
+              <a:cs typeface="+mj-cs"/>
+            </a:endParaRPr>
+          </a:p>
+        </p:txBody>
+      </p:sp>
+      <p:pic>
+        <p:nvPicPr>
+          <p:cNvPr id="4" name="Picture 3">
+            <a:extLst>
+              <a:ext uri="{FF2B5EF4-FFF2-40B4-BE49-F238E27FC236}">
+                <a16:creationId xmlns:a16="http://schemas.microsoft.com/office/drawing/2014/main" id="{28A2D3FD-7D05-8035-871B-BC18824DA49F}"/>
+              </a:ext>
+            </a:extLst>
+          </p:cNvPr>
+          <p:cNvPicPr>
+            <a:picLocks noChangeAspect="1"/>
+          </p:cNvPicPr>
+          <p:nvPr/>
+        </p:nvPicPr>
+        <p:blipFill>
+          <a:blip r:embed="rId2"/>
+          <a:stretch>
+            <a:fillRect/>
+          </a:stretch>
+        </p:blipFill>
+        <p:spPr>
+          <a:xfrm>
+            <a:off x="1503699" y="5123653"/>
+            <a:ext cx="1678902" cy="839451"/>
+          </a:xfrm>
+          <a:prstGeom prst="rect">
+            <a:avLst/>
+          </a:prstGeom>
+        </p:spPr>
+      </p:pic>
+      <p:sp>
+        <p:nvSpPr>
+          <p:cNvPr id="3" name="Footer Placeholder 2">
+            <a:extLst>
+              <a:ext uri="{FF2B5EF4-FFF2-40B4-BE49-F238E27FC236}">
+                <a16:creationId xmlns:a16="http://schemas.microsoft.com/office/drawing/2014/main" id="{5AA19FA0-A765-8169-03F1-928E3EF7B595}"/>
+              </a:ext>
+            </a:extLst>
+          </p:cNvPr>
+          <p:cNvSpPr>
+            <a:spLocks noGrp="1"/>
+          </p:cNvSpPr>
+          <p:nvPr>
+            <p:ph type="ftr" sz="quarter" idx="11"/>
+          </p:nvPr>
+        </p:nvSpPr>
+        <p:spPr>
+          <a:xfrm>
+            <a:off x="1028700" y="6356350"/>
+            <a:ext cx="6210300" cy="365125"/>
+          </a:xfrm>
+        </p:spPr>
+        <p:txBody>
+          <a:bodyPr vert="horz" lIns="91440" tIns="45720" rIns="91440" bIns="45720" rtlCol="0" anchor="ctr">
+            <a:normAutofit/>
+          </a:bodyPr>
+          <a:lstStyle/>
+          <a:p>
+            <a:pPr algn="l">
+              <a:spcAft>
+                <a:spcPts val="600"/>
+              </a:spcAft>
+            </a:pPr>
+            <a:r>
+              <a:rPr lang="en-US" kern="1200">
+                <a:solidFill>
+                  <a:schemeClr val="tx1">
+                    <a:alpha val="80000"/>
+                  </a:schemeClr>
+                </a:solidFill>
+                <a:latin typeface="+mn-lt"/>
+                <a:ea typeface="+mn-ea"/>
+                <a:cs typeface="+mn-cs"/>
+              </a:rPr>
+              <a:t>Step 1 - Model - ver. 1</a:t>
+            </a:r>
+          </a:p>
+        </p:txBody>
+      </p:sp>
+      <p:sp>
+        <p:nvSpPr>
+          <p:cNvPr id="6" name="TextBox 5">
+            <a:extLst>
+              <a:ext uri="{FF2B5EF4-FFF2-40B4-BE49-F238E27FC236}">
+                <a16:creationId xmlns:a16="http://schemas.microsoft.com/office/drawing/2014/main" id="{D1FD7F83-D2DD-8542-651C-274C980E0291}"/>
+              </a:ext>
+            </a:extLst>
+          </p:cNvPr>
+          <p:cNvSpPr txBox="1"/>
+          <p:nvPr/>
+        </p:nvSpPr>
+        <p:spPr>
+          <a:xfrm>
+            <a:off x="4216526" y="1036664"/>
+            <a:ext cx="7523018" cy="4247317"/>
+          </a:xfrm>
+          <a:prstGeom prst="rect">
+            <a:avLst/>
+          </a:prstGeom>
+          <a:noFill/>
+        </p:spPr>
+        <p:txBody>
+          <a:bodyPr wrap="square">
+            <a:spAutoFit/>
+          </a:bodyPr>
+          <a:lstStyle/>
+          <a:p>
+            <a:r>
+              <a:rPr lang="en-US" dirty="0"/>
+              <a:t>    Control node: Commands and Playbooks can run by invoking /</a:t>
+            </a:r>
+            <a:r>
+              <a:rPr lang="en-US" dirty="0" err="1"/>
+              <a:t>usr</a:t>
+            </a:r>
+            <a:r>
+              <a:rPr lang="en-US" dirty="0"/>
+              <a:t>/bin/ansible or /</a:t>
+            </a:r>
+            <a:r>
+              <a:rPr lang="en-US" dirty="0" err="1"/>
+              <a:t>usr</a:t>
+            </a:r>
+            <a:r>
+              <a:rPr lang="en-US" dirty="0"/>
+              <a:t>/bin/ansible-playbook, from any control node. You can use any computer that has Python installed on it as a control node. However, one can not use a computer with Windows OS as a control node. One can have multiple control nodes.</a:t>
+            </a:r>
+          </a:p>
+          <a:p>
+            <a:r>
+              <a:rPr lang="en-US" dirty="0"/>
+              <a:t>    Managed nodes: Also sometimes called “hosts”, Managed nodes are the network devices (and/or servers) you manage with Ansible.</a:t>
+            </a:r>
+          </a:p>
+          <a:p>
+            <a:r>
+              <a:rPr lang="en-US" dirty="0"/>
+              <a:t>    Inventory: Also sometimes called “</a:t>
+            </a:r>
+            <a:r>
+              <a:rPr lang="en-US" dirty="0" err="1"/>
+              <a:t>hostfile</a:t>
+            </a:r>
+            <a:r>
+              <a:rPr lang="en-US" dirty="0"/>
+              <a:t>”, Inventory is the list of Managed nodes use to organize them. It is also used for creating and nesting groups for easier scaling.</a:t>
+            </a:r>
+          </a:p>
+          <a:p>
+            <a:r>
+              <a:rPr lang="en-US" dirty="0"/>
+              <a:t>    Modules: These are the units of code executed by Ansible. Each module can be used for a specific purpose. One can invoke a single module with a task, or invoke several different modules in a playbook.</a:t>
+            </a:r>
+          </a:p>
+          <a:p>
+            <a:r>
+              <a:rPr lang="en-US" dirty="0"/>
+              <a:t>    Tasks: The units of action in Ansible. One can execute a single task once with an ad-hoc command.</a:t>
+            </a:r>
+          </a:p>
+        </p:txBody>
+      </p:sp>
+      <p:sp>
+        <p:nvSpPr>
+          <p:cNvPr id="8" name="TextBox 7">
+            <a:extLst>
+              <a:ext uri="{FF2B5EF4-FFF2-40B4-BE49-F238E27FC236}">
+                <a16:creationId xmlns:a16="http://schemas.microsoft.com/office/drawing/2014/main" id="{96901502-3988-6DFA-1FFA-55C95A533429}"/>
+              </a:ext>
+            </a:extLst>
+          </p:cNvPr>
+          <p:cNvSpPr txBox="1"/>
+          <p:nvPr/>
+        </p:nvSpPr>
+        <p:spPr>
+          <a:xfrm>
+            <a:off x="4765963" y="6021228"/>
+            <a:ext cx="6096000" cy="276999"/>
+          </a:xfrm>
+          <a:prstGeom prst="rect">
+            <a:avLst/>
+          </a:prstGeom>
+          <a:noFill/>
+        </p:spPr>
+        <p:txBody>
+          <a:bodyPr wrap="square">
+            <a:spAutoFit/>
+          </a:bodyPr>
+          <a:lstStyle/>
+          <a:p>
+            <a:r>
+              <a:rPr lang="en-US" sz="1200" dirty="0"/>
+              <a:t>https://docs.ansible.com/ansible/latest/getting_started/basic_concepts.html</a:t>
+            </a:r>
+            <a:endParaRPr lang="ru-UA" sz="1200" dirty="0"/>
+          </a:p>
+        </p:txBody>
+      </p:sp>
+    </p:spTree>
+    <p:extLst>
+      <p:ext uri="{BB962C8B-B14F-4D97-AF65-F5344CB8AC3E}">
+        <p14:creationId xmlns:p14="http://schemas.microsoft.com/office/powerpoint/2010/main" val="955539517"/>
+      </p:ext>
+    </p:extLst>
+  </p:cSld>
+  <p:clrMapOvr>
+    <a:masterClrMapping/>
+  </p:clrMapOvr>
+</p:sld>
+</file>
+
+<file path=ppt/slides/slide22.xml><?xml version="1.0" encoding="utf-8"?>
+<p:sld xmlns:a="http://schemas.openxmlformats.org/drawingml/2006/main" xmlns:r="http://schemas.openxmlformats.org/officeDocument/2006/relationships" xmlns:p="http://schemas.openxmlformats.org/presentationml/2006/main">
+  <p:cSld>
+    <p:bg>
+      <p:bgPr>
+        <a:solidFill>
+          <a:schemeClr val="bg1"/>
+        </a:solidFill>
+        <a:effectLst/>
+      </p:bgPr>
+    </p:bg>
+    <p:spTree>
+      <p:nvGrpSpPr>
+        <p:cNvPr id="1" name=""/>
+        <p:cNvGrpSpPr/>
+        <p:nvPr/>
+      </p:nvGrpSpPr>
+      <p:grpSpPr>
+        <a:xfrm>
+          <a:off x="0" y="0"/>
+          <a:ext cx="0" cy="0"/>
+          <a:chOff x="0" y="0"/>
+          <a:chExt cx="0" cy="0"/>
+        </a:xfrm>
+      </p:grpSpPr>
+      <p:sp>
+        <p:nvSpPr>
+          <p:cNvPr id="9" name="Down Arrow 7">
+            <a:extLst>
+              <a:ext uri="{FF2B5EF4-FFF2-40B4-BE49-F238E27FC236}">
+                <a16:creationId xmlns:a16="http://schemas.microsoft.com/office/drawing/2014/main" id="{D4771268-CB57-404A-9271-370EB28F6090}"/>
+              </a:ext>
+              <a:ext uri="{C183D7F6-B498-43B3-948B-1728B52AA6E4}">
+                <adec:decorative xmlns:adec="http://schemas.microsoft.com/office/drawing/2017/decorative" val="1"/>
+              </a:ext>
+            </a:extLst>
+          </p:cNvPr>
+          <p:cNvSpPr>
+            <a:spLocks noGrp="1" noRot="1" noChangeAspect="1" noMove="1" noResize="1" noEditPoints="1" noAdjustHandles="1" noChangeArrowheads="1" noChangeShapeType="1" noTextEdit="1"/>
+          </p:cNvSpPr>
+          <p:nvPr>
+            <p:extLst>
+              <p:ext uri="{386F3935-93C4-4BCD-93E2-E3B085C9AB24}">
+                <p16:designElem xmlns:p16="http://schemas.microsoft.com/office/powerpoint/2015/main" val="1"/>
+              </p:ext>
+            </p:extLst>
+          </p:nvPr>
+        </p:nvSpPr>
+        <p:spPr>
+          <a:xfrm rot="16200000">
+            <a:off x="800100" y="1491343"/>
+            <a:ext cx="3333749" cy="3499103"/>
+          </a:xfrm>
+          <a:prstGeom prst="downArrow">
+            <a:avLst>
+              <a:gd name="adj1" fmla="val 100000"/>
+              <a:gd name="adj2" fmla="val 15788"/>
+            </a:avLst>
+          </a:prstGeom>
+          <a:solidFill>
+            <a:srgbClr val="404040"/>
+          </a:solidFill>
+          <a:ln w="53975">
+            <a:noFill/>
+          </a:ln>
+        </p:spPr>
+        <p:style>
+          <a:lnRef idx="2">
+            <a:schemeClr val="accent1">
+              <a:shade val="50000"/>
+            </a:schemeClr>
+          </a:lnRef>
+          <a:fillRef idx="1">
+            <a:schemeClr val="accent1"/>
+          </a:fillRef>
+          <a:effectRef idx="0">
+            <a:schemeClr val="accent1"/>
+          </a:effectRef>
+          <a:fontRef idx="minor">
+            <a:schemeClr val="lt1"/>
+          </a:fontRef>
+        </p:style>
+        <p:txBody>
+          <a:bodyPr rtlCol="0" anchor="ctr"/>
+          <a:lstStyle/>
+          <a:p>
+            <a:pPr algn="ctr"/>
+            <a:endParaRPr lang="en-US"/>
+          </a:p>
+        </p:txBody>
+      </p:sp>
+      <p:sp>
+        <p:nvSpPr>
+          <p:cNvPr id="2" name="Title 1">
+            <a:extLst>
+              <a:ext uri="{FF2B5EF4-FFF2-40B4-BE49-F238E27FC236}">
+                <a16:creationId xmlns:a16="http://schemas.microsoft.com/office/drawing/2014/main" id="{53C5D828-9666-E312-B574-9FE965A7D6BE}"/>
+              </a:ext>
+            </a:extLst>
+          </p:cNvPr>
+          <p:cNvSpPr>
+            <a:spLocks noGrp="1"/>
+          </p:cNvSpPr>
+          <p:nvPr>
+            <p:ph type="title"/>
+          </p:nvPr>
+        </p:nvSpPr>
+        <p:spPr>
+          <a:xfrm>
+            <a:off x="1028700" y="1967266"/>
+            <a:ext cx="2628900" cy="2547257"/>
+          </a:xfrm>
+          <a:noFill/>
+        </p:spPr>
+        <p:txBody>
+          <a:bodyPr vert="horz" lIns="91440" tIns="45720" rIns="91440" bIns="45720" rtlCol="0" anchor="ctr">
+            <a:normAutofit/>
+          </a:bodyPr>
+          <a:lstStyle/>
+          <a:p>
+            <a:pPr algn="ctr"/>
+            <a:r>
+              <a:rPr lang="en-US" sz="3600" dirty="0">
+                <a:solidFill>
+                  <a:srgbClr val="FFFFFF"/>
+                </a:solidFill>
+              </a:rPr>
+              <a:t>Ansible - Building an inventory</a:t>
+            </a:r>
+            <a:endParaRPr lang="en-US" sz="3600" kern="1200" dirty="0">
+              <a:solidFill>
+                <a:srgbClr val="FFFFFF"/>
+              </a:solidFill>
+              <a:latin typeface="+mj-lt"/>
+              <a:ea typeface="+mj-ea"/>
+              <a:cs typeface="+mj-cs"/>
+            </a:endParaRPr>
+          </a:p>
+        </p:txBody>
+      </p:sp>
+      <p:sp>
+        <p:nvSpPr>
+          <p:cNvPr id="3" name="Footer Placeholder 2">
+            <a:extLst>
+              <a:ext uri="{FF2B5EF4-FFF2-40B4-BE49-F238E27FC236}">
+                <a16:creationId xmlns:a16="http://schemas.microsoft.com/office/drawing/2014/main" id="{5AA19FA0-A765-8169-03F1-928E3EF7B595}"/>
+              </a:ext>
+            </a:extLst>
+          </p:cNvPr>
+          <p:cNvSpPr>
+            <a:spLocks noGrp="1"/>
+          </p:cNvSpPr>
+          <p:nvPr>
+            <p:ph type="ftr" sz="quarter" idx="11"/>
+          </p:nvPr>
+        </p:nvSpPr>
+        <p:spPr>
+          <a:xfrm>
+            <a:off x="1028700" y="6356350"/>
+            <a:ext cx="6210300" cy="365125"/>
+          </a:xfrm>
+        </p:spPr>
+        <p:txBody>
+          <a:bodyPr vert="horz" lIns="91440" tIns="45720" rIns="91440" bIns="45720" rtlCol="0" anchor="ctr">
+            <a:normAutofit/>
+          </a:bodyPr>
+          <a:lstStyle/>
+          <a:p>
+            <a:pPr algn="l">
+              <a:spcAft>
+                <a:spcPts val="600"/>
+              </a:spcAft>
+            </a:pPr>
+            <a:r>
+              <a:rPr lang="en-US" kern="1200">
+                <a:solidFill>
+                  <a:schemeClr val="tx1">
+                    <a:alpha val="80000"/>
+                  </a:schemeClr>
+                </a:solidFill>
+                <a:latin typeface="+mn-lt"/>
+                <a:ea typeface="+mn-ea"/>
+                <a:cs typeface="+mn-cs"/>
+              </a:rPr>
+              <a:t>Step 1 - Model - ver. 1</a:t>
+            </a:r>
+          </a:p>
+        </p:txBody>
+      </p:sp>
+      <p:pic>
+        <p:nvPicPr>
+          <p:cNvPr id="5" name="Picture 4">
+            <a:extLst>
+              <a:ext uri="{FF2B5EF4-FFF2-40B4-BE49-F238E27FC236}">
+                <a16:creationId xmlns:a16="http://schemas.microsoft.com/office/drawing/2014/main" id="{F13C6C4A-F37A-C4A5-EA65-CC66DD6DCA67}"/>
+              </a:ext>
+            </a:extLst>
+          </p:cNvPr>
+          <p:cNvPicPr>
+            <a:picLocks noChangeAspect="1"/>
+          </p:cNvPicPr>
+          <p:nvPr/>
+        </p:nvPicPr>
+        <p:blipFill>
+          <a:blip r:embed="rId2"/>
+          <a:stretch>
+            <a:fillRect/>
+          </a:stretch>
+        </p:blipFill>
+        <p:spPr>
+          <a:xfrm>
+            <a:off x="1388385" y="5145227"/>
+            <a:ext cx="1698266" cy="817877"/>
+          </a:xfrm>
+          <a:prstGeom prst="rect">
+            <a:avLst/>
+          </a:prstGeom>
+        </p:spPr>
+      </p:pic>
+      <p:sp>
+        <p:nvSpPr>
+          <p:cNvPr id="10" name="TextBox 9">
+            <a:extLst>
+              <a:ext uri="{FF2B5EF4-FFF2-40B4-BE49-F238E27FC236}">
+                <a16:creationId xmlns:a16="http://schemas.microsoft.com/office/drawing/2014/main" id="{82295023-874F-775A-245F-361DE33C4AD9}"/>
+              </a:ext>
+            </a:extLst>
+          </p:cNvPr>
+          <p:cNvSpPr txBox="1"/>
+          <p:nvPr/>
+        </p:nvSpPr>
+        <p:spPr>
+          <a:xfrm>
+            <a:off x="4807527" y="1768448"/>
+            <a:ext cx="6096000" cy="3139321"/>
+          </a:xfrm>
+          <a:prstGeom prst="rect">
+            <a:avLst/>
+          </a:prstGeom>
+          <a:noFill/>
+        </p:spPr>
+        <p:txBody>
+          <a:bodyPr wrap="square">
+            <a:spAutoFit/>
+          </a:bodyPr>
+          <a:lstStyle/>
+          <a:p>
+            <a:r>
+              <a:rPr lang="en-US" dirty="0"/>
+              <a:t>Inventories organize managed nodes in centralized files that provide Ansible with system information and network locations. Using an inventory file, Ansible can manage a large number of hosts with a single command.</a:t>
+            </a:r>
+          </a:p>
+          <a:p>
+            <a:endParaRPr lang="en-US" dirty="0"/>
+          </a:p>
+          <a:p>
+            <a:r>
+              <a:rPr lang="en-US" dirty="0"/>
+              <a:t>To complete the following steps, you will need the IP address or fully qualified domain name (FQDN) of at least one host system. For demonstration purposes, the host could be running locally in a container or a virtual machine. You must also ensure that your public SSH key is added to the </a:t>
+            </a:r>
+            <a:r>
+              <a:rPr lang="en-US" dirty="0" err="1"/>
+              <a:t>authorized_keys</a:t>
+            </a:r>
+            <a:r>
+              <a:rPr lang="en-US" dirty="0"/>
+              <a:t> file on each host.</a:t>
+            </a:r>
+            <a:endParaRPr lang="ru-UA" dirty="0"/>
+          </a:p>
+        </p:txBody>
+      </p:sp>
+      <p:sp>
+        <p:nvSpPr>
+          <p:cNvPr id="12" name="TextBox 11">
+            <a:extLst>
+              <a:ext uri="{FF2B5EF4-FFF2-40B4-BE49-F238E27FC236}">
+                <a16:creationId xmlns:a16="http://schemas.microsoft.com/office/drawing/2014/main" id="{0247332F-05A4-9E2E-77A4-2651C868E60C}"/>
+              </a:ext>
+            </a:extLst>
+          </p:cNvPr>
+          <p:cNvSpPr txBox="1"/>
+          <p:nvPr/>
+        </p:nvSpPr>
+        <p:spPr>
+          <a:xfrm>
+            <a:off x="4558145" y="5882728"/>
+            <a:ext cx="6096000" cy="276999"/>
+          </a:xfrm>
+          <a:prstGeom prst="rect">
+            <a:avLst/>
+          </a:prstGeom>
+          <a:noFill/>
+        </p:spPr>
+        <p:txBody>
+          <a:bodyPr wrap="square">
+            <a:spAutoFit/>
+          </a:bodyPr>
+          <a:lstStyle/>
+          <a:p>
+            <a:r>
+              <a:rPr lang="en-US" sz="1200" dirty="0"/>
+              <a:t>https://docs.ansible.com/ansible/latest/getting_started/get_started_inventory.html#</a:t>
+            </a:r>
+            <a:endParaRPr lang="ru-UA" sz="1200" dirty="0"/>
+          </a:p>
+        </p:txBody>
+      </p:sp>
+    </p:spTree>
+    <p:extLst>
+      <p:ext uri="{BB962C8B-B14F-4D97-AF65-F5344CB8AC3E}">
+        <p14:creationId xmlns:p14="http://schemas.microsoft.com/office/powerpoint/2010/main" val="4075213889"/>
+      </p:ext>
+    </p:extLst>
+  </p:cSld>
+  <p:clrMapOvr>
+    <a:masterClrMapping/>
+  </p:clrMapOvr>
+</p:sld>
+</file>
+
+<file path=ppt/slides/slide23.xml><?xml version="1.0" encoding="utf-8"?>
+<p:sld xmlns:a="http://schemas.openxmlformats.org/drawingml/2006/main" xmlns:r="http://schemas.openxmlformats.org/officeDocument/2006/relationships" xmlns:p="http://schemas.openxmlformats.org/presentationml/2006/main">
+  <p:cSld>
+    <p:bg>
+      <p:bgPr>
+        <a:solidFill>
+          <a:schemeClr val="bg1"/>
+        </a:solidFill>
+        <a:effectLst/>
+      </p:bgPr>
+    </p:bg>
+    <p:spTree>
+      <p:nvGrpSpPr>
+        <p:cNvPr id="1" name=""/>
+        <p:cNvGrpSpPr/>
+        <p:nvPr/>
+      </p:nvGrpSpPr>
+      <p:grpSpPr>
+        <a:xfrm>
+          <a:off x="0" y="0"/>
+          <a:ext cx="0" cy="0"/>
+          <a:chOff x="0" y="0"/>
+          <a:chExt cx="0" cy="0"/>
+        </a:xfrm>
+      </p:grpSpPr>
+      <p:sp>
+        <p:nvSpPr>
+          <p:cNvPr id="9" name="Down Arrow 7">
+            <a:extLst>
+              <a:ext uri="{FF2B5EF4-FFF2-40B4-BE49-F238E27FC236}">
+                <a16:creationId xmlns:a16="http://schemas.microsoft.com/office/drawing/2014/main" id="{D4771268-CB57-404A-9271-370EB28F6090}"/>
+              </a:ext>
+              <a:ext uri="{C183D7F6-B498-43B3-948B-1728B52AA6E4}">
+                <adec:decorative xmlns:adec="http://schemas.microsoft.com/office/drawing/2017/decorative" val="1"/>
+              </a:ext>
+            </a:extLst>
+          </p:cNvPr>
+          <p:cNvSpPr>
+            <a:spLocks noGrp="1" noRot="1" noChangeAspect="1" noMove="1" noResize="1" noEditPoints="1" noAdjustHandles="1" noChangeArrowheads="1" noChangeShapeType="1" noTextEdit="1"/>
+          </p:cNvSpPr>
+          <p:nvPr>
+            <p:extLst>
+              <p:ext uri="{386F3935-93C4-4BCD-93E2-E3B085C9AB24}">
+                <p16:designElem xmlns:p16="http://schemas.microsoft.com/office/powerpoint/2015/main" val="1"/>
+              </p:ext>
+            </p:extLst>
+          </p:nvPr>
+        </p:nvSpPr>
+        <p:spPr>
+          <a:xfrm rot="16200000">
+            <a:off x="800100" y="1491343"/>
+            <a:ext cx="3333749" cy="3499103"/>
+          </a:xfrm>
+          <a:prstGeom prst="downArrow">
+            <a:avLst>
+              <a:gd name="adj1" fmla="val 100000"/>
+              <a:gd name="adj2" fmla="val 15788"/>
+            </a:avLst>
+          </a:prstGeom>
+          <a:solidFill>
+            <a:srgbClr val="404040"/>
+          </a:solidFill>
+          <a:ln w="53975">
+            <a:noFill/>
+          </a:ln>
+        </p:spPr>
+        <p:style>
+          <a:lnRef idx="2">
+            <a:schemeClr val="accent1">
+              <a:shade val="50000"/>
+            </a:schemeClr>
+          </a:lnRef>
+          <a:fillRef idx="1">
+            <a:schemeClr val="accent1"/>
+          </a:fillRef>
+          <a:effectRef idx="0">
+            <a:schemeClr val="accent1"/>
+          </a:effectRef>
+          <a:fontRef idx="minor">
+            <a:schemeClr val="lt1"/>
+          </a:fontRef>
+        </p:style>
+        <p:txBody>
+          <a:bodyPr rtlCol="0" anchor="ctr"/>
+          <a:lstStyle/>
+          <a:p>
+            <a:pPr algn="ctr"/>
+            <a:endParaRPr lang="en-US"/>
+          </a:p>
+        </p:txBody>
+      </p:sp>
+      <p:sp>
+        <p:nvSpPr>
+          <p:cNvPr id="2" name="Title 1">
+            <a:extLst>
+              <a:ext uri="{FF2B5EF4-FFF2-40B4-BE49-F238E27FC236}">
+                <a16:creationId xmlns:a16="http://schemas.microsoft.com/office/drawing/2014/main" id="{53C5D828-9666-E312-B574-9FE965A7D6BE}"/>
+              </a:ext>
+            </a:extLst>
+          </p:cNvPr>
+          <p:cNvSpPr>
+            <a:spLocks noGrp="1"/>
+          </p:cNvSpPr>
+          <p:nvPr>
+            <p:ph type="title"/>
+          </p:nvPr>
+        </p:nvSpPr>
+        <p:spPr>
+          <a:xfrm>
+            <a:off x="1028700" y="1967266"/>
+            <a:ext cx="2628900" cy="2547257"/>
+          </a:xfrm>
+          <a:noFill/>
+        </p:spPr>
+        <p:txBody>
+          <a:bodyPr vert="horz" lIns="91440" tIns="45720" rIns="91440" bIns="45720" rtlCol="0" anchor="ctr">
+            <a:normAutofit/>
+          </a:bodyPr>
+          <a:lstStyle/>
+          <a:p>
+            <a:pPr algn="ctr"/>
+            <a:r>
+              <a:rPr lang="en-US" sz="3600" dirty="0">
+                <a:solidFill>
+                  <a:srgbClr val="FFFFFF"/>
+                </a:solidFill>
+              </a:rPr>
+              <a:t>Ansible - Building an inventory</a:t>
+            </a:r>
+            <a:endParaRPr lang="en-US" sz="3600" kern="1200" dirty="0">
+              <a:solidFill>
+                <a:srgbClr val="FFFFFF"/>
+              </a:solidFill>
+              <a:latin typeface="+mj-lt"/>
+              <a:ea typeface="+mj-ea"/>
+              <a:cs typeface="+mj-cs"/>
+            </a:endParaRPr>
+          </a:p>
+        </p:txBody>
+      </p:sp>
+      <p:sp>
+        <p:nvSpPr>
+          <p:cNvPr id="3" name="Footer Placeholder 2">
+            <a:extLst>
+              <a:ext uri="{FF2B5EF4-FFF2-40B4-BE49-F238E27FC236}">
+                <a16:creationId xmlns:a16="http://schemas.microsoft.com/office/drawing/2014/main" id="{5AA19FA0-A765-8169-03F1-928E3EF7B595}"/>
+              </a:ext>
+            </a:extLst>
+          </p:cNvPr>
+          <p:cNvSpPr>
+            <a:spLocks noGrp="1"/>
+          </p:cNvSpPr>
+          <p:nvPr>
+            <p:ph type="ftr" sz="quarter" idx="11"/>
+          </p:nvPr>
+        </p:nvSpPr>
+        <p:spPr>
+          <a:xfrm>
+            <a:off x="1028700" y="6356350"/>
+            <a:ext cx="6210300" cy="365125"/>
+          </a:xfrm>
+        </p:spPr>
+        <p:txBody>
+          <a:bodyPr vert="horz" lIns="91440" tIns="45720" rIns="91440" bIns="45720" rtlCol="0" anchor="ctr">
+            <a:normAutofit/>
+          </a:bodyPr>
+          <a:lstStyle/>
+          <a:p>
+            <a:pPr algn="l">
+              <a:spcAft>
+                <a:spcPts val="600"/>
+              </a:spcAft>
+            </a:pPr>
+            <a:r>
+              <a:rPr lang="en-US" kern="1200">
+                <a:solidFill>
+                  <a:schemeClr val="tx1">
+                    <a:alpha val="80000"/>
+                  </a:schemeClr>
+                </a:solidFill>
+                <a:latin typeface="+mn-lt"/>
+                <a:ea typeface="+mn-ea"/>
+                <a:cs typeface="+mn-cs"/>
+              </a:rPr>
+              <a:t>Step 1 - Model - ver. 1</a:t>
+            </a:r>
+          </a:p>
+        </p:txBody>
+      </p:sp>
+      <p:pic>
+        <p:nvPicPr>
+          <p:cNvPr id="4" name="Picture 3">
+            <a:extLst>
+              <a:ext uri="{FF2B5EF4-FFF2-40B4-BE49-F238E27FC236}">
+                <a16:creationId xmlns:a16="http://schemas.microsoft.com/office/drawing/2014/main" id="{E5B61C1D-CA2C-C2B6-46ED-F1AA69993E96}"/>
+              </a:ext>
+            </a:extLst>
+          </p:cNvPr>
+          <p:cNvPicPr>
+            <a:picLocks noChangeAspect="1"/>
+          </p:cNvPicPr>
+          <p:nvPr/>
+        </p:nvPicPr>
+        <p:blipFill>
+          <a:blip r:embed="rId2"/>
+          <a:stretch>
+            <a:fillRect/>
+          </a:stretch>
+        </p:blipFill>
+        <p:spPr>
+          <a:xfrm>
+            <a:off x="1376073" y="5136041"/>
+            <a:ext cx="1658074" cy="1026427"/>
+          </a:xfrm>
+          <a:prstGeom prst="rect">
+            <a:avLst/>
+          </a:prstGeom>
+        </p:spPr>
+      </p:pic>
+      <p:sp>
+        <p:nvSpPr>
+          <p:cNvPr id="7" name="TextBox 6">
+            <a:extLst>
+              <a:ext uri="{FF2B5EF4-FFF2-40B4-BE49-F238E27FC236}">
+                <a16:creationId xmlns:a16="http://schemas.microsoft.com/office/drawing/2014/main" id="{B7D913B4-1DD7-F1BB-EB0A-B6E520620316}"/>
+              </a:ext>
+            </a:extLst>
+          </p:cNvPr>
+          <p:cNvSpPr txBox="1"/>
+          <p:nvPr/>
+        </p:nvSpPr>
+        <p:spPr>
+          <a:xfrm>
+            <a:off x="4216526" y="570941"/>
+            <a:ext cx="7920056" cy="5355312"/>
+          </a:xfrm>
+          <a:prstGeom prst="rect">
+            <a:avLst/>
+          </a:prstGeom>
+          <a:noFill/>
+        </p:spPr>
+        <p:txBody>
+          <a:bodyPr wrap="square">
+            <a:spAutoFit/>
+          </a:bodyPr>
+          <a:lstStyle/>
+          <a:p>
+            <a:r>
+              <a:rPr lang="en-US" dirty="0"/>
+              <a:t>Playbooks are automation blueprints, in YAML format, that Ansible uses to deploy and configure managed nodes.</a:t>
+            </a:r>
+          </a:p>
+          <a:p>
+            <a:endParaRPr lang="en-US" dirty="0"/>
+          </a:p>
+          <a:p>
+            <a:r>
+              <a:rPr lang="en-US" dirty="0"/>
+              <a:t>Playbook</a:t>
+            </a:r>
+          </a:p>
+          <a:p>
+            <a:endParaRPr lang="en-US" dirty="0"/>
+          </a:p>
+          <a:p>
+            <a:r>
+              <a:rPr lang="en-US" dirty="0"/>
+              <a:t>    A list of plays that define the order in which Ansible performs operations, from top to bottom, to achieve an overall goal.</a:t>
+            </a:r>
+          </a:p>
+          <a:p>
+            <a:r>
+              <a:rPr lang="en-US" dirty="0"/>
+              <a:t>Play</a:t>
+            </a:r>
+          </a:p>
+          <a:p>
+            <a:endParaRPr lang="en-US" dirty="0"/>
+          </a:p>
+          <a:p>
+            <a:r>
+              <a:rPr lang="en-US" dirty="0"/>
+              <a:t>    An ordered list of tasks that maps to managed nodes in an inventory.</a:t>
+            </a:r>
+          </a:p>
+          <a:p>
+            <a:r>
+              <a:rPr lang="en-US" dirty="0"/>
+              <a:t>Task</a:t>
+            </a:r>
+          </a:p>
+          <a:p>
+            <a:endParaRPr lang="en-US" dirty="0"/>
+          </a:p>
+          <a:p>
+            <a:r>
+              <a:rPr lang="en-US" dirty="0"/>
+              <a:t>    A reference to a single module that defines the operations that Ansible performs.</a:t>
+            </a:r>
+          </a:p>
+          <a:p>
+            <a:r>
+              <a:rPr lang="en-US" dirty="0"/>
+              <a:t>Module</a:t>
+            </a:r>
+          </a:p>
+          <a:p>
+            <a:endParaRPr lang="en-US" dirty="0"/>
+          </a:p>
+          <a:p>
+            <a:r>
+              <a:rPr lang="en-US" dirty="0"/>
+              <a:t>    A unit of code or binary that Ansible runs on managed nodes. Ansible modules are grouped in collections with a Fully Qualified Collection Name (FQCN) for each module.</a:t>
+            </a:r>
+          </a:p>
+        </p:txBody>
+      </p:sp>
+      <p:sp>
+        <p:nvSpPr>
+          <p:cNvPr id="11" name="TextBox 10">
+            <a:extLst>
+              <a:ext uri="{FF2B5EF4-FFF2-40B4-BE49-F238E27FC236}">
+                <a16:creationId xmlns:a16="http://schemas.microsoft.com/office/drawing/2014/main" id="{F788A21C-E612-63FB-861A-CFA09261C56A}"/>
+              </a:ext>
+            </a:extLst>
+          </p:cNvPr>
+          <p:cNvSpPr txBox="1"/>
+          <p:nvPr/>
+        </p:nvSpPr>
+        <p:spPr>
+          <a:xfrm>
+            <a:off x="4599709" y="6023968"/>
+            <a:ext cx="6096000" cy="276999"/>
+          </a:xfrm>
+          <a:prstGeom prst="rect">
+            <a:avLst/>
+          </a:prstGeom>
+          <a:noFill/>
+        </p:spPr>
+        <p:txBody>
+          <a:bodyPr wrap="square">
+            <a:spAutoFit/>
+          </a:bodyPr>
+          <a:lstStyle/>
+          <a:p>
+            <a:r>
+              <a:rPr lang="ru-UA" sz="1200" dirty="0"/>
+              <a:t>https://docs.ansible.com/ansible/latest/getting_started/get_started_playbook.html</a:t>
+            </a:r>
+          </a:p>
+        </p:txBody>
+      </p:sp>
+    </p:spTree>
+    <p:extLst>
+      <p:ext uri="{BB962C8B-B14F-4D97-AF65-F5344CB8AC3E}">
+        <p14:creationId xmlns:p14="http://schemas.microsoft.com/office/powerpoint/2010/main" val="1394515765"/>
+      </p:ext>
+    </p:extLst>
+  </p:cSld>
+  <p:clrMapOvr>
+    <a:masterClrMapping/>
+  </p:clrMapOvr>
+</p:sld>
+</file>
+
+<file path=ppt/slides/slide24.xml><?xml version="1.0" encoding="utf-8"?>
+<p:sld xmlns:a="http://schemas.openxmlformats.org/drawingml/2006/main" xmlns:r="http://schemas.openxmlformats.org/officeDocument/2006/relationships" xmlns:p="http://schemas.openxmlformats.org/presentationml/2006/main">
+  <p:cSld>
+    <p:bg>
+      <p:bgPr>
+        <a:solidFill>
+          <a:schemeClr val="bg1"/>
+        </a:solidFill>
+        <a:effectLst/>
+      </p:bgPr>
+    </p:bg>
+    <p:spTree>
+      <p:nvGrpSpPr>
+        <p:cNvPr id="1" name=""/>
+        <p:cNvGrpSpPr/>
+        <p:nvPr/>
+      </p:nvGrpSpPr>
+      <p:grpSpPr>
+        <a:xfrm>
+          <a:off x="0" y="0"/>
+          <a:ext cx="0" cy="0"/>
+          <a:chOff x="0" y="0"/>
+          <a:chExt cx="0" cy="0"/>
+        </a:xfrm>
+      </p:grpSpPr>
+      <p:sp>
+        <p:nvSpPr>
+          <p:cNvPr id="9" name="Down Arrow 7">
+            <a:extLst>
+              <a:ext uri="{FF2B5EF4-FFF2-40B4-BE49-F238E27FC236}">
+                <a16:creationId xmlns:a16="http://schemas.microsoft.com/office/drawing/2014/main" id="{D4771268-CB57-404A-9271-370EB28F6090}"/>
+              </a:ext>
+              <a:ext uri="{C183D7F6-B498-43B3-948B-1728B52AA6E4}">
+                <adec:decorative xmlns:adec="http://schemas.microsoft.com/office/drawing/2017/decorative" val="1"/>
+              </a:ext>
+            </a:extLst>
+          </p:cNvPr>
+          <p:cNvSpPr>
+            <a:spLocks noGrp="1" noRot="1" noChangeAspect="1" noMove="1" noResize="1" noEditPoints="1" noAdjustHandles="1" noChangeArrowheads="1" noChangeShapeType="1" noTextEdit="1"/>
+          </p:cNvSpPr>
+          <p:nvPr>
+            <p:extLst>
+              <p:ext uri="{386F3935-93C4-4BCD-93E2-E3B085C9AB24}">
+                <p16:designElem xmlns:p16="http://schemas.microsoft.com/office/powerpoint/2015/main" val="1"/>
+              </p:ext>
+            </p:extLst>
+          </p:nvPr>
+        </p:nvSpPr>
+        <p:spPr>
+          <a:xfrm rot="16200000">
+            <a:off x="800100" y="1491343"/>
+            <a:ext cx="3333749" cy="3499103"/>
+          </a:xfrm>
+          <a:prstGeom prst="downArrow">
+            <a:avLst>
+              <a:gd name="adj1" fmla="val 100000"/>
+              <a:gd name="adj2" fmla="val 15788"/>
+            </a:avLst>
+          </a:prstGeom>
+          <a:solidFill>
+            <a:srgbClr val="404040"/>
+          </a:solidFill>
+          <a:ln w="53975">
+            <a:noFill/>
+          </a:ln>
+        </p:spPr>
+        <p:style>
+          <a:lnRef idx="2">
+            <a:schemeClr val="accent1">
+              <a:shade val="50000"/>
+            </a:schemeClr>
+          </a:lnRef>
+          <a:fillRef idx="1">
+            <a:schemeClr val="accent1"/>
+          </a:fillRef>
+          <a:effectRef idx="0">
+            <a:schemeClr val="accent1"/>
+          </a:effectRef>
+          <a:fontRef idx="minor">
+            <a:schemeClr val="lt1"/>
+          </a:fontRef>
+        </p:style>
+        <p:txBody>
+          <a:bodyPr rtlCol="0" anchor="ctr"/>
+          <a:lstStyle/>
+          <a:p>
+            <a:pPr algn="ctr"/>
+            <a:endParaRPr lang="en-US"/>
+          </a:p>
+        </p:txBody>
+      </p:sp>
+      <p:sp>
+        <p:nvSpPr>
+          <p:cNvPr id="2" name="Title 1">
+            <a:extLst>
+              <a:ext uri="{FF2B5EF4-FFF2-40B4-BE49-F238E27FC236}">
+                <a16:creationId xmlns:a16="http://schemas.microsoft.com/office/drawing/2014/main" id="{53C5D828-9666-E312-B574-9FE965A7D6BE}"/>
+              </a:ext>
+            </a:extLst>
+          </p:cNvPr>
+          <p:cNvSpPr>
+            <a:spLocks noGrp="1"/>
+          </p:cNvSpPr>
+          <p:nvPr>
+            <p:ph type="title"/>
+          </p:nvPr>
+        </p:nvSpPr>
+        <p:spPr>
+          <a:xfrm>
+            <a:off x="1028700" y="1967266"/>
+            <a:ext cx="2628900" cy="2547257"/>
+          </a:xfrm>
+          <a:noFill/>
+        </p:spPr>
+        <p:txBody>
+          <a:bodyPr vert="horz" lIns="91440" tIns="45720" rIns="91440" bIns="45720" rtlCol="0" anchor="ctr">
+            <a:normAutofit/>
+          </a:bodyPr>
+          <a:lstStyle/>
+          <a:p>
+            <a:pPr algn="ctr"/>
+            <a:r>
+              <a:rPr lang="en-US" sz="3600" dirty="0">
+                <a:solidFill>
+                  <a:srgbClr val="FFFFFF"/>
+                </a:solidFill>
+              </a:rPr>
+              <a:t>Ansible Roles</a:t>
+            </a:r>
+            <a:endParaRPr lang="en-US" sz="3600" kern="1200" dirty="0">
+              <a:solidFill>
+                <a:srgbClr val="FFFFFF"/>
+              </a:solidFill>
+              <a:latin typeface="+mj-lt"/>
+              <a:ea typeface="+mj-ea"/>
+              <a:cs typeface="+mj-cs"/>
+            </a:endParaRPr>
+          </a:p>
+        </p:txBody>
+      </p:sp>
+      <p:sp>
+        <p:nvSpPr>
+          <p:cNvPr id="3" name="Footer Placeholder 2">
+            <a:extLst>
+              <a:ext uri="{FF2B5EF4-FFF2-40B4-BE49-F238E27FC236}">
+                <a16:creationId xmlns:a16="http://schemas.microsoft.com/office/drawing/2014/main" id="{5AA19FA0-A765-8169-03F1-928E3EF7B595}"/>
+              </a:ext>
+            </a:extLst>
+          </p:cNvPr>
+          <p:cNvSpPr>
+            <a:spLocks noGrp="1"/>
+          </p:cNvSpPr>
+          <p:nvPr>
+            <p:ph type="ftr" sz="quarter" idx="11"/>
+          </p:nvPr>
+        </p:nvSpPr>
+        <p:spPr>
+          <a:xfrm>
+            <a:off x="1028700" y="6356350"/>
+            <a:ext cx="6210300" cy="365125"/>
+          </a:xfrm>
+        </p:spPr>
+        <p:txBody>
+          <a:bodyPr vert="horz" lIns="91440" tIns="45720" rIns="91440" bIns="45720" rtlCol="0" anchor="ctr">
+            <a:normAutofit/>
+          </a:bodyPr>
+          <a:lstStyle/>
+          <a:p>
+            <a:pPr algn="l">
+              <a:spcAft>
+                <a:spcPts val="600"/>
+              </a:spcAft>
+            </a:pPr>
+            <a:r>
+              <a:rPr lang="en-US" kern="1200">
+                <a:solidFill>
+                  <a:schemeClr val="tx1">
+                    <a:alpha val="80000"/>
+                  </a:schemeClr>
+                </a:solidFill>
+                <a:latin typeface="+mn-lt"/>
+                <a:ea typeface="+mn-ea"/>
+                <a:cs typeface="+mn-cs"/>
+              </a:rPr>
+              <a:t>Step 1 - Model - ver. 1</a:t>
+            </a:r>
+          </a:p>
+        </p:txBody>
+      </p:sp>
+      <p:sp>
+        <p:nvSpPr>
+          <p:cNvPr id="6" name="TextBox 5">
+            <a:extLst>
+              <a:ext uri="{FF2B5EF4-FFF2-40B4-BE49-F238E27FC236}">
+                <a16:creationId xmlns:a16="http://schemas.microsoft.com/office/drawing/2014/main" id="{971188D3-ABDB-59D4-7320-5A1CD01AB180}"/>
+              </a:ext>
+            </a:extLst>
+          </p:cNvPr>
+          <p:cNvSpPr txBox="1"/>
+          <p:nvPr/>
+        </p:nvSpPr>
+        <p:spPr>
+          <a:xfrm>
+            <a:off x="4779818" y="1720840"/>
+            <a:ext cx="6096000" cy="3416320"/>
+          </a:xfrm>
+          <a:prstGeom prst="rect">
+            <a:avLst/>
+          </a:prstGeom>
+          <a:noFill/>
+        </p:spPr>
+        <p:txBody>
+          <a:bodyPr wrap="square">
+            <a:spAutoFit/>
+          </a:bodyPr>
+          <a:lstStyle/>
+          <a:p>
+            <a:r>
+              <a:rPr lang="en-US" dirty="0"/>
+              <a:t>Ansible material can be arranged and reused using Ansible roles. They usually include a collection of variables, handlers, tasks, and templates used to carry out a particular activity, like setting up an application or installing and configuring a web </a:t>
+            </a:r>
+            <a:r>
+              <a:rPr lang="en-US" dirty="0" err="1"/>
+              <a:t>server.Ansible</a:t>
+            </a:r>
+            <a:r>
+              <a:rPr lang="en-US" dirty="0"/>
+              <a:t> playbooks can be made more modular and reusable by using roles. To deploy many web apps, you could, for instance, build a role for installing and configuring the Apache web server and then </a:t>
+            </a:r>
+            <a:r>
+              <a:rPr lang="en-US" dirty="0" err="1"/>
+              <a:t>utilise</a:t>
+            </a:r>
+            <a:r>
+              <a:rPr lang="en-US" dirty="0"/>
+              <a:t> that role repeatedly in different </a:t>
+            </a:r>
+            <a:r>
+              <a:rPr lang="en-US" dirty="0" err="1"/>
+              <a:t>playbooks.Sharing</a:t>
+            </a:r>
+            <a:r>
+              <a:rPr lang="en-US" dirty="0"/>
+              <a:t> Ansible material with other people is another way to use roles. To make your roles available for usage in other people’s playbooks, you can publish them to Ansible Galaxy, a public repository for Ansible roles.</a:t>
+            </a:r>
+            <a:endParaRPr lang="ru-UA" dirty="0"/>
+          </a:p>
+        </p:txBody>
+      </p:sp>
+    </p:spTree>
+    <p:extLst>
+      <p:ext uri="{BB962C8B-B14F-4D97-AF65-F5344CB8AC3E}">
+        <p14:creationId xmlns:p14="http://schemas.microsoft.com/office/powerpoint/2010/main" val="2894895994"/>
+      </p:ext>
+    </p:extLst>
+  </p:cSld>
+  <p:clrMapOvr>
+    <a:masterClrMapping/>
+  </p:clrMapOvr>
+</p:sld>
+</file>
+
+<file path=ppt/slides/slide25.xml><?xml version="1.0" encoding="utf-8"?>
+<p:sld xmlns:a="http://schemas.openxmlformats.org/drawingml/2006/main" xmlns:r="http://schemas.openxmlformats.org/officeDocument/2006/relationships" xmlns:p="http://schemas.openxmlformats.org/presentationml/2006/main">
+  <p:cSld>
+    <p:bg>
+      <p:bgPr>
+        <a:solidFill>
+          <a:schemeClr val="bg1"/>
+        </a:solidFill>
+        <a:effectLst/>
+      </p:bgPr>
+    </p:bg>
+    <p:spTree>
+      <p:nvGrpSpPr>
+        <p:cNvPr id="1" name=""/>
+        <p:cNvGrpSpPr/>
+        <p:nvPr/>
+      </p:nvGrpSpPr>
+      <p:grpSpPr>
+        <a:xfrm>
+          <a:off x="0" y="0"/>
+          <a:ext cx="0" cy="0"/>
+          <a:chOff x="0" y="0"/>
+          <a:chExt cx="0" cy="0"/>
+        </a:xfrm>
+      </p:grpSpPr>
+      <p:sp>
+        <p:nvSpPr>
+          <p:cNvPr id="9" name="Down Arrow 7">
+            <a:extLst>
+              <a:ext uri="{FF2B5EF4-FFF2-40B4-BE49-F238E27FC236}">
+                <a16:creationId xmlns:a16="http://schemas.microsoft.com/office/drawing/2014/main" id="{D4771268-CB57-404A-9271-370EB28F6090}"/>
+              </a:ext>
+              <a:ext uri="{C183D7F6-B498-43B3-948B-1728B52AA6E4}">
+                <adec:decorative xmlns:adec="http://schemas.microsoft.com/office/drawing/2017/decorative" val="1"/>
+              </a:ext>
+            </a:extLst>
+          </p:cNvPr>
+          <p:cNvSpPr>
+            <a:spLocks noGrp="1" noRot="1" noChangeAspect="1" noMove="1" noResize="1" noEditPoints="1" noAdjustHandles="1" noChangeArrowheads="1" noChangeShapeType="1" noTextEdit="1"/>
+          </p:cNvSpPr>
+          <p:nvPr>
+            <p:extLst>
+              <p:ext uri="{386F3935-93C4-4BCD-93E2-E3B085C9AB24}">
+                <p16:designElem xmlns:p16="http://schemas.microsoft.com/office/powerpoint/2015/main" val="1"/>
+              </p:ext>
+            </p:extLst>
+          </p:nvPr>
+        </p:nvSpPr>
+        <p:spPr>
+          <a:xfrm rot="16200000">
+            <a:off x="800100" y="1491343"/>
+            <a:ext cx="3333749" cy="3499103"/>
+          </a:xfrm>
+          <a:prstGeom prst="downArrow">
+            <a:avLst>
+              <a:gd name="adj1" fmla="val 100000"/>
+              <a:gd name="adj2" fmla="val 15788"/>
+            </a:avLst>
+          </a:prstGeom>
+          <a:solidFill>
+            <a:srgbClr val="404040"/>
+          </a:solidFill>
+          <a:ln w="53975">
+            <a:noFill/>
+          </a:ln>
+        </p:spPr>
+        <p:style>
+          <a:lnRef idx="2">
+            <a:schemeClr val="accent1">
+              <a:shade val="50000"/>
+            </a:schemeClr>
+          </a:lnRef>
+          <a:fillRef idx="1">
+            <a:schemeClr val="accent1"/>
+          </a:fillRef>
+          <a:effectRef idx="0">
+            <a:schemeClr val="accent1"/>
+          </a:effectRef>
+          <a:fontRef idx="minor">
+            <a:schemeClr val="lt1"/>
+          </a:fontRef>
+        </p:style>
+        <p:txBody>
+          <a:bodyPr rtlCol="0" anchor="ctr"/>
+          <a:lstStyle/>
+          <a:p>
+            <a:pPr algn="ctr"/>
+            <a:endParaRPr lang="en-US"/>
+          </a:p>
+        </p:txBody>
+      </p:sp>
+      <p:sp>
+        <p:nvSpPr>
+          <p:cNvPr id="2" name="Title 1">
+            <a:extLst>
+              <a:ext uri="{FF2B5EF4-FFF2-40B4-BE49-F238E27FC236}">
+                <a16:creationId xmlns:a16="http://schemas.microsoft.com/office/drawing/2014/main" id="{53C5D828-9666-E312-B574-9FE965A7D6BE}"/>
+              </a:ext>
+            </a:extLst>
+          </p:cNvPr>
+          <p:cNvSpPr>
+            <a:spLocks noGrp="1"/>
+          </p:cNvSpPr>
+          <p:nvPr>
+            <p:ph type="title"/>
+          </p:nvPr>
+        </p:nvSpPr>
+        <p:spPr>
+          <a:xfrm>
+            <a:off x="1028700" y="1967266"/>
+            <a:ext cx="2628900" cy="2547257"/>
+          </a:xfrm>
+          <a:noFill/>
+        </p:spPr>
+        <p:txBody>
+          <a:bodyPr vert="horz" lIns="91440" tIns="45720" rIns="91440" bIns="45720" rtlCol="0" anchor="ctr">
+            <a:normAutofit/>
+          </a:bodyPr>
+          <a:lstStyle/>
+          <a:p>
+            <a:pPr algn="ctr"/>
+            <a:r>
+              <a:rPr lang="en-US" sz="3600" dirty="0">
+                <a:solidFill>
+                  <a:srgbClr val="FFFFFF"/>
+                </a:solidFill>
+              </a:rPr>
+              <a:t>Ansible -  Demo</a:t>
+            </a:r>
+            <a:endParaRPr lang="en-US" sz="3600" kern="1200" dirty="0">
+              <a:solidFill>
+                <a:srgbClr val="FFFFFF"/>
+              </a:solidFill>
+              <a:latin typeface="+mj-lt"/>
+              <a:ea typeface="+mj-ea"/>
+              <a:cs typeface="+mj-cs"/>
+            </a:endParaRPr>
+          </a:p>
+        </p:txBody>
+      </p:sp>
+      <p:sp>
+        <p:nvSpPr>
+          <p:cNvPr id="3" name="Footer Placeholder 2">
+            <a:extLst>
+              <a:ext uri="{FF2B5EF4-FFF2-40B4-BE49-F238E27FC236}">
+                <a16:creationId xmlns:a16="http://schemas.microsoft.com/office/drawing/2014/main" id="{5AA19FA0-A765-8169-03F1-928E3EF7B595}"/>
+              </a:ext>
+            </a:extLst>
+          </p:cNvPr>
+          <p:cNvSpPr>
+            <a:spLocks noGrp="1"/>
+          </p:cNvSpPr>
+          <p:nvPr>
+            <p:ph type="ftr" sz="quarter" idx="11"/>
+          </p:nvPr>
+        </p:nvSpPr>
+        <p:spPr>
+          <a:xfrm>
+            <a:off x="1028700" y="6356350"/>
+            <a:ext cx="6210300" cy="365125"/>
+          </a:xfrm>
+        </p:spPr>
+        <p:txBody>
+          <a:bodyPr vert="horz" lIns="91440" tIns="45720" rIns="91440" bIns="45720" rtlCol="0" anchor="ctr">
+            <a:normAutofit/>
+          </a:bodyPr>
+          <a:lstStyle/>
+          <a:p>
+            <a:pPr algn="l">
+              <a:spcAft>
+                <a:spcPts val="600"/>
+              </a:spcAft>
+            </a:pPr>
+            <a:r>
+              <a:rPr lang="en-US" kern="1200">
+                <a:solidFill>
+                  <a:schemeClr val="tx1">
+                    <a:alpha val="80000"/>
+                  </a:schemeClr>
+                </a:solidFill>
+                <a:latin typeface="+mn-lt"/>
+                <a:ea typeface="+mn-ea"/>
+                <a:cs typeface="+mn-cs"/>
+              </a:rPr>
+              <a:t>Step 1 - Model - ver. 1</a:t>
+            </a:r>
+          </a:p>
+        </p:txBody>
+      </p:sp>
+      <p:sp>
+        <p:nvSpPr>
+          <p:cNvPr id="6" name="TextBox 5">
+            <a:extLst>
+              <a:ext uri="{FF2B5EF4-FFF2-40B4-BE49-F238E27FC236}">
+                <a16:creationId xmlns:a16="http://schemas.microsoft.com/office/drawing/2014/main" id="{971188D3-ABDB-59D4-7320-5A1CD01AB180}"/>
+              </a:ext>
+            </a:extLst>
+          </p:cNvPr>
+          <p:cNvSpPr txBox="1"/>
+          <p:nvPr/>
+        </p:nvSpPr>
+        <p:spPr>
+          <a:xfrm>
+            <a:off x="7975476" y="3240894"/>
+            <a:ext cx="955964" cy="369332"/>
+          </a:xfrm>
+          <a:prstGeom prst="rect">
+            <a:avLst/>
+          </a:prstGeom>
+          <a:noFill/>
+        </p:spPr>
+        <p:txBody>
+          <a:bodyPr wrap="square">
+            <a:spAutoFit/>
+          </a:bodyPr>
+          <a:lstStyle/>
+          <a:p>
+            <a:r>
+              <a:rPr lang="en-US" dirty="0"/>
+              <a:t>DEMO</a:t>
+            </a:r>
+            <a:endParaRPr lang="ru-UA" dirty="0"/>
+          </a:p>
+        </p:txBody>
+      </p:sp>
+    </p:spTree>
+    <p:extLst>
+      <p:ext uri="{BB962C8B-B14F-4D97-AF65-F5344CB8AC3E}">
+        <p14:creationId xmlns:p14="http://schemas.microsoft.com/office/powerpoint/2010/main" val="1199785366"/>
       </p:ext>
     </p:extLst>
   </p:cSld>

--- a/Step05-Infrastructure_as_a_Code_speach.pptx
+++ b/Step05-Infrastructure_as_a_Code_speach.pptx
@@ -1782,6 +1782,3783 @@
     </pc:docChg>
   </pc:docChgLst>
   <pc:docChgLst>
+    <pc:chgData name="Ihor Aleksandrov" userId="c3051032-6b87-4db2-b257-777a0106fbd9" providerId="ADAL" clId="{543CC2C6-7ABF-48C5-8FEB-8FEABF903516}"/>
+    <pc:docChg chg="custSel addSld delSld modSld sldOrd delMainMaster delSection modSection">
+      <pc:chgData name="Ihor Aleksandrov" userId="c3051032-6b87-4db2-b257-777a0106fbd9" providerId="ADAL" clId="{543CC2C6-7ABF-48C5-8FEB-8FEABF903516}" dt="2024-01-25T15:38:56.762" v="81" actId="2696"/>
+      <pc:docMkLst>
+        <pc:docMk/>
+      </pc:docMkLst>
+      <pc:sldChg chg="modSp">
+        <pc:chgData name="Ihor Aleksandrov" userId="c3051032-6b87-4db2-b257-777a0106fbd9" providerId="ADAL" clId="{543CC2C6-7ABF-48C5-8FEB-8FEABF903516}" dt="2024-01-25T15:02:12.388" v="5" actId="20577"/>
+        <pc:sldMkLst>
+          <pc:docMk/>
+          <pc:sldMk cId="588564705" sldId="256"/>
+        </pc:sldMkLst>
+        <pc:spChg chg="mod">
+          <ac:chgData name="Ihor Aleksandrov" userId="c3051032-6b87-4db2-b257-777a0106fbd9" providerId="ADAL" clId="{543CC2C6-7ABF-48C5-8FEB-8FEABF903516}" dt="2024-01-25T15:02:12.388" v="5" actId="20577"/>
+          <ac:spMkLst>
+            <pc:docMk/>
+            <pc:sldMk cId="588564705" sldId="256"/>
+            <ac:spMk id="2" creationId="{2C4A1DFF-3C45-F11D-E6A6-19C0306E5E2B}"/>
+          </ac:spMkLst>
+        </pc:spChg>
+      </pc:sldChg>
+      <pc:sldChg chg="del">
+        <pc:chgData name="Ihor Aleksandrov" userId="c3051032-6b87-4db2-b257-777a0106fbd9" providerId="ADAL" clId="{543CC2C6-7ABF-48C5-8FEB-8FEABF903516}" dt="2024-01-25T15:06:57.792" v="21" actId="2696"/>
+        <pc:sldMkLst>
+          <pc:docMk/>
+          <pc:sldMk cId="3270890867" sldId="257"/>
+        </pc:sldMkLst>
+      </pc:sldChg>
+      <pc:sldChg chg="del">
+        <pc:chgData name="Ihor Aleksandrov" userId="c3051032-6b87-4db2-b257-777a0106fbd9" providerId="ADAL" clId="{543CC2C6-7ABF-48C5-8FEB-8FEABF903516}" dt="2024-01-25T15:22:56.379" v="25" actId="2696"/>
+        <pc:sldMkLst>
+          <pc:docMk/>
+          <pc:sldMk cId="3417182101" sldId="258"/>
+        </pc:sldMkLst>
+      </pc:sldChg>
+      <pc:sldChg chg="del">
+        <pc:chgData name="Ihor Aleksandrov" userId="c3051032-6b87-4db2-b257-777a0106fbd9" providerId="ADAL" clId="{543CC2C6-7ABF-48C5-8FEB-8FEABF903516}" dt="2024-01-25T15:22:56.379" v="25" actId="2696"/>
+        <pc:sldMkLst>
+          <pc:docMk/>
+          <pc:sldMk cId="2385514391" sldId="259"/>
+        </pc:sldMkLst>
+      </pc:sldChg>
+      <pc:sldChg chg="del">
+        <pc:chgData name="Ihor Aleksandrov" userId="c3051032-6b87-4db2-b257-777a0106fbd9" providerId="ADAL" clId="{543CC2C6-7ABF-48C5-8FEB-8FEABF903516}" dt="2024-01-25T15:22:56.379" v="25" actId="2696"/>
+        <pc:sldMkLst>
+          <pc:docMk/>
+          <pc:sldMk cId="1272792471" sldId="260"/>
+        </pc:sldMkLst>
+      </pc:sldChg>
+      <pc:sldChg chg="del">
+        <pc:chgData name="Ihor Aleksandrov" userId="c3051032-6b87-4db2-b257-777a0106fbd9" providerId="ADAL" clId="{543CC2C6-7ABF-48C5-8FEB-8FEABF903516}" dt="2024-01-25T15:22:56.379" v="25" actId="2696"/>
+        <pc:sldMkLst>
+          <pc:docMk/>
+          <pc:sldMk cId="3278151509" sldId="261"/>
+        </pc:sldMkLst>
+      </pc:sldChg>
+      <pc:sldChg chg="del">
+        <pc:chgData name="Ihor Aleksandrov" userId="c3051032-6b87-4db2-b257-777a0106fbd9" providerId="ADAL" clId="{543CC2C6-7ABF-48C5-8FEB-8FEABF903516}" dt="2024-01-25T15:22:56.379" v="25" actId="2696"/>
+        <pc:sldMkLst>
+          <pc:docMk/>
+          <pc:sldMk cId="3670086471" sldId="262"/>
+        </pc:sldMkLst>
+      </pc:sldChg>
+      <pc:sldChg chg="del">
+        <pc:chgData name="Ihor Aleksandrov" userId="c3051032-6b87-4db2-b257-777a0106fbd9" providerId="ADAL" clId="{543CC2C6-7ABF-48C5-8FEB-8FEABF903516}" dt="2024-01-25T15:22:56.379" v="25" actId="2696"/>
+        <pc:sldMkLst>
+          <pc:docMk/>
+          <pc:sldMk cId="2476824021" sldId="263"/>
+        </pc:sldMkLst>
+      </pc:sldChg>
+      <pc:sldChg chg="del">
+        <pc:chgData name="Ihor Aleksandrov" userId="c3051032-6b87-4db2-b257-777a0106fbd9" providerId="ADAL" clId="{543CC2C6-7ABF-48C5-8FEB-8FEABF903516}" dt="2024-01-25T15:22:56.379" v="25" actId="2696"/>
+        <pc:sldMkLst>
+          <pc:docMk/>
+          <pc:sldMk cId="1454947672" sldId="266"/>
+        </pc:sldMkLst>
+      </pc:sldChg>
+      <pc:sldChg chg="del">
+        <pc:chgData name="Ihor Aleksandrov" userId="c3051032-6b87-4db2-b257-777a0106fbd9" providerId="ADAL" clId="{543CC2C6-7ABF-48C5-8FEB-8FEABF903516}" dt="2024-01-25T15:22:56.379" v="25" actId="2696"/>
+        <pc:sldMkLst>
+          <pc:docMk/>
+          <pc:sldMk cId="361920255" sldId="267"/>
+        </pc:sldMkLst>
+      </pc:sldChg>
+      <pc:sldChg chg="del">
+        <pc:chgData name="Ihor Aleksandrov" userId="c3051032-6b87-4db2-b257-777a0106fbd9" providerId="ADAL" clId="{543CC2C6-7ABF-48C5-8FEB-8FEABF903516}" dt="2024-01-25T15:22:56.379" v="25" actId="2696"/>
+        <pc:sldMkLst>
+          <pc:docMk/>
+          <pc:sldMk cId="2161892916" sldId="268"/>
+        </pc:sldMkLst>
+      </pc:sldChg>
+      <pc:sldChg chg="del">
+        <pc:chgData name="Ihor Aleksandrov" userId="c3051032-6b87-4db2-b257-777a0106fbd9" providerId="ADAL" clId="{543CC2C6-7ABF-48C5-8FEB-8FEABF903516}" dt="2024-01-25T15:22:56.379" v="25" actId="2696"/>
+        <pc:sldMkLst>
+          <pc:docMk/>
+          <pc:sldMk cId="3157685417" sldId="269"/>
+        </pc:sldMkLst>
+      </pc:sldChg>
+      <pc:sldChg chg="del">
+        <pc:chgData name="Ihor Aleksandrov" userId="c3051032-6b87-4db2-b257-777a0106fbd9" providerId="ADAL" clId="{543CC2C6-7ABF-48C5-8FEB-8FEABF903516}" dt="2024-01-25T15:06:57.792" v="21" actId="2696"/>
+        <pc:sldMkLst>
+          <pc:docMk/>
+          <pc:sldMk cId="3985704815" sldId="270"/>
+        </pc:sldMkLst>
+      </pc:sldChg>
+      <pc:sldChg chg="addSp delSp modSp mod ord">
+        <pc:chgData name="Ihor Aleksandrov" userId="c3051032-6b87-4db2-b257-777a0106fbd9" providerId="ADAL" clId="{543CC2C6-7ABF-48C5-8FEB-8FEABF903516}" dt="2024-01-25T15:06:41.652" v="20"/>
+        <pc:sldMkLst>
+          <pc:docMk/>
+          <pc:sldMk cId="1284720075" sldId="271"/>
+        </pc:sldMkLst>
+        <pc:spChg chg="mod">
+          <ac:chgData name="Ihor Aleksandrov" userId="c3051032-6b87-4db2-b257-777a0106fbd9" providerId="ADAL" clId="{543CC2C6-7ABF-48C5-8FEB-8FEABF903516}" dt="2024-01-25T15:05:05.744" v="7"/>
+          <ac:spMkLst>
+            <pc:docMk/>
+            <pc:sldMk cId="1284720075" sldId="271"/>
+            <ac:spMk id="2" creationId="{DB2FBD6F-5487-CF83-1B78-61E52C9B601E}"/>
+          </ac:spMkLst>
+        </pc:spChg>
+        <pc:spChg chg="del">
+          <ac:chgData name="Ihor Aleksandrov" userId="c3051032-6b87-4db2-b257-777a0106fbd9" providerId="ADAL" clId="{543CC2C6-7ABF-48C5-8FEB-8FEABF903516}" dt="2024-01-25T15:05:13.151" v="8" actId="478"/>
+          <ac:spMkLst>
+            <pc:docMk/>
+            <pc:sldMk cId="1284720075" sldId="271"/>
+            <ac:spMk id="5" creationId="{7F019A57-CA59-E832-88C6-3CC1DBB2CB31}"/>
+          </ac:spMkLst>
+        </pc:spChg>
+        <pc:spChg chg="add mod">
+          <ac:chgData name="Ihor Aleksandrov" userId="c3051032-6b87-4db2-b257-777a0106fbd9" providerId="ADAL" clId="{543CC2C6-7ABF-48C5-8FEB-8FEABF903516}" dt="2024-01-25T15:06:23.621" v="16" actId="1076"/>
+          <ac:spMkLst>
+            <pc:docMk/>
+            <pc:sldMk cId="1284720075" sldId="271"/>
+            <ac:spMk id="7" creationId="{CB986B99-8F91-8FA6-3B8E-A20D176C7350}"/>
+          </ac:spMkLst>
+        </pc:spChg>
+        <pc:picChg chg="del">
+          <ac:chgData name="Ihor Aleksandrov" userId="c3051032-6b87-4db2-b257-777a0106fbd9" providerId="ADAL" clId="{543CC2C6-7ABF-48C5-8FEB-8FEABF903516}" dt="2024-01-25T15:06:14.808" v="13" actId="478"/>
+          <ac:picMkLst>
+            <pc:docMk/>
+            <pc:sldMk cId="1284720075" sldId="271"/>
+            <ac:picMk id="3" creationId="{4E689865-968D-3D93-994B-3AAC3051378B}"/>
+          </ac:picMkLst>
+        </pc:picChg>
+        <pc:picChg chg="add mod">
+          <ac:chgData name="Ihor Aleksandrov" userId="c3051032-6b87-4db2-b257-777a0106fbd9" providerId="ADAL" clId="{543CC2C6-7ABF-48C5-8FEB-8FEABF903516}" dt="2024-01-25T15:06:20.841" v="15" actId="1076"/>
+          <ac:picMkLst>
+            <pc:docMk/>
+            <pc:sldMk cId="1284720075" sldId="271"/>
+            <ac:picMk id="8" creationId="{D274BED8-2FC3-7632-0828-FE7D570B2DD4}"/>
+          </ac:picMkLst>
+        </pc:picChg>
+      </pc:sldChg>
+      <pc:sldChg chg="del">
+        <pc:chgData name="Ihor Aleksandrov" userId="c3051032-6b87-4db2-b257-777a0106fbd9" providerId="ADAL" clId="{543CC2C6-7ABF-48C5-8FEB-8FEABF903516}" dt="2024-01-25T15:06:57.792" v="21" actId="2696"/>
+        <pc:sldMkLst>
+          <pc:docMk/>
+          <pc:sldMk cId="2124347573" sldId="272"/>
+        </pc:sldMkLst>
+      </pc:sldChg>
+      <pc:sldChg chg="del">
+        <pc:chgData name="Ihor Aleksandrov" userId="c3051032-6b87-4db2-b257-777a0106fbd9" providerId="ADAL" clId="{543CC2C6-7ABF-48C5-8FEB-8FEABF903516}" dt="2024-01-25T15:06:57.792" v="21" actId="2696"/>
+        <pc:sldMkLst>
+          <pc:docMk/>
+          <pc:sldMk cId="2117969225" sldId="273"/>
+        </pc:sldMkLst>
+      </pc:sldChg>
+      <pc:sldChg chg="del">
+        <pc:chgData name="Ihor Aleksandrov" userId="c3051032-6b87-4db2-b257-777a0106fbd9" providerId="ADAL" clId="{543CC2C6-7ABF-48C5-8FEB-8FEABF903516}" dt="2024-01-25T15:06:57.792" v="21" actId="2696"/>
+        <pc:sldMkLst>
+          <pc:docMk/>
+          <pc:sldMk cId="1169417950" sldId="274"/>
+        </pc:sldMkLst>
+      </pc:sldChg>
+      <pc:sldChg chg="del">
+        <pc:chgData name="Ihor Aleksandrov" userId="c3051032-6b87-4db2-b257-777a0106fbd9" providerId="ADAL" clId="{543CC2C6-7ABF-48C5-8FEB-8FEABF903516}" dt="2024-01-25T15:06:57.792" v="21" actId="2696"/>
+        <pc:sldMkLst>
+          <pc:docMk/>
+          <pc:sldMk cId="1690294392" sldId="276"/>
+        </pc:sldMkLst>
+      </pc:sldChg>
+      <pc:sldChg chg="del">
+        <pc:chgData name="Ihor Aleksandrov" userId="c3051032-6b87-4db2-b257-777a0106fbd9" providerId="ADAL" clId="{543CC2C6-7ABF-48C5-8FEB-8FEABF903516}" dt="2024-01-25T15:06:57.792" v="21" actId="2696"/>
+        <pc:sldMkLst>
+          <pc:docMk/>
+          <pc:sldMk cId="2169937468" sldId="277"/>
+        </pc:sldMkLst>
+      </pc:sldChg>
+      <pc:sldChg chg="del">
+        <pc:chgData name="Ihor Aleksandrov" userId="c3051032-6b87-4db2-b257-777a0106fbd9" providerId="ADAL" clId="{543CC2C6-7ABF-48C5-8FEB-8FEABF903516}" dt="2024-01-25T15:06:57.792" v="21" actId="2696"/>
+        <pc:sldMkLst>
+          <pc:docMk/>
+          <pc:sldMk cId="27400258" sldId="278"/>
+        </pc:sldMkLst>
+      </pc:sldChg>
+      <pc:sldChg chg="del">
+        <pc:chgData name="Ihor Aleksandrov" userId="c3051032-6b87-4db2-b257-777a0106fbd9" providerId="ADAL" clId="{543CC2C6-7ABF-48C5-8FEB-8FEABF903516}" dt="2024-01-25T15:06:57.792" v="21" actId="2696"/>
+        <pc:sldMkLst>
+          <pc:docMk/>
+          <pc:sldMk cId="2135561016" sldId="279"/>
+        </pc:sldMkLst>
+      </pc:sldChg>
+      <pc:sldChg chg="del">
+        <pc:chgData name="Ihor Aleksandrov" userId="c3051032-6b87-4db2-b257-777a0106fbd9" providerId="ADAL" clId="{543CC2C6-7ABF-48C5-8FEB-8FEABF903516}" dt="2024-01-25T15:06:57.792" v="21" actId="2696"/>
+        <pc:sldMkLst>
+          <pc:docMk/>
+          <pc:sldMk cId="3216895555" sldId="280"/>
+        </pc:sldMkLst>
+      </pc:sldChg>
+      <pc:sldChg chg="del">
+        <pc:chgData name="Ihor Aleksandrov" userId="c3051032-6b87-4db2-b257-777a0106fbd9" providerId="ADAL" clId="{543CC2C6-7ABF-48C5-8FEB-8FEABF903516}" dt="2024-01-25T15:06:57.792" v="21" actId="2696"/>
+        <pc:sldMkLst>
+          <pc:docMk/>
+          <pc:sldMk cId="1506611494" sldId="281"/>
+        </pc:sldMkLst>
+      </pc:sldChg>
+      <pc:sldChg chg="del">
+        <pc:chgData name="Ihor Aleksandrov" userId="c3051032-6b87-4db2-b257-777a0106fbd9" providerId="ADAL" clId="{543CC2C6-7ABF-48C5-8FEB-8FEABF903516}" dt="2024-01-25T15:06:57.792" v="21" actId="2696"/>
+        <pc:sldMkLst>
+          <pc:docMk/>
+          <pc:sldMk cId="3864832451" sldId="282"/>
+        </pc:sldMkLst>
+      </pc:sldChg>
+      <pc:sldChg chg="del">
+        <pc:chgData name="Ihor Aleksandrov" userId="c3051032-6b87-4db2-b257-777a0106fbd9" providerId="ADAL" clId="{543CC2C6-7ABF-48C5-8FEB-8FEABF903516}" dt="2024-01-25T15:06:57.792" v="21" actId="2696"/>
+        <pc:sldMkLst>
+          <pc:docMk/>
+          <pc:sldMk cId="2194478224" sldId="283"/>
+        </pc:sldMkLst>
+      </pc:sldChg>
+      <pc:sldChg chg="del">
+        <pc:chgData name="Ihor Aleksandrov" userId="c3051032-6b87-4db2-b257-777a0106fbd9" providerId="ADAL" clId="{543CC2C6-7ABF-48C5-8FEB-8FEABF903516}" dt="2024-01-25T15:22:56.379" v="25" actId="2696"/>
+        <pc:sldMkLst>
+          <pc:docMk/>
+          <pc:sldMk cId="3460809786" sldId="284"/>
+        </pc:sldMkLst>
+      </pc:sldChg>
+      <pc:sldChg chg="del">
+        <pc:chgData name="Ihor Aleksandrov" userId="c3051032-6b87-4db2-b257-777a0106fbd9" providerId="ADAL" clId="{543CC2C6-7ABF-48C5-8FEB-8FEABF903516}" dt="2024-01-25T15:22:56.379" v="25" actId="2696"/>
+        <pc:sldMkLst>
+          <pc:docMk/>
+          <pc:sldMk cId="376432090" sldId="285"/>
+        </pc:sldMkLst>
+      </pc:sldChg>
+      <pc:sldChg chg="del">
+        <pc:chgData name="Ihor Aleksandrov" userId="c3051032-6b87-4db2-b257-777a0106fbd9" providerId="ADAL" clId="{543CC2C6-7ABF-48C5-8FEB-8FEABF903516}" dt="2024-01-25T15:22:56.379" v="25" actId="2696"/>
+        <pc:sldMkLst>
+          <pc:docMk/>
+          <pc:sldMk cId="1306830866" sldId="287"/>
+        </pc:sldMkLst>
+      </pc:sldChg>
+      <pc:sldChg chg="del">
+        <pc:chgData name="Ihor Aleksandrov" userId="c3051032-6b87-4db2-b257-777a0106fbd9" providerId="ADAL" clId="{543CC2C6-7ABF-48C5-8FEB-8FEABF903516}" dt="2024-01-25T15:22:56.379" v="25" actId="2696"/>
+        <pc:sldMkLst>
+          <pc:docMk/>
+          <pc:sldMk cId="837736118" sldId="288"/>
+        </pc:sldMkLst>
+      </pc:sldChg>
+      <pc:sldChg chg="del">
+        <pc:chgData name="Ihor Aleksandrov" userId="c3051032-6b87-4db2-b257-777a0106fbd9" providerId="ADAL" clId="{543CC2C6-7ABF-48C5-8FEB-8FEABF903516}" dt="2024-01-25T15:22:56.379" v="25" actId="2696"/>
+        <pc:sldMkLst>
+          <pc:docMk/>
+          <pc:sldMk cId="856240837" sldId="289"/>
+        </pc:sldMkLst>
+      </pc:sldChg>
+      <pc:sldChg chg="del">
+        <pc:chgData name="Ihor Aleksandrov" userId="c3051032-6b87-4db2-b257-777a0106fbd9" providerId="ADAL" clId="{543CC2C6-7ABF-48C5-8FEB-8FEABF903516}" dt="2024-01-25T15:22:56.379" v="25" actId="2696"/>
+        <pc:sldMkLst>
+          <pc:docMk/>
+          <pc:sldMk cId="509012579" sldId="290"/>
+        </pc:sldMkLst>
+      </pc:sldChg>
+      <pc:sldChg chg="del">
+        <pc:chgData name="Ihor Aleksandrov" userId="c3051032-6b87-4db2-b257-777a0106fbd9" providerId="ADAL" clId="{543CC2C6-7ABF-48C5-8FEB-8FEABF903516}" dt="2024-01-25T15:22:56.379" v="25" actId="2696"/>
+        <pc:sldMkLst>
+          <pc:docMk/>
+          <pc:sldMk cId="454153650" sldId="291"/>
+        </pc:sldMkLst>
+      </pc:sldChg>
+      <pc:sldChg chg="del">
+        <pc:chgData name="Ihor Aleksandrov" userId="c3051032-6b87-4db2-b257-777a0106fbd9" providerId="ADAL" clId="{543CC2C6-7ABF-48C5-8FEB-8FEABF903516}" dt="2024-01-25T15:22:56.379" v="25" actId="2696"/>
+        <pc:sldMkLst>
+          <pc:docMk/>
+          <pc:sldMk cId="156474206" sldId="292"/>
+        </pc:sldMkLst>
+      </pc:sldChg>
+      <pc:sldChg chg="del">
+        <pc:chgData name="Ihor Aleksandrov" userId="c3051032-6b87-4db2-b257-777a0106fbd9" providerId="ADAL" clId="{543CC2C6-7ABF-48C5-8FEB-8FEABF903516}" dt="2024-01-25T15:22:56.379" v="25" actId="2696"/>
+        <pc:sldMkLst>
+          <pc:docMk/>
+          <pc:sldMk cId="1604524467" sldId="293"/>
+        </pc:sldMkLst>
+      </pc:sldChg>
+      <pc:sldChg chg="del">
+        <pc:chgData name="Ihor Aleksandrov" userId="c3051032-6b87-4db2-b257-777a0106fbd9" providerId="ADAL" clId="{543CC2C6-7ABF-48C5-8FEB-8FEABF903516}" dt="2024-01-25T15:22:56.379" v="25" actId="2696"/>
+        <pc:sldMkLst>
+          <pc:docMk/>
+          <pc:sldMk cId="1939738048" sldId="294"/>
+        </pc:sldMkLst>
+      </pc:sldChg>
+      <pc:sldChg chg="del">
+        <pc:chgData name="Ihor Aleksandrov" userId="c3051032-6b87-4db2-b257-777a0106fbd9" providerId="ADAL" clId="{543CC2C6-7ABF-48C5-8FEB-8FEABF903516}" dt="2024-01-25T15:22:56.379" v="25" actId="2696"/>
+        <pc:sldMkLst>
+          <pc:docMk/>
+          <pc:sldMk cId="2160277833" sldId="295"/>
+        </pc:sldMkLst>
+      </pc:sldChg>
+      <pc:sldChg chg="del">
+        <pc:chgData name="Ihor Aleksandrov" userId="c3051032-6b87-4db2-b257-777a0106fbd9" providerId="ADAL" clId="{543CC2C6-7ABF-48C5-8FEB-8FEABF903516}" dt="2024-01-25T15:22:56.379" v="25" actId="2696"/>
+        <pc:sldMkLst>
+          <pc:docMk/>
+          <pc:sldMk cId="1321677393" sldId="296"/>
+        </pc:sldMkLst>
+      </pc:sldChg>
+      <pc:sldChg chg="del">
+        <pc:chgData name="Ihor Aleksandrov" userId="c3051032-6b87-4db2-b257-777a0106fbd9" providerId="ADAL" clId="{543CC2C6-7ABF-48C5-8FEB-8FEABF903516}" dt="2024-01-25T15:22:56.379" v="25" actId="2696"/>
+        <pc:sldMkLst>
+          <pc:docMk/>
+          <pc:sldMk cId="2059493005" sldId="297"/>
+        </pc:sldMkLst>
+      </pc:sldChg>
+      <pc:sldChg chg="del">
+        <pc:chgData name="Ihor Aleksandrov" userId="c3051032-6b87-4db2-b257-777a0106fbd9" providerId="ADAL" clId="{543CC2C6-7ABF-48C5-8FEB-8FEABF903516}" dt="2024-01-25T15:22:56.379" v="25" actId="2696"/>
+        <pc:sldMkLst>
+          <pc:docMk/>
+          <pc:sldMk cId="1734173143" sldId="298"/>
+        </pc:sldMkLst>
+      </pc:sldChg>
+      <pc:sldChg chg="del">
+        <pc:chgData name="Ihor Aleksandrov" userId="c3051032-6b87-4db2-b257-777a0106fbd9" providerId="ADAL" clId="{543CC2C6-7ABF-48C5-8FEB-8FEABF903516}" dt="2024-01-25T15:22:56.379" v="25" actId="2696"/>
+        <pc:sldMkLst>
+          <pc:docMk/>
+          <pc:sldMk cId="838327884" sldId="300"/>
+        </pc:sldMkLst>
+      </pc:sldChg>
+      <pc:sldChg chg="del">
+        <pc:chgData name="Ihor Aleksandrov" userId="c3051032-6b87-4db2-b257-777a0106fbd9" providerId="ADAL" clId="{543CC2C6-7ABF-48C5-8FEB-8FEABF903516}" dt="2024-01-25T15:22:56.379" v="25" actId="2696"/>
+        <pc:sldMkLst>
+          <pc:docMk/>
+          <pc:sldMk cId="3554655275" sldId="301"/>
+        </pc:sldMkLst>
+      </pc:sldChg>
+      <pc:sldChg chg="del">
+        <pc:chgData name="Ihor Aleksandrov" userId="c3051032-6b87-4db2-b257-777a0106fbd9" providerId="ADAL" clId="{543CC2C6-7ABF-48C5-8FEB-8FEABF903516}" dt="2024-01-25T15:22:56.379" v="25" actId="2696"/>
+        <pc:sldMkLst>
+          <pc:docMk/>
+          <pc:sldMk cId="2874081085" sldId="302"/>
+        </pc:sldMkLst>
+      </pc:sldChg>
+      <pc:sldChg chg="del">
+        <pc:chgData name="Ihor Aleksandrov" userId="c3051032-6b87-4db2-b257-777a0106fbd9" providerId="ADAL" clId="{543CC2C6-7ABF-48C5-8FEB-8FEABF903516}" dt="2024-01-25T15:22:56.379" v="25" actId="2696"/>
+        <pc:sldMkLst>
+          <pc:docMk/>
+          <pc:sldMk cId="1636319729" sldId="303"/>
+        </pc:sldMkLst>
+      </pc:sldChg>
+      <pc:sldChg chg="addSp delSp modSp add del mod setBg delDesignElem">
+        <pc:chgData name="Ihor Aleksandrov" userId="c3051032-6b87-4db2-b257-777a0106fbd9" providerId="ADAL" clId="{543CC2C6-7ABF-48C5-8FEB-8FEABF903516}" dt="2024-01-25T15:38:56.762" v="81" actId="2696"/>
+        <pc:sldMkLst>
+          <pc:docMk/>
+          <pc:sldMk cId="3078579406" sldId="303"/>
+        </pc:sldMkLst>
+        <pc:spChg chg="mod">
+          <ac:chgData name="Ihor Aleksandrov" userId="c3051032-6b87-4db2-b257-777a0106fbd9" providerId="ADAL" clId="{543CC2C6-7ABF-48C5-8FEB-8FEABF903516}" dt="2024-01-25T15:38:35.087" v="77" actId="26606"/>
+          <ac:spMkLst>
+            <pc:docMk/>
+            <pc:sldMk cId="3078579406" sldId="303"/>
+            <ac:spMk id="2" creationId="{D0943DE7-1B02-667A-3F0C-AF294FF74898}"/>
+          </ac:spMkLst>
+        </pc:spChg>
+        <pc:spChg chg="mod">
+          <ac:chgData name="Ihor Aleksandrov" userId="c3051032-6b87-4db2-b257-777a0106fbd9" providerId="ADAL" clId="{543CC2C6-7ABF-48C5-8FEB-8FEABF903516}" dt="2024-01-25T15:38:35.087" v="77" actId="26606"/>
+          <ac:spMkLst>
+            <pc:docMk/>
+            <pc:sldMk cId="3078579406" sldId="303"/>
+            <ac:spMk id="4" creationId="{6698CFAA-FBE6-1385-DD40-EFF9167C6E7B}"/>
+          </ac:spMkLst>
+        </pc:spChg>
+        <pc:spChg chg="del">
+          <ac:chgData name="Ihor Aleksandrov" userId="c3051032-6b87-4db2-b257-777a0106fbd9" providerId="ADAL" clId="{543CC2C6-7ABF-48C5-8FEB-8FEABF903516}" dt="2024-01-25T15:35:33.210" v="76"/>
+          <ac:spMkLst>
+            <pc:docMk/>
+            <pc:sldMk cId="3078579406" sldId="303"/>
+            <ac:spMk id="47" creationId="{B34F5AD2-EDBD-4BBD-A55C-EAFFD0C7097A}"/>
+          </ac:spMkLst>
+        </pc:spChg>
+        <pc:spChg chg="del">
+          <ac:chgData name="Ihor Aleksandrov" userId="c3051032-6b87-4db2-b257-777a0106fbd9" providerId="ADAL" clId="{543CC2C6-7ABF-48C5-8FEB-8FEABF903516}" dt="2024-01-25T15:35:33.210" v="76"/>
+          <ac:spMkLst>
+            <pc:docMk/>
+            <pc:sldMk cId="3078579406" sldId="303"/>
+            <ac:spMk id="48" creationId="{C3896A03-3945-419A-B66B-4EE266EDD152}"/>
+          </ac:spMkLst>
+        </pc:spChg>
+        <pc:spChg chg="del">
+          <ac:chgData name="Ihor Aleksandrov" userId="c3051032-6b87-4db2-b257-777a0106fbd9" providerId="ADAL" clId="{543CC2C6-7ABF-48C5-8FEB-8FEABF903516}" dt="2024-01-25T15:35:33.210" v="76"/>
+          <ac:spMkLst>
+            <pc:docMk/>
+            <pc:sldMk cId="3078579406" sldId="303"/>
+            <ac:spMk id="49" creationId="{B8EAE243-3A9F-4A46-B0D9-04C723A8A1BD}"/>
+          </ac:spMkLst>
+        </pc:spChg>
+        <pc:spChg chg="add">
+          <ac:chgData name="Ihor Aleksandrov" userId="c3051032-6b87-4db2-b257-777a0106fbd9" providerId="ADAL" clId="{543CC2C6-7ABF-48C5-8FEB-8FEABF903516}" dt="2024-01-25T15:38:35.087" v="77" actId="26606"/>
+          <ac:spMkLst>
+            <pc:docMk/>
+            <pc:sldMk cId="3078579406" sldId="303"/>
+            <ac:spMk id="55" creationId="{D4771268-CB57-404A-9271-370EB28F6090}"/>
+          </ac:spMkLst>
+        </pc:spChg>
+        <pc:graphicFrameChg chg="modGraphic">
+          <ac:chgData name="Ihor Aleksandrov" userId="c3051032-6b87-4db2-b257-777a0106fbd9" providerId="ADAL" clId="{543CC2C6-7ABF-48C5-8FEB-8FEABF903516}" dt="2024-01-25T15:38:35.087" v="77" actId="26606"/>
+          <ac:graphicFrameMkLst>
+            <pc:docMk/>
+            <pc:sldMk cId="3078579406" sldId="303"/>
+            <ac:graphicFrameMk id="50" creationId="{438840ED-2B50-ED19-12CF-99B1789AE150}"/>
+          </ac:graphicFrameMkLst>
+        </pc:graphicFrameChg>
+      </pc:sldChg>
+      <pc:sldChg chg="addSp delSp modSp add mod setBg delDesignElem">
+        <pc:chgData name="Ihor Aleksandrov" userId="c3051032-6b87-4db2-b257-777a0106fbd9" providerId="ADAL" clId="{543CC2C6-7ABF-48C5-8FEB-8FEABF903516}" dt="2024-01-25T15:23:27.915" v="32" actId="1076"/>
+        <pc:sldMkLst>
+          <pc:docMk/>
+          <pc:sldMk cId="2437677464" sldId="304"/>
+        </pc:sldMkLst>
+        <pc:spChg chg="mod">
+          <ac:chgData name="Ihor Aleksandrov" userId="c3051032-6b87-4db2-b257-777a0106fbd9" providerId="ADAL" clId="{543CC2C6-7ABF-48C5-8FEB-8FEABF903516}" dt="2024-01-25T15:23:04.206" v="28" actId="26606"/>
+          <ac:spMkLst>
+            <pc:docMk/>
+            <pc:sldMk cId="2437677464" sldId="304"/>
+            <ac:spMk id="2" creationId="{53C5D828-9666-E312-B574-9FE965A7D6BE}"/>
+          </ac:spMkLst>
+        </pc:spChg>
+        <pc:spChg chg="mod ord">
+          <ac:chgData name="Ihor Aleksandrov" userId="c3051032-6b87-4db2-b257-777a0106fbd9" providerId="ADAL" clId="{543CC2C6-7ABF-48C5-8FEB-8FEABF903516}" dt="2024-01-25T15:23:04.206" v="28" actId="26606"/>
+          <ac:spMkLst>
+            <pc:docMk/>
+            <pc:sldMk cId="2437677464" sldId="304"/>
+            <ac:spMk id="3" creationId="{5AA19FA0-A765-8169-03F1-928E3EF7B595}"/>
+          </ac:spMkLst>
+        </pc:spChg>
+        <pc:spChg chg="add mod">
+          <ac:chgData name="Ihor Aleksandrov" userId="c3051032-6b87-4db2-b257-777a0106fbd9" providerId="ADAL" clId="{543CC2C6-7ABF-48C5-8FEB-8FEABF903516}" dt="2024-01-25T15:23:27.915" v="32" actId="1076"/>
+          <ac:spMkLst>
+            <pc:docMk/>
+            <pc:sldMk cId="2437677464" sldId="304"/>
+            <ac:spMk id="6" creationId="{488235DB-5FF7-1D9C-83DC-447CDF5C2568}"/>
+          </ac:spMkLst>
+        </pc:spChg>
+        <pc:spChg chg="add">
+          <ac:chgData name="Ihor Aleksandrov" userId="c3051032-6b87-4db2-b257-777a0106fbd9" providerId="ADAL" clId="{543CC2C6-7ABF-48C5-8FEB-8FEABF903516}" dt="2024-01-25T15:23:04.206" v="28" actId="26606"/>
+          <ac:spMkLst>
+            <pc:docMk/>
+            <pc:sldMk cId="2437677464" sldId="304"/>
+            <ac:spMk id="10" creationId="{D4771268-CB57-404A-9271-370EB28F6090}"/>
+          </ac:spMkLst>
+        </pc:spChg>
+        <pc:spChg chg="del">
+          <ac:chgData name="Ihor Aleksandrov" userId="c3051032-6b87-4db2-b257-777a0106fbd9" providerId="ADAL" clId="{543CC2C6-7ABF-48C5-8FEB-8FEABF903516}" dt="2024-01-25T15:23:00.336" v="27"/>
+          <ac:spMkLst>
+            <pc:docMk/>
+            <pc:sldMk cId="2437677464" sldId="304"/>
+            <ac:spMk id="24" creationId="{D4771268-CB57-404A-9271-370EB28F6090}"/>
+          </ac:spMkLst>
+        </pc:spChg>
+        <pc:picChg chg="mod">
+          <ac:chgData name="Ihor Aleksandrov" userId="c3051032-6b87-4db2-b257-777a0106fbd9" providerId="ADAL" clId="{543CC2C6-7ABF-48C5-8FEB-8FEABF903516}" dt="2024-01-25T15:23:11.850" v="30" actId="1076"/>
+          <ac:picMkLst>
+            <pc:docMk/>
+            <pc:sldMk cId="2437677464" sldId="304"/>
+            <ac:picMk id="5" creationId="{532ADD11-32FE-79D7-3D72-769CD8D5331E}"/>
+          </ac:picMkLst>
+        </pc:picChg>
+      </pc:sldChg>
+      <pc:sldChg chg="del">
+        <pc:chgData name="Ihor Aleksandrov" userId="c3051032-6b87-4db2-b257-777a0106fbd9" providerId="ADAL" clId="{543CC2C6-7ABF-48C5-8FEB-8FEABF903516}" dt="2024-01-25T15:22:56.379" v="25" actId="2696"/>
+        <pc:sldMkLst>
+          <pc:docMk/>
+          <pc:sldMk cId="4016723334" sldId="304"/>
+        </pc:sldMkLst>
+      </pc:sldChg>
+      <pc:sldChg chg="addSp delSp modSp add mod setBg delDesignElem">
+        <pc:chgData name="Ihor Aleksandrov" userId="c3051032-6b87-4db2-b257-777a0106fbd9" providerId="ADAL" clId="{543CC2C6-7ABF-48C5-8FEB-8FEABF903516}" dt="2024-01-25T15:25:11.995" v="41" actId="1076"/>
+        <pc:sldMkLst>
+          <pc:docMk/>
+          <pc:sldMk cId="3615190178" sldId="305"/>
+        </pc:sldMkLst>
+        <pc:spChg chg="mod">
+          <ac:chgData name="Ihor Aleksandrov" userId="c3051032-6b87-4db2-b257-777a0106fbd9" providerId="ADAL" clId="{543CC2C6-7ABF-48C5-8FEB-8FEABF903516}" dt="2024-01-25T15:24:38.816" v="35" actId="26606"/>
+          <ac:spMkLst>
+            <pc:docMk/>
+            <pc:sldMk cId="3615190178" sldId="305"/>
+            <ac:spMk id="2" creationId="{53C5D828-9666-E312-B574-9FE965A7D6BE}"/>
+          </ac:spMkLst>
+        </pc:spChg>
+        <pc:spChg chg="mod ord">
+          <ac:chgData name="Ihor Aleksandrov" userId="c3051032-6b87-4db2-b257-777a0106fbd9" providerId="ADAL" clId="{543CC2C6-7ABF-48C5-8FEB-8FEABF903516}" dt="2024-01-25T15:24:38.816" v="35" actId="26606"/>
+          <ac:spMkLst>
+            <pc:docMk/>
+            <pc:sldMk cId="3615190178" sldId="305"/>
+            <ac:spMk id="3" creationId="{5AA19FA0-A765-8169-03F1-928E3EF7B595}"/>
+          </ac:spMkLst>
+        </pc:spChg>
+        <pc:spChg chg="add mod">
+          <ac:chgData name="Ihor Aleksandrov" userId="c3051032-6b87-4db2-b257-777a0106fbd9" providerId="ADAL" clId="{543CC2C6-7ABF-48C5-8FEB-8FEABF903516}" dt="2024-01-25T15:25:11.995" v="41" actId="1076"/>
+          <ac:spMkLst>
+            <pc:docMk/>
+            <pc:sldMk cId="3615190178" sldId="305"/>
+            <ac:spMk id="6" creationId="{8898B333-7DE0-14D0-95DC-7BD2A7981F0C}"/>
+          </ac:spMkLst>
+        </pc:spChg>
+        <pc:spChg chg="add">
+          <ac:chgData name="Ihor Aleksandrov" userId="c3051032-6b87-4db2-b257-777a0106fbd9" providerId="ADAL" clId="{543CC2C6-7ABF-48C5-8FEB-8FEABF903516}" dt="2024-01-25T15:24:38.816" v="35" actId="26606"/>
+          <ac:spMkLst>
+            <pc:docMk/>
+            <pc:sldMk cId="3615190178" sldId="305"/>
+            <ac:spMk id="9" creationId="{D4771268-CB57-404A-9271-370EB28F6090}"/>
+          </ac:spMkLst>
+        </pc:spChg>
+        <pc:spChg chg="del">
+          <ac:chgData name="Ihor Aleksandrov" userId="c3051032-6b87-4db2-b257-777a0106fbd9" providerId="ADAL" clId="{543CC2C6-7ABF-48C5-8FEB-8FEABF903516}" dt="2024-01-25T15:24:35.336" v="34"/>
+          <ac:spMkLst>
+            <pc:docMk/>
+            <pc:sldMk cId="3615190178" sldId="305"/>
+            <ac:spMk id="24" creationId="{D4771268-CB57-404A-9271-370EB28F6090}"/>
+          </ac:spMkLst>
+        </pc:spChg>
+        <pc:picChg chg="mod">
+          <ac:chgData name="Ihor Aleksandrov" userId="c3051032-6b87-4db2-b257-777a0106fbd9" providerId="ADAL" clId="{543CC2C6-7ABF-48C5-8FEB-8FEABF903516}" dt="2024-01-25T15:24:44.506" v="37" actId="1076"/>
+          <ac:picMkLst>
+            <pc:docMk/>
+            <pc:sldMk cId="3615190178" sldId="305"/>
+            <ac:picMk id="4" creationId="{2A852FFB-4A92-5087-5B17-CDEC3DAD94D1}"/>
+          </ac:picMkLst>
+        </pc:picChg>
+      </pc:sldChg>
+      <pc:sldChg chg="del">
+        <pc:chgData name="Ihor Aleksandrov" userId="c3051032-6b87-4db2-b257-777a0106fbd9" providerId="ADAL" clId="{543CC2C6-7ABF-48C5-8FEB-8FEABF903516}" dt="2024-01-25T15:22:56.379" v="25" actId="2696"/>
+        <pc:sldMkLst>
+          <pc:docMk/>
+          <pc:sldMk cId="3734445878" sldId="305"/>
+        </pc:sldMkLst>
+      </pc:sldChg>
+      <pc:sldChg chg="del">
+        <pc:chgData name="Ihor Aleksandrov" userId="c3051032-6b87-4db2-b257-777a0106fbd9" providerId="ADAL" clId="{543CC2C6-7ABF-48C5-8FEB-8FEABF903516}" dt="2024-01-25T15:22:56.379" v="25" actId="2696"/>
+        <pc:sldMkLst>
+          <pc:docMk/>
+          <pc:sldMk cId="1774601108" sldId="306"/>
+        </pc:sldMkLst>
+      </pc:sldChg>
+      <pc:sldChg chg="addSp delSp modSp add mod setBg delDesignElem">
+        <pc:chgData name="Ihor Aleksandrov" userId="c3051032-6b87-4db2-b257-777a0106fbd9" providerId="ADAL" clId="{543CC2C6-7ABF-48C5-8FEB-8FEABF903516}" dt="2024-01-25T15:32:48.683" v="70" actId="1076"/>
+        <pc:sldMkLst>
+          <pc:docMk/>
+          <pc:sldMk cId="1836256656" sldId="306"/>
+        </pc:sldMkLst>
+        <pc:spChg chg="mod">
+          <ac:chgData name="Ihor Aleksandrov" userId="c3051032-6b87-4db2-b257-777a0106fbd9" providerId="ADAL" clId="{543CC2C6-7ABF-48C5-8FEB-8FEABF903516}" dt="2024-01-25T15:26:58.196" v="44" actId="26606"/>
+          <ac:spMkLst>
+            <pc:docMk/>
+            <pc:sldMk cId="1836256656" sldId="306"/>
+            <ac:spMk id="2" creationId="{53C5D828-9666-E312-B574-9FE965A7D6BE}"/>
+          </ac:spMkLst>
+        </pc:spChg>
+        <pc:spChg chg="mod ord">
+          <ac:chgData name="Ihor Aleksandrov" userId="c3051032-6b87-4db2-b257-777a0106fbd9" providerId="ADAL" clId="{543CC2C6-7ABF-48C5-8FEB-8FEABF903516}" dt="2024-01-25T15:26:58.196" v="44" actId="26606"/>
+          <ac:spMkLst>
+            <pc:docMk/>
+            <pc:sldMk cId="1836256656" sldId="306"/>
+            <ac:spMk id="3" creationId="{5AA19FA0-A765-8169-03F1-928E3EF7B595}"/>
+          </ac:spMkLst>
+        </pc:spChg>
+        <pc:spChg chg="add mod">
+          <ac:chgData name="Ihor Aleksandrov" userId="c3051032-6b87-4db2-b257-777a0106fbd9" providerId="ADAL" clId="{543CC2C6-7ABF-48C5-8FEB-8FEABF903516}" dt="2024-01-25T15:27:15.469" v="47" actId="1076"/>
+          <ac:spMkLst>
+            <pc:docMk/>
+            <pc:sldMk cId="1836256656" sldId="306"/>
+            <ac:spMk id="5" creationId="{E85CBB3D-041E-35D9-2468-93510A9E83FC}"/>
+          </ac:spMkLst>
+        </pc:spChg>
+        <pc:spChg chg="add">
+          <ac:chgData name="Ihor Aleksandrov" userId="c3051032-6b87-4db2-b257-777a0106fbd9" providerId="ADAL" clId="{543CC2C6-7ABF-48C5-8FEB-8FEABF903516}" dt="2024-01-25T15:26:58.196" v="44" actId="26606"/>
+          <ac:spMkLst>
+            <pc:docMk/>
+            <pc:sldMk cId="1836256656" sldId="306"/>
+            <ac:spMk id="12" creationId="{D4771268-CB57-404A-9271-370EB28F6090}"/>
+          </ac:spMkLst>
+        </pc:spChg>
+        <pc:spChg chg="del">
+          <ac:chgData name="Ihor Aleksandrov" userId="c3051032-6b87-4db2-b257-777a0106fbd9" providerId="ADAL" clId="{543CC2C6-7ABF-48C5-8FEB-8FEABF903516}" dt="2024-01-25T15:26:52.809" v="43"/>
+          <ac:spMkLst>
+            <pc:docMk/>
+            <pc:sldMk cId="1836256656" sldId="306"/>
+            <ac:spMk id="24" creationId="{D4771268-CB57-404A-9271-370EB28F6090}"/>
+          </ac:spMkLst>
+        </pc:spChg>
+        <pc:picChg chg="add mod">
+          <ac:chgData name="Ihor Aleksandrov" userId="c3051032-6b87-4db2-b257-777a0106fbd9" providerId="ADAL" clId="{543CC2C6-7ABF-48C5-8FEB-8FEABF903516}" dt="2024-01-25T15:32:48.683" v="70" actId="1076"/>
+          <ac:picMkLst>
+            <pc:docMk/>
+            <pc:sldMk cId="1836256656" sldId="306"/>
+            <ac:picMk id="6" creationId="{F6DDF002-BEAF-F47E-E493-34CBB721F142}"/>
+          </ac:picMkLst>
+        </pc:picChg>
+        <pc:picChg chg="del mod">
+          <ac:chgData name="Ihor Aleksandrov" userId="c3051032-6b87-4db2-b257-777a0106fbd9" providerId="ADAL" clId="{543CC2C6-7ABF-48C5-8FEB-8FEABF903516}" dt="2024-01-25T15:27:00.095" v="45" actId="478"/>
+          <ac:picMkLst>
+            <pc:docMk/>
+            <pc:sldMk cId="1836256656" sldId="306"/>
+            <ac:picMk id="7" creationId="{1F9EBC7C-BE04-D287-A7CB-C870F1A5B62C}"/>
+          </ac:picMkLst>
+        </pc:picChg>
+      </pc:sldChg>
+      <pc:sldChg chg="modSp mod">
+        <pc:chgData name="Ihor Aleksandrov" userId="c3051032-6b87-4db2-b257-777a0106fbd9" providerId="ADAL" clId="{543CC2C6-7ABF-48C5-8FEB-8FEABF903516}" dt="2024-01-25T15:02:03.601" v="0"/>
+        <pc:sldMkLst>
+          <pc:docMk/>
+          <pc:sldMk cId="2052164358" sldId="307"/>
+        </pc:sldMkLst>
+        <pc:spChg chg="mod">
+          <ac:chgData name="Ihor Aleksandrov" userId="c3051032-6b87-4db2-b257-777a0106fbd9" providerId="ADAL" clId="{543CC2C6-7ABF-48C5-8FEB-8FEABF903516}" dt="2024-01-25T15:02:03.601" v="0"/>
+          <ac:spMkLst>
+            <pc:docMk/>
+            <pc:sldMk cId="2052164358" sldId="307"/>
+            <ac:spMk id="2" creationId="{5DF8ECE0-DBF5-C309-B35B-C6A0C6C847B2}"/>
+          </ac:spMkLst>
+        </pc:spChg>
+      </pc:sldChg>
+      <pc:sldChg chg="addSp delSp modSp mod">
+        <pc:chgData name="Ihor Aleksandrov" userId="c3051032-6b87-4db2-b257-777a0106fbd9" providerId="ADAL" clId="{543CC2C6-7ABF-48C5-8FEB-8FEABF903516}" dt="2024-01-25T15:38:51.615" v="80" actId="478"/>
+        <pc:sldMkLst>
+          <pc:docMk/>
+          <pc:sldMk cId="2972731808" sldId="308"/>
+        </pc:sldMkLst>
+        <pc:spChg chg="add del mod">
+          <ac:chgData name="Ihor Aleksandrov" userId="c3051032-6b87-4db2-b257-777a0106fbd9" providerId="ADAL" clId="{543CC2C6-7ABF-48C5-8FEB-8FEABF903516}" dt="2024-01-25T15:38:51.615" v="80" actId="478"/>
+          <ac:spMkLst>
+            <pc:docMk/>
+            <pc:sldMk cId="2972731808" sldId="308"/>
+            <ac:spMk id="5" creationId="{B5C66924-DA5D-2A0C-588D-BB5649DE60E7}"/>
+          </ac:spMkLst>
+        </pc:spChg>
+        <pc:graphicFrameChg chg="add mod">
+          <ac:chgData name="Ihor Aleksandrov" userId="c3051032-6b87-4db2-b257-777a0106fbd9" providerId="ADAL" clId="{543CC2C6-7ABF-48C5-8FEB-8FEABF903516}" dt="2024-01-25T15:38:48.614" v="79"/>
+          <ac:graphicFrameMkLst>
+            <pc:docMk/>
+            <pc:sldMk cId="2972731808" sldId="308"/>
+            <ac:graphicFrameMk id="6" creationId="{0A25AD42-052A-793B-B420-809C33CC274D}"/>
+          </ac:graphicFrameMkLst>
+        </pc:graphicFrameChg>
+        <pc:graphicFrameChg chg="del">
+          <ac:chgData name="Ihor Aleksandrov" userId="c3051032-6b87-4db2-b257-777a0106fbd9" providerId="ADAL" clId="{543CC2C6-7ABF-48C5-8FEB-8FEABF903516}" dt="2024-01-25T15:38:47.393" v="78" actId="478"/>
+          <ac:graphicFrameMkLst>
+            <pc:docMk/>
+            <pc:sldMk cId="2972731808" sldId="308"/>
+            <ac:graphicFrameMk id="50" creationId="{438840ED-2B50-ED19-12CF-99B1789AE150}"/>
+          </ac:graphicFrameMkLst>
+        </pc:graphicFrameChg>
+      </pc:sldChg>
+      <pc:sldChg chg="addSp delSp modSp add mod setBg delDesignElem">
+        <pc:chgData name="Ihor Aleksandrov" userId="c3051032-6b87-4db2-b257-777a0106fbd9" providerId="ADAL" clId="{543CC2C6-7ABF-48C5-8FEB-8FEABF903516}" dt="2024-01-25T15:32:15.751" v="65" actId="1076"/>
+        <pc:sldMkLst>
+          <pc:docMk/>
+          <pc:sldMk cId="198741980" sldId="309"/>
+        </pc:sldMkLst>
+        <pc:spChg chg="mod">
+          <ac:chgData name="Ihor Aleksandrov" userId="c3051032-6b87-4db2-b257-777a0106fbd9" providerId="ADAL" clId="{543CC2C6-7ABF-48C5-8FEB-8FEABF903516}" dt="2024-01-25T15:29:41.303" v="50" actId="26606"/>
+          <ac:spMkLst>
+            <pc:docMk/>
+            <pc:sldMk cId="198741980" sldId="309"/>
+            <ac:spMk id="2" creationId="{53C5D828-9666-E312-B574-9FE965A7D6BE}"/>
+          </ac:spMkLst>
+        </pc:spChg>
+        <pc:spChg chg="mod ord">
+          <ac:chgData name="Ihor Aleksandrov" userId="c3051032-6b87-4db2-b257-777a0106fbd9" providerId="ADAL" clId="{543CC2C6-7ABF-48C5-8FEB-8FEABF903516}" dt="2024-01-25T15:29:41.303" v="50" actId="26606"/>
+          <ac:spMkLst>
+            <pc:docMk/>
+            <pc:sldMk cId="198741980" sldId="309"/>
+            <ac:spMk id="3" creationId="{5AA19FA0-A765-8169-03F1-928E3EF7B595}"/>
+          </ac:spMkLst>
+        </pc:spChg>
+        <pc:spChg chg="add mod">
+          <ac:chgData name="Ihor Aleksandrov" userId="c3051032-6b87-4db2-b257-777a0106fbd9" providerId="ADAL" clId="{543CC2C6-7ABF-48C5-8FEB-8FEABF903516}" dt="2024-01-25T15:30:01.878" v="57" actId="1076"/>
+          <ac:spMkLst>
+            <pc:docMk/>
+            <pc:sldMk cId="198741980" sldId="309"/>
+            <ac:spMk id="6" creationId="{412AFE14-BB8A-D88D-22AD-F324CABD2ECB}"/>
+          </ac:spMkLst>
+        </pc:spChg>
+        <pc:spChg chg="add">
+          <ac:chgData name="Ihor Aleksandrov" userId="c3051032-6b87-4db2-b257-777a0106fbd9" providerId="ADAL" clId="{543CC2C6-7ABF-48C5-8FEB-8FEABF903516}" dt="2024-01-25T15:29:41.303" v="50" actId="26606"/>
+          <ac:spMkLst>
+            <pc:docMk/>
+            <pc:sldMk cId="198741980" sldId="309"/>
+            <ac:spMk id="9" creationId="{D4771268-CB57-404A-9271-370EB28F6090}"/>
+          </ac:spMkLst>
+        </pc:spChg>
+        <pc:spChg chg="del">
+          <ac:chgData name="Ihor Aleksandrov" userId="c3051032-6b87-4db2-b257-777a0106fbd9" providerId="ADAL" clId="{543CC2C6-7ABF-48C5-8FEB-8FEABF903516}" dt="2024-01-25T15:29:36.930" v="49"/>
+          <ac:spMkLst>
+            <pc:docMk/>
+            <pc:sldMk cId="198741980" sldId="309"/>
+            <ac:spMk id="24" creationId="{D4771268-CB57-404A-9271-370EB28F6090}"/>
+          </ac:spMkLst>
+        </pc:spChg>
+        <pc:picChg chg="del mod">
+          <ac:chgData name="Ihor Aleksandrov" userId="c3051032-6b87-4db2-b257-777a0106fbd9" providerId="ADAL" clId="{543CC2C6-7ABF-48C5-8FEB-8FEABF903516}" dt="2024-01-25T15:29:43.702" v="51" actId="478"/>
+          <ac:picMkLst>
+            <pc:docMk/>
+            <pc:sldMk cId="198741980" sldId="309"/>
+            <ac:picMk id="4" creationId="{2F3456F0-6D67-01CE-D6B3-FC19AC71F944}"/>
+          </ac:picMkLst>
+        </pc:picChg>
+        <pc:picChg chg="add mod">
+          <ac:chgData name="Ihor Aleksandrov" userId="c3051032-6b87-4db2-b257-777a0106fbd9" providerId="ADAL" clId="{543CC2C6-7ABF-48C5-8FEB-8FEABF903516}" dt="2024-01-25T15:32:15.751" v="65" actId="1076"/>
+          <ac:picMkLst>
+            <pc:docMk/>
+            <pc:sldMk cId="198741980" sldId="309"/>
+            <ac:picMk id="7" creationId="{93C7CC7C-FAD9-32CF-6707-FC9E556AFF1D}"/>
+          </ac:picMkLst>
+        </pc:picChg>
+      </pc:sldChg>
+      <pc:sldChg chg="addSp delSp modSp add mod setBg delDesignElem">
+        <pc:chgData name="Ihor Aleksandrov" userId="c3051032-6b87-4db2-b257-777a0106fbd9" providerId="ADAL" clId="{543CC2C6-7ABF-48C5-8FEB-8FEABF903516}" dt="2024-01-25T15:33:10.090" v="74" actId="1076"/>
+        <pc:sldMkLst>
+          <pc:docMk/>
+          <pc:sldMk cId="2347286244" sldId="310"/>
+        </pc:sldMkLst>
+        <pc:spChg chg="mod">
+          <ac:chgData name="Ihor Aleksandrov" userId="c3051032-6b87-4db2-b257-777a0106fbd9" providerId="ADAL" clId="{543CC2C6-7ABF-48C5-8FEB-8FEABF903516}" dt="2024-01-25T15:31:53.714" v="60" actId="26606"/>
+          <ac:spMkLst>
+            <pc:docMk/>
+            <pc:sldMk cId="2347286244" sldId="310"/>
+            <ac:spMk id="2" creationId="{53C5D828-9666-E312-B574-9FE965A7D6BE}"/>
+          </ac:spMkLst>
+        </pc:spChg>
+        <pc:spChg chg="mod ord">
+          <ac:chgData name="Ihor Aleksandrov" userId="c3051032-6b87-4db2-b257-777a0106fbd9" providerId="ADAL" clId="{543CC2C6-7ABF-48C5-8FEB-8FEABF903516}" dt="2024-01-25T15:31:53.714" v="60" actId="26606"/>
+          <ac:spMkLst>
+            <pc:docMk/>
+            <pc:sldMk cId="2347286244" sldId="310"/>
+            <ac:spMk id="3" creationId="{5AA19FA0-A765-8169-03F1-928E3EF7B595}"/>
+          </ac:spMkLst>
+        </pc:spChg>
+        <pc:spChg chg="add mod">
+          <ac:chgData name="Ihor Aleksandrov" userId="c3051032-6b87-4db2-b257-777a0106fbd9" providerId="ADAL" clId="{543CC2C6-7ABF-48C5-8FEB-8FEABF903516}" dt="2024-01-25T15:33:10.090" v="74" actId="1076"/>
+          <ac:spMkLst>
+            <pc:docMk/>
+            <pc:sldMk cId="2347286244" sldId="310"/>
+            <ac:spMk id="5" creationId="{B48FA841-F3F0-710F-1055-97505D85F5FB}"/>
+          </ac:spMkLst>
+        </pc:spChg>
+        <pc:spChg chg="add">
+          <ac:chgData name="Ihor Aleksandrov" userId="c3051032-6b87-4db2-b257-777a0106fbd9" providerId="ADAL" clId="{543CC2C6-7ABF-48C5-8FEB-8FEABF903516}" dt="2024-01-25T15:31:53.714" v="60" actId="26606"/>
+          <ac:spMkLst>
+            <pc:docMk/>
+            <pc:sldMk cId="2347286244" sldId="310"/>
+            <ac:spMk id="11" creationId="{D4771268-CB57-404A-9271-370EB28F6090}"/>
+          </ac:spMkLst>
+        </pc:spChg>
+        <pc:spChg chg="del">
+          <ac:chgData name="Ihor Aleksandrov" userId="c3051032-6b87-4db2-b257-777a0106fbd9" providerId="ADAL" clId="{543CC2C6-7ABF-48C5-8FEB-8FEABF903516}" dt="2024-01-25T15:31:49.661" v="59"/>
+          <ac:spMkLst>
+            <pc:docMk/>
+            <pc:sldMk cId="2347286244" sldId="310"/>
+            <ac:spMk id="24" creationId="{D4771268-CB57-404A-9271-370EB28F6090}"/>
+          </ac:spMkLst>
+        </pc:spChg>
+        <pc:picChg chg="mod">
+          <ac:chgData name="Ihor Aleksandrov" userId="c3051032-6b87-4db2-b257-777a0106fbd9" providerId="ADAL" clId="{543CC2C6-7ABF-48C5-8FEB-8FEABF903516}" dt="2024-01-25T15:32:57.482" v="72" actId="1076"/>
+          <ac:picMkLst>
+            <pc:docMk/>
+            <pc:sldMk cId="2347286244" sldId="310"/>
+            <ac:picMk id="6" creationId="{0617AFD0-0603-925A-5FD5-56C87DFDAB14}"/>
+          </ac:picMkLst>
+        </pc:picChg>
+      </pc:sldChg>
+      <pc:sldMasterChg chg="del delSldLayout">
+        <pc:chgData name="Ihor Aleksandrov" userId="c3051032-6b87-4db2-b257-777a0106fbd9" providerId="ADAL" clId="{543CC2C6-7ABF-48C5-8FEB-8FEABF903516}" dt="2024-01-25T15:22:56.379" v="25" actId="2696"/>
+        <pc:sldMasterMkLst>
+          <pc:docMk/>
+          <pc:sldMasterMk cId="1579723609" sldId="2147483660"/>
+        </pc:sldMasterMkLst>
+        <pc:sldLayoutChg chg="del">
+          <pc:chgData name="Ihor Aleksandrov" userId="c3051032-6b87-4db2-b257-777a0106fbd9" providerId="ADAL" clId="{543CC2C6-7ABF-48C5-8FEB-8FEABF903516}" dt="2024-01-25T15:22:56.379" v="25" actId="2696"/>
+          <pc:sldLayoutMkLst>
+            <pc:docMk/>
+            <pc:sldMasterMk cId="1579723609" sldId="2147483660"/>
+            <pc:sldLayoutMk cId="1498987355" sldId="2147483662"/>
+          </pc:sldLayoutMkLst>
+        </pc:sldLayoutChg>
+      </pc:sldMasterChg>
+    </pc:docChg>
+  </pc:docChgLst>
+  <pc:docChgLst>
+    <pc:chgData name="Ihor Aleksandrov" userId="c3051032-6b87-4db2-b257-777a0106fbd9" providerId="ADAL" clId="{C975AD89-9389-4107-B336-68A5516F1324}"/>
+    <pc:docChg chg="undo custSel addSld delSld modSld sldOrd addSection delSection modSection">
+      <pc:chgData name="Ihor Aleksandrov" userId="c3051032-6b87-4db2-b257-777a0106fbd9" providerId="ADAL" clId="{C975AD89-9389-4107-B336-68A5516F1324}" dt="2024-01-25T12:17:02.243" v="546" actId="26606"/>
+      <pc:docMkLst>
+        <pc:docMk/>
+      </pc:docMkLst>
+      <pc:sldChg chg="addSp modSp mod setBg addAnim">
+        <pc:chgData name="Ihor Aleksandrov" userId="c3051032-6b87-4db2-b257-777a0106fbd9" providerId="ADAL" clId="{C975AD89-9389-4107-B336-68A5516F1324}" dt="2024-01-25T09:37:46.439" v="6"/>
+        <pc:sldMkLst>
+          <pc:docMk/>
+          <pc:sldMk cId="588564705" sldId="256"/>
+        </pc:sldMkLst>
+        <pc:spChg chg="mod">
+          <ac:chgData name="Ihor Aleksandrov" userId="c3051032-6b87-4db2-b257-777a0106fbd9" providerId="ADAL" clId="{C975AD89-9389-4107-B336-68A5516F1324}" dt="2024-01-25T09:37:46.437" v="5" actId="26606"/>
+          <ac:spMkLst>
+            <pc:docMk/>
+            <pc:sldMk cId="588564705" sldId="256"/>
+            <ac:spMk id="2" creationId="{2C4A1DFF-3C45-F11D-E6A6-19C0306E5E2B}"/>
+          </ac:spMkLst>
+        </pc:spChg>
+        <pc:spChg chg="mod">
+          <ac:chgData name="Ihor Aleksandrov" userId="c3051032-6b87-4db2-b257-777a0106fbd9" providerId="ADAL" clId="{C975AD89-9389-4107-B336-68A5516F1324}" dt="2024-01-25T09:37:46.437" v="5" actId="26606"/>
+          <ac:spMkLst>
+            <pc:docMk/>
+            <pc:sldMk cId="588564705" sldId="256"/>
+            <ac:spMk id="3" creationId="{83E94964-4387-6754-A4EC-18732A6BF475}"/>
+          </ac:spMkLst>
+        </pc:spChg>
+        <pc:spChg chg="mod">
+          <ac:chgData name="Ihor Aleksandrov" userId="c3051032-6b87-4db2-b257-777a0106fbd9" providerId="ADAL" clId="{C975AD89-9389-4107-B336-68A5516F1324}" dt="2024-01-25T09:37:46.437" v="5" actId="26606"/>
+          <ac:spMkLst>
+            <pc:docMk/>
+            <pc:sldMk cId="588564705" sldId="256"/>
+            <ac:spMk id="4" creationId="{6AEA980F-0A48-FA7E-1AE7-6E7F30B49C17}"/>
+          </ac:spMkLst>
+        </pc:spChg>
+        <pc:spChg chg="add">
+          <ac:chgData name="Ihor Aleksandrov" userId="c3051032-6b87-4db2-b257-777a0106fbd9" providerId="ADAL" clId="{C975AD89-9389-4107-B336-68A5516F1324}" dt="2024-01-25T09:37:46.437" v="5" actId="26606"/>
+          <ac:spMkLst>
+            <pc:docMk/>
+            <pc:sldMk cId="588564705" sldId="256"/>
+            <ac:spMk id="9" creationId="{C3896A03-3945-419A-B66B-4EE266EDD152}"/>
+          </ac:spMkLst>
+        </pc:spChg>
+        <pc:spChg chg="add">
+          <ac:chgData name="Ihor Aleksandrov" userId="c3051032-6b87-4db2-b257-777a0106fbd9" providerId="ADAL" clId="{C975AD89-9389-4107-B336-68A5516F1324}" dt="2024-01-25T09:37:46.437" v="5" actId="26606"/>
+          <ac:spMkLst>
+            <pc:docMk/>
+            <pc:sldMk cId="588564705" sldId="256"/>
+            <ac:spMk id="11" creationId="{B34F5AD2-EDBD-4BBD-A55C-EAFFD0C7097A}"/>
+          </ac:spMkLst>
+        </pc:spChg>
+      </pc:sldChg>
+      <pc:sldChg chg="modSp mod">
+        <pc:chgData name="Ihor Aleksandrov" userId="c3051032-6b87-4db2-b257-777a0106fbd9" providerId="ADAL" clId="{C975AD89-9389-4107-B336-68A5516F1324}" dt="2024-01-25T10:34:02.529" v="103" actId="14100"/>
+        <pc:sldMkLst>
+          <pc:docMk/>
+          <pc:sldMk cId="3270890867" sldId="257"/>
+        </pc:sldMkLst>
+        <pc:spChg chg="mod">
+          <ac:chgData name="Ihor Aleksandrov" userId="c3051032-6b87-4db2-b257-777a0106fbd9" providerId="ADAL" clId="{C975AD89-9389-4107-B336-68A5516F1324}" dt="2024-01-25T10:34:02.529" v="103" actId="14100"/>
+          <ac:spMkLst>
+            <pc:docMk/>
+            <pc:sldMk cId="3270890867" sldId="257"/>
+            <ac:spMk id="2" creationId="{DB2FBD6F-5487-CF83-1B78-61E52C9B601E}"/>
+          </ac:spMkLst>
+        </pc:spChg>
+      </pc:sldChg>
+      <pc:sldChg chg="addSp delSp modSp add mod setBg delDesignElem">
+        <pc:chgData name="Ihor Aleksandrov" userId="c3051032-6b87-4db2-b257-777a0106fbd9" providerId="ADAL" clId="{C975AD89-9389-4107-B336-68A5516F1324}" dt="2024-01-25T10:20:31.129" v="27" actId="1076"/>
+        <pc:sldMkLst>
+          <pc:docMk/>
+          <pc:sldMk cId="3985704815" sldId="270"/>
+        </pc:sldMkLst>
+        <pc:spChg chg="mod">
+          <ac:chgData name="Ihor Aleksandrov" userId="c3051032-6b87-4db2-b257-777a0106fbd9" providerId="ADAL" clId="{C975AD89-9389-4107-B336-68A5516F1324}" dt="2024-01-25T10:20:00.942" v="21" actId="26606"/>
+          <ac:spMkLst>
+            <pc:docMk/>
+            <pc:sldMk cId="3985704815" sldId="270"/>
+            <ac:spMk id="2" creationId="{53C5D828-9666-E312-B574-9FE965A7D6BE}"/>
+          </ac:spMkLst>
+        </pc:spChg>
+        <pc:spChg chg="mod ord">
+          <ac:chgData name="Ihor Aleksandrov" userId="c3051032-6b87-4db2-b257-777a0106fbd9" providerId="ADAL" clId="{C975AD89-9389-4107-B336-68A5516F1324}" dt="2024-01-25T10:20:00.942" v="21" actId="26606"/>
+          <ac:spMkLst>
+            <pc:docMk/>
+            <pc:sldMk cId="3985704815" sldId="270"/>
+            <ac:spMk id="3" creationId="{5AA19FA0-A765-8169-03F1-928E3EF7B595}"/>
+          </ac:spMkLst>
+        </pc:spChg>
+        <pc:spChg chg="add mod">
+          <ac:chgData name="Ihor Aleksandrov" userId="c3051032-6b87-4db2-b257-777a0106fbd9" providerId="ADAL" clId="{C975AD89-9389-4107-B336-68A5516F1324}" dt="2024-01-25T10:20:31.129" v="27" actId="1076"/>
+          <ac:spMkLst>
+            <pc:docMk/>
+            <pc:sldMk cId="3985704815" sldId="270"/>
+            <ac:spMk id="6" creationId="{4D87342B-A24A-BB50-D6BE-6DA3CC5A8E87}"/>
+          </ac:spMkLst>
+        </pc:spChg>
+        <pc:spChg chg="add">
+          <ac:chgData name="Ihor Aleksandrov" userId="c3051032-6b87-4db2-b257-777a0106fbd9" providerId="ADAL" clId="{C975AD89-9389-4107-B336-68A5516F1324}" dt="2024-01-25T10:20:00.942" v="21" actId="26606"/>
+          <ac:spMkLst>
+            <pc:docMk/>
+            <pc:sldMk cId="3985704815" sldId="270"/>
+            <ac:spMk id="10" creationId="{D4771268-CB57-404A-9271-370EB28F6090}"/>
+          </ac:spMkLst>
+        </pc:spChg>
+        <pc:spChg chg="del">
+          <ac:chgData name="Ihor Aleksandrov" userId="c3051032-6b87-4db2-b257-777a0106fbd9" providerId="ADAL" clId="{C975AD89-9389-4107-B336-68A5516F1324}" dt="2024-01-25T10:19:56.242" v="20"/>
+          <ac:spMkLst>
+            <pc:docMk/>
+            <pc:sldMk cId="3985704815" sldId="270"/>
+            <ac:spMk id="24" creationId="{D4771268-CB57-404A-9271-370EB28F6090}"/>
+          </ac:spMkLst>
+        </pc:spChg>
+        <pc:picChg chg="mod">
+          <ac:chgData name="Ihor Aleksandrov" userId="c3051032-6b87-4db2-b257-777a0106fbd9" providerId="ADAL" clId="{C975AD89-9389-4107-B336-68A5516F1324}" dt="2024-01-25T10:20:25.106" v="25" actId="1076"/>
+          <ac:picMkLst>
+            <pc:docMk/>
+            <pc:sldMk cId="3985704815" sldId="270"/>
+            <ac:picMk id="5" creationId="{329D80B6-A19C-F87F-FE85-78E58BE79DFC}"/>
+          </ac:picMkLst>
+        </pc:picChg>
+      </pc:sldChg>
+      <pc:sldChg chg="addSp delSp modSp add mod setBg delDesignElem">
+        <pc:chgData name="Ihor Aleksandrov" userId="c3051032-6b87-4db2-b257-777a0106fbd9" providerId="ADAL" clId="{C975AD89-9389-4107-B336-68A5516F1324}" dt="2024-01-25T10:22:18.236" v="38" actId="1076"/>
+        <pc:sldMkLst>
+          <pc:docMk/>
+          <pc:sldMk cId="2117969225" sldId="273"/>
+        </pc:sldMkLst>
+        <pc:spChg chg="mod">
+          <ac:chgData name="Ihor Aleksandrov" userId="c3051032-6b87-4db2-b257-777a0106fbd9" providerId="ADAL" clId="{C975AD89-9389-4107-B336-68A5516F1324}" dt="2024-01-25T10:21:52.148" v="30" actId="26606"/>
+          <ac:spMkLst>
+            <pc:docMk/>
+            <pc:sldMk cId="2117969225" sldId="273"/>
+            <ac:spMk id="2" creationId="{53C5D828-9666-E312-B574-9FE965A7D6BE}"/>
+          </ac:spMkLst>
+        </pc:spChg>
+        <pc:spChg chg="mod ord">
+          <ac:chgData name="Ihor Aleksandrov" userId="c3051032-6b87-4db2-b257-777a0106fbd9" providerId="ADAL" clId="{C975AD89-9389-4107-B336-68A5516F1324}" dt="2024-01-25T10:21:52.148" v="30" actId="26606"/>
+          <ac:spMkLst>
+            <pc:docMk/>
+            <pc:sldMk cId="2117969225" sldId="273"/>
+            <ac:spMk id="3" creationId="{5AA19FA0-A765-8169-03F1-928E3EF7B595}"/>
+          </ac:spMkLst>
+        </pc:spChg>
+        <pc:spChg chg="add mod">
+          <ac:chgData name="Ihor Aleksandrov" userId="c3051032-6b87-4db2-b257-777a0106fbd9" providerId="ADAL" clId="{C975AD89-9389-4107-B336-68A5516F1324}" dt="2024-01-25T10:22:18.236" v="38" actId="1076"/>
+          <ac:spMkLst>
+            <pc:docMk/>
+            <pc:sldMk cId="2117969225" sldId="273"/>
+            <ac:spMk id="5" creationId="{AF680A03-B457-DF03-9AFA-D399210B3DD2}"/>
+          </ac:spMkLst>
+        </pc:spChg>
+        <pc:spChg chg="add">
+          <ac:chgData name="Ihor Aleksandrov" userId="c3051032-6b87-4db2-b257-777a0106fbd9" providerId="ADAL" clId="{C975AD89-9389-4107-B336-68A5516F1324}" dt="2024-01-25T10:21:52.148" v="30" actId="26606"/>
+          <ac:spMkLst>
+            <pc:docMk/>
+            <pc:sldMk cId="2117969225" sldId="273"/>
+            <ac:spMk id="11" creationId="{D4771268-CB57-404A-9271-370EB28F6090}"/>
+          </ac:spMkLst>
+        </pc:spChg>
+        <pc:spChg chg="del">
+          <ac:chgData name="Ihor Aleksandrov" userId="c3051032-6b87-4db2-b257-777a0106fbd9" providerId="ADAL" clId="{C975AD89-9389-4107-B336-68A5516F1324}" dt="2024-01-25T10:21:47.991" v="29"/>
+          <ac:spMkLst>
+            <pc:docMk/>
+            <pc:sldMk cId="2117969225" sldId="273"/>
+            <ac:spMk id="24" creationId="{D4771268-CB57-404A-9271-370EB28F6090}"/>
+          </ac:spMkLst>
+        </pc:spChg>
+        <pc:picChg chg="mod">
+          <ac:chgData name="Ihor Aleksandrov" userId="c3051032-6b87-4db2-b257-777a0106fbd9" providerId="ADAL" clId="{C975AD89-9389-4107-B336-68A5516F1324}" dt="2024-01-25T10:22:05.699" v="36" actId="1076"/>
+          <ac:picMkLst>
+            <pc:docMk/>
+            <pc:sldMk cId="2117969225" sldId="273"/>
+            <ac:picMk id="6" creationId="{4FAB23B6-5773-62B9-EF9A-E1E0562BE8E1}"/>
+          </ac:picMkLst>
+        </pc:picChg>
+      </pc:sldChg>
+      <pc:sldChg chg="addSp delSp modSp add mod ord setBg delDesignElem">
+        <pc:chgData name="Ihor Aleksandrov" userId="c3051032-6b87-4db2-b257-777a0106fbd9" providerId="ADAL" clId="{C975AD89-9389-4107-B336-68A5516F1324}" dt="2024-01-25T10:27:17.961" v="68"/>
+        <pc:sldMkLst>
+          <pc:docMk/>
+          <pc:sldMk cId="1169417950" sldId="274"/>
+        </pc:sldMkLst>
+        <pc:spChg chg="mod">
+          <ac:chgData name="Ihor Aleksandrov" userId="c3051032-6b87-4db2-b257-777a0106fbd9" providerId="ADAL" clId="{C975AD89-9389-4107-B336-68A5516F1324}" dt="2024-01-25T10:25:31.238" v="59"/>
+          <ac:spMkLst>
+            <pc:docMk/>
+            <pc:sldMk cId="1169417950" sldId="274"/>
+            <ac:spMk id="2" creationId="{53C5D828-9666-E312-B574-9FE965A7D6BE}"/>
+          </ac:spMkLst>
+        </pc:spChg>
+        <pc:spChg chg="mod ord">
+          <ac:chgData name="Ihor Aleksandrov" userId="c3051032-6b87-4db2-b257-777a0106fbd9" providerId="ADAL" clId="{C975AD89-9389-4107-B336-68A5516F1324}" dt="2024-01-25T10:23:15.070" v="41" actId="26606"/>
+          <ac:spMkLst>
+            <pc:docMk/>
+            <pc:sldMk cId="1169417950" sldId="274"/>
+            <ac:spMk id="3" creationId="{5AA19FA0-A765-8169-03F1-928E3EF7B595}"/>
+          </ac:spMkLst>
+        </pc:spChg>
+        <pc:spChg chg="add del mod">
+          <ac:chgData name="Ihor Aleksandrov" userId="c3051032-6b87-4db2-b257-777a0106fbd9" providerId="ADAL" clId="{C975AD89-9389-4107-B336-68A5516F1324}" dt="2024-01-25T10:25:25.187" v="58" actId="478"/>
+          <ac:spMkLst>
+            <pc:docMk/>
+            <pc:sldMk cId="1169417950" sldId="274"/>
+            <ac:spMk id="6" creationId="{97DA7B28-2C2F-5763-DCEE-731A53DB2AE2}"/>
+          </ac:spMkLst>
+        </pc:spChg>
+        <pc:spChg chg="add mod">
+          <ac:chgData name="Ihor Aleksandrov" userId="c3051032-6b87-4db2-b257-777a0106fbd9" providerId="ADAL" clId="{C975AD89-9389-4107-B336-68A5516F1324}" dt="2024-01-25T10:25:51.390" v="64" actId="20577"/>
+          <ac:spMkLst>
+            <pc:docMk/>
+            <pc:sldMk cId="1169417950" sldId="274"/>
+            <ac:spMk id="9" creationId="{68E6A198-8374-6880-A031-A4B89043E4B3}"/>
+          </ac:spMkLst>
+        </pc:spChg>
+        <pc:spChg chg="add">
+          <ac:chgData name="Ihor Aleksandrov" userId="c3051032-6b87-4db2-b257-777a0106fbd9" providerId="ADAL" clId="{C975AD89-9389-4107-B336-68A5516F1324}" dt="2024-01-25T10:23:15.070" v="41" actId="26606"/>
+          <ac:spMkLst>
+            <pc:docMk/>
+            <pc:sldMk cId="1169417950" sldId="274"/>
+            <ac:spMk id="10" creationId="{D4771268-CB57-404A-9271-370EB28F6090}"/>
+          </ac:spMkLst>
+        </pc:spChg>
+        <pc:spChg chg="del">
+          <ac:chgData name="Ihor Aleksandrov" userId="c3051032-6b87-4db2-b257-777a0106fbd9" providerId="ADAL" clId="{C975AD89-9389-4107-B336-68A5516F1324}" dt="2024-01-25T10:23:10.993" v="40"/>
+          <ac:spMkLst>
+            <pc:docMk/>
+            <pc:sldMk cId="1169417950" sldId="274"/>
+            <ac:spMk id="24" creationId="{D4771268-CB57-404A-9271-370EB28F6090}"/>
+          </ac:spMkLst>
+        </pc:spChg>
+        <pc:picChg chg="del mod">
+          <ac:chgData name="Ihor Aleksandrov" userId="c3051032-6b87-4db2-b257-777a0106fbd9" providerId="ADAL" clId="{C975AD89-9389-4107-B336-68A5516F1324}" dt="2024-01-25T10:25:14.784" v="55" actId="478"/>
+          <ac:picMkLst>
+            <pc:docMk/>
+            <pc:sldMk cId="1169417950" sldId="274"/>
+            <ac:picMk id="5" creationId="{2673936C-DF0C-E6AF-ABCB-83A1EB8FE594}"/>
+          </ac:picMkLst>
+        </pc:picChg>
+        <pc:picChg chg="add mod">
+          <ac:chgData name="Ihor Aleksandrov" userId="c3051032-6b87-4db2-b257-777a0106fbd9" providerId="ADAL" clId="{C975AD89-9389-4107-B336-68A5516F1324}" dt="2024-01-25T10:25:22.065" v="57" actId="1076"/>
+          <ac:picMkLst>
+            <pc:docMk/>
+            <pc:sldMk cId="1169417950" sldId="274"/>
+            <ac:picMk id="7" creationId="{36308785-8759-67DA-50E0-F45FA06B6354}"/>
+          </ac:picMkLst>
+        </pc:picChg>
+      </pc:sldChg>
+      <pc:sldChg chg="delSp add del mod setBg delDesignElem">
+        <pc:chgData name="Ihor Aleksandrov" userId="c3051032-6b87-4db2-b257-777a0106fbd9" providerId="ADAL" clId="{C975AD89-9389-4107-B336-68A5516F1324}" dt="2024-01-25T10:25:07.100" v="53" actId="2696"/>
+        <pc:sldMkLst>
+          <pc:docMk/>
+          <pc:sldMk cId="22639359" sldId="275"/>
+        </pc:sldMkLst>
+        <pc:spChg chg="del">
+          <ac:chgData name="Ihor Aleksandrov" userId="c3051032-6b87-4db2-b257-777a0106fbd9" providerId="ADAL" clId="{C975AD89-9389-4107-B336-68A5516F1324}" dt="2024-01-25T10:24:34.426" v="50"/>
+          <ac:spMkLst>
+            <pc:docMk/>
+            <pc:sldMk cId="22639359" sldId="275"/>
+            <ac:spMk id="24" creationId="{D4771268-CB57-404A-9271-370EB28F6090}"/>
+          </ac:spMkLst>
+        </pc:spChg>
+        <pc:picChg chg="del">
+          <ac:chgData name="Ihor Aleksandrov" userId="c3051032-6b87-4db2-b257-777a0106fbd9" providerId="ADAL" clId="{C975AD89-9389-4107-B336-68A5516F1324}" dt="2024-01-25T10:25:03.933" v="52" actId="21"/>
+          <ac:picMkLst>
+            <pc:docMk/>
+            <pc:sldMk cId="22639359" sldId="275"/>
+            <ac:picMk id="6" creationId="{F57DB18D-BCA3-CA46-401F-99D6D9BB7754}"/>
+          </ac:picMkLst>
+        </pc:picChg>
+      </pc:sldChg>
+      <pc:sldChg chg="delSp modSp add del mod setBg delDesignElem">
+        <pc:chgData name="Ihor Aleksandrov" userId="c3051032-6b87-4db2-b257-777a0106fbd9" providerId="ADAL" clId="{C975AD89-9389-4107-B336-68A5516F1324}" dt="2024-01-25T10:29:26.442" v="88" actId="2696"/>
+        <pc:sldMkLst>
+          <pc:docMk/>
+          <pc:sldMk cId="3976992233" sldId="275"/>
+        </pc:sldMkLst>
+        <pc:spChg chg="del">
+          <ac:chgData name="Ihor Aleksandrov" userId="c3051032-6b87-4db2-b257-777a0106fbd9" providerId="ADAL" clId="{C975AD89-9389-4107-B336-68A5516F1324}" dt="2024-01-25T10:28:35.614" v="76"/>
+          <ac:spMkLst>
+            <pc:docMk/>
+            <pc:sldMk cId="3976992233" sldId="275"/>
+            <ac:spMk id="24" creationId="{D4771268-CB57-404A-9271-370EB28F6090}"/>
+          </ac:spMkLst>
+        </pc:spChg>
+        <pc:picChg chg="del mod">
+          <ac:chgData name="Ihor Aleksandrov" userId="c3051032-6b87-4db2-b257-777a0106fbd9" providerId="ADAL" clId="{C975AD89-9389-4107-B336-68A5516F1324}" dt="2024-01-25T10:28:57.476" v="79" actId="21"/>
+          <ac:picMkLst>
+            <pc:docMk/>
+            <pc:sldMk cId="3976992233" sldId="275"/>
+            <ac:picMk id="6" creationId="{76FE2D85-671A-24B1-C1D7-52F796E16C69}"/>
+          </ac:picMkLst>
+        </pc:picChg>
+      </pc:sldChg>
+      <pc:sldChg chg="add">
+        <pc:chgData name="Ihor Aleksandrov" userId="c3051032-6b87-4db2-b257-777a0106fbd9" providerId="ADAL" clId="{C975AD89-9389-4107-B336-68A5516F1324}" dt="2024-01-25T10:24:59.963" v="51" actId="2890"/>
+        <pc:sldMkLst>
+          <pc:docMk/>
+          <pc:sldMk cId="1690294392" sldId="276"/>
+        </pc:sldMkLst>
+      </pc:sldChg>
+      <pc:sldChg chg="addSp delSp modSp add mod setBg delDesignElem">
+        <pc:chgData name="Ihor Aleksandrov" userId="c3051032-6b87-4db2-b257-777a0106fbd9" providerId="ADAL" clId="{C975AD89-9389-4107-B336-68A5516F1324}" dt="2024-01-25T10:27:46.180" v="74" actId="1076"/>
+        <pc:sldMkLst>
+          <pc:docMk/>
+          <pc:sldMk cId="2169937468" sldId="277"/>
+        </pc:sldMkLst>
+        <pc:spChg chg="mod">
+          <ac:chgData name="Ihor Aleksandrov" userId="c3051032-6b87-4db2-b257-777a0106fbd9" providerId="ADAL" clId="{C975AD89-9389-4107-B336-68A5516F1324}" dt="2024-01-25T10:27:21.906" v="69" actId="26606"/>
+          <ac:spMkLst>
+            <pc:docMk/>
+            <pc:sldMk cId="2169937468" sldId="277"/>
+            <ac:spMk id="2" creationId="{53C5D828-9666-E312-B574-9FE965A7D6BE}"/>
+          </ac:spMkLst>
+        </pc:spChg>
+        <pc:spChg chg="mod ord">
+          <ac:chgData name="Ihor Aleksandrov" userId="c3051032-6b87-4db2-b257-777a0106fbd9" providerId="ADAL" clId="{C975AD89-9389-4107-B336-68A5516F1324}" dt="2024-01-25T10:27:21.906" v="69" actId="26606"/>
+          <ac:spMkLst>
+            <pc:docMk/>
+            <pc:sldMk cId="2169937468" sldId="277"/>
+            <ac:spMk id="3" creationId="{5AA19FA0-A765-8169-03F1-928E3EF7B595}"/>
+          </ac:spMkLst>
+        </pc:spChg>
+        <pc:spChg chg="add mod">
+          <ac:chgData name="Ihor Aleksandrov" userId="c3051032-6b87-4db2-b257-777a0106fbd9" providerId="ADAL" clId="{C975AD89-9389-4107-B336-68A5516F1324}" dt="2024-01-25T10:27:46.180" v="74" actId="1076"/>
+          <ac:spMkLst>
+            <pc:docMk/>
+            <pc:sldMk cId="2169937468" sldId="277"/>
+            <ac:spMk id="6" creationId="{FA5D04A7-9FB8-4DD3-E45B-4245A690D87F}"/>
+          </ac:spMkLst>
+        </pc:spChg>
+        <pc:spChg chg="add">
+          <ac:chgData name="Ihor Aleksandrov" userId="c3051032-6b87-4db2-b257-777a0106fbd9" providerId="ADAL" clId="{C975AD89-9389-4107-B336-68A5516F1324}" dt="2024-01-25T10:27:21.906" v="69" actId="26606"/>
+          <ac:spMkLst>
+            <pc:docMk/>
+            <pc:sldMk cId="2169937468" sldId="277"/>
+            <ac:spMk id="10" creationId="{D4771268-CB57-404A-9271-370EB28F6090}"/>
+          </ac:spMkLst>
+        </pc:spChg>
+        <pc:spChg chg="del">
+          <ac:chgData name="Ihor Aleksandrov" userId="c3051032-6b87-4db2-b257-777a0106fbd9" providerId="ADAL" clId="{C975AD89-9389-4107-B336-68A5516F1324}" dt="2024-01-25T10:27:01.531" v="66"/>
+          <ac:spMkLst>
+            <pc:docMk/>
+            <pc:sldMk cId="2169937468" sldId="277"/>
+            <ac:spMk id="24" creationId="{D4771268-CB57-404A-9271-370EB28F6090}"/>
+          </ac:spMkLst>
+        </pc:spChg>
+        <pc:picChg chg="mod">
+          <ac:chgData name="Ihor Aleksandrov" userId="c3051032-6b87-4db2-b257-777a0106fbd9" providerId="ADAL" clId="{C975AD89-9389-4107-B336-68A5516F1324}" dt="2024-01-25T10:27:28.778" v="71" actId="1076"/>
+          <ac:picMkLst>
+            <pc:docMk/>
+            <pc:sldMk cId="2169937468" sldId="277"/>
+            <ac:picMk id="5" creationId="{9A572A88-7842-99D5-9802-EEA8606516CC}"/>
+          </ac:picMkLst>
+        </pc:picChg>
+      </pc:sldChg>
+      <pc:sldChg chg="addSp delSp modSp add mod">
+        <pc:chgData name="Ihor Aleksandrov" userId="c3051032-6b87-4db2-b257-777a0106fbd9" providerId="ADAL" clId="{C975AD89-9389-4107-B336-68A5516F1324}" dt="2024-01-25T10:29:48.236" v="91" actId="1076"/>
+        <pc:sldMkLst>
+          <pc:docMk/>
+          <pc:sldMk cId="27400258" sldId="278"/>
+        </pc:sldMkLst>
+        <pc:spChg chg="mod">
+          <ac:chgData name="Ihor Aleksandrov" userId="c3051032-6b87-4db2-b257-777a0106fbd9" providerId="ADAL" clId="{C975AD89-9389-4107-B336-68A5516F1324}" dt="2024-01-25T10:29:22.868" v="87" actId="27636"/>
+          <ac:spMkLst>
+            <pc:docMk/>
+            <pc:sldMk cId="27400258" sldId="278"/>
+            <ac:spMk id="2" creationId="{53C5D828-9666-E312-B574-9FE965A7D6BE}"/>
+          </ac:spMkLst>
+        </pc:spChg>
+        <pc:spChg chg="del">
+          <ac:chgData name="Ihor Aleksandrov" userId="c3051032-6b87-4db2-b257-777a0106fbd9" providerId="ADAL" clId="{C975AD89-9389-4107-B336-68A5516F1324}" dt="2024-01-25T10:29:03.150" v="80" actId="478"/>
+          <ac:spMkLst>
+            <pc:docMk/>
+            <pc:sldMk cId="27400258" sldId="278"/>
+            <ac:spMk id="6" creationId="{FA5D04A7-9FB8-4DD3-E45B-4245A690D87F}"/>
+          </ac:spMkLst>
+        </pc:spChg>
+        <pc:spChg chg="add mod">
+          <ac:chgData name="Ihor Aleksandrov" userId="c3051032-6b87-4db2-b257-777a0106fbd9" providerId="ADAL" clId="{C975AD89-9389-4107-B336-68A5516F1324}" dt="2024-01-25T10:29:48.236" v="91" actId="1076"/>
+          <ac:spMkLst>
+            <pc:docMk/>
+            <pc:sldMk cId="27400258" sldId="278"/>
+            <ac:spMk id="8" creationId="{4F750F35-E314-4598-038A-9207943DB0D3}"/>
+          </ac:spMkLst>
+        </pc:spChg>
+        <pc:picChg chg="add mod">
+          <ac:chgData name="Ihor Aleksandrov" userId="c3051032-6b87-4db2-b257-777a0106fbd9" providerId="ADAL" clId="{C975AD89-9389-4107-B336-68A5516F1324}" dt="2024-01-25T10:29:14.596" v="85" actId="1076"/>
+          <ac:picMkLst>
+            <pc:docMk/>
+            <pc:sldMk cId="27400258" sldId="278"/>
+            <ac:picMk id="4" creationId="{B33D34CE-FF91-11F2-8446-ED8FBD31602E}"/>
+          </ac:picMkLst>
+        </pc:picChg>
+        <pc:picChg chg="del">
+          <ac:chgData name="Ihor Aleksandrov" userId="c3051032-6b87-4db2-b257-777a0106fbd9" providerId="ADAL" clId="{C975AD89-9389-4107-B336-68A5516F1324}" dt="2024-01-25T10:29:05.597" v="81" actId="478"/>
+          <ac:picMkLst>
+            <pc:docMk/>
+            <pc:sldMk cId="27400258" sldId="278"/>
+            <ac:picMk id="5" creationId="{9A572A88-7842-99D5-9802-EEA8606516CC}"/>
+          </ac:picMkLst>
+        </pc:picChg>
+      </pc:sldChg>
+      <pc:sldChg chg="addSp delSp modSp add mod setBg delDesignElem">
+        <pc:chgData name="Ihor Aleksandrov" userId="c3051032-6b87-4db2-b257-777a0106fbd9" providerId="ADAL" clId="{C975AD89-9389-4107-B336-68A5516F1324}" dt="2024-01-25T10:35:50.316" v="105"/>
+        <pc:sldMkLst>
+          <pc:docMk/>
+          <pc:sldMk cId="2135561016" sldId="279"/>
+        </pc:sldMkLst>
+        <pc:spChg chg="mod">
+          <ac:chgData name="Ihor Aleksandrov" userId="c3051032-6b87-4db2-b257-777a0106fbd9" providerId="ADAL" clId="{C975AD89-9389-4107-B336-68A5516F1324}" dt="2024-01-25T10:33:04.386" v="94" actId="26606"/>
+          <ac:spMkLst>
+            <pc:docMk/>
+            <pc:sldMk cId="2135561016" sldId="279"/>
+            <ac:spMk id="2" creationId="{18C18207-A109-5552-1541-0ABBAA316282}"/>
+          </ac:spMkLst>
+        </pc:spChg>
+        <pc:spChg chg="del mod">
+          <ac:chgData name="Ihor Aleksandrov" userId="c3051032-6b87-4db2-b257-777a0106fbd9" providerId="ADAL" clId="{C975AD89-9389-4107-B336-68A5516F1324}" dt="2024-01-25T10:33:31.078" v="97" actId="478"/>
+          <ac:spMkLst>
+            <pc:docMk/>
+            <pc:sldMk cId="2135561016" sldId="279"/>
+            <ac:spMk id="3" creationId="{3473E1D3-7401-AD94-5C7A-49912FA8005A}"/>
+          </ac:spMkLst>
+        </pc:spChg>
+        <pc:spChg chg="add">
+          <ac:chgData name="Ihor Aleksandrov" userId="c3051032-6b87-4db2-b257-777a0106fbd9" providerId="ADAL" clId="{C975AD89-9389-4107-B336-68A5516F1324}" dt="2024-01-25T10:33:04.386" v="94" actId="26606"/>
+          <ac:spMkLst>
+            <pc:docMk/>
+            <pc:sldMk cId="2135561016" sldId="279"/>
+            <ac:spMk id="6" creationId="{C3896A03-3945-419A-B66B-4EE266EDD152}"/>
+          </ac:spMkLst>
+        </pc:spChg>
+        <pc:spChg chg="add">
+          <ac:chgData name="Ihor Aleksandrov" userId="c3051032-6b87-4db2-b257-777a0106fbd9" providerId="ADAL" clId="{C975AD89-9389-4107-B336-68A5516F1324}" dt="2024-01-25T10:33:04.386" v="94" actId="26606"/>
+          <ac:spMkLst>
+            <pc:docMk/>
+            <pc:sldMk cId="2135561016" sldId="279"/>
+            <ac:spMk id="7" creationId="{B34F5AD2-EDBD-4BBD-A55C-EAFFD0C7097A}"/>
+          </ac:spMkLst>
+        </pc:spChg>
+        <pc:spChg chg="add del mod">
+          <ac:chgData name="Ihor Aleksandrov" userId="c3051032-6b87-4db2-b257-777a0106fbd9" providerId="ADAL" clId="{C975AD89-9389-4107-B336-68A5516F1324}" dt="2024-01-25T10:33:36.773" v="98" actId="478"/>
+          <ac:spMkLst>
+            <pc:docMk/>
+            <pc:sldMk cId="2135561016" sldId="279"/>
+            <ac:spMk id="8" creationId="{4791D4D6-16B2-07C9-29AF-2022E6BCF129}"/>
+          </ac:spMkLst>
+        </pc:spChg>
+        <pc:spChg chg="del">
+          <ac:chgData name="Ihor Aleksandrov" userId="c3051032-6b87-4db2-b257-777a0106fbd9" providerId="ADAL" clId="{C975AD89-9389-4107-B336-68A5516F1324}" dt="2024-01-25T10:32:55.055" v="93"/>
+          <ac:spMkLst>
+            <pc:docMk/>
+            <pc:sldMk cId="2135561016" sldId="279"/>
+            <ac:spMk id="9" creationId="{C3896A03-3945-419A-B66B-4EE266EDD152}"/>
+          </ac:spMkLst>
+        </pc:spChg>
+        <pc:spChg chg="del">
+          <ac:chgData name="Ihor Aleksandrov" userId="c3051032-6b87-4db2-b257-777a0106fbd9" providerId="ADAL" clId="{C975AD89-9389-4107-B336-68A5516F1324}" dt="2024-01-25T10:32:55.055" v="93"/>
+          <ac:spMkLst>
+            <pc:docMk/>
+            <pc:sldMk cId="2135561016" sldId="279"/>
+            <ac:spMk id="11" creationId="{B34F5AD2-EDBD-4BBD-A55C-EAFFD0C7097A}"/>
+          </ac:spMkLst>
+        </pc:spChg>
+        <pc:spChg chg="add mod">
+          <ac:chgData name="Ihor Aleksandrov" userId="c3051032-6b87-4db2-b257-777a0106fbd9" providerId="ADAL" clId="{C975AD89-9389-4107-B336-68A5516F1324}" dt="2024-01-25T10:33:49.940" v="102" actId="1076"/>
+          <ac:spMkLst>
+            <pc:docMk/>
+            <pc:sldMk cId="2135561016" sldId="279"/>
+            <ac:spMk id="12" creationId="{B7B18A30-2FC0-A8AB-2D13-FC246C9062A4}"/>
+          </ac:spMkLst>
+        </pc:spChg>
+        <pc:picChg chg="add del mod">
+          <ac:chgData name="Ihor Aleksandrov" userId="c3051032-6b87-4db2-b257-777a0106fbd9" providerId="ADAL" clId="{C975AD89-9389-4107-B336-68A5516F1324}" dt="2024-01-25T10:35:50.316" v="105"/>
+          <ac:picMkLst>
+            <pc:docMk/>
+            <pc:sldMk cId="2135561016" sldId="279"/>
+            <ac:picMk id="13" creationId="{B7704C2C-63EC-A867-88E9-B8A9D1D38C1E}"/>
+          </ac:picMkLst>
+        </pc:picChg>
+      </pc:sldChg>
+      <pc:sldChg chg="addSp delSp modSp add mod setBg delDesignElem">
+        <pc:chgData name="Ihor Aleksandrov" userId="c3051032-6b87-4db2-b257-777a0106fbd9" providerId="ADAL" clId="{C975AD89-9389-4107-B336-68A5516F1324}" dt="2024-01-25T10:42:39.978" v="144" actId="34307"/>
+        <pc:sldMkLst>
+          <pc:docMk/>
+          <pc:sldMk cId="3216895555" sldId="280"/>
+        </pc:sldMkLst>
+        <pc:spChg chg="mod">
+          <ac:chgData name="Ihor Aleksandrov" userId="c3051032-6b87-4db2-b257-777a0106fbd9" providerId="ADAL" clId="{C975AD89-9389-4107-B336-68A5516F1324}" dt="2024-01-25T10:36:11.009" v="108" actId="26606"/>
+          <ac:spMkLst>
+            <pc:docMk/>
+            <pc:sldMk cId="3216895555" sldId="280"/>
+            <ac:spMk id="2" creationId="{53C5D828-9666-E312-B574-9FE965A7D6BE}"/>
+          </ac:spMkLst>
+        </pc:spChg>
+        <pc:spChg chg="mod ord">
+          <ac:chgData name="Ihor Aleksandrov" userId="c3051032-6b87-4db2-b257-777a0106fbd9" providerId="ADAL" clId="{C975AD89-9389-4107-B336-68A5516F1324}" dt="2024-01-25T10:36:11.009" v="108" actId="26606"/>
+          <ac:spMkLst>
+            <pc:docMk/>
+            <pc:sldMk cId="3216895555" sldId="280"/>
+            <ac:spMk id="3" creationId="{5AA19FA0-A765-8169-03F1-928E3EF7B595}"/>
+          </ac:spMkLst>
+        </pc:spChg>
+        <pc:spChg chg="add mod">
+          <ac:chgData name="Ihor Aleksandrov" userId="c3051032-6b87-4db2-b257-777a0106fbd9" providerId="ADAL" clId="{C975AD89-9389-4107-B336-68A5516F1324}" dt="2024-01-25T10:38:48.309" v="134" actId="255"/>
+          <ac:spMkLst>
+            <pc:docMk/>
+            <pc:sldMk cId="3216895555" sldId="280"/>
+            <ac:spMk id="6" creationId="{614D9B64-78F1-F260-8187-1FD79C9E6378}"/>
+          </ac:spMkLst>
+        </pc:spChg>
+        <pc:spChg chg="add del mod">
+          <ac:chgData name="Ihor Aleksandrov" userId="c3051032-6b87-4db2-b257-777a0106fbd9" providerId="ADAL" clId="{C975AD89-9389-4107-B336-68A5516F1324}" dt="2024-01-25T10:37:05.044" v="119" actId="22"/>
+          <ac:spMkLst>
+            <pc:docMk/>
+            <pc:sldMk cId="3216895555" sldId="280"/>
+            <ac:spMk id="8" creationId="{20F1E0D3-ACA1-5058-908A-34160DE2DED0}"/>
+          </ac:spMkLst>
+        </pc:spChg>
+        <pc:spChg chg="add">
+          <ac:chgData name="Ihor Aleksandrov" userId="c3051032-6b87-4db2-b257-777a0106fbd9" providerId="ADAL" clId="{C975AD89-9389-4107-B336-68A5516F1324}" dt="2024-01-25T10:36:11.009" v="108" actId="26606"/>
+          <ac:spMkLst>
+            <pc:docMk/>
+            <pc:sldMk cId="3216895555" sldId="280"/>
+            <ac:spMk id="10" creationId="{D4771268-CB57-404A-9271-370EB28F6090}"/>
+          </ac:spMkLst>
+        </pc:spChg>
+        <pc:spChg chg="add mod">
+          <ac:chgData name="Ihor Aleksandrov" userId="c3051032-6b87-4db2-b257-777a0106fbd9" providerId="ADAL" clId="{C975AD89-9389-4107-B336-68A5516F1324}" dt="2024-01-25T10:39:02.240" v="136" actId="1076"/>
+          <ac:spMkLst>
+            <pc:docMk/>
+            <pc:sldMk cId="3216895555" sldId="280"/>
+            <ac:spMk id="11" creationId="{AE0BB7B9-BCB4-3D38-84B1-35C244CDBB52}"/>
+          </ac:spMkLst>
+        </pc:spChg>
+        <pc:spChg chg="add mod">
+          <ac:chgData name="Ihor Aleksandrov" userId="c3051032-6b87-4db2-b257-777a0106fbd9" providerId="ADAL" clId="{C975AD89-9389-4107-B336-68A5516F1324}" dt="2024-01-25T10:39:11.957" v="138" actId="1076"/>
+          <ac:spMkLst>
+            <pc:docMk/>
+            <pc:sldMk cId="3216895555" sldId="280"/>
+            <ac:spMk id="13" creationId="{862EDEC2-0E97-A3E9-BE8B-9B72F56DC4E7}"/>
+          </ac:spMkLst>
+        </pc:spChg>
+        <pc:spChg chg="del">
+          <ac:chgData name="Ihor Aleksandrov" userId="c3051032-6b87-4db2-b257-777a0106fbd9" providerId="ADAL" clId="{C975AD89-9389-4107-B336-68A5516F1324}" dt="2024-01-25T10:36:07.031" v="107"/>
+          <ac:spMkLst>
+            <pc:docMk/>
+            <pc:sldMk cId="3216895555" sldId="280"/>
+            <ac:spMk id="24" creationId="{D4771268-CB57-404A-9271-370EB28F6090}"/>
+          </ac:spMkLst>
+        </pc:spChg>
+        <pc:picChg chg="mod">
+          <ac:chgData name="Ihor Aleksandrov" userId="c3051032-6b87-4db2-b257-777a0106fbd9" providerId="ADAL" clId="{C975AD89-9389-4107-B336-68A5516F1324}" dt="2024-01-25T10:36:20.436" v="111" actId="1076"/>
+          <ac:picMkLst>
+            <pc:docMk/>
+            <pc:sldMk cId="3216895555" sldId="280"/>
+            <ac:picMk id="5" creationId="{523B5826-3FED-E033-7A50-454B720EF960}"/>
+          </ac:picMkLst>
+        </pc:picChg>
+        <pc:picChg chg="add del mod">
+          <ac:chgData name="Ihor Aleksandrov" userId="c3051032-6b87-4db2-b257-777a0106fbd9" providerId="ADAL" clId="{C975AD89-9389-4107-B336-68A5516F1324}" dt="2024-01-25T10:42:17.826" v="142" actId="34307"/>
+          <ac:picMkLst>
+            <pc:docMk/>
+            <pc:sldMk cId="3216895555" sldId="280"/>
+            <ac:picMk id="14" creationId="{F65AE261-F2CC-D682-20EF-97D699BF9D60}"/>
+          </ac:picMkLst>
+        </pc:picChg>
+        <pc:picChg chg="add del mod">
+          <ac:chgData name="Ihor Aleksandrov" userId="c3051032-6b87-4db2-b257-777a0106fbd9" providerId="ADAL" clId="{C975AD89-9389-4107-B336-68A5516F1324}" dt="2024-01-25T10:42:39.978" v="144" actId="34307"/>
+          <ac:picMkLst>
+            <pc:docMk/>
+            <pc:sldMk cId="3216895555" sldId="280"/>
+            <ac:picMk id="15" creationId="{5DA60DE0-DC7B-EC6B-2AD4-A29543F90B84}"/>
+          </ac:picMkLst>
+        </pc:picChg>
+      </pc:sldChg>
+      <pc:sldChg chg="addSp delSp modSp add mod setBg delDesignElem">
+        <pc:chgData name="Ihor Aleksandrov" userId="c3051032-6b87-4db2-b257-777a0106fbd9" providerId="ADAL" clId="{C975AD89-9389-4107-B336-68A5516F1324}" dt="2024-01-25T10:45:21.168" v="155" actId="14100"/>
+        <pc:sldMkLst>
+          <pc:docMk/>
+          <pc:sldMk cId="1506611494" sldId="281"/>
+        </pc:sldMkLst>
+        <pc:spChg chg="mod">
+          <ac:chgData name="Ihor Aleksandrov" userId="c3051032-6b87-4db2-b257-777a0106fbd9" providerId="ADAL" clId="{C975AD89-9389-4107-B336-68A5516F1324}" dt="2024-01-25T10:44:02.546" v="147" actId="26606"/>
+          <ac:spMkLst>
+            <pc:docMk/>
+            <pc:sldMk cId="1506611494" sldId="281"/>
+            <ac:spMk id="2" creationId="{53C5D828-9666-E312-B574-9FE965A7D6BE}"/>
+          </ac:spMkLst>
+        </pc:spChg>
+        <pc:spChg chg="mod ord">
+          <ac:chgData name="Ihor Aleksandrov" userId="c3051032-6b87-4db2-b257-777a0106fbd9" providerId="ADAL" clId="{C975AD89-9389-4107-B336-68A5516F1324}" dt="2024-01-25T10:44:02.546" v="147" actId="26606"/>
+          <ac:spMkLst>
+            <pc:docMk/>
+            <pc:sldMk cId="1506611494" sldId="281"/>
+            <ac:spMk id="3" creationId="{5AA19FA0-A765-8169-03F1-928E3EF7B595}"/>
+          </ac:spMkLst>
+        </pc:spChg>
+        <pc:spChg chg="add mod">
+          <ac:chgData name="Ihor Aleksandrov" userId="c3051032-6b87-4db2-b257-777a0106fbd9" providerId="ADAL" clId="{C975AD89-9389-4107-B336-68A5516F1324}" dt="2024-01-25T10:45:21.168" v="155" actId="14100"/>
+          <ac:spMkLst>
+            <pc:docMk/>
+            <pc:sldMk cId="1506611494" sldId="281"/>
+            <ac:spMk id="5" creationId="{85EC53B5-AD80-8D7B-0BE7-87E4B438471A}"/>
+          </ac:spMkLst>
+        </pc:spChg>
+        <pc:spChg chg="add">
+          <ac:chgData name="Ihor Aleksandrov" userId="c3051032-6b87-4db2-b257-777a0106fbd9" providerId="ADAL" clId="{C975AD89-9389-4107-B336-68A5516F1324}" dt="2024-01-25T10:44:02.546" v="147" actId="26606"/>
+          <ac:spMkLst>
+            <pc:docMk/>
+            <pc:sldMk cId="1506611494" sldId="281"/>
+            <ac:spMk id="11" creationId="{D4771268-CB57-404A-9271-370EB28F6090}"/>
+          </ac:spMkLst>
+        </pc:spChg>
+        <pc:spChg chg="del">
+          <ac:chgData name="Ihor Aleksandrov" userId="c3051032-6b87-4db2-b257-777a0106fbd9" providerId="ADAL" clId="{C975AD89-9389-4107-B336-68A5516F1324}" dt="2024-01-25T10:43:59.075" v="146"/>
+          <ac:spMkLst>
+            <pc:docMk/>
+            <pc:sldMk cId="1506611494" sldId="281"/>
+            <ac:spMk id="24" creationId="{D4771268-CB57-404A-9271-370EB28F6090}"/>
+          </ac:spMkLst>
+        </pc:spChg>
+        <pc:picChg chg="mod">
+          <ac:chgData name="Ihor Aleksandrov" userId="c3051032-6b87-4db2-b257-777a0106fbd9" providerId="ADAL" clId="{C975AD89-9389-4107-B336-68A5516F1324}" dt="2024-01-25T10:44:09.013" v="149" actId="1076"/>
+          <ac:picMkLst>
+            <pc:docMk/>
+            <pc:sldMk cId="1506611494" sldId="281"/>
+            <ac:picMk id="6" creationId="{F7B4799B-BEB4-BC82-1CD6-CE4E3725E9A6}"/>
+          </ac:picMkLst>
+        </pc:picChg>
+      </pc:sldChg>
+      <pc:sldChg chg="addSp delSp modSp add mod setBg delDesignElem">
+        <pc:chgData name="Ihor Aleksandrov" userId="c3051032-6b87-4db2-b257-777a0106fbd9" providerId="ADAL" clId="{C975AD89-9389-4107-B336-68A5516F1324}" dt="2024-01-25T10:50:56.027" v="180" actId="1076"/>
+        <pc:sldMkLst>
+          <pc:docMk/>
+          <pc:sldMk cId="3864832451" sldId="282"/>
+        </pc:sldMkLst>
+        <pc:spChg chg="mod">
+          <ac:chgData name="Ihor Aleksandrov" userId="c3051032-6b87-4db2-b257-777a0106fbd9" providerId="ADAL" clId="{C975AD89-9389-4107-B336-68A5516F1324}" dt="2024-01-25T10:49:42.541" v="165"/>
+          <ac:spMkLst>
+            <pc:docMk/>
+            <pc:sldMk cId="3864832451" sldId="282"/>
+            <ac:spMk id="2" creationId="{53C5D828-9666-E312-B574-9FE965A7D6BE}"/>
+          </ac:spMkLst>
+        </pc:spChg>
+        <pc:spChg chg="mod ord">
+          <ac:chgData name="Ihor Aleksandrov" userId="c3051032-6b87-4db2-b257-777a0106fbd9" providerId="ADAL" clId="{C975AD89-9389-4107-B336-68A5516F1324}" dt="2024-01-25T10:49:22.590" v="158" actId="26606"/>
+          <ac:spMkLst>
+            <pc:docMk/>
+            <pc:sldMk cId="3864832451" sldId="282"/>
+            <ac:spMk id="3" creationId="{5AA19FA0-A765-8169-03F1-928E3EF7B595}"/>
+          </ac:spMkLst>
+        </pc:spChg>
+        <pc:spChg chg="add mod">
+          <ac:chgData name="Ihor Aleksandrov" userId="c3051032-6b87-4db2-b257-777a0106fbd9" providerId="ADAL" clId="{C975AD89-9389-4107-B336-68A5516F1324}" dt="2024-01-25T10:50:20.682" v="172" actId="1076"/>
+          <ac:spMkLst>
+            <pc:docMk/>
+            <pc:sldMk cId="3864832451" sldId="282"/>
+            <ac:spMk id="6" creationId="{12CF0619-126C-0888-A1BF-E4A7B3EBA517}"/>
+          </ac:spMkLst>
+        </pc:spChg>
+        <pc:spChg chg="add mod">
+          <ac:chgData name="Ihor Aleksandrov" userId="c3051032-6b87-4db2-b257-777a0106fbd9" providerId="ADAL" clId="{C975AD89-9389-4107-B336-68A5516F1324}" dt="2024-01-25T10:50:56.027" v="180" actId="1076"/>
+          <ac:spMkLst>
+            <pc:docMk/>
+            <pc:sldMk cId="3864832451" sldId="282"/>
+            <ac:spMk id="8" creationId="{244ADCBF-5DF2-AE48-939C-63FF379832F7}"/>
+          </ac:spMkLst>
+        </pc:spChg>
+        <pc:spChg chg="add">
+          <ac:chgData name="Ihor Aleksandrov" userId="c3051032-6b87-4db2-b257-777a0106fbd9" providerId="ADAL" clId="{C975AD89-9389-4107-B336-68A5516F1324}" dt="2024-01-25T10:49:22.590" v="158" actId="26606"/>
+          <ac:spMkLst>
+            <pc:docMk/>
+            <pc:sldMk cId="3864832451" sldId="282"/>
+            <ac:spMk id="10" creationId="{D4771268-CB57-404A-9271-370EB28F6090}"/>
+          </ac:spMkLst>
+        </pc:spChg>
+        <pc:spChg chg="del">
+          <ac:chgData name="Ihor Aleksandrov" userId="c3051032-6b87-4db2-b257-777a0106fbd9" providerId="ADAL" clId="{C975AD89-9389-4107-B336-68A5516F1324}" dt="2024-01-25T10:49:19.178" v="157"/>
+          <ac:spMkLst>
+            <pc:docMk/>
+            <pc:sldMk cId="3864832451" sldId="282"/>
+            <ac:spMk id="24" creationId="{D4771268-CB57-404A-9271-370EB28F6090}"/>
+          </ac:spMkLst>
+        </pc:spChg>
+        <pc:picChg chg="mod">
+          <ac:chgData name="Ihor Aleksandrov" userId="c3051032-6b87-4db2-b257-777a0106fbd9" providerId="ADAL" clId="{C975AD89-9389-4107-B336-68A5516F1324}" dt="2024-01-25T10:50:05.475" v="167" actId="1076"/>
+          <ac:picMkLst>
+            <pc:docMk/>
+            <pc:sldMk cId="3864832451" sldId="282"/>
+            <ac:picMk id="5" creationId="{C7472C97-E950-C6C2-19AE-07ECFA5C4C69}"/>
+          </ac:picMkLst>
+        </pc:picChg>
+      </pc:sldChg>
+      <pc:sldChg chg="addSp delSp modSp add mod setBg delDesignElem">
+        <pc:chgData name="Ihor Aleksandrov" userId="c3051032-6b87-4db2-b257-777a0106fbd9" providerId="ADAL" clId="{C975AD89-9389-4107-B336-68A5516F1324}" dt="2024-01-25T10:53:03.896" v="199" actId="14100"/>
+        <pc:sldMkLst>
+          <pc:docMk/>
+          <pc:sldMk cId="2194478224" sldId="283"/>
+        </pc:sldMkLst>
+        <pc:spChg chg="mod">
+          <ac:chgData name="Ihor Aleksandrov" userId="c3051032-6b87-4db2-b257-777a0106fbd9" providerId="ADAL" clId="{C975AD89-9389-4107-B336-68A5516F1324}" dt="2024-01-25T10:51:57.012" v="183" actId="26606"/>
+          <ac:spMkLst>
+            <pc:docMk/>
+            <pc:sldMk cId="2194478224" sldId="283"/>
+            <ac:spMk id="2" creationId="{53C5D828-9666-E312-B574-9FE965A7D6BE}"/>
+          </ac:spMkLst>
+        </pc:spChg>
+        <pc:spChg chg="mod ord">
+          <ac:chgData name="Ihor Aleksandrov" userId="c3051032-6b87-4db2-b257-777a0106fbd9" providerId="ADAL" clId="{C975AD89-9389-4107-B336-68A5516F1324}" dt="2024-01-25T10:51:57.012" v="183" actId="26606"/>
+          <ac:spMkLst>
+            <pc:docMk/>
+            <pc:sldMk cId="2194478224" sldId="283"/>
+            <ac:spMk id="3" creationId="{5AA19FA0-A765-8169-03F1-928E3EF7B595}"/>
+          </ac:spMkLst>
+        </pc:spChg>
+        <pc:spChg chg="add mod">
+          <ac:chgData name="Ihor Aleksandrov" userId="c3051032-6b87-4db2-b257-777a0106fbd9" providerId="ADAL" clId="{C975AD89-9389-4107-B336-68A5516F1324}" dt="2024-01-25T10:52:22.888" v="191" actId="14100"/>
+          <ac:spMkLst>
+            <pc:docMk/>
+            <pc:sldMk cId="2194478224" sldId="283"/>
+            <ac:spMk id="6" creationId="{0EF56E11-8A0C-262E-7900-C142560849EA}"/>
+          </ac:spMkLst>
+        </pc:spChg>
+        <pc:spChg chg="add mod">
+          <ac:chgData name="Ihor Aleksandrov" userId="c3051032-6b87-4db2-b257-777a0106fbd9" providerId="ADAL" clId="{C975AD89-9389-4107-B336-68A5516F1324}" dt="2024-01-25T10:53:03.896" v="199" actId="14100"/>
+          <ac:spMkLst>
+            <pc:docMk/>
+            <pc:sldMk cId="2194478224" sldId="283"/>
+            <ac:spMk id="8" creationId="{D0032C88-E589-5987-695A-E6B66ACEB40D}"/>
+          </ac:spMkLst>
+        </pc:spChg>
+        <pc:spChg chg="add">
+          <ac:chgData name="Ihor Aleksandrov" userId="c3051032-6b87-4db2-b257-777a0106fbd9" providerId="ADAL" clId="{C975AD89-9389-4107-B336-68A5516F1324}" dt="2024-01-25T10:51:57.012" v="183" actId="26606"/>
+          <ac:spMkLst>
+            <pc:docMk/>
+            <pc:sldMk cId="2194478224" sldId="283"/>
+            <ac:spMk id="9" creationId="{D4771268-CB57-404A-9271-370EB28F6090}"/>
+          </ac:spMkLst>
+        </pc:spChg>
+        <pc:spChg chg="del">
+          <ac:chgData name="Ihor Aleksandrov" userId="c3051032-6b87-4db2-b257-777a0106fbd9" providerId="ADAL" clId="{C975AD89-9389-4107-B336-68A5516F1324}" dt="2024-01-25T10:51:53.811" v="182"/>
+          <ac:spMkLst>
+            <pc:docMk/>
+            <pc:sldMk cId="2194478224" sldId="283"/>
+            <ac:spMk id="24" creationId="{D4771268-CB57-404A-9271-370EB28F6090}"/>
+          </ac:spMkLst>
+        </pc:spChg>
+        <pc:picChg chg="mod">
+          <ac:chgData name="Ihor Aleksandrov" userId="c3051032-6b87-4db2-b257-777a0106fbd9" providerId="ADAL" clId="{C975AD89-9389-4107-B336-68A5516F1324}" dt="2024-01-25T10:52:05.519" v="187" actId="1076"/>
+          <ac:picMkLst>
+            <pc:docMk/>
+            <pc:sldMk cId="2194478224" sldId="283"/>
+            <ac:picMk id="4" creationId="{8F2E114A-EFDE-8D45-E482-1B0918ACBF79}"/>
+          </ac:picMkLst>
+        </pc:picChg>
+      </pc:sldChg>
+      <pc:sldChg chg="addSp delSp add del setBg delDesignElem">
+        <pc:chgData name="Ihor Aleksandrov" userId="c3051032-6b87-4db2-b257-777a0106fbd9" providerId="ADAL" clId="{C975AD89-9389-4107-B336-68A5516F1324}" dt="2024-01-25T10:56:22.743" v="202"/>
+        <pc:sldMkLst>
+          <pc:docMk/>
+          <pc:sldMk cId="2028152352" sldId="284"/>
+        </pc:sldMkLst>
+        <pc:spChg chg="add del">
+          <ac:chgData name="Ihor Aleksandrov" userId="c3051032-6b87-4db2-b257-777a0106fbd9" providerId="ADAL" clId="{C975AD89-9389-4107-B336-68A5516F1324}" dt="2024-01-25T10:56:22.743" v="202"/>
+          <ac:spMkLst>
+            <pc:docMk/>
+            <pc:sldMk cId="2028152352" sldId="284"/>
+            <ac:spMk id="9" creationId="{C3896A03-3945-419A-B66B-4EE266EDD152}"/>
+          </ac:spMkLst>
+        </pc:spChg>
+        <pc:spChg chg="add del">
+          <ac:chgData name="Ihor Aleksandrov" userId="c3051032-6b87-4db2-b257-777a0106fbd9" providerId="ADAL" clId="{C975AD89-9389-4107-B336-68A5516F1324}" dt="2024-01-25T10:56:22.743" v="202"/>
+          <ac:spMkLst>
+            <pc:docMk/>
+            <pc:sldMk cId="2028152352" sldId="284"/>
+            <ac:spMk id="11" creationId="{B34F5AD2-EDBD-4BBD-A55C-EAFFD0C7097A}"/>
+          </ac:spMkLst>
+        </pc:spChg>
+      </pc:sldChg>
+      <pc:sldChg chg="modSp add ord">
+        <pc:chgData name="Ihor Aleksandrov" userId="c3051032-6b87-4db2-b257-777a0106fbd9" providerId="ADAL" clId="{C975AD89-9389-4107-B336-68A5516F1324}" dt="2024-01-25T10:56:43.408" v="211" actId="20577"/>
+        <pc:sldMkLst>
+          <pc:docMk/>
+          <pc:sldMk cId="3460809786" sldId="284"/>
+        </pc:sldMkLst>
+        <pc:spChg chg="mod">
+          <ac:chgData name="Ihor Aleksandrov" userId="c3051032-6b87-4db2-b257-777a0106fbd9" providerId="ADAL" clId="{C975AD89-9389-4107-B336-68A5516F1324}" dt="2024-01-25T10:56:43.408" v="211" actId="20577"/>
+          <ac:spMkLst>
+            <pc:docMk/>
+            <pc:sldMk cId="3460809786" sldId="284"/>
+            <ac:spMk id="2" creationId="{2C4A1DFF-3C45-F11D-E6A6-19C0306E5E2B}"/>
+          </ac:spMkLst>
+        </pc:spChg>
+      </pc:sldChg>
+      <pc:sldChg chg="addSp delSp modSp add mod ord">
+        <pc:chgData name="Ihor Aleksandrov" userId="c3051032-6b87-4db2-b257-777a0106fbd9" providerId="ADAL" clId="{C975AD89-9389-4107-B336-68A5516F1324}" dt="2024-01-25T10:57:59.160" v="226" actId="1076"/>
+        <pc:sldMkLst>
+          <pc:docMk/>
+          <pc:sldMk cId="376432090" sldId="285"/>
+        </pc:sldMkLst>
+        <pc:spChg chg="mod">
+          <ac:chgData name="Ihor Aleksandrov" userId="c3051032-6b87-4db2-b257-777a0106fbd9" providerId="ADAL" clId="{C975AD89-9389-4107-B336-68A5516F1324}" dt="2024-01-25T10:57:21.162" v="221" actId="20577"/>
+          <ac:spMkLst>
+            <pc:docMk/>
+            <pc:sldMk cId="376432090" sldId="285"/>
+            <ac:spMk id="2" creationId="{2C4A1DFF-3C45-F11D-E6A6-19C0306E5E2B}"/>
+          </ac:spMkLst>
+        </pc:spChg>
+        <pc:spChg chg="del">
+          <ac:chgData name="Ihor Aleksandrov" userId="c3051032-6b87-4db2-b257-777a0106fbd9" providerId="ADAL" clId="{C975AD89-9389-4107-B336-68A5516F1324}" dt="2024-01-25T10:57:37.186" v="222" actId="478"/>
+          <ac:spMkLst>
+            <pc:docMk/>
+            <pc:sldMk cId="376432090" sldId="285"/>
+            <ac:spMk id="3" creationId="{83E94964-4387-6754-A4EC-18732A6BF475}"/>
+          </ac:spMkLst>
+        </pc:spChg>
+        <pc:spChg chg="add mod">
+          <ac:chgData name="Ihor Aleksandrov" userId="c3051032-6b87-4db2-b257-777a0106fbd9" providerId="ADAL" clId="{C975AD89-9389-4107-B336-68A5516F1324}" dt="2024-01-25T10:57:59.160" v="226" actId="1076"/>
+          <ac:spMkLst>
+            <pc:docMk/>
+            <pc:sldMk cId="376432090" sldId="285"/>
+            <ac:spMk id="6" creationId="{EDE2CC06-A039-4585-A400-692CBCC3EF08}"/>
+          </ac:spMkLst>
+        </pc:spChg>
+      </pc:sldChg>
+      <pc:sldChg chg="addSp delSp add del setBg delDesignElem">
+        <pc:chgData name="Ihor Aleksandrov" userId="c3051032-6b87-4db2-b257-777a0106fbd9" providerId="ADAL" clId="{C975AD89-9389-4107-B336-68A5516F1324}" dt="2024-01-25T11:10:48.524" v="262"/>
+        <pc:sldMkLst>
+          <pc:docMk/>
+          <pc:sldMk cId="1586376586" sldId="286"/>
+        </pc:sldMkLst>
+        <pc:spChg chg="add del">
+          <ac:chgData name="Ihor Aleksandrov" userId="c3051032-6b87-4db2-b257-777a0106fbd9" providerId="ADAL" clId="{C975AD89-9389-4107-B336-68A5516F1324}" dt="2024-01-25T11:10:48.524" v="262"/>
+          <ac:spMkLst>
+            <pc:docMk/>
+            <pc:sldMk cId="1586376586" sldId="286"/>
+            <ac:spMk id="24" creationId="{D4771268-CB57-404A-9271-370EB28F6090}"/>
+          </ac:spMkLst>
+        </pc:spChg>
+      </pc:sldChg>
+      <pc:sldChg chg="delSp add del setBg delDesignElem">
+        <pc:chgData name="Ihor Aleksandrov" userId="c3051032-6b87-4db2-b257-777a0106fbd9" providerId="ADAL" clId="{C975AD89-9389-4107-B336-68A5516F1324}" dt="2024-01-25T11:00:13.292" v="234" actId="2696"/>
+        <pc:sldMkLst>
+          <pc:docMk/>
+          <pc:sldMk cId="2433051637" sldId="286"/>
+        </pc:sldMkLst>
+        <pc:spChg chg="del">
+          <ac:chgData name="Ihor Aleksandrov" userId="c3051032-6b87-4db2-b257-777a0106fbd9" providerId="ADAL" clId="{C975AD89-9389-4107-B336-68A5516F1324}" dt="2024-01-25T10:59:19.348" v="228"/>
+          <ac:spMkLst>
+            <pc:docMk/>
+            <pc:sldMk cId="2433051637" sldId="286"/>
+            <ac:spMk id="24" creationId="{D4771268-CB57-404A-9271-370EB28F6090}"/>
+          </ac:spMkLst>
+        </pc:spChg>
+      </pc:sldChg>
+      <pc:sldChg chg="add del">
+        <pc:chgData name="Ihor Aleksandrov" userId="c3051032-6b87-4db2-b257-777a0106fbd9" providerId="ADAL" clId="{C975AD89-9389-4107-B336-68A5516F1324}" dt="2024-01-25T10:59:48.065" v="230" actId="2890"/>
+        <pc:sldMkLst>
+          <pc:docMk/>
+          <pc:sldMk cId="1066104663" sldId="287"/>
+        </pc:sldMkLst>
+      </pc:sldChg>
+      <pc:sldChg chg="addSp delSp modSp add mod ord">
+        <pc:chgData name="Ihor Aleksandrov" userId="c3051032-6b87-4db2-b257-777a0106fbd9" providerId="ADAL" clId="{C975AD89-9389-4107-B336-68A5516F1324}" dt="2024-01-25T11:01:30.390" v="240" actId="1076"/>
+        <pc:sldMkLst>
+          <pc:docMk/>
+          <pc:sldMk cId="1306830866" sldId="287"/>
+        </pc:sldMkLst>
+        <pc:spChg chg="mod">
+          <ac:chgData name="Ihor Aleksandrov" userId="c3051032-6b87-4db2-b257-777a0106fbd9" providerId="ADAL" clId="{C975AD89-9389-4107-B336-68A5516F1324}" dt="2024-01-25T11:01:12.707" v="237"/>
+          <ac:spMkLst>
+            <pc:docMk/>
+            <pc:sldMk cId="1306830866" sldId="287"/>
+            <ac:spMk id="2" creationId="{53C5D828-9666-E312-B574-9FE965A7D6BE}"/>
+          </ac:spMkLst>
+        </pc:spChg>
+        <pc:spChg chg="add mod">
+          <ac:chgData name="Ihor Aleksandrov" userId="c3051032-6b87-4db2-b257-777a0106fbd9" providerId="ADAL" clId="{C975AD89-9389-4107-B336-68A5516F1324}" dt="2024-01-25T11:01:30.390" v="240" actId="1076"/>
+          <ac:spMkLst>
+            <pc:docMk/>
+            <pc:sldMk cId="1306830866" sldId="287"/>
+            <ac:spMk id="5" creationId="{F6D00A0C-6592-19F0-ED9D-25D2F146BF8B}"/>
+          </ac:spMkLst>
+        </pc:spChg>
+        <pc:spChg chg="del">
+          <ac:chgData name="Ihor Aleksandrov" userId="c3051032-6b87-4db2-b257-777a0106fbd9" providerId="ADAL" clId="{C975AD89-9389-4107-B336-68A5516F1324}" dt="2024-01-25T11:01:25.551" v="238" actId="478"/>
+          <ac:spMkLst>
+            <pc:docMk/>
+            <pc:sldMk cId="1306830866" sldId="287"/>
+            <ac:spMk id="10" creationId="{F24BEA27-D44B-2EE7-CAFE-869E74A5EAC6}"/>
+          </ac:spMkLst>
+        </pc:spChg>
+      </pc:sldChg>
+      <pc:sldChg chg="addSp delSp modSp add mod">
+        <pc:chgData name="Ihor Aleksandrov" userId="c3051032-6b87-4db2-b257-777a0106fbd9" providerId="ADAL" clId="{C975AD89-9389-4107-B336-68A5516F1324}" dt="2024-01-25T11:24:18.772" v="286" actId="1076"/>
+        <pc:sldMkLst>
+          <pc:docMk/>
+          <pc:sldMk cId="837736118" sldId="288"/>
+        </pc:sldMkLst>
+        <pc:spChg chg="mod">
+          <ac:chgData name="Ihor Aleksandrov" userId="c3051032-6b87-4db2-b257-777a0106fbd9" providerId="ADAL" clId="{C975AD89-9389-4107-B336-68A5516F1324}" dt="2024-01-25T11:02:26.630" v="247"/>
+          <ac:spMkLst>
+            <pc:docMk/>
+            <pc:sldMk cId="837736118" sldId="288"/>
+            <ac:spMk id="2" creationId="{53C5D828-9666-E312-B574-9FE965A7D6BE}"/>
+          </ac:spMkLst>
+        </pc:spChg>
+        <pc:spChg chg="del">
+          <ac:chgData name="Ihor Aleksandrov" userId="c3051032-6b87-4db2-b257-777a0106fbd9" providerId="ADAL" clId="{C975AD89-9389-4107-B336-68A5516F1324}" dt="2024-01-25T11:02:35.938" v="248" actId="478"/>
+          <ac:spMkLst>
+            <pc:docMk/>
+            <pc:sldMk cId="837736118" sldId="288"/>
+            <ac:spMk id="5" creationId="{F6D00A0C-6592-19F0-ED9D-25D2F146BF8B}"/>
+          </ac:spMkLst>
+        </pc:spChg>
+        <pc:spChg chg="add del mod">
+          <ac:chgData name="Ihor Aleksandrov" userId="c3051032-6b87-4db2-b257-777a0106fbd9" providerId="ADAL" clId="{C975AD89-9389-4107-B336-68A5516F1324}" dt="2024-01-25T11:23:55.017" v="280" actId="478"/>
+          <ac:spMkLst>
+            <pc:docMk/>
+            <pc:sldMk cId="837736118" sldId="288"/>
+            <ac:spMk id="6" creationId="{01AD93BC-945D-BBF5-FDF1-8DC4ABACECF6}"/>
+          </ac:spMkLst>
+        </pc:spChg>
+        <pc:spChg chg="add mod">
+          <ac:chgData name="Ihor Aleksandrov" userId="c3051032-6b87-4db2-b257-777a0106fbd9" providerId="ADAL" clId="{C975AD89-9389-4107-B336-68A5516F1324}" dt="2024-01-25T11:24:18.772" v="286" actId="1076"/>
+          <ac:spMkLst>
+            <pc:docMk/>
+            <pc:sldMk cId="837736118" sldId="288"/>
+            <ac:spMk id="11" creationId="{5E7AA7B8-67EC-41E2-435B-B86B785EF666}"/>
+          </ac:spMkLst>
+        </pc:spChg>
+        <pc:picChg chg="add mod">
+          <ac:chgData name="Ihor Aleksandrov" userId="c3051032-6b87-4db2-b257-777a0106fbd9" providerId="ADAL" clId="{C975AD89-9389-4107-B336-68A5516F1324}" dt="2024-01-25T11:23:52.044" v="279" actId="1076"/>
+          <ac:picMkLst>
+            <pc:docMk/>
+            <pc:sldMk cId="837736118" sldId="288"/>
+            <ac:picMk id="8" creationId="{6BFFE2DA-6DBE-0CC0-59AA-6CC55CA1B64E}"/>
+          </ac:picMkLst>
+        </pc:picChg>
+      </pc:sldChg>
+      <pc:sldChg chg="delSp add del setBg delDesignElem">
+        <pc:chgData name="Ihor Aleksandrov" userId="c3051032-6b87-4db2-b257-777a0106fbd9" providerId="ADAL" clId="{C975AD89-9389-4107-B336-68A5516F1324}" dt="2024-01-25T11:02:11.176" v="243" actId="47"/>
+        <pc:sldMkLst>
+          <pc:docMk/>
+          <pc:sldMk cId="2869825701" sldId="288"/>
+        </pc:sldMkLst>
+        <pc:spChg chg="del">
+          <ac:chgData name="Ihor Aleksandrov" userId="c3051032-6b87-4db2-b257-777a0106fbd9" providerId="ADAL" clId="{C975AD89-9389-4107-B336-68A5516F1324}" dt="2024-01-25T11:01:58.789" v="242"/>
+          <ac:spMkLst>
+            <pc:docMk/>
+            <pc:sldMk cId="2869825701" sldId="288"/>
+            <ac:spMk id="24" creationId="{D4771268-CB57-404A-9271-370EB28F6090}"/>
+          </ac:spMkLst>
+        </pc:spChg>
+      </pc:sldChg>
+      <pc:sldChg chg="addSp delSp modSp add mod setBg delDesignElem">
+        <pc:chgData name="Ihor Aleksandrov" userId="c3051032-6b87-4db2-b257-777a0106fbd9" providerId="ADAL" clId="{C975AD89-9389-4107-B336-68A5516F1324}" dt="2024-01-25T11:06:01.693" v="259" actId="14100"/>
+        <pc:sldMkLst>
+          <pc:docMk/>
+          <pc:sldMk cId="856240837" sldId="289"/>
+        </pc:sldMkLst>
+        <pc:spChg chg="mod">
+          <ac:chgData name="Ihor Aleksandrov" userId="c3051032-6b87-4db2-b257-777a0106fbd9" providerId="ADAL" clId="{C975AD89-9389-4107-B336-68A5516F1324}" dt="2024-01-25T11:04:34.918" v="253" actId="26606"/>
+          <ac:spMkLst>
+            <pc:docMk/>
+            <pc:sldMk cId="856240837" sldId="289"/>
+            <ac:spMk id="2" creationId="{53C5D828-9666-E312-B574-9FE965A7D6BE}"/>
+          </ac:spMkLst>
+        </pc:spChg>
+        <pc:spChg chg="mod ord">
+          <ac:chgData name="Ihor Aleksandrov" userId="c3051032-6b87-4db2-b257-777a0106fbd9" providerId="ADAL" clId="{C975AD89-9389-4107-B336-68A5516F1324}" dt="2024-01-25T11:04:34.918" v="253" actId="26606"/>
+          <ac:spMkLst>
+            <pc:docMk/>
+            <pc:sldMk cId="856240837" sldId="289"/>
+            <ac:spMk id="3" creationId="{1036EAC4-6DDE-DD5B-3CF9-C5CD859E6DC2}"/>
+          </ac:spMkLst>
+        </pc:spChg>
+        <pc:spChg chg="add mod">
+          <ac:chgData name="Ihor Aleksandrov" userId="c3051032-6b87-4db2-b257-777a0106fbd9" providerId="ADAL" clId="{C975AD89-9389-4107-B336-68A5516F1324}" dt="2024-01-25T11:06:01.693" v="259" actId="14100"/>
+          <ac:spMkLst>
+            <pc:docMk/>
+            <pc:sldMk cId="856240837" sldId="289"/>
+            <ac:spMk id="6" creationId="{10E80B22-0D81-BF70-5E1A-3AAF4A059810}"/>
+          </ac:spMkLst>
+        </pc:spChg>
+        <pc:spChg chg="add">
+          <ac:chgData name="Ihor Aleksandrov" userId="c3051032-6b87-4db2-b257-777a0106fbd9" providerId="ADAL" clId="{C975AD89-9389-4107-B336-68A5516F1324}" dt="2024-01-25T11:04:34.918" v="253" actId="26606"/>
+          <ac:spMkLst>
+            <pc:docMk/>
+            <pc:sldMk cId="856240837" sldId="289"/>
+            <ac:spMk id="9" creationId="{D4771268-CB57-404A-9271-370EB28F6090}"/>
+          </ac:spMkLst>
+        </pc:spChg>
+        <pc:spChg chg="del">
+          <ac:chgData name="Ihor Aleksandrov" userId="c3051032-6b87-4db2-b257-777a0106fbd9" providerId="ADAL" clId="{C975AD89-9389-4107-B336-68A5516F1324}" dt="2024-01-25T11:04:29.288" v="252"/>
+          <ac:spMkLst>
+            <pc:docMk/>
+            <pc:sldMk cId="856240837" sldId="289"/>
+            <ac:spMk id="24" creationId="{D4771268-CB57-404A-9271-370EB28F6090}"/>
+          </ac:spMkLst>
+        </pc:spChg>
+        <pc:picChg chg="mod">
+          <ac:chgData name="Ihor Aleksandrov" userId="c3051032-6b87-4db2-b257-777a0106fbd9" providerId="ADAL" clId="{C975AD89-9389-4107-B336-68A5516F1324}" dt="2024-01-25T11:04:40.845" v="255" actId="1076"/>
+          <ac:picMkLst>
+            <pc:docMk/>
+            <pc:sldMk cId="856240837" sldId="289"/>
+            <ac:picMk id="4" creationId="{A8C20435-8FF0-1341-85C4-558E352F27E5}"/>
+          </ac:picMkLst>
+        </pc:picChg>
+      </pc:sldChg>
+      <pc:sldChg chg="modSp add mod ord">
+        <pc:chgData name="Ihor Aleksandrov" userId="c3051032-6b87-4db2-b257-777a0106fbd9" providerId="ADAL" clId="{C975AD89-9389-4107-B336-68A5516F1324}" dt="2024-01-25T11:11:39.695" v="275" actId="1076"/>
+        <pc:sldMkLst>
+          <pc:docMk/>
+          <pc:sldMk cId="509012579" sldId="290"/>
+        </pc:sldMkLst>
+        <pc:spChg chg="mod">
+          <ac:chgData name="Ihor Aleksandrov" userId="c3051032-6b87-4db2-b257-777a0106fbd9" providerId="ADAL" clId="{C975AD89-9389-4107-B336-68A5516F1324}" dt="2024-01-25T11:11:05.918" v="269" actId="27636"/>
+          <ac:spMkLst>
+            <pc:docMk/>
+            <pc:sldMk cId="509012579" sldId="290"/>
+            <ac:spMk id="2" creationId="{53C5D828-9666-E312-B574-9FE965A7D6BE}"/>
+          </ac:spMkLst>
+        </pc:spChg>
+        <pc:spChg chg="mod">
+          <ac:chgData name="Ihor Aleksandrov" userId="c3051032-6b87-4db2-b257-777a0106fbd9" providerId="ADAL" clId="{C975AD89-9389-4107-B336-68A5516F1324}" dt="2024-01-25T11:11:39.695" v="275" actId="1076"/>
+          <ac:spMkLst>
+            <pc:docMk/>
+            <pc:sldMk cId="509012579" sldId="290"/>
+            <ac:spMk id="6" creationId="{01AD93BC-945D-BBF5-FDF1-8DC4ABACECF6}"/>
+          </ac:spMkLst>
+        </pc:spChg>
+      </pc:sldChg>
+      <pc:sldChg chg="addSp delSp modSp add mod ord">
+        <pc:chgData name="Ihor Aleksandrov" userId="c3051032-6b87-4db2-b257-777a0106fbd9" providerId="ADAL" clId="{C975AD89-9389-4107-B336-68A5516F1324}" dt="2024-01-25T11:27:52.258" v="298" actId="14100"/>
+        <pc:sldMkLst>
+          <pc:docMk/>
+          <pc:sldMk cId="454153650" sldId="291"/>
+        </pc:sldMkLst>
+        <pc:spChg chg="mod">
+          <ac:chgData name="Ihor Aleksandrov" userId="c3051032-6b87-4db2-b257-777a0106fbd9" providerId="ADAL" clId="{C975AD89-9389-4107-B336-68A5516F1324}" dt="2024-01-25T11:27:28.049" v="294" actId="20577"/>
+          <ac:spMkLst>
+            <pc:docMk/>
+            <pc:sldMk cId="454153650" sldId="291"/>
+            <ac:spMk id="2" creationId="{2C4A1DFF-3C45-F11D-E6A6-19C0306E5E2B}"/>
+          </ac:spMkLst>
+        </pc:spChg>
+        <pc:spChg chg="add mod">
+          <ac:chgData name="Ihor Aleksandrov" userId="c3051032-6b87-4db2-b257-777a0106fbd9" providerId="ADAL" clId="{C975AD89-9389-4107-B336-68A5516F1324}" dt="2024-01-25T11:27:52.258" v="298" actId="14100"/>
+          <ac:spMkLst>
+            <pc:docMk/>
+            <pc:sldMk cId="454153650" sldId="291"/>
+            <ac:spMk id="5" creationId="{E37FADC7-70DE-0008-DD2A-8D7757A912B1}"/>
+          </ac:spMkLst>
+        </pc:spChg>
+        <pc:spChg chg="del">
+          <ac:chgData name="Ihor Aleksandrov" userId="c3051032-6b87-4db2-b257-777a0106fbd9" providerId="ADAL" clId="{C975AD89-9389-4107-B336-68A5516F1324}" dt="2024-01-25T11:27:42.403" v="295" actId="478"/>
+          <ac:spMkLst>
+            <pc:docMk/>
+            <pc:sldMk cId="454153650" sldId="291"/>
+            <ac:spMk id="6" creationId="{EDE2CC06-A039-4585-A400-692CBCC3EF08}"/>
+          </ac:spMkLst>
+        </pc:spChg>
+      </pc:sldChg>
+      <pc:sldChg chg="addSp delSp modSp add mod setBg delDesignElem">
+        <pc:chgData name="Ihor Aleksandrov" userId="c3051032-6b87-4db2-b257-777a0106fbd9" providerId="ADAL" clId="{C975AD89-9389-4107-B336-68A5516F1324}" dt="2024-01-25T11:29:23.835" v="307" actId="1076"/>
+        <pc:sldMkLst>
+          <pc:docMk/>
+          <pc:sldMk cId="156474206" sldId="292"/>
+        </pc:sldMkLst>
+        <pc:spChg chg="mod">
+          <ac:chgData name="Ihor Aleksandrov" userId="c3051032-6b87-4db2-b257-777a0106fbd9" providerId="ADAL" clId="{C975AD89-9389-4107-B336-68A5516F1324}" dt="2024-01-25T11:28:49.339" v="301" actId="26606"/>
+          <ac:spMkLst>
+            <pc:docMk/>
+            <pc:sldMk cId="156474206" sldId="292"/>
+            <ac:spMk id="2" creationId="{53C5D828-9666-E312-B574-9FE965A7D6BE}"/>
+          </ac:spMkLst>
+        </pc:spChg>
+        <pc:spChg chg="mod ord">
+          <ac:chgData name="Ihor Aleksandrov" userId="c3051032-6b87-4db2-b257-777a0106fbd9" providerId="ADAL" clId="{C975AD89-9389-4107-B336-68A5516F1324}" dt="2024-01-25T11:28:49.339" v="301" actId="26606"/>
+          <ac:spMkLst>
+            <pc:docMk/>
+            <pc:sldMk cId="156474206" sldId="292"/>
+            <ac:spMk id="3" creationId="{1036EAC4-6DDE-DD5B-3CF9-C5CD859E6DC2}"/>
+          </ac:spMkLst>
+        </pc:spChg>
+        <pc:spChg chg="add mod">
+          <ac:chgData name="Ihor Aleksandrov" userId="c3051032-6b87-4db2-b257-777a0106fbd9" providerId="ADAL" clId="{C975AD89-9389-4107-B336-68A5516F1324}" dt="2024-01-25T11:29:23.835" v="307" actId="1076"/>
+          <ac:spMkLst>
+            <pc:docMk/>
+            <pc:sldMk cId="156474206" sldId="292"/>
+            <ac:spMk id="6" creationId="{DFB502F1-4A04-A6A1-E8DE-E0BF84E6FDC5}"/>
+          </ac:spMkLst>
+        </pc:spChg>
+        <pc:spChg chg="add">
+          <ac:chgData name="Ihor Aleksandrov" userId="c3051032-6b87-4db2-b257-777a0106fbd9" providerId="ADAL" clId="{C975AD89-9389-4107-B336-68A5516F1324}" dt="2024-01-25T11:28:49.339" v="301" actId="26606"/>
+          <ac:spMkLst>
+            <pc:docMk/>
+            <pc:sldMk cId="156474206" sldId="292"/>
+            <ac:spMk id="9" creationId="{D4771268-CB57-404A-9271-370EB28F6090}"/>
+          </ac:spMkLst>
+        </pc:spChg>
+        <pc:spChg chg="del">
+          <ac:chgData name="Ihor Aleksandrov" userId="c3051032-6b87-4db2-b257-777a0106fbd9" providerId="ADAL" clId="{C975AD89-9389-4107-B336-68A5516F1324}" dt="2024-01-25T11:28:45.469" v="300"/>
+          <ac:spMkLst>
+            <pc:docMk/>
+            <pc:sldMk cId="156474206" sldId="292"/>
+            <ac:spMk id="24" creationId="{D4771268-CB57-404A-9271-370EB28F6090}"/>
+          </ac:spMkLst>
+        </pc:spChg>
+        <pc:picChg chg="mod">
+          <ac:chgData name="Ihor Aleksandrov" userId="c3051032-6b87-4db2-b257-777a0106fbd9" providerId="ADAL" clId="{C975AD89-9389-4107-B336-68A5516F1324}" dt="2024-01-25T11:29:09.657" v="303" actId="1076"/>
+          <ac:picMkLst>
+            <pc:docMk/>
+            <pc:sldMk cId="156474206" sldId="292"/>
+            <ac:picMk id="4" creationId="{0D7416A8-5E31-A6F5-922C-BB434A29C3EE}"/>
+          </ac:picMkLst>
+        </pc:picChg>
+      </pc:sldChg>
+      <pc:sldChg chg="addSp delSp modSp add mod ord modAnim">
+        <pc:chgData name="Ihor Aleksandrov" userId="c3051032-6b87-4db2-b257-777a0106fbd9" providerId="ADAL" clId="{C975AD89-9389-4107-B336-68A5516F1324}" dt="2024-01-25T11:43:06.200" v="345" actId="14100"/>
+        <pc:sldMkLst>
+          <pc:docMk/>
+          <pc:sldMk cId="1604524467" sldId="293"/>
+        </pc:sldMkLst>
+        <pc:spChg chg="mod">
+          <ac:chgData name="Ihor Aleksandrov" userId="c3051032-6b87-4db2-b257-777a0106fbd9" providerId="ADAL" clId="{C975AD89-9389-4107-B336-68A5516F1324}" dt="2024-01-25T11:42:54.442" v="341" actId="20577"/>
+          <ac:spMkLst>
+            <pc:docMk/>
+            <pc:sldMk cId="1604524467" sldId="293"/>
+            <ac:spMk id="2" creationId="{2C4A1DFF-3C45-F11D-E6A6-19C0306E5E2B}"/>
+          </ac:spMkLst>
+        </pc:spChg>
+        <pc:spChg chg="del">
+          <ac:chgData name="Ihor Aleksandrov" userId="c3051032-6b87-4db2-b257-777a0106fbd9" providerId="ADAL" clId="{C975AD89-9389-4107-B336-68A5516F1324}" dt="2024-01-25T11:42:59.881" v="342" actId="478"/>
+          <ac:spMkLst>
+            <pc:docMk/>
+            <pc:sldMk cId="1604524467" sldId="293"/>
+            <ac:spMk id="5" creationId="{E37FADC7-70DE-0008-DD2A-8D7757A912B1}"/>
+          </ac:spMkLst>
+        </pc:spChg>
+        <pc:spChg chg="add mod">
+          <ac:chgData name="Ihor Aleksandrov" userId="c3051032-6b87-4db2-b257-777a0106fbd9" providerId="ADAL" clId="{C975AD89-9389-4107-B336-68A5516F1324}" dt="2024-01-25T11:43:06.200" v="345" actId="14100"/>
+          <ac:spMkLst>
+            <pc:docMk/>
+            <pc:sldMk cId="1604524467" sldId="293"/>
+            <ac:spMk id="6" creationId="{D2294E31-9E00-72D9-30C7-6482D918EB75}"/>
+          </ac:spMkLst>
+        </pc:spChg>
+      </pc:sldChg>
+      <pc:sldChg chg="addSp delSp modSp add mod setBg delDesignElem">
+        <pc:chgData name="Ihor Aleksandrov" userId="c3051032-6b87-4db2-b257-777a0106fbd9" providerId="ADAL" clId="{C975AD89-9389-4107-B336-68A5516F1324}" dt="2024-01-25T11:50:21.199" v="355" actId="1076"/>
+        <pc:sldMkLst>
+          <pc:docMk/>
+          <pc:sldMk cId="1939738048" sldId="294"/>
+        </pc:sldMkLst>
+        <pc:spChg chg="mod">
+          <ac:chgData name="Ihor Aleksandrov" userId="c3051032-6b87-4db2-b257-777a0106fbd9" providerId="ADAL" clId="{C975AD89-9389-4107-B336-68A5516F1324}" dt="2024-01-25T11:49:50.727" v="348" actId="26606"/>
+          <ac:spMkLst>
+            <pc:docMk/>
+            <pc:sldMk cId="1939738048" sldId="294"/>
+            <ac:spMk id="2" creationId="{53C5D828-9666-E312-B574-9FE965A7D6BE}"/>
+          </ac:spMkLst>
+        </pc:spChg>
+        <pc:spChg chg="mod ord">
+          <ac:chgData name="Ihor Aleksandrov" userId="c3051032-6b87-4db2-b257-777a0106fbd9" providerId="ADAL" clId="{C975AD89-9389-4107-B336-68A5516F1324}" dt="2024-01-25T11:49:50.727" v="348" actId="26606"/>
+          <ac:spMkLst>
+            <pc:docMk/>
+            <pc:sldMk cId="1939738048" sldId="294"/>
+            <ac:spMk id="3" creationId="{1036EAC4-6DDE-DD5B-3CF9-C5CD859E6DC2}"/>
+          </ac:spMkLst>
+        </pc:spChg>
+        <pc:spChg chg="add mod">
+          <ac:chgData name="Ihor Aleksandrov" userId="c3051032-6b87-4db2-b257-777a0106fbd9" providerId="ADAL" clId="{C975AD89-9389-4107-B336-68A5516F1324}" dt="2024-01-25T11:50:21.199" v="355" actId="1076"/>
+          <ac:spMkLst>
+            <pc:docMk/>
+            <pc:sldMk cId="1939738048" sldId="294"/>
+            <ac:spMk id="6" creationId="{C4CA90F0-C137-9C7D-CD89-ECEC7996EB73}"/>
+          </ac:spMkLst>
+        </pc:spChg>
+        <pc:spChg chg="add">
+          <ac:chgData name="Ihor Aleksandrov" userId="c3051032-6b87-4db2-b257-777a0106fbd9" providerId="ADAL" clId="{C975AD89-9389-4107-B336-68A5516F1324}" dt="2024-01-25T11:49:50.727" v="348" actId="26606"/>
+          <ac:spMkLst>
+            <pc:docMk/>
+            <pc:sldMk cId="1939738048" sldId="294"/>
+            <ac:spMk id="9" creationId="{D4771268-CB57-404A-9271-370EB28F6090}"/>
+          </ac:spMkLst>
+        </pc:spChg>
+        <pc:spChg chg="del">
+          <ac:chgData name="Ihor Aleksandrov" userId="c3051032-6b87-4db2-b257-777a0106fbd9" providerId="ADAL" clId="{C975AD89-9389-4107-B336-68A5516F1324}" dt="2024-01-25T11:49:46.822" v="347"/>
+          <ac:spMkLst>
+            <pc:docMk/>
+            <pc:sldMk cId="1939738048" sldId="294"/>
+            <ac:spMk id="24" creationId="{D4771268-CB57-404A-9271-370EB28F6090}"/>
+          </ac:spMkLst>
+        </pc:spChg>
+        <pc:picChg chg="mod">
+          <ac:chgData name="Ihor Aleksandrov" userId="c3051032-6b87-4db2-b257-777a0106fbd9" providerId="ADAL" clId="{C975AD89-9389-4107-B336-68A5516F1324}" dt="2024-01-25T11:49:56.626" v="350" actId="1076"/>
+          <ac:picMkLst>
+            <pc:docMk/>
+            <pc:sldMk cId="1939738048" sldId="294"/>
+            <ac:picMk id="4" creationId="{49B21785-1E7E-8457-4FBF-E3FC2CCADD04}"/>
+          </ac:picMkLst>
+        </pc:picChg>
+      </pc:sldChg>
+      <pc:sldChg chg="delSp add del setBg delDesignElem">
+        <pc:chgData name="Ihor Aleksandrov" userId="c3051032-6b87-4db2-b257-777a0106fbd9" providerId="ADAL" clId="{C975AD89-9389-4107-B336-68A5516F1324}" dt="2024-01-25T11:52:02.779" v="358" actId="47"/>
+        <pc:sldMkLst>
+          <pc:docMk/>
+          <pc:sldMk cId="1018496090" sldId="295"/>
+        </pc:sldMkLst>
+        <pc:spChg chg="del">
+          <ac:chgData name="Ihor Aleksandrov" userId="c3051032-6b87-4db2-b257-777a0106fbd9" providerId="ADAL" clId="{C975AD89-9389-4107-B336-68A5516F1324}" dt="2024-01-25T11:51:54.960" v="357"/>
+          <ac:spMkLst>
+            <pc:docMk/>
+            <pc:sldMk cId="1018496090" sldId="295"/>
+            <ac:spMk id="24" creationId="{D4771268-CB57-404A-9271-370EB28F6090}"/>
+          </ac:spMkLst>
+        </pc:spChg>
+      </pc:sldChg>
+      <pc:sldChg chg="addSp delSp modSp add mod">
+        <pc:chgData name="Ihor Aleksandrov" userId="c3051032-6b87-4db2-b257-777a0106fbd9" providerId="ADAL" clId="{C975AD89-9389-4107-B336-68A5516F1324}" dt="2024-01-25T11:53:30.235" v="375" actId="6549"/>
+        <pc:sldMkLst>
+          <pc:docMk/>
+          <pc:sldMk cId="2160277833" sldId="295"/>
+        </pc:sldMkLst>
+        <pc:spChg chg="mod">
+          <ac:chgData name="Ihor Aleksandrov" userId="c3051032-6b87-4db2-b257-777a0106fbd9" providerId="ADAL" clId="{C975AD89-9389-4107-B336-68A5516F1324}" dt="2024-01-25T11:53:30.235" v="375" actId="6549"/>
+          <ac:spMkLst>
+            <pc:docMk/>
+            <pc:sldMk cId="2160277833" sldId="295"/>
+            <ac:spMk id="2" creationId="{53C5D828-9666-E312-B574-9FE965A7D6BE}"/>
+          </ac:spMkLst>
+        </pc:spChg>
+        <pc:spChg chg="del">
+          <ac:chgData name="Ihor Aleksandrov" userId="c3051032-6b87-4db2-b257-777a0106fbd9" providerId="ADAL" clId="{C975AD89-9389-4107-B336-68A5516F1324}" dt="2024-01-25T11:52:34.416" v="365" actId="478"/>
+          <ac:spMkLst>
+            <pc:docMk/>
+            <pc:sldMk cId="2160277833" sldId="295"/>
+            <ac:spMk id="6" creationId="{C4CA90F0-C137-9C7D-CD89-ECEC7996EB73}"/>
+          </ac:spMkLst>
+        </pc:spChg>
+        <pc:spChg chg="add mod">
+          <ac:chgData name="Ihor Aleksandrov" userId="c3051032-6b87-4db2-b257-777a0106fbd9" providerId="ADAL" clId="{C975AD89-9389-4107-B336-68A5516F1324}" dt="2024-01-25T11:52:43.096" v="368" actId="1076"/>
+          <ac:spMkLst>
+            <pc:docMk/>
+            <pc:sldMk cId="2160277833" sldId="295"/>
+            <ac:spMk id="7" creationId="{F3D3026C-8DCC-0965-350F-E0A76907A91B}"/>
+          </ac:spMkLst>
+        </pc:spChg>
+        <pc:picChg chg="del">
+          <ac:chgData name="Ihor Aleksandrov" userId="c3051032-6b87-4db2-b257-777a0106fbd9" providerId="ADAL" clId="{C975AD89-9389-4107-B336-68A5516F1324}" dt="2024-01-25T11:52:26.178" v="364" actId="478"/>
+          <ac:picMkLst>
+            <pc:docMk/>
+            <pc:sldMk cId="2160277833" sldId="295"/>
+            <ac:picMk id="4" creationId="{49B21785-1E7E-8457-4FBF-E3FC2CCADD04}"/>
+          </ac:picMkLst>
+        </pc:picChg>
+      </pc:sldChg>
+      <pc:sldChg chg="addSp delSp modSp add mod">
+        <pc:chgData name="Ihor Aleksandrov" userId="c3051032-6b87-4db2-b257-777a0106fbd9" providerId="ADAL" clId="{C975AD89-9389-4107-B336-68A5516F1324}" dt="2024-01-25T11:54:21.592" v="382" actId="1076"/>
+        <pc:sldMkLst>
+          <pc:docMk/>
+          <pc:sldMk cId="1321677393" sldId="296"/>
+        </pc:sldMkLst>
+        <pc:spChg chg="mod">
+          <ac:chgData name="Ihor Aleksandrov" userId="c3051032-6b87-4db2-b257-777a0106fbd9" providerId="ADAL" clId="{C975AD89-9389-4107-B336-68A5516F1324}" dt="2024-01-25T11:53:26.580" v="374"/>
+          <ac:spMkLst>
+            <pc:docMk/>
+            <pc:sldMk cId="1321677393" sldId="296"/>
+            <ac:spMk id="2" creationId="{53C5D828-9666-E312-B574-9FE965A7D6BE}"/>
+          </ac:spMkLst>
+        </pc:spChg>
+        <pc:spChg chg="add mod">
+          <ac:chgData name="Ihor Aleksandrov" userId="c3051032-6b87-4db2-b257-777a0106fbd9" providerId="ADAL" clId="{C975AD89-9389-4107-B336-68A5516F1324}" dt="2024-01-25T11:54:21.592" v="382" actId="1076"/>
+          <ac:spMkLst>
+            <pc:docMk/>
+            <pc:sldMk cId="1321677393" sldId="296"/>
+            <ac:spMk id="5" creationId="{ECA813BB-B5E8-9C75-9A4A-1004DB2E1AC6}"/>
+          </ac:spMkLst>
+        </pc:spChg>
+        <pc:spChg chg="del">
+          <ac:chgData name="Ihor Aleksandrov" userId="c3051032-6b87-4db2-b257-777a0106fbd9" providerId="ADAL" clId="{C975AD89-9389-4107-B336-68A5516F1324}" dt="2024-01-25T11:53:45.786" v="376" actId="478"/>
+          <ac:spMkLst>
+            <pc:docMk/>
+            <pc:sldMk cId="1321677393" sldId="296"/>
+            <ac:spMk id="7" creationId="{F3D3026C-8DCC-0965-350F-E0A76907A91B}"/>
+          </ac:spMkLst>
+        </pc:spChg>
+      </pc:sldChg>
+      <pc:sldChg chg="addSp delSp modSp add mod setBg delDesignElem">
+        <pc:chgData name="Ihor Aleksandrov" userId="c3051032-6b87-4db2-b257-777a0106fbd9" providerId="ADAL" clId="{C975AD89-9389-4107-B336-68A5516F1324}" dt="2024-01-25T11:56:38.066" v="394" actId="1076"/>
+        <pc:sldMkLst>
+          <pc:docMk/>
+          <pc:sldMk cId="2059493005" sldId="297"/>
+        </pc:sldMkLst>
+        <pc:spChg chg="mod">
+          <ac:chgData name="Ihor Aleksandrov" userId="c3051032-6b87-4db2-b257-777a0106fbd9" providerId="ADAL" clId="{C975AD89-9389-4107-B336-68A5516F1324}" dt="2024-01-25T11:55:56.078" v="385" actId="26606"/>
+          <ac:spMkLst>
+            <pc:docMk/>
+            <pc:sldMk cId="2059493005" sldId="297"/>
+            <ac:spMk id="2" creationId="{53C5D828-9666-E312-B574-9FE965A7D6BE}"/>
+          </ac:spMkLst>
+        </pc:spChg>
+        <pc:spChg chg="mod ord">
+          <ac:chgData name="Ihor Aleksandrov" userId="c3051032-6b87-4db2-b257-777a0106fbd9" providerId="ADAL" clId="{C975AD89-9389-4107-B336-68A5516F1324}" dt="2024-01-25T11:55:56.078" v="385" actId="26606"/>
+          <ac:spMkLst>
+            <pc:docMk/>
+            <pc:sldMk cId="2059493005" sldId="297"/>
+            <ac:spMk id="3" creationId="{1036EAC4-6DDE-DD5B-3CF9-C5CD859E6DC2}"/>
+          </ac:spMkLst>
+        </pc:spChg>
+        <pc:spChg chg="add mod">
+          <ac:chgData name="Ihor Aleksandrov" userId="c3051032-6b87-4db2-b257-777a0106fbd9" providerId="ADAL" clId="{C975AD89-9389-4107-B336-68A5516F1324}" dt="2024-01-25T11:56:38.066" v="394" actId="1076"/>
+          <ac:spMkLst>
+            <pc:docMk/>
+            <pc:sldMk cId="2059493005" sldId="297"/>
+            <ac:spMk id="6" creationId="{349923F8-2ACA-F7A2-FFE9-EA61D7343662}"/>
+          </ac:spMkLst>
+        </pc:spChg>
+        <pc:spChg chg="add">
+          <ac:chgData name="Ihor Aleksandrov" userId="c3051032-6b87-4db2-b257-777a0106fbd9" providerId="ADAL" clId="{C975AD89-9389-4107-B336-68A5516F1324}" dt="2024-01-25T11:55:56.078" v="385" actId="26606"/>
+          <ac:spMkLst>
+            <pc:docMk/>
+            <pc:sldMk cId="2059493005" sldId="297"/>
+            <ac:spMk id="9" creationId="{D4771268-CB57-404A-9271-370EB28F6090}"/>
+          </ac:spMkLst>
+        </pc:spChg>
+        <pc:spChg chg="del">
+          <ac:chgData name="Ihor Aleksandrov" userId="c3051032-6b87-4db2-b257-777a0106fbd9" providerId="ADAL" clId="{C975AD89-9389-4107-B336-68A5516F1324}" dt="2024-01-25T11:55:52.710" v="384"/>
+          <ac:spMkLst>
+            <pc:docMk/>
+            <pc:sldMk cId="2059493005" sldId="297"/>
+            <ac:spMk id="24" creationId="{D4771268-CB57-404A-9271-370EB28F6090}"/>
+          </ac:spMkLst>
+        </pc:spChg>
+        <pc:picChg chg="mod">
+          <ac:chgData name="Ihor Aleksandrov" userId="c3051032-6b87-4db2-b257-777a0106fbd9" providerId="ADAL" clId="{C975AD89-9389-4107-B336-68A5516F1324}" dt="2024-01-25T11:56:04.050" v="388" actId="14100"/>
+          <ac:picMkLst>
+            <pc:docMk/>
+            <pc:sldMk cId="2059493005" sldId="297"/>
+            <ac:picMk id="4" creationId="{B4989CAB-F181-BB13-C3CC-7303FC972C04}"/>
+          </ac:picMkLst>
+        </pc:picChg>
+      </pc:sldChg>
+      <pc:sldChg chg="addSp delSp modSp add mod setBg delDesignElem">
+        <pc:chgData name="Ihor Aleksandrov" userId="c3051032-6b87-4db2-b257-777a0106fbd9" providerId="ADAL" clId="{C975AD89-9389-4107-B336-68A5516F1324}" dt="2024-01-25T12:01:09.422" v="405" actId="22"/>
+        <pc:sldMkLst>
+          <pc:docMk/>
+          <pc:sldMk cId="1734173143" sldId="298"/>
+        </pc:sldMkLst>
+        <pc:spChg chg="mod">
+          <ac:chgData name="Ihor Aleksandrov" userId="c3051032-6b87-4db2-b257-777a0106fbd9" providerId="ADAL" clId="{C975AD89-9389-4107-B336-68A5516F1324}" dt="2024-01-25T11:57:34.076" v="397" actId="26606"/>
+          <ac:spMkLst>
+            <pc:docMk/>
+            <pc:sldMk cId="1734173143" sldId="298"/>
+            <ac:spMk id="2" creationId="{53C5D828-9666-E312-B574-9FE965A7D6BE}"/>
+          </ac:spMkLst>
+        </pc:spChg>
+        <pc:spChg chg="mod ord">
+          <ac:chgData name="Ihor Aleksandrov" userId="c3051032-6b87-4db2-b257-777a0106fbd9" providerId="ADAL" clId="{C975AD89-9389-4107-B336-68A5516F1324}" dt="2024-01-25T11:57:34.076" v="397" actId="26606"/>
+          <ac:spMkLst>
+            <pc:docMk/>
+            <pc:sldMk cId="1734173143" sldId="298"/>
+            <ac:spMk id="3" creationId="{1036EAC4-6DDE-DD5B-3CF9-C5CD859E6DC2}"/>
+          </ac:spMkLst>
+        </pc:spChg>
+        <pc:spChg chg="add mod">
+          <ac:chgData name="Ihor Aleksandrov" userId="c3051032-6b87-4db2-b257-777a0106fbd9" providerId="ADAL" clId="{C975AD89-9389-4107-B336-68A5516F1324}" dt="2024-01-25T11:58:01.660" v="401" actId="1076"/>
+          <ac:spMkLst>
+            <pc:docMk/>
+            <pc:sldMk cId="1734173143" sldId="298"/>
+            <ac:spMk id="6" creationId="{DE2DABC3-247F-16A7-8B09-C0D9EF4EE1C8}"/>
+          </ac:spMkLst>
+        </pc:spChg>
+        <pc:spChg chg="add">
+          <ac:chgData name="Ihor Aleksandrov" userId="c3051032-6b87-4db2-b257-777a0106fbd9" providerId="ADAL" clId="{C975AD89-9389-4107-B336-68A5516F1324}" dt="2024-01-25T11:57:34.076" v="397" actId="26606"/>
+          <ac:spMkLst>
+            <pc:docMk/>
+            <pc:sldMk cId="1734173143" sldId="298"/>
+            <ac:spMk id="10" creationId="{D4771268-CB57-404A-9271-370EB28F6090}"/>
+          </ac:spMkLst>
+        </pc:spChg>
+        <pc:spChg chg="del">
+          <ac:chgData name="Ihor Aleksandrov" userId="c3051032-6b87-4db2-b257-777a0106fbd9" providerId="ADAL" clId="{C975AD89-9389-4107-B336-68A5516F1324}" dt="2024-01-25T11:57:30.588" v="396"/>
+          <ac:spMkLst>
+            <pc:docMk/>
+            <pc:sldMk cId="1734173143" sldId="298"/>
+            <ac:spMk id="24" creationId="{D4771268-CB57-404A-9271-370EB28F6090}"/>
+          </ac:spMkLst>
+        </pc:spChg>
+        <pc:picChg chg="mod">
+          <ac:chgData name="Ihor Aleksandrov" userId="c3051032-6b87-4db2-b257-777a0106fbd9" providerId="ADAL" clId="{C975AD89-9389-4107-B336-68A5516F1324}" dt="2024-01-25T11:57:41.306" v="399" actId="1076"/>
+          <ac:picMkLst>
+            <pc:docMk/>
+            <pc:sldMk cId="1734173143" sldId="298"/>
+            <ac:picMk id="5" creationId="{EFB4AF76-9D94-7721-E2C8-2472D164A060}"/>
+          </ac:picMkLst>
+        </pc:picChg>
+        <pc:picChg chg="add del">
+          <ac:chgData name="Ihor Aleksandrov" userId="c3051032-6b87-4db2-b257-777a0106fbd9" providerId="ADAL" clId="{C975AD89-9389-4107-B336-68A5516F1324}" dt="2024-01-25T12:01:09.422" v="405" actId="22"/>
+          <ac:picMkLst>
+            <pc:docMk/>
+            <pc:sldMk cId="1734173143" sldId="298"/>
+            <ac:picMk id="8" creationId="{F43C97D3-4D3A-0661-8C12-E010FA7A64CE}"/>
+          </ac:picMkLst>
+        </pc:picChg>
+      </pc:sldChg>
+      <pc:sldChg chg="delSp add del setBg delDesignElem">
+        <pc:chgData name="Ihor Aleksandrov" userId="c3051032-6b87-4db2-b257-777a0106fbd9" providerId="ADAL" clId="{C975AD89-9389-4107-B336-68A5516F1324}" dt="2024-01-25T12:01:59.795" v="425" actId="2696"/>
+        <pc:sldMkLst>
+          <pc:docMk/>
+          <pc:sldMk cId="3102755718" sldId="299"/>
+        </pc:sldMkLst>
+        <pc:spChg chg="del">
+          <ac:chgData name="Ihor Aleksandrov" userId="c3051032-6b87-4db2-b257-777a0106fbd9" providerId="ADAL" clId="{C975AD89-9389-4107-B336-68A5516F1324}" dt="2024-01-25T12:01:19.783" v="407"/>
+          <ac:spMkLst>
+            <pc:docMk/>
+            <pc:sldMk cId="3102755718" sldId="299"/>
+            <ac:spMk id="9" creationId="{C3896A03-3945-419A-B66B-4EE266EDD152}"/>
+          </ac:spMkLst>
+        </pc:spChg>
+        <pc:spChg chg="del">
+          <ac:chgData name="Ihor Aleksandrov" userId="c3051032-6b87-4db2-b257-777a0106fbd9" providerId="ADAL" clId="{C975AD89-9389-4107-B336-68A5516F1324}" dt="2024-01-25T12:01:19.783" v="407"/>
+          <ac:spMkLst>
+            <pc:docMk/>
+            <pc:sldMk cId="3102755718" sldId="299"/>
+            <ac:spMk id="11" creationId="{B34F5AD2-EDBD-4BBD-A55C-EAFFD0C7097A}"/>
+          </ac:spMkLst>
+        </pc:spChg>
+      </pc:sldChg>
+      <pc:sldChg chg="addSp delSp modSp add mod ord modAnim">
+        <pc:chgData name="Ihor Aleksandrov" userId="c3051032-6b87-4db2-b257-777a0106fbd9" providerId="ADAL" clId="{C975AD89-9389-4107-B336-68A5516F1324}" dt="2024-01-25T12:02:19.626" v="430" actId="14100"/>
+        <pc:sldMkLst>
+          <pc:docMk/>
+          <pc:sldMk cId="838327884" sldId="300"/>
+        </pc:sldMkLst>
+        <pc:spChg chg="mod">
+          <ac:chgData name="Ihor Aleksandrov" userId="c3051032-6b87-4db2-b257-777a0106fbd9" providerId="ADAL" clId="{C975AD89-9389-4107-B336-68A5516F1324}" dt="2024-01-25T12:01:54.453" v="424" actId="20577"/>
+          <ac:spMkLst>
+            <pc:docMk/>
+            <pc:sldMk cId="838327884" sldId="300"/>
+            <ac:spMk id="2" creationId="{2C4A1DFF-3C45-F11D-E6A6-19C0306E5E2B}"/>
+          </ac:spMkLst>
+        </pc:spChg>
+        <pc:spChg chg="add mod">
+          <ac:chgData name="Ihor Aleksandrov" userId="c3051032-6b87-4db2-b257-777a0106fbd9" providerId="ADAL" clId="{C975AD89-9389-4107-B336-68A5516F1324}" dt="2024-01-25T12:02:19.626" v="430" actId="14100"/>
+          <ac:spMkLst>
+            <pc:docMk/>
+            <pc:sldMk cId="838327884" sldId="300"/>
+            <ac:spMk id="5" creationId="{20B31DBC-74AC-7957-5CF3-2C993880A56C}"/>
+          </ac:spMkLst>
+        </pc:spChg>
+        <pc:spChg chg="del mod">
+          <ac:chgData name="Ihor Aleksandrov" userId="c3051032-6b87-4db2-b257-777a0106fbd9" providerId="ADAL" clId="{C975AD89-9389-4107-B336-68A5516F1324}" dt="2024-01-25T12:02:12.715" v="427" actId="478"/>
+          <ac:spMkLst>
+            <pc:docMk/>
+            <pc:sldMk cId="838327884" sldId="300"/>
+            <ac:spMk id="6" creationId="{D2294E31-9E00-72D9-30C7-6482D918EB75}"/>
+          </ac:spMkLst>
+        </pc:spChg>
+      </pc:sldChg>
+      <pc:sldChg chg="delSp add del setBg delDesignElem">
+        <pc:chgData name="Ihor Aleksandrov" userId="c3051032-6b87-4db2-b257-777a0106fbd9" providerId="ADAL" clId="{C975AD89-9389-4107-B336-68A5516F1324}" dt="2024-01-25T12:03:09.716" v="433" actId="47"/>
+        <pc:sldMkLst>
+          <pc:docMk/>
+          <pc:sldMk cId="2389832786" sldId="301"/>
+        </pc:sldMkLst>
+        <pc:spChg chg="del">
+          <ac:chgData name="Ihor Aleksandrov" userId="c3051032-6b87-4db2-b257-777a0106fbd9" providerId="ADAL" clId="{C975AD89-9389-4107-B336-68A5516F1324}" dt="2024-01-25T12:03:01.144" v="432"/>
+          <ac:spMkLst>
+            <pc:docMk/>
+            <pc:sldMk cId="2389832786" sldId="301"/>
+            <ac:spMk id="24" creationId="{D4771268-CB57-404A-9271-370EB28F6090}"/>
+          </ac:spMkLst>
+        </pc:spChg>
+      </pc:sldChg>
+      <pc:sldChg chg="addSp delSp modSp add mod ord">
+        <pc:chgData name="Ihor Aleksandrov" userId="c3051032-6b87-4db2-b257-777a0106fbd9" providerId="ADAL" clId="{C975AD89-9389-4107-B336-68A5516F1324}" dt="2024-01-25T12:03:44.399" v="440" actId="1076"/>
+        <pc:sldMkLst>
+          <pc:docMk/>
+          <pc:sldMk cId="3554655275" sldId="301"/>
+        </pc:sldMkLst>
+        <pc:spChg chg="mod">
+          <ac:chgData name="Ihor Aleksandrov" userId="c3051032-6b87-4db2-b257-777a0106fbd9" providerId="ADAL" clId="{C975AD89-9389-4107-B336-68A5516F1324}" dt="2024-01-25T12:03:30.220" v="437"/>
+          <ac:spMkLst>
+            <pc:docMk/>
+            <pc:sldMk cId="3554655275" sldId="301"/>
+            <ac:spMk id="2" creationId="{53C5D828-9666-E312-B574-9FE965A7D6BE}"/>
+          </ac:spMkLst>
+        </pc:spChg>
+        <pc:spChg chg="add mod">
+          <ac:chgData name="Ihor Aleksandrov" userId="c3051032-6b87-4db2-b257-777a0106fbd9" providerId="ADAL" clId="{C975AD89-9389-4107-B336-68A5516F1324}" dt="2024-01-25T12:03:44.399" v="440" actId="1076"/>
+          <ac:spMkLst>
+            <pc:docMk/>
+            <pc:sldMk cId="3554655275" sldId="301"/>
+            <ac:spMk id="5" creationId="{C46C2A29-F250-C08A-684B-CB1993967072}"/>
+          </ac:spMkLst>
+        </pc:spChg>
+        <pc:spChg chg="del">
+          <ac:chgData name="Ihor Aleksandrov" userId="c3051032-6b87-4db2-b257-777a0106fbd9" providerId="ADAL" clId="{C975AD89-9389-4107-B336-68A5516F1324}" dt="2024-01-25T12:03:39.248" v="438" actId="478"/>
+          <ac:spMkLst>
+            <pc:docMk/>
+            <pc:sldMk cId="3554655275" sldId="301"/>
+            <ac:spMk id="7" creationId="{F3D3026C-8DCC-0965-350F-E0A76907A91B}"/>
+          </ac:spMkLst>
+        </pc:spChg>
+      </pc:sldChg>
+      <pc:sldChg chg="addSp delSp modSp add mod">
+        <pc:chgData name="Ihor Aleksandrov" userId="c3051032-6b87-4db2-b257-777a0106fbd9" providerId="ADAL" clId="{C975AD89-9389-4107-B336-68A5516F1324}" dt="2024-01-25T12:04:31.977" v="445" actId="1076"/>
+        <pc:sldMkLst>
+          <pc:docMk/>
+          <pc:sldMk cId="2874081085" sldId="302"/>
+        </pc:sldMkLst>
+        <pc:spChg chg="mod">
+          <ac:chgData name="Ihor Aleksandrov" userId="c3051032-6b87-4db2-b257-777a0106fbd9" providerId="ADAL" clId="{C975AD89-9389-4107-B336-68A5516F1324}" dt="2024-01-25T12:04:17.185" v="442"/>
+          <ac:spMkLst>
+            <pc:docMk/>
+            <pc:sldMk cId="2874081085" sldId="302"/>
+            <ac:spMk id="2" creationId="{53C5D828-9666-E312-B574-9FE965A7D6BE}"/>
+          </ac:spMkLst>
+        </pc:spChg>
+        <pc:spChg chg="del">
+          <ac:chgData name="Ihor Aleksandrov" userId="c3051032-6b87-4db2-b257-777a0106fbd9" providerId="ADAL" clId="{C975AD89-9389-4107-B336-68A5516F1324}" dt="2024-01-25T12:04:26.761" v="443" actId="478"/>
+          <ac:spMkLst>
+            <pc:docMk/>
+            <pc:sldMk cId="2874081085" sldId="302"/>
+            <ac:spMk id="5" creationId="{C46C2A29-F250-C08A-684B-CB1993967072}"/>
+          </ac:spMkLst>
+        </pc:spChg>
+        <pc:spChg chg="add mod">
+          <ac:chgData name="Ihor Aleksandrov" userId="c3051032-6b87-4db2-b257-777a0106fbd9" providerId="ADAL" clId="{C975AD89-9389-4107-B336-68A5516F1324}" dt="2024-01-25T12:04:31.977" v="445" actId="1076"/>
+          <ac:spMkLst>
+            <pc:docMk/>
+            <pc:sldMk cId="2874081085" sldId="302"/>
+            <ac:spMk id="6" creationId="{0F553A73-D13C-371C-E057-6AD7490F1B76}"/>
+          </ac:spMkLst>
+        </pc:spChg>
+      </pc:sldChg>
+      <pc:sldChg chg="addSp delSp modSp add mod">
+        <pc:chgData name="Ihor Aleksandrov" userId="c3051032-6b87-4db2-b257-777a0106fbd9" providerId="ADAL" clId="{C975AD89-9389-4107-B336-68A5516F1324}" dt="2024-01-25T12:06:01.411" v="454" actId="1076"/>
+        <pc:sldMkLst>
+          <pc:docMk/>
+          <pc:sldMk cId="1636319729" sldId="303"/>
+        </pc:sldMkLst>
+        <pc:spChg chg="mod">
+          <ac:chgData name="Ihor Aleksandrov" userId="c3051032-6b87-4db2-b257-777a0106fbd9" providerId="ADAL" clId="{C975AD89-9389-4107-B336-68A5516F1324}" dt="2024-01-25T12:05:20.665" v="447"/>
+          <ac:spMkLst>
+            <pc:docMk/>
+            <pc:sldMk cId="1636319729" sldId="303"/>
+            <ac:spMk id="2" creationId="{53C5D828-9666-E312-B574-9FE965A7D6BE}"/>
+          </ac:spMkLst>
+        </pc:spChg>
+        <pc:spChg chg="add mod">
+          <ac:chgData name="Ihor Aleksandrov" userId="c3051032-6b87-4db2-b257-777a0106fbd9" providerId="ADAL" clId="{C975AD89-9389-4107-B336-68A5516F1324}" dt="2024-01-25T12:06:01.411" v="454" actId="1076"/>
+          <ac:spMkLst>
+            <pc:docMk/>
+            <pc:sldMk cId="1636319729" sldId="303"/>
+            <ac:spMk id="5" creationId="{F575C6CA-07B5-0507-46E6-86E5A6E7C7F7}"/>
+          </ac:spMkLst>
+        </pc:spChg>
+        <pc:spChg chg="del">
+          <ac:chgData name="Ihor Aleksandrov" userId="c3051032-6b87-4db2-b257-777a0106fbd9" providerId="ADAL" clId="{C975AD89-9389-4107-B336-68A5516F1324}" dt="2024-01-25T12:05:33.803" v="448" actId="478"/>
+          <ac:spMkLst>
+            <pc:docMk/>
+            <pc:sldMk cId="1636319729" sldId="303"/>
+            <ac:spMk id="6" creationId="{0F553A73-D13C-371C-E057-6AD7490F1B76}"/>
+          </ac:spMkLst>
+        </pc:spChg>
+      </pc:sldChg>
+      <pc:sldChg chg="addSp delSp modSp add mod">
+        <pc:chgData name="Ihor Aleksandrov" userId="c3051032-6b87-4db2-b257-777a0106fbd9" providerId="ADAL" clId="{C975AD89-9389-4107-B336-68A5516F1324}" dt="2024-01-25T12:08:35.673" v="459" actId="1076"/>
+        <pc:sldMkLst>
+          <pc:docMk/>
+          <pc:sldMk cId="4016723334" sldId="304"/>
+        </pc:sldMkLst>
+        <pc:spChg chg="mod">
+          <ac:chgData name="Ihor Aleksandrov" userId="c3051032-6b87-4db2-b257-777a0106fbd9" providerId="ADAL" clId="{C975AD89-9389-4107-B336-68A5516F1324}" dt="2024-01-25T12:08:16.931" v="456"/>
+          <ac:spMkLst>
+            <pc:docMk/>
+            <pc:sldMk cId="4016723334" sldId="304"/>
+            <ac:spMk id="2" creationId="{53C5D828-9666-E312-B574-9FE965A7D6BE}"/>
+          </ac:spMkLst>
+        </pc:spChg>
+        <pc:spChg chg="del">
+          <ac:chgData name="Ihor Aleksandrov" userId="c3051032-6b87-4db2-b257-777a0106fbd9" providerId="ADAL" clId="{C975AD89-9389-4107-B336-68A5516F1324}" dt="2024-01-25T12:08:27.578" v="457" actId="478"/>
+          <ac:spMkLst>
+            <pc:docMk/>
+            <pc:sldMk cId="4016723334" sldId="304"/>
+            <ac:spMk id="5" creationId="{F575C6CA-07B5-0507-46E6-86E5A6E7C7F7}"/>
+          </ac:spMkLst>
+        </pc:spChg>
+        <pc:spChg chg="add mod">
+          <ac:chgData name="Ihor Aleksandrov" userId="c3051032-6b87-4db2-b257-777a0106fbd9" providerId="ADAL" clId="{C975AD89-9389-4107-B336-68A5516F1324}" dt="2024-01-25T12:08:35.673" v="459" actId="1076"/>
+          <ac:spMkLst>
+            <pc:docMk/>
+            <pc:sldMk cId="4016723334" sldId="304"/>
+            <ac:spMk id="6" creationId="{43C3C5EF-3FC0-ECB8-B8B5-698DD9F2DCA5}"/>
+          </ac:spMkLst>
+        </pc:spChg>
+      </pc:sldChg>
+      <pc:sldChg chg="addSp delSp modSp add mod">
+        <pc:chgData name="Ihor Aleksandrov" userId="c3051032-6b87-4db2-b257-777a0106fbd9" providerId="ADAL" clId="{C975AD89-9389-4107-B336-68A5516F1324}" dt="2024-01-25T12:10:33.284" v="469" actId="14100"/>
+        <pc:sldMkLst>
+          <pc:docMk/>
+          <pc:sldMk cId="3734445878" sldId="305"/>
+        </pc:sldMkLst>
+        <pc:spChg chg="mod">
+          <ac:chgData name="Ihor Aleksandrov" userId="c3051032-6b87-4db2-b257-777a0106fbd9" providerId="ADAL" clId="{C975AD89-9389-4107-B336-68A5516F1324}" dt="2024-01-25T12:10:08.059" v="463"/>
+          <ac:spMkLst>
+            <pc:docMk/>
+            <pc:sldMk cId="3734445878" sldId="305"/>
+            <ac:spMk id="2" creationId="{53C5D828-9666-E312-B574-9FE965A7D6BE}"/>
+          </ac:spMkLst>
+        </pc:spChg>
+        <pc:spChg chg="add mod">
+          <ac:chgData name="Ihor Aleksandrov" userId="c3051032-6b87-4db2-b257-777a0106fbd9" providerId="ADAL" clId="{C975AD89-9389-4107-B336-68A5516F1324}" dt="2024-01-25T12:10:33.284" v="469" actId="14100"/>
+          <ac:spMkLst>
+            <pc:docMk/>
+            <pc:sldMk cId="3734445878" sldId="305"/>
+            <ac:spMk id="5" creationId="{BE4A9611-EC37-FD2C-5B25-DDDB64B0FB7D}"/>
+          </ac:spMkLst>
+        </pc:spChg>
+        <pc:spChg chg="del">
+          <ac:chgData name="Ihor Aleksandrov" userId="c3051032-6b87-4db2-b257-777a0106fbd9" providerId="ADAL" clId="{C975AD89-9389-4107-B336-68A5516F1324}" dt="2024-01-25T12:10:17.279" v="464" actId="478"/>
+          <ac:spMkLst>
+            <pc:docMk/>
+            <pc:sldMk cId="3734445878" sldId="305"/>
+            <ac:spMk id="6" creationId="{43C3C5EF-3FC0-ECB8-B8B5-698DD9F2DCA5}"/>
+          </ac:spMkLst>
+        </pc:spChg>
+      </pc:sldChg>
+      <pc:sldChg chg="addSp delSp modSp add mod">
+        <pc:chgData name="Ihor Aleksandrov" userId="c3051032-6b87-4db2-b257-777a0106fbd9" providerId="ADAL" clId="{C975AD89-9389-4107-B336-68A5516F1324}" dt="2024-01-25T12:11:28.179" v="476" actId="1076"/>
+        <pc:sldMkLst>
+          <pc:docMk/>
+          <pc:sldMk cId="1774601108" sldId="306"/>
+        </pc:sldMkLst>
+        <pc:spChg chg="mod">
+          <ac:chgData name="Ihor Aleksandrov" userId="c3051032-6b87-4db2-b257-777a0106fbd9" providerId="ADAL" clId="{C975AD89-9389-4107-B336-68A5516F1324}" dt="2024-01-25T12:11:07.919" v="472" actId="27636"/>
+          <ac:spMkLst>
+            <pc:docMk/>
+            <pc:sldMk cId="1774601108" sldId="306"/>
+            <ac:spMk id="2" creationId="{53C5D828-9666-E312-B574-9FE965A7D6BE}"/>
+          </ac:spMkLst>
+        </pc:spChg>
+        <pc:spChg chg="del">
+          <ac:chgData name="Ihor Aleksandrov" userId="c3051032-6b87-4db2-b257-777a0106fbd9" providerId="ADAL" clId="{C975AD89-9389-4107-B336-68A5516F1324}" dt="2024-01-25T12:11:18" v="473" actId="478"/>
+          <ac:spMkLst>
+            <pc:docMk/>
+            <pc:sldMk cId="1774601108" sldId="306"/>
+            <ac:spMk id="5" creationId="{BE4A9611-EC37-FD2C-5B25-DDDB64B0FB7D}"/>
+          </ac:spMkLst>
+        </pc:spChg>
+        <pc:spChg chg="add mod">
+          <ac:chgData name="Ihor Aleksandrov" userId="c3051032-6b87-4db2-b257-777a0106fbd9" providerId="ADAL" clId="{C975AD89-9389-4107-B336-68A5516F1324}" dt="2024-01-25T12:11:28.179" v="476" actId="1076"/>
+          <ac:spMkLst>
+            <pc:docMk/>
+            <pc:sldMk cId="1774601108" sldId="306"/>
+            <ac:spMk id="6" creationId="{3309E106-0F94-ADD6-D354-4D5DB24E6274}"/>
+          </ac:spMkLst>
+        </pc:spChg>
+      </pc:sldChg>
+      <pc:sldChg chg="addSp modSp new mod setBg">
+        <pc:chgData name="Ihor Aleksandrov" userId="c3051032-6b87-4db2-b257-777a0106fbd9" providerId="ADAL" clId="{C975AD89-9389-4107-B336-68A5516F1324}" dt="2024-01-25T12:16:09.970" v="535" actId="26606"/>
+        <pc:sldMkLst>
+          <pc:docMk/>
+          <pc:sldMk cId="2052164358" sldId="307"/>
+        </pc:sldMkLst>
+        <pc:spChg chg="mod">
+          <ac:chgData name="Ihor Aleksandrov" userId="c3051032-6b87-4db2-b257-777a0106fbd9" providerId="ADAL" clId="{C975AD89-9389-4107-B336-68A5516F1324}" dt="2024-01-25T12:16:09.970" v="535" actId="26606"/>
+          <ac:spMkLst>
+            <pc:docMk/>
+            <pc:sldMk cId="2052164358" sldId="307"/>
+            <ac:spMk id="2" creationId="{5DF8ECE0-DBF5-C309-B35B-C6A0C6C847B2}"/>
+          </ac:spMkLst>
+        </pc:spChg>
+        <pc:spChg chg="mod">
+          <ac:chgData name="Ihor Aleksandrov" userId="c3051032-6b87-4db2-b257-777a0106fbd9" providerId="ADAL" clId="{C975AD89-9389-4107-B336-68A5516F1324}" dt="2024-01-25T12:16:09.970" v="535" actId="26606"/>
+          <ac:spMkLst>
+            <pc:docMk/>
+            <pc:sldMk cId="2052164358" sldId="307"/>
+            <ac:spMk id="3" creationId="{CC0591DF-C2F9-838D-FBD9-6ECAF8229E69}"/>
+          </ac:spMkLst>
+        </pc:spChg>
+        <pc:spChg chg="mod">
+          <ac:chgData name="Ihor Aleksandrov" userId="c3051032-6b87-4db2-b257-777a0106fbd9" providerId="ADAL" clId="{C975AD89-9389-4107-B336-68A5516F1324}" dt="2024-01-25T12:16:09.970" v="535" actId="26606"/>
+          <ac:spMkLst>
+            <pc:docMk/>
+            <pc:sldMk cId="2052164358" sldId="307"/>
+            <ac:spMk id="4" creationId="{0E3F0720-F024-291D-B095-733008D2CF3F}"/>
+          </ac:spMkLst>
+        </pc:spChg>
+        <pc:spChg chg="add">
+          <ac:chgData name="Ihor Aleksandrov" userId="c3051032-6b87-4db2-b257-777a0106fbd9" providerId="ADAL" clId="{C975AD89-9389-4107-B336-68A5516F1324}" dt="2024-01-25T12:16:09.970" v="535" actId="26606"/>
+          <ac:spMkLst>
+            <pc:docMk/>
+            <pc:sldMk cId="2052164358" sldId="307"/>
+            <ac:spMk id="9" creationId="{C3896A03-3945-419A-B66B-4EE266EDD152}"/>
+          </ac:spMkLst>
+        </pc:spChg>
+        <pc:spChg chg="add">
+          <ac:chgData name="Ihor Aleksandrov" userId="c3051032-6b87-4db2-b257-777a0106fbd9" providerId="ADAL" clId="{C975AD89-9389-4107-B336-68A5516F1324}" dt="2024-01-25T12:16:09.970" v="535" actId="26606"/>
+          <ac:spMkLst>
+            <pc:docMk/>
+            <pc:sldMk cId="2052164358" sldId="307"/>
+            <ac:spMk id="11" creationId="{B34F5AD2-EDBD-4BBD-A55C-EAFFD0C7097A}"/>
+          </ac:spMkLst>
+        </pc:spChg>
+        <pc:spChg chg="add">
+          <ac:chgData name="Ihor Aleksandrov" userId="c3051032-6b87-4db2-b257-777a0106fbd9" providerId="ADAL" clId="{C975AD89-9389-4107-B336-68A5516F1324}" dt="2024-01-25T12:16:09.970" v="535" actId="26606"/>
+          <ac:spMkLst>
+            <pc:docMk/>
+            <pc:sldMk cId="2052164358" sldId="307"/>
+            <ac:spMk id="13" creationId="{6832F003-FCA6-4CFB-A2EA-308F3AA257D1}"/>
+          </ac:spMkLst>
+        </pc:spChg>
+      </pc:sldChg>
+      <pc:sldChg chg="addSp delSp modSp new mod setBg">
+        <pc:chgData name="Ihor Aleksandrov" userId="c3051032-6b87-4db2-b257-777a0106fbd9" providerId="ADAL" clId="{C975AD89-9389-4107-B336-68A5516F1324}" dt="2024-01-25T12:17:02.243" v="546" actId="26606"/>
+        <pc:sldMkLst>
+          <pc:docMk/>
+          <pc:sldMk cId="2972731808" sldId="308"/>
+        </pc:sldMkLst>
+        <pc:spChg chg="mod">
+          <ac:chgData name="Ihor Aleksandrov" userId="c3051032-6b87-4db2-b257-777a0106fbd9" providerId="ADAL" clId="{C975AD89-9389-4107-B336-68A5516F1324}" dt="2024-01-25T12:16:54.169" v="539" actId="26606"/>
+          <ac:spMkLst>
+            <pc:docMk/>
+            <pc:sldMk cId="2972731808" sldId="308"/>
+            <ac:spMk id="2" creationId="{D0943DE7-1B02-667A-3F0C-AF294FF74898}"/>
+          </ac:spMkLst>
+        </pc:spChg>
+        <pc:spChg chg="add del mod ord">
+          <ac:chgData name="Ihor Aleksandrov" userId="c3051032-6b87-4db2-b257-777a0106fbd9" providerId="ADAL" clId="{C975AD89-9389-4107-B336-68A5516F1324}" dt="2024-01-25T12:17:02.243" v="546" actId="26606"/>
+          <ac:spMkLst>
+            <pc:docMk/>
+            <pc:sldMk cId="2972731808" sldId="308"/>
+            <ac:spMk id="3" creationId="{B3E417F1-B6F3-1FCC-3673-465992A438C3}"/>
+          </ac:spMkLst>
+        </pc:spChg>
+        <pc:spChg chg="mod">
+          <ac:chgData name="Ihor Aleksandrov" userId="c3051032-6b87-4db2-b257-777a0106fbd9" providerId="ADAL" clId="{C975AD89-9389-4107-B336-68A5516F1324}" dt="2024-01-25T12:16:33.869" v="537" actId="26606"/>
+          <ac:spMkLst>
+            <pc:docMk/>
+            <pc:sldMk cId="2972731808" sldId="308"/>
+            <ac:spMk id="4" creationId="{6698CFAA-FBE6-1385-DD40-EFF9167C6E7B}"/>
+          </ac:spMkLst>
+        </pc:spChg>
+        <pc:spChg chg="add del">
+          <ac:chgData name="Ihor Aleksandrov" userId="c3051032-6b87-4db2-b257-777a0106fbd9" providerId="ADAL" clId="{C975AD89-9389-4107-B336-68A5516F1324}" dt="2024-01-25T12:16:33.869" v="537" actId="26606"/>
+          <ac:spMkLst>
+            <pc:docMk/>
+            <pc:sldMk cId="2972731808" sldId="308"/>
+            <ac:spMk id="9" creationId="{70DFC902-7D23-471A-B557-B6B6917D7A0D}"/>
+          </ac:spMkLst>
+        </pc:spChg>
+        <pc:spChg chg="add del">
+          <ac:chgData name="Ihor Aleksandrov" userId="c3051032-6b87-4db2-b257-777a0106fbd9" providerId="ADAL" clId="{C975AD89-9389-4107-B336-68A5516F1324}" dt="2024-01-25T12:16:33.869" v="537" actId="26606"/>
+          <ac:spMkLst>
+            <pc:docMk/>
+            <pc:sldMk cId="2972731808" sldId="308"/>
+            <ac:spMk id="11" creationId="{A55D5633-D557-4DCA-982C-FF36EB7A1C00}"/>
+          </ac:spMkLst>
+        </pc:spChg>
+        <pc:spChg chg="add del">
+          <ac:chgData name="Ihor Aleksandrov" userId="c3051032-6b87-4db2-b257-777a0106fbd9" providerId="ADAL" clId="{C975AD89-9389-4107-B336-68A5516F1324}" dt="2024-01-25T12:16:33.869" v="537" actId="26606"/>
+          <ac:spMkLst>
+            <pc:docMk/>
+            <pc:sldMk cId="2972731808" sldId="308"/>
+            <ac:spMk id="13" creationId="{450D3AD2-FA80-415F-A9CE-54D884561CD7}"/>
+          </ac:spMkLst>
+        </pc:spChg>
+        <pc:spChg chg="add del">
+          <ac:chgData name="Ihor Aleksandrov" userId="c3051032-6b87-4db2-b257-777a0106fbd9" providerId="ADAL" clId="{C975AD89-9389-4107-B336-68A5516F1324}" dt="2024-01-25T12:17:02.243" v="546" actId="26606"/>
+          <ac:spMkLst>
+            <pc:docMk/>
+            <pc:sldMk cId="2972731808" sldId="308"/>
+            <ac:spMk id="18" creationId="{B34F5AD2-EDBD-4BBD-A55C-EAFFD0C7097A}"/>
+          </ac:spMkLst>
+        </pc:spChg>
+        <pc:spChg chg="add del">
+          <ac:chgData name="Ihor Aleksandrov" userId="c3051032-6b87-4db2-b257-777a0106fbd9" providerId="ADAL" clId="{C975AD89-9389-4107-B336-68A5516F1324}" dt="2024-01-25T12:17:02.243" v="546" actId="26606"/>
+          <ac:spMkLst>
+            <pc:docMk/>
+            <pc:sldMk cId="2972731808" sldId="308"/>
+            <ac:spMk id="20" creationId="{C3896A03-3945-419A-B66B-4EE266EDD152}"/>
+          </ac:spMkLst>
+        </pc:spChg>
+        <pc:spChg chg="add del">
+          <ac:chgData name="Ihor Aleksandrov" userId="c3051032-6b87-4db2-b257-777a0106fbd9" providerId="ADAL" clId="{C975AD89-9389-4107-B336-68A5516F1324}" dt="2024-01-25T12:17:02.243" v="546" actId="26606"/>
+          <ac:spMkLst>
+            <pc:docMk/>
+            <pc:sldMk cId="2972731808" sldId="308"/>
+            <ac:spMk id="22" creationId="{B8EAE243-3A9F-4A46-B0D9-04C723A8A1BD}"/>
+          </ac:spMkLst>
+        </pc:spChg>
+        <pc:spChg chg="add del">
+          <ac:chgData name="Ihor Aleksandrov" userId="c3051032-6b87-4db2-b257-777a0106fbd9" providerId="ADAL" clId="{C975AD89-9389-4107-B336-68A5516F1324}" dt="2024-01-25T12:16:54.169" v="539" actId="26606"/>
+          <ac:spMkLst>
+            <pc:docMk/>
+            <pc:sldMk cId="2972731808" sldId="308"/>
+            <ac:spMk id="27" creationId="{C3896A03-3945-419A-B66B-4EE266EDD152}"/>
+          </ac:spMkLst>
+        </pc:spChg>
+        <pc:spChg chg="add del">
+          <ac:chgData name="Ihor Aleksandrov" userId="c3051032-6b87-4db2-b257-777a0106fbd9" providerId="ADAL" clId="{C975AD89-9389-4107-B336-68A5516F1324}" dt="2024-01-25T12:16:54.169" v="539" actId="26606"/>
+          <ac:spMkLst>
+            <pc:docMk/>
+            <pc:sldMk cId="2972731808" sldId="308"/>
+            <ac:spMk id="29" creationId="{B34F5AD2-EDBD-4BBD-A55C-EAFFD0C7097A}"/>
+          </ac:spMkLst>
+        </pc:spChg>
+        <pc:spChg chg="add del">
+          <ac:chgData name="Ihor Aleksandrov" userId="c3051032-6b87-4db2-b257-777a0106fbd9" providerId="ADAL" clId="{C975AD89-9389-4107-B336-68A5516F1324}" dt="2024-01-25T12:16:54.169" v="539" actId="26606"/>
+          <ac:spMkLst>
+            <pc:docMk/>
+            <pc:sldMk cId="2972731808" sldId="308"/>
+            <ac:spMk id="31" creationId="{450D3AD2-FA80-415F-A9CE-54D884561CD7}"/>
+          </ac:spMkLst>
+        </pc:spChg>
+        <pc:spChg chg="add del">
+          <ac:chgData name="Ihor Aleksandrov" userId="c3051032-6b87-4db2-b257-777a0106fbd9" providerId="ADAL" clId="{C975AD89-9389-4107-B336-68A5516F1324}" dt="2024-01-25T12:16:57.069" v="541" actId="26606"/>
+          <ac:spMkLst>
+            <pc:docMk/>
+            <pc:sldMk cId="2972731808" sldId="308"/>
+            <ac:spMk id="33" creationId="{B34F5AD2-EDBD-4BBD-A55C-EAFFD0C7097A}"/>
+          </ac:spMkLst>
+        </pc:spChg>
+        <pc:spChg chg="add del">
+          <ac:chgData name="Ihor Aleksandrov" userId="c3051032-6b87-4db2-b257-777a0106fbd9" providerId="ADAL" clId="{C975AD89-9389-4107-B336-68A5516F1324}" dt="2024-01-25T12:16:57.069" v="541" actId="26606"/>
+          <ac:spMkLst>
+            <pc:docMk/>
+            <pc:sldMk cId="2972731808" sldId="308"/>
+            <ac:spMk id="34" creationId="{C3896A03-3945-419A-B66B-4EE266EDD152}"/>
+          </ac:spMkLst>
+        </pc:spChg>
+        <pc:spChg chg="add del">
+          <ac:chgData name="Ihor Aleksandrov" userId="c3051032-6b87-4db2-b257-777a0106fbd9" providerId="ADAL" clId="{C975AD89-9389-4107-B336-68A5516F1324}" dt="2024-01-25T12:16:57.069" v="541" actId="26606"/>
+          <ac:spMkLst>
+            <pc:docMk/>
+            <pc:sldMk cId="2972731808" sldId="308"/>
+            <ac:spMk id="35" creationId="{B8EAE243-3A9F-4A46-B0D9-04C723A8A1BD}"/>
+          </ac:spMkLst>
+        </pc:spChg>
+        <pc:spChg chg="add del">
+          <ac:chgData name="Ihor Aleksandrov" userId="c3051032-6b87-4db2-b257-777a0106fbd9" providerId="ADAL" clId="{C975AD89-9389-4107-B336-68A5516F1324}" dt="2024-01-25T12:16:58.901" v="543" actId="26606"/>
+          <ac:spMkLst>
+            <pc:docMk/>
+            <pc:sldMk cId="2972731808" sldId="308"/>
+            <ac:spMk id="37" creationId="{B34F5AD2-EDBD-4BBD-A55C-EAFFD0C7097A}"/>
+          </ac:spMkLst>
+        </pc:spChg>
+        <pc:spChg chg="add del">
+          <ac:chgData name="Ihor Aleksandrov" userId="c3051032-6b87-4db2-b257-777a0106fbd9" providerId="ADAL" clId="{C975AD89-9389-4107-B336-68A5516F1324}" dt="2024-01-25T12:16:58.901" v="543" actId="26606"/>
+          <ac:spMkLst>
+            <pc:docMk/>
+            <pc:sldMk cId="2972731808" sldId="308"/>
+            <ac:spMk id="38" creationId="{C3896A03-3945-419A-B66B-4EE266EDD152}"/>
+          </ac:spMkLst>
+        </pc:spChg>
+        <pc:spChg chg="add del">
+          <ac:chgData name="Ihor Aleksandrov" userId="c3051032-6b87-4db2-b257-777a0106fbd9" providerId="ADAL" clId="{C975AD89-9389-4107-B336-68A5516F1324}" dt="2024-01-25T12:16:58.901" v="543" actId="26606"/>
+          <ac:spMkLst>
+            <pc:docMk/>
+            <pc:sldMk cId="2972731808" sldId="308"/>
+            <ac:spMk id="39" creationId="{B8EAE243-3A9F-4A46-B0D9-04C723A8A1BD}"/>
+          </ac:spMkLst>
+        </pc:spChg>
+        <pc:spChg chg="add del">
+          <ac:chgData name="Ihor Aleksandrov" userId="c3051032-6b87-4db2-b257-777a0106fbd9" providerId="ADAL" clId="{C975AD89-9389-4107-B336-68A5516F1324}" dt="2024-01-25T12:17:02.224" v="545" actId="26606"/>
+          <ac:spMkLst>
+            <pc:docMk/>
+            <pc:sldMk cId="2972731808" sldId="308"/>
+            <ac:spMk id="42" creationId="{B34F5AD2-EDBD-4BBD-A55C-EAFFD0C7097A}"/>
+          </ac:spMkLst>
+        </pc:spChg>
+        <pc:spChg chg="add del">
+          <ac:chgData name="Ihor Aleksandrov" userId="c3051032-6b87-4db2-b257-777a0106fbd9" providerId="ADAL" clId="{C975AD89-9389-4107-B336-68A5516F1324}" dt="2024-01-25T12:17:02.224" v="545" actId="26606"/>
+          <ac:spMkLst>
+            <pc:docMk/>
+            <pc:sldMk cId="2972731808" sldId="308"/>
+            <ac:spMk id="43" creationId="{C3896A03-3945-419A-B66B-4EE266EDD152}"/>
+          </ac:spMkLst>
+        </pc:spChg>
+        <pc:spChg chg="add del">
+          <ac:chgData name="Ihor Aleksandrov" userId="c3051032-6b87-4db2-b257-777a0106fbd9" providerId="ADAL" clId="{C975AD89-9389-4107-B336-68A5516F1324}" dt="2024-01-25T12:17:02.224" v="545" actId="26606"/>
+          <ac:spMkLst>
+            <pc:docMk/>
+            <pc:sldMk cId="2972731808" sldId="308"/>
+            <ac:spMk id="44" creationId="{B8EAE243-3A9F-4A46-B0D9-04C723A8A1BD}"/>
+          </ac:spMkLst>
+        </pc:spChg>
+        <pc:spChg chg="add">
+          <ac:chgData name="Ihor Aleksandrov" userId="c3051032-6b87-4db2-b257-777a0106fbd9" providerId="ADAL" clId="{C975AD89-9389-4107-B336-68A5516F1324}" dt="2024-01-25T12:17:02.243" v="546" actId="26606"/>
+          <ac:spMkLst>
+            <pc:docMk/>
+            <pc:sldMk cId="2972731808" sldId="308"/>
+            <ac:spMk id="47" creationId="{B34F5AD2-EDBD-4BBD-A55C-EAFFD0C7097A}"/>
+          </ac:spMkLst>
+        </pc:spChg>
+        <pc:spChg chg="add">
+          <ac:chgData name="Ihor Aleksandrov" userId="c3051032-6b87-4db2-b257-777a0106fbd9" providerId="ADAL" clId="{C975AD89-9389-4107-B336-68A5516F1324}" dt="2024-01-25T12:17:02.243" v="546" actId="26606"/>
+          <ac:spMkLst>
+            <pc:docMk/>
+            <pc:sldMk cId="2972731808" sldId="308"/>
+            <ac:spMk id="48" creationId="{C3896A03-3945-419A-B66B-4EE266EDD152}"/>
+          </ac:spMkLst>
+        </pc:spChg>
+        <pc:spChg chg="add">
+          <ac:chgData name="Ihor Aleksandrov" userId="c3051032-6b87-4db2-b257-777a0106fbd9" providerId="ADAL" clId="{C975AD89-9389-4107-B336-68A5516F1324}" dt="2024-01-25T12:17:02.243" v="546" actId="26606"/>
+          <ac:spMkLst>
+            <pc:docMk/>
+            <pc:sldMk cId="2972731808" sldId="308"/>
+            <ac:spMk id="49" creationId="{B8EAE243-3A9F-4A46-B0D9-04C723A8A1BD}"/>
+          </ac:spMkLst>
+        </pc:spChg>
+        <pc:graphicFrameChg chg="add del">
+          <ac:chgData name="Ihor Aleksandrov" userId="c3051032-6b87-4db2-b257-777a0106fbd9" providerId="ADAL" clId="{C975AD89-9389-4107-B336-68A5516F1324}" dt="2024-01-25T12:16:57.069" v="541" actId="26606"/>
+          <ac:graphicFrameMkLst>
+            <pc:docMk/>
+            <pc:sldMk cId="2972731808" sldId="308"/>
+            <ac:graphicFrameMk id="24" creationId="{B1DF12BD-C829-ACAE-B131-9005BD28D94C}"/>
+          </ac:graphicFrameMkLst>
+        </pc:graphicFrameChg>
+        <pc:graphicFrameChg chg="add del">
+          <ac:chgData name="Ihor Aleksandrov" userId="c3051032-6b87-4db2-b257-777a0106fbd9" providerId="ADAL" clId="{C975AD89-9389-4107-B336-68A5516F1324}" dt="2024-01-25T12:16:58.901" v="543" actId="26606"/>
+          <ac:graphicFrameMkLst>
+            <pc:docMk/>
+            <pc:sldMk cId="2972731808" sldId="308"/>
+            <ac:graphicFrameMk id="40" creationId="{6C86E01F-5877-63CC-D7B9-91D3284A56A5}"/>
+          </ac:graphicFrameMkLst>
+        </pc:graphicFrameChg>
+        <pc:graphicFrameChg chg="add del">
+          <ac:chgData name="Ihor Aleksandrov" userId="c3051032-6b87-4db2-b257-777a0106fbd9" providerId="ADAL" clId="{C975AD89-9389-4107-B336-68A5516F1324}" dt="2024-01-25T12:17:02.224" v="545" actId="26606"/>
+          <ac:graphicFrameMkLst>
+            <pc:docMk/>
+            <pc:sldMk cId="2972731808" sldId="308"/>
+            <ac:graphicFrameMk id="45" creationId="{46109661-CA2A-F035-4AF8-397A29F0C859}"/>
+          </ac:graphicFrameMkLst>
+        </pc:graphicFrameChg>
+        <pc:graphicFrameChg chg="add">
+          <ac:chgData name="Ihor Aleksandrov" userId="c3051032-6b87-4db2-b257-777a0106fbd9" providerId="ADAL" clId="{C975AD89-9389-4107-B336-68A5516F1324}" dt="2024-01-25T12:17:02.243" v="546" actId="26606"/>
+          <ac:graphicFrameMkLst>
+            <pc:docMk/>
+            <pc:sldMk cId="2972731808" sldId="308"/>
+            <ac:graphicFrameMk id="50" creationId="{438840ED-2B50-ED19-12CF-99B1789AE150}"/>
+          </ac:graphicFrameMkLst>
+        </pc:graphicFrameChg>
+      </pc:sldChg>
+    </pc:docChg>
+  </pc:docChgLst>
+  <pc:docChgLst>
+    <pc:chgData name="Ihor Aleksandrov" userId="c3051032-6b87-4db2-b257-777a0106fbd9" providerId="ADAL" clId="{56332CB3-8148-420A-A659-8047DFDBF6F1}"/>
+    <pc:docChg chg="undo custSel addSld delSld modSld sldOrd addSection modSection">
+      <pc:chgData name="Ihor Aleksandrov" userId="c3051032-6b87-4db2-b257-777a0106fbd9" providerId="ADAL" clId="{56332CB3-8148-420A-A659-8047DFDBF6F1}" dt="2024-01-26T13:08:59.561" v="220" actId="20577"/>
+      <pc:docMkLst>
+        <pc:docMk/>
+      </pc:docMkLst>
+      <pc:sldChg chg="modSp">
+        <pc:chgData name="Ihor Aleksandrov" userId="c3051032-6b87-4db2-b257-777a0106fbd9" providerId="ADAL" clId="{56332CB3-8148-420A-A659-8047DFDBF6F1}" dt="2024-01-26T09:37:35.628" v="15" actId="20577"/>
+        <pc:sldMkLst>
+          <pc:docMk/>
+          <pc:sldMk cId="588564705" sldId="256"/>
+        </pc:sldMkLst>
+        <pc:spChg chg="mod">
+          <ac:chgData name="Ihor Aleksandrov" userId="c3051032-6b87-4db2-b257-777a0106fbd9" providerId="ADAL" clId="{56332CB3-8148-420A-A659-8047DFDBF6F1}" dt="2024-01-26T09:37:35.628" v="15" actId="20577"/>
+          <ac:spMkLst>
+            <pc:docMk/>
+            <pc:sldMk cId="588564705" sldId="256"/>
+            <ac:spMk id="2" creationId="{2C4A1DFF-3C45-F11D-E6A6-19C0306E5E2B}"/>
+          </ac:spMkLst>
+        </pc:spChg>
+      </pc:sldChg>
+      <pc:sldChg chg="addSp delSp modSp add mod setBg delDesignElem">
+        <pc:chgData name="Ihor Aleksandrov" userId="c3051032-6b87-4db2-b257-777a0106fbd9" providerId="ADAL" clId="{56332CB3-8148-420A-A659-8047DFDBF6F1}" dt="2024-01-26T10:35:18.591" v="25" actId="20577"/>
+        <pc:sldMkLst>
+          <pc:docMk/>
+          <pc:sldMk cId="4197480136" sldId="268"/>
+        </pc:sldMkLst>
+        <pc:spChg chg="mod">
+          <ac:chgData name="Ihor Aleksandrov" userId="c3051032-6b87-4db2-b257-777a0106fbd9" providerId="ADAL" clId="{56332CB3-8148-420A-A659-8047DFDBF6F1}" dt="2024-01-26T10:34:21.837" v="18" actId="26606"/>
+          <ac:spMkLst>
+            <pc:docMk/>
+            <pc:sldMk cId="4197480136" sldId="268"/>
+            <ac:spMk id="2" creationId="{53C5D828-9666-E312-B574-9FE965A7D6BE}"/>
+          </ac:spMkLst>
+        </pc:spChg>
+        <pc:spChg chg="mod ord">
+          <ac:chgData name="Ihor Aleksandrov" userId="c3051032-6b87-4db2-b257-777a0106fbd9" providerId="ADAL" clId="{56332CB3-8148-420A-A659-8047DFDBF6F1}" dt="2024-01-26T10:34:21.837" v="18" actId="26606"/>
+          <ac:spMkLst>
+            <pc:docMk/>
+            <pc:sldMk cId="4197480136" sldId="268"/>
+            <ac:spMk id="3" creationId="{5AA19FA0-A765-8169-03F1-928E3EF7B595}"/>
+          </ac:spMkLst>
+        </pc:spChg>
+        <pc:spChg chg="add mod">
+          <ac:chgData name="Ihor Aleksandrov" userId="c3051032-6b87-4db2-b257-777a0106fbd9" providerId="ADAL" clId="{56332CB3-8148-420A-A659-8047DFDBF6F1}" dt="2024-01-26T10:35:18.591" v="25" actId="20577"/>
+          <ac:spMkLst>
+            <pc:docMk/>
+            <pc:sldMk cId="4197480136" sldId="268"/>
+            <ac:spMk id="6" creationId="{38F38C99-3FFF-CC1B-A865-D41BAF094870}"/>
+          </ac:spMkLst>
+        </pc:spChg>
+        <pc:spChg chg="add">
+          <ac:chgData name="Ihor Aleksandrov" userId="c3051032-6b87-4db2-b257-777a0106fbd9" providerId="ADAL" clId="{56332CB3-8148-420A-A659-8047DFDBF6F1}" dt="2024-01-26T10:34:21.837" v="18" actId="26606"/>
+          <ac:spMkLst>
+            <pc:docMk/>
+            <pc:sldMk cId="4197480136" sldId="268"/>
+            <ac:spMk id="10" creationId="{D4771268-CB57-404A-9271-370EB28F6090}"/>
+          </ac:spMkLst>
+        </pc:spChg>
+        <pc:spChg chg="del">
+          <ac:chgData name="Ihor Aleksandrov" userId="c3051032-6b87-4db2-b257-777a0106fbd9" providerId="ADAL" clId="{56332CB3-8148-420A-A659-8047DFDBF6F1}" dt="2024-01-26T10:34:17.668" v="17"/>
+          <ac:spMkLst>
+            <pc:docMk/>
+            <pc:sldMk cId="4197480136" sldId="268"/>
+            <ac:spMk id="24" creationId="{D4771268-CB57-404A-9271-370EB28F6090}"/>
+          </ac:spMkLst>
+        </pc:spChg>
+        <pc:picChg chg="mod">
+          <ac:chgData name="Ihor Aleksandrov" userId="c3051032-6b87-4db2-b257-777a0106fbd9" providerId="ADAL" clId="{56332CB3-8148-420A-A659-8047DFDBF6F1}" dt="2024-01-26T10:34:37.730" v="21" actId="1076"/>
+          <ac:picMkLst>
+            <pc:docMk/>
+            <pc:sldMk cId="4197480136" sldId="268"/>
+            <ac:picMk id="5" creationId="{48B8D675-CA93-B1DA-C8B0-E9A8D9721494}"/>
+          </ac:picMkLst>
+        </pc:picChg>
+      </pc:sldChg>
+      <pc:sldChg chg="del">
+        <pc:chgData name="Ihor Aleksandrov" userId="c3051032-6b87-4db2-b257-777a0106fbd9" providerId="ADAL" clId="{56332CB3-8148-420A-A659-8047DFDBF6F1}" dt="2024-01-26T10:34:28.581" v="19" actId="2696"/>
+        <pc:sldMkLst>
+          <pc:docMk/>
+          <pc:sldMk cId="1284720075" sldId="271"/>
+        </pc:sldMkLst>
+      </pc:sldChg>
+      <pc:sldChg chg="del">
+        <pc:chgData name="Ihor Aleksandrov" userId="c3051032-6b87-4db2-b257-777a0106fbd9" providerId="ADAL" clId="{56332CB3-8148-420A-A659-8047DFDBF6F1}" dt="2024-01-26T09:37:21.787" v="2" actId="2696"/>
+        <pc:sldMkLst>
+          <pc:docMk/>
+          <pc:sldMk cId="2437677464" sldId="304"/>
+        </pc:sldMkLst>
+      </pc:sldChg>
+      <pc:sldChg chg="addSp delSp modSp add mod setBg delDesignElem">
+        <pc:chgData name="Ihor Aleksandrov" userId="c3051032-6b87-4db2-b257-777a0106fbd9" providerId="ADAL" clId="{56332CB3-8148-420A-A659-8047DFDBF6F1}" dt="2024-01-26T10:41:09.384" v="33" actId="1076"/>
+        <pc:sldMkLst>
+          <pc:docMk/>
+          <pc:sldMk cId="2663829398" sldId="304"/>
+        </pc:sldMkLst>
+        <pc:spChg chg="mod">
+          <ac:chgData name="Ihor Aleksandrov" userId="c3051032-6b87-4db2-b257-777a0106fbd9" providerId="ADAL" clId="{56332CB3-8148-420A-A659-8047DFDBF6F1}" dt="2024-01-26T10:38:40.346" v="28" actId="26606"/>
+          <ac:spMkLst>
+            <pc:docMk/>
+            <pc:sldMk cId="2663829398" sldId="304"/>
+            <ac:spMk id="2" creationId="{53C5D828-9666-E312-B574-9FE965A7D6BE}"/>
+          </ac:spMkLst>
+        </pc:spChg>
+        <pc:spChg chg="mod ord">
+          <ac:chgData name="Ihor Aleksandrov" userId="c3051032-6b87-4db2-b257-777a0106fbd9" providerId="ADAL" clId="{56332CB3-8148-420A-A659-8047DFDBF6F1}" dt="2024-01-26T10:38:40.346" v="28" actId="26606"/>
+          <ac:spMkLst>
+            <pc:docMk/>
+            <pc:sldMk cId="2663829398" sldId="304"/>
+            <ac:spMk id="3" creationId="{5AA19FA0-A765-8169-03F1-928E3EF7B595}"/>
+          </ac:spMkLst>
+        </pc:spChg>
+        <pc:spChg chg="add mod">
+          <ac:chgData name="Ihor Aleksandrov" userId="c3051032-6b87-4db2-b257-777a0106fbd9" providerId="ADAL" clId="{56332CB3-8148-420A-A659-8047DFDBF6F1}" dt="2024-01-26T10:41:09.384" v="33" actId="1076"/>
+          <ac:spMkLst>
+            <pc:docMk/>
+            <pc:sldMk cId="2663829398" sldId="304"/>
+            <ac:spMk id="6" creationId="{2F53A0FB-CBBF-56F6-D0C7-F065FF56D201}"/>
+          </ac:spMkLst>
+        </pc:spChg>
+        <pc:spChg chg="add">
+          <ac:chgData name="Ihor Aleksandrov" userId="c3051032-6b87-4db2-b257-777a0106fbd9" providerId="ADAL" clId="{56332CB3-8148-420A-A659-8047DFDBF6F1}" dt="2024-01-26T10:38:40.346" v="28" actId="26606"/>
+          <ac:spMkLst>
+            <pc:docMk/>
+            <pc:sldMk cId="2663829398" sldId="304"/>
+            <ac:spMk id="9" creationId="{D4771268-CB57-404A-9271-370EB28F6090}"/>
+          </ac:spMkLst>
+        </pc:spChg>
+        <pc:spChg chg="del">
+          <ac:chgData name="Ihor Aleksandrov" userId="c3051032-6b87-4db2-b257-777a0106fbd9" providerId="ADAL" clId="{56332CB3-8148-420A-A659-8047DFDBF6F1}" dt="2024-01-26T10:38:36.586" v="27"/>
+          <ac:spMkLst>
+            <pc:docMk/>
+            <pc:sldMk cId="2663829398" sldId="304"/>
+            <ac:spMk id="24" creationId="{D4771268-CB57-404A-9271-370EB28F6090}"/>
+          </ac:spMkLst>
+        </pc:spChg>
+        <pc:picChg chg="mod">
+          <ac:chgData name="Ihor Aleksandrov" userId="c3051032-6b87-4db2-b257-777a0106fbd9" providerId="ADAL" clId="{56332CB3-8148-420A-A659-8047DFDBF6F1}" dt="2024-01-26T10:41:04.898" v="30" actId="1076"/>
+          <ac:picMkLst>
+            <pc:docMk/>
+            <pc:sldMk cId="2663829398" sldId="304"/>
+            <ac:picMk id="4" creationId="{FCFA766F-83CB-5C1C-AAE0-E7EBDC3565E1}"/>
+          </ac:picMkLst>
+        </pc:picChg>
+      </pc:sldChg>
+      <pc:sldChg chg="delSp add del setBg delDesignElem">
+        <pc:chgData name="Ihor Aleksandrov" userId="c3051032-6b87-4db2-b257-777a0106fbd9" providerId="ADAL" clId="{56332CB3-8148-420A-A659-8047DFDBF6F1}" dt="2024-01-26T11:03:21.076" v="37" actId="2696"/>
+        <pc:sldMkLst>
+          <pc:docMk/>
+          <pc:sldMk cId="90847877" sldId="305"/>
+        </pc:sldMkLst>
+        <pc:spChg chg="del">
+          <ac:chgData name="Ihor Aleksandrov" userId="c3051032-6b87-4db2-b257-777a0106fbd9" providerId="ADAL" clId="{56332CB3-8148-420A-A659-8047DFDBF6F1}" dt="2024-01-26T11:03:04.972" v="35"/>
+          <ac:spMkLst>
+            <pc:docMk/>
+            <pc:sldMk cId="90847877" sldId="305"/>
+            <ac:spMk id="24" creationId="{D4771268-CB57-404A-9271-370EB28F6090}"/>
+          </ac:spMkLst>
+        </pc:spChg>
+      </pc:sldChg>
+      <pc:sldChg chg="del">
+        <pc:chgData name="Ihor Aleksandrov" userId="c3051032-6b87-4db2-b257-777a0106fbd9" providerId="ADAL" clId="{56332CB3-8148-420A-A659-8047DFDBF6F1}" dt="2024-01-26T09:37:21.787" v="2" actId="2696"/>
+        <pc:sldMkLst>
+          <pc:docMk/>
+          <pc:sldMk cId="3615190178" sldId="305"/>
+        </pc:sldMkLst>
+      </pc:sldChg>
+      <pc:sldChg chg="del">
+        <pc:chgData name="Ihor Aleksandrov" userId="c3051032-6b87-4db2-b257-777a0106fbd9" providerId="ADAL" clId="{56332CB3-8148-420A-A659-8047DFDBF6F1}" dt="2024-01-26T09:37:21.787" v="2" actId="2696"/>
+        <pc:sldMkLst>
+          <pc:docMk/>
+          <pc:sldMk cId="1836256656" sldId="306"/>
+        </pc:sldMkLst>
+      </pc:sldChg>
+      <pc:sldChg chg="modSp mod">
+        <pc:chgData name="Ihor Aleksandrov" userId="c3051032-6b87-4db2-b257-777a0106fbd9" providerId="ADAL" clId="{56332CB3-8148-420A-A659-8047DFDBF6F1}" dt="2024-01-26T09:35:56.072" v="1" actId="20577"/>
+        <pc:sldMkLst>
+          <pc:docMk/>
+          <pc:sldMk cId="2052164358" sldId="307"/>
+        </pc:sldMkLst>
+        <pc:spChg chg="mod">
+          <ac:chgData name="Ihor Aleksandrov" userId="c3051032-6b87-4db2-b257-777a0106fbd9" providerId="ADAL" clId="{56332CB3-8148-420A-A659-8047DFDBF6F1}" dt="2024-01-26T09:35:56.072" v="1" actId="20577"/>
+          <ac:spMkLst>
+            <pc:docMk/>
+            <pc:sldMk cId="2052164358" sldId="307"/>
+            <ac:spMk id="2" creationId="{5DF8ECE0-DBF5-C309-B35B-C6A0C6C847B2}"/>
+          </ac:spMkLst>
+        </pc:spChg>
+      </pc:sldChg>
+      <pc:sldChg chg="del">
+        <pc:chgData name="Ihor Aleksandrov" userId="c3051032-6b87-4db2-b257-777a0106fbd9" providerId="ADAL" clId="{56332CB3-8148-420A-A659-8047DFDBF6F1}" dt="2024-01-26T09:37:21.787" v="2" actId="2696"/>
+        <pc:sldMkLst>
+          <pc:docMk/>
+          <pc:sldMk cId="198741980" sldId="309"/>
+        </pc:sldMkLst>
+      </pc:sldChg>
+      <pc:sldChg chg="addSp delSp modSp add mod">
+        <pc:chgData name="Ihor Aleksandrov" userId="c3051032-6b87-4db2-b257-777a0106fbd9" providerId="ADAL" clId="{56332CB3-8148-420A-A659-8047DFDBF6F1}" dt="2024-01-26T11:04:14.283" v="47" actId="1076"/>
+        <pc:sldMkLst>
+          <pc:docMk/>
+          <pc:sldMk cId="629780150" sldId="309"/>
+        </pc:sldMkLst>
+        <pc:spChg chg="mod">
+          <ac:chgData name="Ihor Aleksandrov" userId="c3051032-6b87-4db2-b257-777a0106fbd9" providerId="ADAL" clId="{56332CB3-8148-420A-A659-8047DFDBF6F1}" dt="2024-01-26T11:03:27.455" v="43" actId="20577"/>
+          <ac:spMkLst>
+            <pc:docMk/>
+            <pc:sldMk cId="629780150" sldId="309"/>
+            <ac:spMk id="2" creationId="{53C5D828-9666-E312-B574-9FE965A7D6BE}"/>
+          </ac:spMkLst>
+        </pc:spChg>
+        <pc:spChg chg="del">
+          <ac:chgData name="Ihor Aleksandrov" userId="c3051032-6b87-4db2-b257-777a0106fbd9" providerId="ADAL" clId="{56332CB3-8148-420A-A659-8047DFDBF6F1}" dt="2024-01-26T11:03:57.947" v="44" actId="478"/>
+          <ac:spMkLst>
+            <pc:docMk/>
+            <pc:sldMk cId="629780150" sldId="309"/>
+            <ac:spMk id="6" creationId="{2F53A0FB-CBBF-56F6-D0C7-F065FF56D201}"/>
+          </ac:spMkLst>
+        </pc:spChg>
+        <pc:spChg chg="add mod">
+          <ac:chgData name="Ihor Aleksandrov" userId="c3051032-6b87-4db2-b257-777a0106fbd9" providerId="ADAL" clId="{56332CB3-8148-420A-A659-8047DFDBF6F1}" dt="2024-01-26T11:04:14.283" v="47" actId="1076"/>
+          <ac:spMkLst>
+            <pc:docMk/>
+            <pc:sldMk cId="629780150" sldId="309"/>
+            <ac:spMk id="7" creationId="{51851773-D242-E7C0-784C-81973E41A18D}"/>
+          </ac:spMkLst>
+        </pc:spChg>
+        <pc:picChg chg="del">
+          <ac:chgData name="Ihor Aleksandrov" userId="c3051032-6b87-4db2-b257-777a0106fbd9" providerId="ADAL" clId="{56332CB3-8148-420A-A659-8047DFDBF6F1}" dt="2024-01-26T11:04:00.131" v="45" actId="478"/>
+          <ac:picMkLst>
+            <pc:docMk/>
+            <pc:sldMk cId="629780150" sldId="309"/>
+            <ac:picMk id="4" creationId="{FCFA766F-83CB-5C1C-AAE0-E7EBDC3565E1}"/>
+          </ac:picMkLst>
+        </pc:picChg>
+      </pc:sldChg>
+      <pc:sldChg chg="del">
+        <pc:chgData name="Ihor Aleksandrov" userId="c3051032-6b87-4db2-b257-777a0106fbd9" providerId="ADAL" clId="{56332CB3-8148-420A-A659-8047DFDBF6F1}" dt="2024-01-26T09:37:21.787" v="2" actId="2696"/>
+        <pc:sldMkLst>
+          <pc:docMk/>
+          <pc:sldMk cId="2347286244" sldId="310"/>
+        </pc:sldMkLst>
+      </pc:sldChg>
+      <pc:sldChg chg="addSp delSp modSp add mod">
+        <pc:chgData name="Ihor Aleksandrov" userId="c3051032-6b87-4db2-b257-777a0106fbd9" providerId="ADAL" clId="{56332CB3-8148-420A-A659-8047DFDBF6F1}" dt="2024-01-26T11:08:58.318" v="54" actId="1076"/>
+        <pc:sldMkLst>
+          <pc:docMk/>
+          <pc:sldMk cId="3034518977" sldId="310"/>
+        </pc:sldMkLst>
+        <pc:spChg chg="mod">
+          <ac:chgData name="Ihor Aleksandrov" userId="c3051032-6b87-4db2-b257-777a0106fbd9" providerId="ADAL" clId="{56332CB3-8148-420A-A659-8047DFDBF6F1}" dt="2024-01-26T11:08:38.691" v="51" actId="20577"/>
+          <ac:spMkLst>
+            <pc:docMk/>
+            <pc:sldMk cId="3034518977" sldId="310"/>
+            <ac:spMk id="2" creationId="{53C5D828-9666-E312-B574-9FE965A7D6BE}"/>
+          </ac:spMkLst>
+        </pc:spChg>
+        <pc:spChg chg="add mod">
+          <ac:chgData name="Ihor Aleksandrov" userId="c3051032-6b87-4db2-b257-777a0106fbd9" providerId="ADAL" clId="{56332CB3-8148-420A-A659-8047DFDBF6F1}" dt="2024-01-26T11:08:58.318" v="54" actId="1076"/>
+          <ac:spMkLst>
+            <pc:docMk/>
+            <pc:sldMk cId="3034518977" sldId="310"/>
+            <ac:spMk id="5" creationId="{0E4712DF-C5FE-F37F-C135-D8FC65FD71C8}"/>
+          </ac:spMkLst>
+        </pc:spChg>
+        <pc:spChg chg="del">
+          <ac:chgData name="Ihor Aleksandrov" userId="c3051032-6b87-4db2-b257-777a0106fbd9" providerId="ADAL" clId="{56332CB3-8148-420A-A659-8047DFDBF6F1}" dt="2024-01-26T11:08:52.701" v="52" actId="478"/>
+          <ac:spMkLst>
+            <pc:docMk/>
+            <pc:sldMk cId="3034518977" sldId="310"/>
+            <ac:spMk id="7" creationId="{51851773-D242-E7C0-784C-81973E41A18D}"/>
+          </ac:spMkLst>
+        </pc:spChg>
+      </pc:sldChg>
+      <pc:sldChg chg="modSp add mod">
+        <pc:chgData name="Ihor Aleksandrov" userId="c3051032-6b87-4db2-b257-777a0106fbd9" providerId="ADAL" clId="{56332CB3-8148-420A-A659-8047DFDBF6F1}" dt="2024-01-26T11:11:27.715" v="63" actId="1076"/>
+        <pc:sldMkLst>
+          <pc:docMk/>
+          <pc:sldMk cId="3867706840" sldId="311"/>
+        </pc:sldMkLst>
+        <pc:spChg chg="mod">
+          <ac:chgData name="Ihor Aleksandrov" userId="c3051032-6b87-4db2-b257-777a0106fbd9" providerId="ADAL" clId="{56332CB3-8148-420A-A659-8047DFDBF6F1}" dt="2024-01-26T11:11:11.098" v="61" actId="20577"/>
+          <ac:spMkLst>
+            <pc:docMk/>
+            <pc:sldMk cId="3867706840" sldId="311"/>
+            <ac:spMk id="2" creationId="{53C5D828-9666-E312-B574-9FE965A7D6BE}"/>
+          </ac:spMkLst>
+        </pc:spChg>
+        <pc:spChg chg="mod">
+          <ac:chgData name="Ihor Aleksandrov" userId="c3051032-6b87-4db2-b257-777a0106fbd9" providerId="ADAL" clId="{56332CB3-8148-420A-A659-8047DFDBF6F1}" dt="2024-01-26T11:11:27.715" v="63" actId="1076"/>
+          <ac:spMkLst>
+            <pc:docMk/>
+            <pc:sldMk cId="3867706840" sldId="311"/>
+            <ac:spMk id="5" creationId="{0E4712DF-C5FE-F37F-C135-D8FC65FD71C8}"/>
+          </ac:spMkLst>
+        </pc:spChg>
+      </pc:sldChg>
+      <pc:sldChg chg="addSp delSp modSp add mod">
+        <pc:chgData name="Ihor Aleksandrov" userId="c3051032-6b87-4db2-b257-777a0106fbd9" providerId="ADAL" clId="{56332CB3-8148-420A-A659-8047DFDBF6F1}" dt="2024-01-26T11:18:12.023" v="74" actId="1076"/>
+        <pc:sldMkLst>
+          <pc:docMk/>
+          <pc:sldMk cId="983266819" sldId="312"/>
+        </pc:sldMkLst>
+        <pc:spChg chg="mod">
+          <ac:chgData name="Ihor Aleksandrov" userId="c3051032-6b87-4db2-b257-777a0106fbd9" providerId="ADAL" clId="{56332CB3-8148-420A-A659-8047DFDBF6F1}" dt="2024-01-26T11:17:51.081" v="70" actId="20577"/>
+          <ac:spMkLst>
+            <pc:docMk/>
+            <pc:sldMk cId="983266819" sldId="312"/>
+            <ac:spMk id="2" creationId="{53C5D828-9666-E312-B574-9FE965A7D6BE}"/>
+          </ac:spMkLst>
+        </pc:spChg>
+        <pc:spChg chg="del">
+          <ac:chgData name="Ihor Aleksandrov" userId="c3051032-6b87-4db2-b257-777a0106fbd9" providerId="ADAL" clId="{56332CB3-8148-420A-A659-8047DFDBF6F1}" dt="2024-01-26T11:18:04.517" v="71" actId="478"/>
+          <ac:spMkLst>
+            <pc:docMk/>
+            <pc:sldMk cId="983266819" sldId="312"/>
+            <ac:spMk id="5" creationId="{0E4712DF-C5FE-F37F-C135-D8FC65FD71C8}"/>
+          </ac:spMkLst>
+        </pc:spChg>
+        <pc:spChg chg="add mod">
+          <ac:chgData name="Ihor Aleksandrov" userId="c3051032-6b87-4db2-b257-777a0106fbd9" providerId="ADAL" clId="{56332CB3-8148-420A-A659-8047DFDBF6F1}" dt="2024-01-26T11:18:12.023" v="74" actId="1076"/>
+          <ac:spMkLst>
+            <pc:docMk/>
+            <pc:sldMk cId="983266819" sldId="312"/>
+            <ac:spMk id="6" creationId="{AA2CEE1E-78C8-7295-B0CD-DC0B0D71DAC3}"/>
+          </ac:spMkLst>
+        </pc:spChg>
+      </pc:sldChg>
+      <pc:sldChg chg="addSp delSp modSp add mod setBg delDesignElem">
+        <pc:chgData name="Ihor Aleksandrov" userId="c3051032-6b87-4db2-b257-777a0106fbd9" providerId="ADAL" clId="{56332CB3-8148-420A-A659-8047DFDBF6F1}" dt="2024-01-26T11:22:54.012" v="82" actId="1076"/>
+        <pc:sldMkLst>
+          <pc:docMk/>
+          <pc:sldMk cId="3572219502" sldId="313"/>
+        </pc:sldMkLst>
+        <pc:spChg chg="mod">
+          <ac:chgData name="Ihor Aleksandrov" userId="c3051032-6b87-4db2-b257-777a0106fbd9" providerId="ADAL" clId="{56332CB3-8148-420A-A659-8047DFDBF6F1}" dt="2024-01-26T11:21:41.208" v="77" actId="26606"/>
+          <ac:spMkLst>
+            <pc:docMk/>
+            <pc:sldMk cId="3572219502" sldId="313"/>
+            <ac:spMk id="2" creationId="{53C5D828-9666-E312-B574-9FE965A7D6BE}"/>
+          </ac:spMkLst>
+        </pc:spChg>
+        <pc:spChg chg="mod ord">
+          <ac:chgData name="Ihor Aleksandrov" userId="c3051032-6b87-4db2-b257-777a0106fbd9" providerId="ADAL" clId="{56332CB3-8148-420A-A659-8047DFDBF6F1}" dt="2024-01-26T11:21:41.208" v="77" actId="26606"/>
+          <ac:spMkLst>
+            <pc:docMk/>
+            <pc:sldMk cId="3572219502" sldId="313"/>
+            <ac:spMk id="3" creationId="{5AA19FA0-A765-8169-03F1-928E3EF7B595}"/>
+          </ac:spMkLst>
+        </pc:spChg>
+        <pc:spChg chg="add mod">
+          <ac:chgData name="Ihor Aleksandrov" userId="c3051032-6b87-4db2-b257-777a0106fbd9" providerId="ADAL" clId="{56332CB3-8148-420A-A659-8047DFDBF6F1}" dt="2024-01-26T11:22:54.012" v="82" actId="1076"/>
+          <ac:spMkLst>
+            <pc:docMk/>
+            <pc:sldMk cId="3572219502" sldId="313"/>
+            <ac:spMk id="6" creationId="{384DCFC9-DBBE-2840-3C1C-9B97F7CD6E37}"/>
+          </ac:spMkLst>
+        </pc:spChg>
+        <pc:spChg chg="add">
+          <ac:chgData name="Ihor Aleksandrov" userId="c3051032-6b87-4db2-b257-777a0106fbd9" providerId="ADAL" clId="{56332CB3-8148-420A-A659-8047DFDBF6F1}" dt="2024-01-26T11:21:41.208" v="77" actId="26606"/>
+          <ac:spMkLst>
+            <pc:docMk/>
+            <pc:sldMk cId="3572219502" sldId="313"/>
+            <ac:spMk id="10" creationId="{D4771268-CB57-404A-9271-370EB28F6090}"/>
+          </ac:spMkLst>
+        </pc:spChg>
+        <pc:spChg chg="del">
+          <ac:chgData name="Ihor Aleksandrov" userId="c3051032-6b87-4db2-b257-777a0106fbd9" providerId="ADAL" clId="{56332CB3-8148-420A-A659-8047DFDBF6F1}" dt="2024-01-26T11:21:37.574" v="76"/>
+          <ac:spMkLst>
+            <pc:docMk/>
+            <pc:sldMk cId="3572219502" sldId="313"/>
+            <ac:spMk id="24" creationId="{D4771268-CB57-404A-9271-370EB28F6090}"/>
+          </ac:spMkLst>
+        </pc:spChg>
+        <pc:picChg chg="mod">
+          <ac:chgData name="Ihor Aleksandrov" userId="c3051032-6b87-4db2-b257-777a0106fbd9" providerId="ADAL" clId="{56332CB3-8148-420A-A659-8047DFDBF6F1}" dt="2024-01-26T11:22:16.056" v="80" actId="1076"/>
+          <ac:picMkLst>
+            <pc:docMk/>
+            <pc:sldMk cId="3572219502" sldId="313"/>
+            <ac:picMk id="5" creationId="{7CADBF52-3379-A0DB-C2D3-AD13E50F4810}"/>
+          </ac:picMkLst>
+        </pc:picChg>
+      </pc:sldChg>
+      <pc:sldChg chg="addSp delSp modSp add mod setBg delDesignElem">
+        <pc:chgData name="Ihor Aleksandrov" userId="c3051032-6b87-4db2-b257-777a0106fbd9" providerId="ADAL" clId="{56332CB3-8148-420A-A659-8047DFDBF6F1}" dt="2024-01-26T11:26:18.355" v="91" actId="14100"/>
+        <pc:sldMkLst>
+          <pc:docMk/>
+          <pc:sldMk cId="2777986827" sldId="314"/>
+        </pc:sldMkLst>
+        <pc:spChg chg="mod">
+          <ac:chgData name="Ihor Aleksandrov" userId="c3051032-6b87-4db2-b257-777a0106fbd9" providerId="ADAL" clId="{56332CB3-8148-420A-A659-8047DFDBF6F1}" dt="2024-01-26T11:25:38.784" v="85" actId="26606"/>
+          <ac:spMkLst>
+            <pc:docMk/>
+            <pc:sldMk cId="2777986827" sldId="314"/>
+            <ac:spMk id="2" creationId="{53C5D828-9666-E312-B574-9FE965A7D6BE}"/>
+          </ac:spMkLst>
+        </pc:spChg>
+        <pc:spChg chg="mod ord">
+          <ac:chgData name="Ihor Aleksandrov" userId="c3051032-6b87-4db2-b257-777a0106fbd9" providerId="ADAL" clId="{56332CB3-8148-420A-A659-8047DFDBF6F1}" dt="2024-01-26T11:25:38.784" v="85" actId="26606"/>
+          <ac:spMkLst>
+            <pc:docMk/>
+            <pc:sldMk cId="2777986827" sldId="314"/>
+            <ac:spMk id="3" creationId="{5AA19FA0-A765-8169-03F1-928E3EF7B595}"/>
+          </ac:spMkLst>
+        </pc:spChg>
+        <pc:spChg chg="add mod">
+          <ac:chgData name="Ihor Aleksandrov" userId="c3051032-6b87-4db2-b257-777a0106fbd9" providerId="ADAL" clId="{56332CB3-8148-420A-A659-8047DFDBF6F1}" dt="2024-01-26T11:26:18.355" v="91" actId="14100"/>
+          <ac:spMkLst>
+            <pc:docMk/>
+            <pc:sldMk cId="2777986827" sldId="314"/>
+            <ac:spMk id="5" creationId="{CC9C52EB-37CB-738F-4C98-85A5A4D9960F}"/>
+          </ac:spMkLst>
+        </pc:spChg>
+        <pc:spChg chg="add">
+          <ac:chgData name="Ihor Aleksandrov" userId="c3051032-6b87-4db2-b257-777a0106fbd9" providerId="ADAL" clId="{56332CB3-8148-420A-A659-8047DFDBF6F1}" dt="2024-01-26T11:25:38.784" v="85" actId="26606"/>
+          <ac:spMkLst>
+            <pc:docMk/>
+            <pc:sldMk cId="2777986827" sldId="314"/>
+            <ac:spMk id="11" creationId="{D4771268-CB57-404A-9271-370EB28F6090}"/>
+          </ac:spMkLst>
+        </pc:spChg>
+        <pc:spChg chg="del">
+          <ac:chgData name="Ihor Aleksandrov" userId="c3051032-6b87-4db2-b257-777a0106fbd9" providerId="ADAL" clId="{56332CB3-8148-420A-A659-8047DFDBF6F1}" dt="2024-01-26T11:25:34.840" v="84"/>
+          <ac:spMkLst>
+            <pc:docMk/>
+            <pc:sldMk cId="2777986827" sldId="314"/>
+            <ac:spMk id="24" creationId="{D4771268-CB57-404A-9271-370EB28F6090}"/>
+          </ac:spMkLst>
+        </pc:spChg>
+        <pc:picChg chg="mod">
+          <ac:chgData name="Ihor Aleksandrov" userId="c3051032-6b87-4db2-b257-777a0106fbd9" providerId="ADAL" clId="{56332CB3-8148-420A-A659-8047DFDBF6F1}" dt="2024-01-26T11:25:45.993" v="87" actId="1076"/>
+          <ac:picMkLst>
+            <pc:docMk/>
+            <pc:sldMk cId="2777986827" sldId="314"/>
+            <ac:picMk id="6" creationId="{0FF2F593-A13B-5DDB-88EB-006260BEE328}"/>
+          </ac:picMkLst>
+        </pc:picChg>
+      </pc:sldChg>
+      <pc:sldChg chg="addSp delSp modSp add mod ord">
+        <pc:chgData name="Ihor Aleksandrov" userId="c3051032-6b87-4db2-b257-777a0106fbd9" providerId="ADAL" clId="{56332CB3-8148-420A-A659-8047DFDBF6F1}" dt="2024-01-26T11:57:58.852" v="109" actId="1076"/>
+        <pc:sldMkLst>
+          <pc:docMk/>
+          <pc:sldMk cId="835617285" sldId="315"/>
+        </pc:sldMkLst>
+        <pc:spChg chg="mod">
+          <ac:chgData name="Ihor Aleksandrov" userId="c3051032-6b87-4db2-b257-777a0106fbd9" providerId="ADAL" clId="{56332CB3-8148-420A-A659-8047DFDBF6F1}" dt="2024-01-26T11:57:34.295" v="104" actId="20577"/>
+          <ac:spMkLst>
+            <pc:docMk/>
+            <pc:sldMk cId="835617285" sldId="315"/>
+            <ac:spMk id="2" creationId="{2C4A1DFF-3C45-F11D-E6A6-19C0306E5E2B}"/>
+          </ac:spMkLst>
+        </pc:spChg>
+        <pc:spChg chg="del">
+          <ac:chgData name="Ihor Aleksandrov" userId="c3051032-6b87-4db2-b257-777a0106fbd9" providerId="ADAL" clId="{56332CB3-8148-420A-A659-8047DFDBF6F1}" dt="2024-01-26T11:57:47.459" v="105" actId="478"/>
+          <ac:spMkLst>
+            <pc:docMk/>
+            <pc:sldMk cId="835617285" sldId="315"/>
+            <ac:spMk id="3" creationId="{83E94964-4387-6754-A4EC-18732A6BF475}"/>
+          </ac:spMkLst>
+        </pc:spChg>
+        <pc:spChg chg="add mod">
+          <ac:chgData name="Ihor Aleksandrov" userId="c3051032-6b87-4db2-b257-777a0106fbd9" providerId="ADAL" clId="{56332CB3-8148-420A-A659-8047DFDBF6F1}" dt="2024-01-26T11:57:58.852" v="109" actId="1076"/>
+          <ac:spMkLst>
+            <pc:docMk/>
+            <pc:sldMk cId="835617285" sldId="315"/>
+            <ac:spMk id="6" creationId="{44CE86EE-6ADA-E483-D72A-747542295E67}"/>
+          </ac:spMkLst>
+        </pc:spChg>
+      </pc:sldChg>
+      <pc:sldChg chg="addSp delSp modSp add mod setBg delDesignElem">
+        <pc:chgData name="Ihor Aleksandrov" userId="c3051032-6b87-4db2-b257-777a0106fbd9" providerId="ADAL" clId="{56332CB3-8148-420A-A659-8047DFDBF6F1}" dt="2024-01-26T12:02:31.231" v="116" actId="1076"/>
+        <pc:sldMkLst>
+          <pc:docMk/>
+          <pc:sldMk cId="3071951183" sldId="316"/>
+        </pc:sldMkLst>
+        <pc:spChg chg="mod">
+          <ac:chgData name="Ihor Aleksandrov" userId="c3051032-6b87-4db2-b257-777a0106fbd9" providerId="ADAL" clId="{56332CB3-8148-420A-A659-8047DFDBF6F1}" dt="2024-01-26T12:02:12.178" v="112" actId="26606"/>
+          <ac:spMkLst>
+            <pc:docMk/>
+            <pc:sldMk cId="3071951183" sldId="316"/>
+            <ac:spMk id="2" creationId="{53C5D828-9666-E312-B574-9FE965A7D6BE}"/>
+          </ac:spMkLst>
+        </pc:spChg>
+        <pc:spChg chg="mod ord">
+          <ac:chgData name="Ihor Aleksandrov" userId="c3051032-6b87-4db2-b257-777a0106fbd9" providerId="ADAL" clId="{56332CB3-8148-420A-A659-8047DFDBF6F1}" dt="2024-01-26T12:02:12.178" v="112" actId="26606"/>
+          <ac:spMkLst>
+            <pc:docMk/>
+            <pc:sldMk cId="3071951183" sldId="316"/>
+            <ac:spMk id="3" creationId="{5AA19FA0-A765-8169-03F1-928E3EF7B595}"/>
+          </ac:spMkLst>
+        </pc:spChg>
+        <pc:spChg chg="add mod">
+          <ac:chgData name="Ihor Aleksandrov" userId="c3051032-6b87-4db2-b257-777a0106fbd9" providerId="ADAL" clId="{56332CB3-8148-420A-A659-8047DFDBF6F1}" dt="2024-01-26T12:02:31.231" v="116" actId="1076"/>
+          <ac:spMkLst>
+            <pc:docMk/>
+            <pc:sldMk cId="3071951183" sldId="316"/>
+            <ac:spMk id="6" creationId="{E1A5B1FA-DD39-ADB8-84F7-709A272BFF44}"/>
+          </ac:spMkLst>
+        </pc:spChg>
+        <pc:spChg chg="add">
+          <ac:chgData name="Ihor Aleksandrov" userId="c3051032-6b87-4db2-b257-777a0106fbd9" providerId="ADAL" clId="{56332CB3-8148-420A-A659-8047DFDBF6F1}" dt="2024-01-26T12:02:12.178" v="112" actId="26606"/>
+          <ac:spMkLst>
+            <pc:docMk/>
+            <pc:sldMk cId="3071951183" sldId="316"/>
+            <ac:spMk id="10" creationId="{D4771268-CB57-404A-9271-370EB28F6090}"/>
+          </ac:spMkLst>
+        </pc:spChg>
+        <pc:spChg chg="del">
+          <ac:chgData name="Ihor Aleksandrov" userId="c3051032-6b87-4db2-b257-777a0106fbd9" providerId="ADAL" clId="{56332CB3-8148-420A-A659-8047DFDBF6F1}" dt="2024-01-26T12:02:06.820" v="111"/>
+          <ac:spMkLst>
+            <pc:docMk/>
+            <pc:sldMk cId="3071951183" sldId="316"/>
+            <ac:spMk id="24" creationId="{D4771268-CB57-404A-9271-370EB28F6090}"/>
+          </ac:spMkLst>
+        </pc:spChg>
+        <pc:picChg chg="mod">
+          <ac:chgData name="Ihor Aleksandrov" userId="c3051032-6b87-4db2-b257-777a0106fbd9" providerId="ADAL" clId="{56332CB3-8148-420A-A659-8047DFDBF6F1}" dt="2024-01-26T12:02:19.647" v="114" actId="1076"/>
+          <ac:picMkLst>
+            <pc:docMk/>
+            <pc:sldMk cId="3071951183" sldId="316"/>
+            <ac:picMk id="5" creationId="{A4BEC793-F7E8-D57E-E495-4A952075089A}"/>
+          </ac:picMkLst>
+        </pc:picChg>
+      </pc:sldChg>
+      <pc:sldChg chg="addSp delSp modSp add mod setBg delDesignElem">
+        <pc:chgData name="Ihor Aleksandrov" userId="c3051032-6b87-4db2-b257-777a0106fbd9" providerId="ADAL" clId="{56332CB3-8148-420A-A659-8047DFDBF6F1}" dt="2024-01-26T12:33:56.554" v="139" actId="1076"/>
+        <pc:sldMkLst>
+          <pc:docMk/>
+          <pc:sldMk cId="4014532755" sldId="317"/>
+        </pc:sldMkLst>
+        <pc:spChg chg="mod">
+          <ac:chgData name="Ihor Aleksandrov" userId="c3051032-6b87-4db2-b257-777a0106fbd9" providerId="ADAL" clId="{56332CB3-8148-420A-A659-8047DFDBF6F1}" dt="2024-01-26T12:30:20.866" v="119" actId="26606"/>
+          <ac:spMkLst>
+            <pc:docMk/>
+            <pc:sldMk cId="4014532755" sldId="317"/>
+            <ac:spMk id="2" creationId="{53C5D828-9666-E312-B574-9FE965A7D6BE}"/>
+          </ac:spMkLst>
+        </pc:spChg>
+        <pc:spChg chg="mod ord">
+          <ac:chgData name="Ihor Aleksandrov" userId="c3051032-6b87-4db2-b257-777a0106fbd9" providerId="ADAL" clId="{56332CB3-8148-420A-A659-8047DFDBF6F1}" dt="2024-01-26T12:30:20.866" v="119" actId="26606"/>
+          <ac:spMkLst>
+            <pc:docMk/>
+            <pc:sldMk cId="4014532755" sldId="317"/>
+            <ac:spMk id="3" creationId="{5AA19FA0-A765-8169-03F1-928E3EF7B595}"/>
+          </ac:spMkLst>
+        </pc:spChg>
+        <pc:spChg chg="add mod">
+          <ac:chgData name="Ihor Aleksandrov" userId="c3051032-6b87-4db2-b257-777a0106fbd9" providerId="ADAL" clId="{56332CB3-8148-420A-A659-8047DFDBF6F1}" dt="2024-01-26T12:33:56.554" v="139" actId="1076"/>
+          <ac:spMkLst>
+            <pc:docMk/>
+            <pc:sldMk cId="4014532755" sldId="317"/>
+            <ac:spMk id="5" creationId="{A2927EEF-BDE4-4425-7B2B-8358A7E55E6B}"/>
+          </ac:spMkLst>
+        </pc:spChg>
+        <pc:spChg chg="add">
+          <ac:chgData name="Ihor Aleksandrov" userId="c3051032-6b87-4db2-b257-777a0106fbd9" providerId="ADAL" clId="{56332CB3-8148-420A-A659-8047DFDBF6F1}" dt="2024-01-26T12:30:20.866" v="119" actId="26606"/>
+          <ac:spMkLst>
+            <pc:docMk/>
+            <pc:sldMk cId="4014532755" sldId="317"/>
+            <ac:spMk id="11" creationId="{D4771268-CB57-404A-9271-370EB28F6090}"/>
+          </ac:spMkLst>
+        </pc:spChg>
+        <pc:spChg chg="del">
+          <ac:chgData name="Ihor Aleksandrov" userId="c3051032-6b87-4db2-b257-777a0106fbd9" providerId="ADAL" clId="{56332CB3-8148-420A-A659-8047DFDBF6F1}" dt="2024-01-26T12:30:15.840" v="118"/>
+          <ac:spMkLst>
+            <pc:docMk/>
+            <pc:sldMk cId="4014532755" sldId="317"/>
+            <ac:spMk id="24" creationId="{D4771268-CB57-404A-9271-370EB28F6090}"/>
+          </ac:spMkLst>
+        </pc:spChg>
+        <pc:picChg chg="mod">
+          <ac:chgData name="Ihor Aleksandrov" userId="c3051032-6b87-4db2-b257-777a0106fbd9" providerId="ADAL" clId="{56332CB3-8148-420A-A659-8047DFDBF6F1}" dt="2024-01-26T12:30:30.234" v="123" actId="1076"/>
+          <ac:picMkLst>
+            <pc:docMk/>
+            <pc:sldMk cId="4014532755" sldId="317"/>
+            <ac:picMk id="6" creationId="{B022E9A4-52AD-1F66-AC22-B0AE53D1145C}"/>
+          </ac:picMkLst>
+        </pc:picChg>
+      </pc:sldChg>
+      <pc:sldChg chg="addSp delSp modSp add mod setBg delDesignElem">
+        <pc:chgData name="Ihor Aleksandrov" userId="c3051032-6b87-4db2-b257-777a0106fbd9" providerId="ADAL" clId="{56332CB3-8148-420A-A659-8047DFDBF6F1}" dt="2024-01-26T12:44:04.562" v="178"/>
+        <pc:sldMkLst>
+          <pc:docMk/>
+          <pc:sldMk cId="701027107" sldId="318"/>
+        </pc:sldMkLst>
+        <pc:spChg chg="mod">
+          <ac:chgData name="Ihor Aleksandrov" userId="c3051032-6b87-4db2-b257-777a0106fbd9" providerId="ADAL" clId="{56332CB3-8148-420A-A659-8047DFDBF6F1}" dt="2024-01-26T12:43:44.758" v="172" actId="26606"/>
+          <ac:spMkLst>
+            <pc:docMk/>
+            <pc:sldMk cId="701027107" sldId="318"/>
+            <ac:spMk id="2" creationId="{53C5D828-9666-E312-B574-9FE965A7D6BE}"/>
+          </ac:spMkLst>
+        </pc:spChg>
+        <pc:spChg chg="mod ord">
+          <ac:chgData name="Ihor Aleksandrov" userId="c3051032-6b87-4db2-b257-777a0106fbd9" providerId="ADAL" clId="{56332CB3-8148-420A-A659-8047DFDBF6F1}" dt="2024-01-26T12:43:44.758" v="172" actId="26606"/>
+          <ac:spMkLst>
+            <pc:docMk/>
+            <pc:sldMk cId="701027107" sldId="318"/>
+            <ac:spMk id="3" creationId="{5AA19FA0-A765-8169-03F1-928E3EF7B595}"/>
+          </ac:spMkLst>
+        </pc:spChg>
+        <pc:spChg chg="add mod">
+          <ac:chgData name="Ihor Aleksandrov" userId="c3051032-6b87-4db2-b257-777a0106fbd9" providerId="ADAL" clId="{56332CB3-8148-420A-A659-8047DFDBF6F1}" dt="2024-01-26T12:44:01.259" v="176" actId="1076"/>
+          <ac:spMkLst>
+            <pc:docMk/>
+            <pc:sldMk cId="701027107" sldId="318"/>
+            <ac:spMk id="6" creationId="{7EB6A943-74DA-9917-3BC2-245F69C49D96}"/>
+          </ac:spMkLst>
+        </pc:spChg>
+        <pc:spChg chg="add mod">
+          <ac:chgData name="Ihor Aleksandrov" userId="c3051032-6b87-4db2-b257-777a0106fbd9" providerId="ADAL" clId="{56332CB3-8148-420A-A659-8047DFDBF6F1}" dt="2024-01-26T12:44:04.562" v="178"/>
+          <ac:spMkLst>
+            <pc:docMk/>
+            <pc:sldMk cId="701027107" sldId="318"/>
+            <ac:spMk id="7" creationId="{6D7F6395-E754-DC72-D894-F9128A9F4178}"/>
+          </ac:spMkLst>
+        </pc:spChg>
+        <pc:spChg chg="add">
+          <ac:chgData name="Ihor Aleksandrov" userId="c3051032-6b87-4db2-b257-777a0106fbd9" providerId="ADAL" clId="{56332CB3-8148-420A-A659-8047DFDBF6F1}" dt="2024-01-26T12:43:44.758" v="172" actId="26606"/>
+          <ac:spMkLst>
+            <pc:docMk/>
+            <pc:sldMk cId="701027107" sldId="318"/>
+            <ac:spMk id="10" creationId="{D4771268-CB57-404A-9271-370EB28F6090}"/>
+          </ac:spMkLst>
+        </pc:spChg>
+        <pc:spChg chg="del">
+          <ac:chgData name="Ihor Aleksandrov" userId="c3051032-6b87-4db2-b257-777a0106fbd9" providerId="ADAL" clId="{56332CB3-8148-420A-A659-8047DFDBF6F1}" dt="2024-01-26T12:43:39.158" v="170"/>
+          <ac:spMkLst>
+            <pc:docMk/>
+            <pc:sldMk cId="701027107" sldId="318"/>
+            <ac:spMk id="24" creationId="{D4771268-CB57-404A-9271-370EB28F6090}"/>
+          </ac:spMkLst>
+        </pc:spChg>
+        <pc:picChg chg="mod">
+          <ac:chgData name="Ihor Aleksandrov" userId="c3051032-6b87-4db2-b257-777a0106fbd9" providerId="ADAL" clId="{56332CB3-8148-420A-A659-8047DFDBF6F1}" dt="2024-01-26T12:43:50.807" v="174" actId="1076"/>
+          <ac:picMkLst>
+            <pc:docMk/>
+            <pc:sldMk cId="701027107" sldId="318"/>
+            <ac:picMk id="5" creationId="{C9E7A61D-7A9F-90BF-2073-99800DC02183}"/>
+          </ac:picMkLst>
+        </pc:picChg>
+        <pc:picChg chg="del">
+          <ac:chgData name="Ihor Aleksandrov" userId="c3051032-6b87-4db2-b257-777a0106fbd9" providerId="ADAL" clId="{56332CB3-8148-420A-A659-8047DFDBF6F1}" dt="2024-01-26T12:43:41.285" v="171" actId="478"/>
+          <ac:picMkLst>
+            <pc:docMk/>
+            <pc:sldMk cId="701027107" sldId="318"/>
+            <ac:picMk id="8" creationId="{38F011CA-CFEE-3631-F749-FEC935A4A03A}"/>
+          </ac:picMkLst>
+        </pc:picChg>
+      </pc:sldChg>
+      <pc:sldChg chg="delSp modSp add del mod setBg delDesignElem">
+        <pc:chgData name="Ihor Aleksandrov" userId="c3051032-6b87-4db2-b257-777a0106fbd9" providerId="ADAL" clId="{56332CB3-8148-420A-A659-8047DFDBF6F1}" dt="2024-01-26T12:34:16.754" v="140" actId="2696"/>
+        <pc:sldMkLst>
+          <pc:docMk/>
+          <pc:sldMk cId="2667496052" sldId="318"/>
+        </pc:sldMkLst>
+        <pc:spChg chg="del">
+          <ac:chgData name="Ihor Aleksandrov" userId="c3051032-6b87-4db2-b257-777a0106fbd9" providerId="ADAL" clId="{56332CB3-8148-420A-A659-8047DFDBF6F1}" dt="2024-01-26T12:33:07.052" v="127"/>
+          <ac:spMkLst>
+            <pc:docMk/>
+            <pc:sldMk cId="2667496052" sldId="318"/>
+            <ac:spMk id="24" creationId="{D4771268-CB57-404A-9271-370EB28F6090}"/>
+          </ac:spMkLst>
+        </pc:spChg>
+        <pc:picChg chg="del mod">
+          <ac:chgData name="Ihor Aleksandrov" userId="c3051032-6b87-4db2-b257-777a0106fbd9" providerId="ADAL" clId="{56332CB3-8148-420A-A659-8047DFDBF6F1}" dt="2024-01-26T12:33:27.552" v="131" actId="21"/>
+          <ac:picMkLst>
+            <pc:docMk/>
+            <pc:sldMk cId="2667496052" sldId="318"/>
+            <ac:picMk id="5" creationId="{2A84FB53-5035-A5A9-7433-F22FB7E72F74}"/>
+          </ac:picMkLst>
+        </pc:picChg>
+        <pc:picChg chg="del">
+          <ac:chgData name="Ihor Aleksandrov" userId="c3051032-6b87-4db2-b257-777a0106fbd9" providerId="ADAL" clId="{56332CB3-8148-420A-A659-8047DFDBF6F1}" dt="2024-01-26T12:33:21.759" v="129" actId="478"/>
+          <ac:picMkLst>
+            <pc:docMk/>
+            <pc:sldMk cId="2667496052" sldId="318"/>
+            <ac:picMk id="8" creationId="{788EF69A-41E4-9FC3-E1EB-9468A0CB8CE3}"/>
+          </ac:picMkLst>
+        </pc:picChg>
+      </pc:sldChg>
+      <pc:sldChg chg="addSp delSp modSp add mod">
+        <pc:chgData name="Ihor Aleksandrov" userId="c3051032-6b87-4db2-b257-777a0106fbd9" providerId="ADAL" clId="{56332CB3-8148-420A-A659-8047DFDBF6F1}" dt="2024-01-26T12:33:52.393" v="138" actId="1076"/>
+        <pc:sldMkLst>
+          <pc:docMk/>
+          <pc:sldMk cId="2946863765" sldId="319"/>
+        </pc:sldMkLst>
+        <pc:spChg chg="del mod">
+          <ac:chgData name="Ihor Aleksandrov" userId="c3051032-6b87-4db2-b257-777a0106fbd9" providerId="ADAL" clId="{56332CB3-8148-420A-A659-8047DFDBF6F1}" dt="2024-01-26T12:33:46.884" v="136" actId="478"/>
+          <ac:spMkLst>
+            <pc:docMk/>
+            <pc:sldMk cId="2946863765" sldId="319"/>
+            <ac:spMk id="5" creationId="{A2927EEF-BDE4-4425-7B2B-8358A7E55E6B}"/>
+          </ac:spMkLst>
+        </pc:spChg>
+        <pc:spChg chg="add mod">
+          <ac:chgData name="Ihor Aleksandrov" userId="c3051032-6b87-4db2-b257-777a0106fbd9" providerId="ADAL" clId="{56332CB3-8148-420A-A659-8047DFDBF6F1}" dt="2024-01-26T12:33:52.393" v="138" actId="1076"/>
+          <ac:spMkLst>
+            <pc:docMk/>
+            <pc:sldMk cId="2946863765" sldId="319"/>
+            <ac:spMk id="8" creationId="{63582E4D-51E0-7C32-0B7E-EA43E9A420B8}"/>
+          </ac:spMkLst>
+        </pc:spChg>
+        <pc:picChg chg="add mod">
+          <ac:chgData name="Ihor Aleksandrov" userId="c3051032-6b87-4db2-b257-777a0106fbd9" providerId="ADAL" clId="{56332CB3-8148-420A-A659-8047DFDBF6F1}" dt="2024-01-26T12:33:35.236" v="134" actId="1076"/>
+          <ac:picMkLst>
+            <pc:docMk/>
+            <pc:sldMk cId="2946863765" sldId="319"/>
+            <ac:picMk id="4" creationId="{9AF469C3-3B3B-F68D-E585-D3E50706787E}"/>
+          </ac:picMkLst>
+        </pc:picChg>
+        <pc:picChg chg="del">
+          <ac:chgData name="Ihor Aleksandrov" userId="c3051032-6b87-4db2-b257-777a0106fbd9" providerId="ADAL" clId="{56332CB3-8148-420A-A659-8047DFDBF6F1}" dt="2024-01-26T12:33:30.849" v="132" actId="478"/>
+          <ac:picMkLst>
+            <pc:docMk/>
+            <pc:sldMk cId="2946863765" sldId="319"/>
+            <ac:picMk id="6" creationId="{B022E9A4-52AD-1F66-AC22-B0AE53D1145C}"/>
+          </ac:picMkLst>
+        </pc:picChg>
+      </pc:sldChg>
+      <pc:sldChg chg="addSp delSp modSp add mod setBg delDesignElem">
+        <pc:chgData name="Ihor Aleksandrov" userId="c3051032-6b87-4db2-b257-777a0106fbd9" providerId="ADAL" clId="{56332CB3-8148-420A-A659-8047DFDBF6F1}" dt="2024-01-26T12:36:29.716" v="149" actId="1076"/>
+        <pc:sldMkLst>
+          <pc:docMk/>
+          <pc:sldMk cId="2503154780" sldId="320"/>
+        </pc:sldMkLst>
+        <pc:spChg chg="mod">
+          <ac:chgData name="Ihor Aleksandrov" userId="c3051032-6b87-4db2-b257-777a0106fbd9" providerId="ADAL" clId="{56332CB3-8148-420A-A659-8047DFDBF6F1}" dt="2024-01-26T12:36:04.036" v="144" actId="26606"/>
+          <ac:spMkLst>
+            <pc:docMk/>
+            <pc:sldMk cId="2503154780" sldId="320"/>
+            <ac:spMk id="2" creationId="{53C5D828-9666-E312-B574-9FE965A7D6BE}"/>
+          </ac:spMkLst>
+        </pc:spChg>
+        <pc:spChg chg="mod ord">
+          <ac:chgData name="Ihor Aleksandrov" userId="c3051032-6b87-4db2-b257-777a0106fbd9" providerId="ADAL" clId="{56332CB3-8148-420A-A659-8047DFDBF6F1}" dt="2024-01-26T12:36:04.036" v="144" actId="26606"/>
+          <ac:spMkLst>
+            <pc:docMk/>
+            <pc:sldMk cId="2503154780" sldId="320"/>
+            <ac:spMk id="3" creationId="{5AA19FA0-A765-8169-03F1-928E3EF7B595}"/>
+          </ac:spMkLst>
+        </pc:spChg>
+        <pc:spChg chg="add mod">
+          <ac:chgData name="Ihor Aleksandrov" userId="c3051032-6b87-4db2-b257-777a0106fbd9" providerId="ADAL" clId="{56332CB3-8148-420A-A659-8047DFDBF6F1}" dt="2024-01-26T12:36:29.716" v="149" actId="1076"/>
+          <ac:spMkLst>
+            <pc:docMk/>
+            <pc:sldMk cId="2503154780" sldId="320"/>
+            <ac:spMk id="5" creationId="{875BBE68-CA22-E766-7384-9CC92C704707}"/>
+          </ac:spMkLst>
+        </pc:spChg>
+        <pc:spChg chg="add">
+          <ac:chgData name="Ihor Aleksandrov" userId="c3051032-6b87-4db2-b257-777a0106fbd9" providerId="ADAL" clId="{56332CB3-8148-420A-A659-8047DFDBF6F1}" dt="2024-01-26T12:36:04.036" v="144" actId="26606"/>
+          <ac:spMkLst>
+            <pc:docMk/>
+            <pc:sldMk cId="2503154780" sldId="320"/>
+            <ac:spMk id="11" creationId="{D4771268-CB57-404A-9271-370EB28F6090}"/>
+          </ac:spMkLst>
+        </pc:spChg>
+        <pc:spChg chg="del">
+          <ac:chgData name="Ihor Aleksandrov" userId="c3051032-6b87-4db2-b257-777a0106fbd9" providerId="ADAL" clId="{56332CB3-8148-420A-A659-8047DFDBF6F1}" dt="2024-01-26T12:35:56.580" v="142"/>
+          <ac:spMkLst>
+            <pc:docMk/>
+            <pc:sldMk cId="2503154780" sldId="320"/>
+            <ac:spMk id="24" creationId="{D4771268-CB57-404A-9271-370EB28F6090}"/>
+          </ac:spMkLst>
+        </pc:spChg>
+        <pc:picChg chg="mod">
+          <ac:chgData name="Ihor Aleksandrov" userId="c3051032-6b87-4db2-b257-777a0106fbd9" providerId="ADAL" clId="{56332CB3-8148-420A-A659-8047DFDBF6F1}" dt="2024-01-26T12:36:12.171" v="147" actId="1076"/>
+          <ac:picMkLst>
+            <pc:docMk/>
+            <pc:sldMk cId="2503154780" sldId="320"/>
+            <ac:picMk id="6" creationId="{9A2F53BF-A25F-C5EF-07AB-3F824C4EA8C5}"/>
+          </ac:picMkLst>
+        </pc:picChg>
+        <pc:picChg chg="del">
+          <ac:chgData name="Ihor Aleksandrov" userId="c3051032-6b87-4db2-b257-777a0106fbd9" providerId="ADAL" clId="{56332CB3-8148-420A-A659-8047DFDBF6F1}" dt="2024-01-26T12:36:02.299" v="143" actId="478"/>
+          <ac:picMkLst>
+            <pc:docMk/>
+            <pc:sldMk cId="2503154780" sldId="320"/>
+            <ac:picMk id="9" creationId="{34F80E18-578A-16A9-85C5-532F9FD4B0B9}"/>
+          </ac:picMkLst>
+        </pc:picChg>
+      </pc:sldChg>
+      <pc:sldChg chg="addSp delSp modSp add mod setBg delDesignElem">
+        <pc:chgData name="Ihor Aleksandrov" userId="c3051032-6b87-4db2-b257-777a0106fbd9" providerId="ADAL" clId="{56332CB3-8148-420A-A659-8047DFDBF6F1}" dt="2024-01-26T12:39:21.253" v="158" actId="1076"/>
+        <pc:sldMkLst>
+          <pc:docMk/>
+          <pc:sldMk cId="4210310787" sldId="321"/>
+        </pc:sldMkLst>
+        <pc:spChg chg="mod">
+          <ac:chgData name="Ihor Aleksandrov" userId="c3051032-6b87-4db2-b257-777a0106fbd9" providerId="ADAL" clId="{56332CB3-8148-420A-A659-8047DFDBF6F1}" dt="2024-01-26T12:38:57.051" v="153" actId="26606"/>
+          <ac:spMkLst>
+            <pc:docMk/>
+            <pc:sldMk cId="4210310787" sldId="321"/>
+            <ac:spMk id="2" creationId="{53C5D828-9666-E312-B574-9FE965A7D6BE}"/>
+          </ac:spMkLst>
+        </pc:spChg>
+        <pc:spChg chg="mod ord">
+          <ac:chgData name="Ihor Aleksandrov" userId="c3051032-6b87-4db2-b257-777a0106fbd9" providerId="ADAL" clId="{56332CB3-8148-420A-A659-8047DFDBF6F1}" dt="2024-01-26T12:38:57.051" v="153" actId="26606"/>
+          <ac:spMkLst>
+            <pc:docMk/>
+            <pc:sldMk cId="4210310787" sldId="321"/>
+            <ac:spMk id="3" creationId="{5AA19FA0-A765-8169-03F1-928E3EF7B595}"/>
+          </ac:spMkLst>
+        </pc:spChg>
+        <pc:spChg chg="add mod">
+          <ac:chgData name="Ihor Aleksandrov" userId="c3051032-6b87-4db2-b257-777a0106fbd9" providerId="ADAL" clId="{56332CB3-8148-420A-A659-8047DFDBF6F1}" dt="2024-01-26T12:39:21.253" v="158" actId="1076"/>
+          <ac:spMkLst>
+            <pc:docMk/>
+            <pc:sldMk cId="4210310787" sldId="321"/>
+            <ac:spMk id="6" creationId="{5E95BF28-AE71-0DAD-50E2-AD17EBE73DCD}"/>
+          </ac:spMkLst>
+        </pc:spChg>
+        <pc:spChg chg="add">
+          <ac:chgData name="Ihor Aleksandrov" userId="c3051032-6b87-4db2-b257-777a0106fbd9" providerId="ADAL" clId="{56332CB3-8148-420A-A659-8047DFDBF6F1}" dt="2024-01-26T12:38:57.051" v="153" actId="26606"/>
+          <ac:spMkLst>
+            <pc:docMk/>
+            <pc:sldMk cId="4210310787" sldId="321"/>
+            <ac:spMk id="10" creationId="{D4771268-CB57-404A-9271-370EB28F6090}"/>
+          </ac:spMkLst>
+        </pc:spChg>
+        <pc:spChg chg="del">
+          <ac:chgData name="Ihor Aleksandrov" userId="c3051032-6b87-4db2-b257-777a0106fbd9" providerId="ADAL" clId="{56332CB3-8148-420A-A659-8047DFDBF6F1}" dt="2024-01-26T12:38:50.894" v="151"/>
+          <ac:spMkLst>
+            <pc:docMk/>
+            <pc:sldMk cId="4210310787" sldId="321"/>
+            <ac:spMk id="24" creationId="{D4771268-CB57-404A-9271-370EB28F6090}"/>
+          </ac:spMkLst>
+        </pc:spChg>
+        <pc:picChg chg="mod">
+          <ac:chgData name="Ihor Aleksandrov" userId="c3051032-6b87-4db2-b257-777a0106fbd9" providerId="ADAL" clId="{56332CB3-8148-420A-A659-8047DFDBF6F1}" dt="2024-01-26T12:39:05.901" v="156" actId="1076"/>
+          <ac:picMkLst>
+            <pc:docMk/>
+            <pc:sldMk cId="4210310787" sldId="321"/>
+            <ac:picMk id="5" creationId="{8E7A6064-484E-B30C-7E3A-19B2D5316902}"/>
+          </ac:picMkLst>
+        </pc:picChg>
+        <pc:picChg chg="del">
+          <ac:chgData name="Ihor Aleksandrov" userId="c3051032-6b87-4db2-b257-777a0106fbd9" providerId="ADAL" clId="{56332CB3-8148-420A-A659-8047DFDBF6F1}" dt="2024-01-26T12:38:53.764" v="152" actId="478"/>
+          <ac:picMkLst>
+            <pc:docMk/>
+            <pc:sldMk cId="4210310787" sldId="321"/>
+            <ac:picMk id="8" creationId="{5275D103-485B-C43F-327E-ED0BECCAB575}"/>
+          </ac:picMkLst>
+        </pc:picChg>
+      </pc:sldChg>
+      <pc:sldChg chg="addSp delSp modSp add mod setBg delDesignElem">
+        <pc:chgData name="Ihor Aleksandrov" userId="c3051032-6b87-4db2-b257-777a0106fbd9" providerId="ADAL" clId="{56332CB3-8148-420A-A659-8047DFDBF6F1}" dt="2024-01-26T12:41:21.166" v="168" actId="1076"/>
+        <pc:sldMkLst>
+          <pc:docMk/>
+          <pc:sldMk cId="1401046882" sldId="322"/>
+        </pc:sldMkLst>
+        <pc:spChg chg="mod">
+          <ac:chgData name="Ihor Aleksandrov" userId="c3051032-6b87-4db2-b257-777a0106fbd9" providerId="ADAL" clId="{56332CB3-8148-420A-A659-8047DFDBF6F1}" dt="2024-01-26T12:41:00.272" v="164" actId="26606"/>
+          <ac:spMkLst>
+            <pc:docMk/>
+            <pc:sldMk cId="1401046882" sldId="322"/>
+            <ac:spMk id="2" creationId="{53C5D828-9666-E312-B574-9FE965A7D6BE}"/>
+          </ac:spMkLst>
+        </pc:spChg>
+        <pc:spChg chg="mod ord">
+          <ac:chgData name="Ihor Aleksandrov" userId="c3051032-6b87-4db2-b257-777a0106fbd9" providerId="ADAL" clId="{56332CB3-8148-420A-A659-8047DFDBF6F1}" dt="2024-01-26T12:41:00.272" v="164" actId="26606"/>
+          <ac:spMkLst>
+            <pc:docMk/>
+            <pc:sldMk cId="1401046882" sldId="322"/>
+            <ac:spMk id="3" creationId="{5AA19FA0-A765-8169-03F1-928E3EF7B595}"/>
+          </ac:spMkLst>
+        </pc:spChg>
+        <pc:spChg chg="add mod">
+          <ac:chgData name="Ihor Aleksandrov" userId="c3051032-6b87-4db2-b257-777a0106fbd9" providerId="ADAL" clId="{56332CB3-8148-420A-A659-8047DFDBF6F1}" dt="2024-01-26T12:41:21.166" v="168" actId="1076"/>
+          <ac:spMkLst>
+            <pc:docMk/>
+            <pc:sldMk cId="1401046882" sldId="322"/>
+            <ac:spMk id="5" creationId="{9570D4E3-8053-FC35-7B1A-50EF248291D7}"/>
+          </ac:spMkLst>
+        </pc:spChg>
+        <pc:spChg chg="add">
+          <ac:chgData name="Ihor Aleksandrov" userId="c3051032-6b87-4db2-b257-777a0106fbd9" providerId="ADAL" clId="{56332CB3-8148-420A-A659-8047DFDBF6F1}" dt="2024-01-26T12:41:00.272" v="164" actId="26606"/>
+          <ac:spMkLst>
+            <pc:docMk/>
+            <pc:sldMk cId="1401046882" sldId="322"/>
+            <ac:spMk id="11" creationId="{D4771268-CB57-404A-9271-370EB28F6090}"/>
+          </ac:spMkLst>
+        </pc:spChg>
+        <pc:spChg chg="del">
+          <ac:chgData name="Ihor Aleksandrov" userId="c3051032-6b87-4db2-b257-777a0106fbd9" providerId="ADAL" clId="{56332CB3-8148-420A-A659-8047DFDBF6F1}" dt="2024-01-26T12:40:55.158" v="162"/>
+          <ac:spMkLst>
+            <pc:docMk/>
+            <pc:sldMk cId="1401046882" sldId="322"/>
+            <ac:spMk id="24" creationId="{D4771268-CB57-404A-9271-370EB28F6090}"/>
+          </ac:spMkLst>
+        </pc:spChg>
+        <pc:picChg chg="mod">
+          <ac:chgData name="Ihor Aleksandrov" userId="c3051032-6b87-4db2-b257-777a0106fbd9" providerId="ADAL" clId="{56332CB3-8148-420A-A659-8047DFDBF6F1}" dt="2024-01-26T12:41:05.403" v="166" actId="1076"/>
+          <ac:picMkLst>
+            <pc:docMk/>
+            <pc:sldMk cId="1401046882" sldId="322"/>
+            <ac:picMk id="6" creationId="{C1BEC785-1A5C-BC57-8AF1-75EF2EF4F5B0}"/>
+          </ac:picMkLst>
+        </pc:picChg>
+        <pc:picChg chg="del">
+          <ac:chgData name="Ihor Aleksandrov" userId="c3051032-6b87-4db2-b257-777a0106fbd9" providerId="ADAL" clId="{56332CB3-8148-420A-A659-8047DFDBF6F1}" dt="2024-01-26T12:40:57.445" v="163" actId="478"/>
+          <ac:picMkLst>
+            <pc:docMk/>
+            <pc:sldMk cId="1401046882" sldId="322"/>
+            <ac:picMk id="9" creationId="{25716AD4-AC61-DD67-E0EB-5B1D649196E5}"/>
+          </ac:picMkLst>
+        </pc:picChg>
+      </pc:sldChg>
+      <pc:sldChg chg="add del">
+        <pc:chgData name="Ihor Aleksandrov" userId="c3051032-6b87-4db2-b257-777a0106fbd9" providerId="ADAL" clId="{56332CB3-8148-420A-A659-8047DFDBF6F1}" dt="2024-01-26T12:39:39.208" v="160" actId="2890"/>
+        <pc:sldMkLst>
+          <pc:docMk/>
+          <pc:sldMk cId="3780716600" sldId="322"/>
+        </pc:sldMkLst>
+      </pc:sldChg>
+      <pc:sldChg chg="addSp delSp modSp add mod setBg delDesignElem">
+        <pc:chgData name="Ihor Aleksandrov" userId="c3051032-6b87-4db2-b257-777a0106fbd9" providerId="ADAL" clId="{56332CB3-8148-420A-A659-8047DFDBF6F1}" dt="2024-01-26T12:59:29.876" v="201" actId="1076"/>
+        <pc:sldMkLst>
+          <pc:docMk/>
+          <pc:sldMk cId="166848246" sldId="323"/>
+        </pc:sldMkLst>
+        <pc:spChg chg="mod">
+          <ac:chgData name="Ihor Aleksandrov" userId="c3051032-6b87-4db2-b257-777a0106fbd9" providerId="ADAL" clId="{56332CB3-8148-420A-A659-8047DFDBF6F1}" dt="2024-01-26T12:57:48.597" v="181" actId="26606"/>
+          <ac:spMkLst>
+            <pc:docMk/>
+            <pc:sldMk cId="166848246" sldId="323"/>
+            <ac:spMk id="2" creationId="{53C5D828-9666-E312-B574-9FE965A7D6BE}"/>
+          </ac:spMkLst>
+        </pc:spChg>
+        <pc:spChg chg="mod ord">
+          <ac:chgData name="Ihor Aleksandrov" userId="c3051032-6b87-4db2-b257-777a0106fbd9" providerId="ADAL" clId="{56332CB3-8148-420A-A659-8047DFDBF6F1}" dt="2024-01-26T12:57:48.597" v="181" actId="26606"/>
+          <ac:spMkLst>
+            <pc:docMk/>
+            <pc:sldMk cId="166848246" sldId="323"/>
+            <ac:spMk id="3" creationId="{5AA19FA0-A765-8169-03F1-928E3EF7B595}"/>
+          </ac:spMkLst>
+        </pc:spChg>
+        <pc:spChg chg="add mod">
+          <ac:chgData name="Ihor Aleksandrov" userId="c3051032-6b87-4db2-b257-777a0106fbd9" providerId="ADAL" clId="{56332CB3-8148-420A-A659-8047DFDBF6F1}" dt="2024-01-26T12:59:29.876" v="201" actId="1076"/>
+          <ac:spMkLst>
+            <pc:docMk/>
+            <pc:sldMk cId="166848246" sldId="323"/>
+            <ac:spMk id="5" creationId="{4A5BCB8D-1396-5DAE-F1DF-0DCC6242AB7C}"/>
+          </ac:spMkLst>
+        </pc:spChg>
+        <pc:spChg chg="add">
+          <ac:chgData name="Ihor Aleksandrov" userId="c3051032-6b87-4db2-b257-777a0106fbd9" providerId="ADAL" clId="{56332CB3-8148-420A-A659-8047DFDBF6F1}" dt="2024-01-26T12:57:48.597" v="181" actId="26606"/>
+          <ac:spMkLst>
+            <pc:docMk/>
+            <pc:sldMk cId="166848246" sldId="323"/>
+            <ac:spMk id="11" creationId="{D4771268-CB57-404A-9271-370EB28F6090}"/>
+          </ac:spMkLst>
+        </pc:spChg>
+        <pc:spChg chg="del">
+          <ac:chgData name="Ihor Aleksandrov" userId="c3051032-6b87-4db2-b257-777a0106fbd9" providerId="ADAL" clId="{56332CB3-8148-420A-A659-8047DFDBF6F1}" dt="2024-01-26T12:57:44.737" v="180"/>
+          <ac:spMkLst>
+            <pc:docMk/>
+            <pc:sldMk cId="166848246" sldId="323"/>
+            <ac:spMk id="24" creationId="{D4771268-CB57-404A-9271-370EB28F6090}"/>
+          </ac:spMkLst>
+        </pc:spChg>
+        <pc:picChg chg="mod">
+          <ac:chgData name="Ihor Aleksandrov" userId="c3051032-6b87-4db2-b257-777a0106fbd9" providerId="ADAL" clId="{56332CB3-8148-420A-A659-8047DFDBF6F1}" dt="2024-01-26T12:57:53.539" v="183" actId="1076"/>
+          <ac:picMkLst>
+            <pc:docMk/>
+            <pc:sldMk cId="166848246" sldId="323"/>
+            <ac:picMk id="6" creationId="{A6296786-68CA-315E-9A7E-1157749A9EE6}"/>
+          </ac:picMkLst>
+        </pc:picChg>
+      </pc:sldChg>
+      <pc:sldChg chg="addSp delSp modSp add mod setBg delDesignElem">
+        <pc:chgData name="Ihor Aleksandrov" userId="c3051032-6b87-4db2-b257-777a0106fbd9" providerId="ADAL" clId="{56332CB3-8148-420A-A659-8047DFDBF6F1}" dt="2024-01-26T13:08:59.561" v="220" actId="20577"/>
+        <pc:sldMkLst>
+          <pc:docMk/>
+          <pc:sldMk cId="362375175" sldId="324"/>
+        </pc:sldMkLst>
+        <pc:spChg chg="mod">
+          <ac:chgData name="Ihor Aleksandrov" userId="c3051032-6b87-4db2-b257-777a0106fbd9" providerId="ADAL" clId="{56332CB3-8148-420A-A659-8047DFDBF6F1}" dt="2024-01-26T13:08:15.409" v="204" actId="26606"/>
+          <ac:spMkLst>
+            <pc:docMk/>
+            <pc:sldMk cId="362375175" sldId="324"/>
+            <ac:spMk id="2" creationId="{53C5D828-9666-E312-B574-9FE965A7D6BE}"/>
+          </ac:spMkLst>
+        </pc:spChg>
+        <pc:spChg chg="mod ord">
+          <ac:chgData name="Ihor Aleksandrov" userId="c3051032-6b87-4db2-b257-777a0106fbd9" providerId="ADAL" clId="{56332CB3-8148-420A-A659-8047DFDBF6F1}" dt="2024-01-26T13:08:15.409" v="204" actId="26606"/>
+          <ac:spMkLst>
+            <pc:docMk/>
+            <pc:sldMk cId="362375175" sldId="324"/>
+            <ac:spMk id="3" creationId="{5AA19FA0-A765-8169-03F1-928E3EF7B595}"/>
+          </ac:spMkLst>
+        </pc:spChg>
+        <pc:spChg chg="add mod">
+          <ac:chgData name="Ihor Aleksandrov" userId="c3051032-6b87-4db2-b257-777a0106fbd9" providerId="ADAL" clId="{56332CB3-8148-420A-A659-8047DFDBF6F1}" dt="2024-01-26T13:08:59.561" v="220" actId="20577"/>
+          <ac:spMkLst>
+            <pc:docMk/>
+            <pc:sldMk cId="362375175" sldId="324"/>
+            <ac:spMk id="4" creationId="{BB8D013F-31AC-E845-3ED8-53EDC38D14EF}"/>
+          </ac:spMkLst>
+        </pc:spChg>
+        <pc:spChg chg="add">
+          <ac:chgData name="Ihor Aleksandrov" userId="c3051032-6b87-4db2-b257-777a0106fbd9" providerId="ADAL" clId="{56332CB3-8148-420A-A659-8047DFDBF6F1}" dt="2024-01-26T13:08:15.409" v="204" actId="26606"/>
+          <ac:spMkLst>
+            <pc:docMk/>
+            <pc:sldMk cId="362375175" sldId="324"/>
+            <ac:spMk id="11" creationId="{D4771268-CB57-404A-9271-370EB28F6090}"/>
+          </ac:spMkLst>
+        </pc:spChg>
+        <pc:spChg chg="del">
+          <ac:chgData name="Ihor Aleksandrov" userId="c3051032-6b87-4db2-b257-777a0106fbd9" providerId="ADAL" clId="{56332CB3-8148-420A-A659-8047DFDBF6F1}" dt="2024-01-26T13:08:11.816" v="203"/>
+          <ac:spMkLst>
+            <pc:docMk/>
+            <pc:sldMk cId="362375175" sldId="324"/>
+            <ac:spMk id="24" creationId="{D4771268-CB57-404A-9271-370EB28F6090}"/>
+          </ac:spMkLst>
+        </pc:spChg>
+        <pc:picChg chg="del mod">
+          <ac:chgData name="Ihor Aleksandrov" userId="c3051032-6b87-4db2-b257-777a0106fbd9" providerId="ADAL" clId="{56332CB3-8148-420A-A659-8047DFDBF6F1}" dt="2024-01-26T13:08:16.962" v="205" actId="478"/>
+          <ac:picMkLst>
+            <pc:docMk/>
+            <pc:sldMk cId="362375175" sldId="324"/>
+            <ac:picMk id="6" creationId="{BB101808-A913-0FD5-1B8C-DA75C36C2155}"/>
+          </ac:picMkLst>
+        </pc:picChg>
+      </pc:sldChg>
+    </pc:docChg>
+  </pc:docChgLst>
+  <pc:docChgLst>
     <pc:chgData name="Ihor Aleksandrov" userId="c3051032-6b87-4db2-b257-777a0106fbd9" providerId="ADAL" clId="{EA2B8A7D-3C52-4D81-9662-EF0FB964F7A9}"/>
     <pc:docChg chg="undo custSel addSld delSld modSld addMainMaster">
       <pc:chgData name="Ihor Aleksandrov" userId="c3051032-6b87-4db2-b257-777a0106fbd9" providerId="ADAL" clId="{EA2B8A7D-3C52-4D81-9662-EF0FB964F7A9}" dt="2024-01-24T16:33:04.330" v="132" actId="1076"/>
@@ -4787,3783 +8564,6 @@
           </ac:picMkLst>
         </pc:picChg>
       </pc:sldChg>
-    </pc:docChg>
-  </pc:docChgLst>
-  <pc:docChgLst>
-    <pc:chgData name="Ihor Aleksandrov" userId="c3051032-6b87-4db2-b257-777a0106fbd9" providerId="ADAL" clId="{C975AD89-9389-4107-B336-68A5516F1324}"/>
-    <pc:docChg chg="undo custSel addSld delSld modSld sldOrd addSection delSection modSection">
-      <pc:chgData name="Ihor Aleksandrov" userId="c3051032-6b87-4db2-b257-777a0106fbd9" providerId="ADAL" clId="{C975AD89-9389-4107-B336-68A5516F1324}" dt="2024-01-25T12:17:02.243" v="546" actId="26606"/>
-      <pc:docMkLst>
-        <pc:docMk/>
-      </pc:docMkLst>
-      <pc:sldChg chg="addSp modSp mod setBg addAnim">
-        <pc:chgData name="Ihor Aleksandrov" userId="c3051032-6b87-4db2-b257-777a0106fbd9" providerId="ADAL" clId="{C975AD89-9389-4107-B336-68A5516F1324}" dt="2024-01-25T09:37:46.439" v="6"/>
-        <pc:sldMkLst>
-          <pc:docMk/>
-          <pc:sldMk cId="588564705" sldId="256"/>
-        </pc:sldMkLst>
-        <pc:spChg chg="mod">
-          <ac:chgData name="Ihor Aleksandrov" userId="c3051032-6b87-4db2-b257-777a0106fbd9" providerId="ADAL" clId="{C975AD89-9389-4107-B336-68A5516F1324}" dt="2024-01-25T09:37:46.437" v="5" actId="26606"/>
-          <ac:spMkLst>
-            <pc:docMk/>
-            <pc:sldMk cId="588564705" sldId="256"/>
-            <ac:spMk id="2" creationId="{2C4A1DFF-3C45-F11D-E6A6-19C0306E5E2B}"/>
-          </ac:spMkLst>
-        </pc:spChg>
-        <pc:spChg chg="mod">
-          <ac:chgData name="Ihor Aleksandrov" userId="c3051032-6b87-4db2-b257-777a0106fbd9" providerId="ADAL" clId="{C975AD89-9389-4107-B336-68A5516F1324}" dt="2024-01-25T09:37:46.437" v="5" actId="26606"/>
-          <ac:spMkLst>
-            <pc:docMk/>
-            <pc:sldMk cId="588564705" sldId="256"/>
-            <ac:spMk id="3" creationId="{83E94964-4387-6754-A4EC-18732A6BF475}"/>
-          </ac:spMkLst>
-        </pc:spChg>
-        <pc:spChg chg="mod">
-          <ac:chgData name="Ihor Aleksandrov" userId="c3051032-6b87-4db2-b257-777a0106fbd9" providerId="ADAL" clId="{C975AD89-9389-4107-B336-68A5516F1324}" dt="2024-01-25T09:37:46.437" v="5" actId="26606"/>
-          <ac:spMkLst>
-            <pc:docMk/>
-            <pc:sldMk cId="588564705" sldId="256"/>
-            <ac:spMk id="4" creationId="{6AEA980F-0A48-FA7E-1AE7-6E7F30B49C17}"/>
-          </ac:spMkLst>
-        </pc:spChg>
-        <pc:spChg chg="add">
-          <ac:chgData name="Ihor Aleksandrov" userId="c3051032-6b87-4db2-b257-777a0106fbd9" providerId="ADAL" clId="{C975AD89-9389-4107-B336-68A5516F1324}" dt="2024-01-25T09:37:46.437" v="5" actId="26606"/>
-          <ac:spMkLst>
-            <pc:docMk/>
-            <pc:sldMk cId="588564705" sldId="256"/>
-            <ac:spMk id="9" creationId="{C3896A03-3945-419A-B66B-4EE266EDD152}"/>
-          </ac:spMkLst>
-        </pc:spChg>
-        <pc:spChg chg="add">
-          <ac:chgData name="Ihor Aleksandrov" userId="c3051032-6b87-4db2-b257-777a0106fbd9" providerId="ADAL" clId="{C975AD89-9389-4107-B336-68A5516F1324}" dt="2024-01-25T09:37:46.437" v="5" actId="26606"/>
-          <ac:spMkLst>
-            <pc:docMk/>
-            <pc:sldMk cId="588564705" sldId="256"/>
-            <ac:spMk id="11" creationId="{B34F5AD2-EDBD-4BBD-A55C-EAFFD0C7097A}"/>
-          </ac:spMkLst>
-        </pc:spChg>
-      </pc:sldChg>
-      <pc:sldChg chg="modSp mod">
-        <pc:chgData name="Ihor Aleksandrov" userId="c3051032-6b87-4db2-b257-777a0106fbd9" providerId="ADAL" clId="{C975AD89-9389-4107-B336-68A5516F1324}" dt="2024-01-25T10:34:02.529" v="103" actId="14100"/>
-        <pc:sldMkLst>
-          <pc:docMk/>
-          <pc:sldMk cId="3270890867" sldId="257"/>
-        </pc:sldMkLst>
-        <pc:spChg chg="mod">
-          <ac:chgData name="Ihor Aleksandrov" userId="c3051032-6b87-4db2-b257-777a0106fbd9" providerId="ADAL" clId="{C975AD89-9389-4107-B336-68A5516F1324}" dt="2024-01-25T10:34:02.529" v="103" actId="14100"/>
-          <ac:spMkLst>
-            <pc:docMk/>
-            <pc:sldMk cId="3270890867" sldId="257"/>
-            <ac:spMk id="2" creationId="{DB2FBD6F-5487-CF83-1B78-61E52C9B601E}"/>
-          </ac:spMkLst>
-        </pc:spChg>
-      </pc:sldChg>
-      <pc:sldChg chg="addSp delSp modSp add mod setBg delDesignElem">
-        <pc:chgData name="Ihor Aleksandrov" userId="c3051032-6b87-4db2-b257-777a0106fbd9" providerId="ADAL" clId="{C975AD89-9389-4107-B336-68A5516F1324}" dt="2024-01-25T10:20:31.129" v="27" actId="1076"/>
-        <pc:sldMkLst>
-          <pc:docMk/>
-          <pc:sldMk cId="3985704815" sldId="270"/>
-        </pc:sldMkLst>
-        <pc:spChg chg="mod">
-          <ac:chgData name="Ihor Aleksandrov" userId="c3051032-6b87-4db2-b257-777a0106fbd9" providerId="ADAL" clId="{C975AD89-9389-4107-B336-68A5516F1324}" dt="2024-01-25T10:20:00.942" v="21" actId="26606"/>
-          <ac:spMkLst>
-            <pc:docMk/>
-            <pc:sldMk cId="3985704815" sldId="270"/>
-            <ac:spMk id="2" creationId="{53C5D828-9666-E312-B574-9FE965A7D6BE}"/>
-          </ac:spMkLst>
-        </pc:spChg>
-        <pc:spChg chg="mod ord">
-          <ac:chgData name="Ihor Aleksandrov" userId="c3051032-6b87-4db2-b257-777a0106fbd9" providerId="ADAL" clId="{C975AD89-9389-4107-B336-68A5516F1324}" dt="2024-01-25T10:20:00.942" v="21" actId="26606"/>
-          <ac:spMkLst>
-            <pc:docMk/>
-            <pc:sldMk cId="3985704815" sldId="270"/>
-            <ac:spMk id="3" creationId="{5AA19FA0-A765-8169-03F1-928E3EF7B595}"/>
-          </ac:spMkLst>
-        </pc:spChg>
-        <pc:spChg chg="add mod">
-          <ac:chgData name="Ihor Aleksandrov" userId="c3051032-6b87-4db2-b257-777a0106fbd9" providerId="ADAL" clId="{C975AD89-9389-4107-B336-68A5516F1324}" dt="2024-01-25T10:20:31.129" v="27" actId="1076"/>
-          <ac:spMkLst>
-            <pc:docMk/>
-            <pc:sldMk cId="3985704815" sldId="270"/>
-            <ac:spMk id="6" creationId="{4D87342B-A24A-BB50-D6BE-6DA3CC5A8E87}"/>
-          </ac:spMkLst>
-        </pc:spChg>
-        <pc:spChg chg="add">
-          <ac:chgData name="Ihor Aleksandrov" userId="c3051032-6b87-4db2-b257-777a0106fbd9" providerId="ADAL" clId="{C975AD89-9389-4107-B336-68A5516F1324}" dt="2024-01-25T10:20:00.942" v="21" actId="26606"/>
-          <ac:spMkLst>
-            <pc:docMk/>
-            <pc:sldMk cId="3985704815" sldId="270"/>
-            <ac:spMk id="10" creationId="{D4771268-CB57-404A-9271-370EB28F6090}"/>
-          </ac:spMkLst>
-        </pc:spChg>
-        <pc:spChg chg="del">
-          <ac:chgData name="Ihor Aleksandrov" userId="c3051032-6b87-4db2-b257-777a0106fbd9" providerId="ADAL" clId="{C975AD89-9389-4107-B336-68A5516F1324}" dt="2024-01-25T10:19:56.242" v="20"/>
-          <ac:spMkLst>
-            <pc:docMk/>
-            <pc:sldMk cId="3985704815" sldId="270"/>
-            <ac:spMk id="24" creationId="{D4771268-CB57-404A-9271-370EB28F6090}"/>
-          </ac:spMkLst>
-        </pc:spChg>
-        <pc:picChg chg="mod">
-          <ac:chgData name="Ihor Aleksandrov" userId="c3051032-6b87-4db2-b257-777a0106fbd9" providerId="ADAL" clId="{C975AD89-9389-4107-B336-68A5516F1324}" dt="2024-01-25T10:20:25.106" v="25" actId="1076"/>
-          <ac:picMkLst>
-            <pc:docMk/>
-            <pc:sldMk cId="3985704815" sldId="270"/>
-            <ac:picMk id="5" creationId="{329D80B6-A19C-F87F-FE85-78E58BE79DFC}"/>
-          </ac:picMkLst>
-        </pc:picChg>
-      </pc:sldChg>
-      <pc:sldChg chg="addSp delSp modSp add mod setBg delDesignElem">
-        <pc:chgData name="Ihor Aleksandrov" userId="c3051032-6b87-4db2-b257-777a0106fbd9" providerId="ADAL" clId="{C975AD89-9389-4107-B336-68A5516F1324}" dt="2024-01-25T10:22:18.236" v="38" actId="1076"/>
-        <pc:sldMkLst>
-          <pc:docMk/>
-          <pc:sldMk cId="2117969225" sldId="273"/>
-        </pc:sldMkLst>
-        <pc:spChg chg="mod">
-          <ac:chgData name="Ihor Aleksandrov" userId="c3051032-6b87-4db2-b257-777a0106fbd9" providerId="ADAL" clId="{C975AD89-9389-4107-B336-68A5516F1324}" dt="2024-01-25T10:21:52.148" v="30" actId="26606"/>
-          <ac:spMkLst>
-            <pc:docMk/>
-            <pc:sldMk cId="2117969225" sldId="273"/>
-            <ac:spMk id="2" creationId="{53C5D828-9666-E312-B574-9FE965A7D6BE}"/>
-          </ac:spMkLst>
-        </pc:spChg>
-        <pc:spChg chg="mod ord">
-          <ac:chgData name="Ihor Aleksandrov" userId="c3051032-6b87-4db2-b257-777a0106fbd9" providerId="ADAL" clId="{C975AD89-9389-4107-B336-68A5516F1324}" dt="2024-01-25T10:21:52.148" v="30" actId="26606"/>
-          <ac:spMkLst>
-            <pc:docMk/>
-            <pc:sldMk cId="2117969225" sldId="273"/>
-            <ac:spMk id="3" creationId="{5AA19FA0-A765-8169-03F1-928E3EF7B595}"/>
-          </ac:spMkLst>
-        </pc:spChg>
-        <pc:spChg chg="add mod">
-          <ac:chgData name="Ihor Aleksandrov" userId="c3051032-6b87-4db2-b257-777a0106fbd9" providerId="ADAL" clId="{C975AD89-9389-4107-B336-68A5516F1324}" dt="2024-01-25T10:22:18.236" v="38" actId="1076"/>
-          <ac:spMkLst>
-            <pc:docMk/>
-            <pc:sldMk cId="2117969225" sldId="273"/>
-            <ac:spMk id="5" creationId="{AF680A03-B457-DF03-9AFA-D399210B3DD2}"/>
-          </ac:spMkLst>
-        </pc:spChg>
-        <pc:spChg chg="add">
-          <ac:chgData name="Ihor Aleksandrov" userId="c3051032-6b87-4db2-b257-777a0106fbd9" providerId="ADAL" clId="{C975AD89-9389-4107-B336-68A5516F1324}" dt="2024-01-25T10:21:52.148" v="30" actId="26606"/>
-          <ac:spMkLst>
-            <pc:docMk/>
-            <pc:sldMk cId="2117969225" sldId="273"/>
-            <ac:spMk id="11" creationId="{D4771268-CB57-404A-9271-370EB28F6090}"/>
-          </ac:spMkLst>
-        </pc:spChg>
-        <pc:spChg chg="del">
-          <ac:chgData name="Ihor Aleksandrov" userId="c3051032-6b87-4db2-b257-777a0106fbd9" providerId="ADAL" clId="{C975AD89-9389-4107-B336-68A5516F1324}" dt="2024-01-25T10:21:47.991" v="29"/>
-          <ac:spMkLst>
-            <pc:docMk/>
-            <pc:sldMk cId="2117969225" sldId="273"/>
-            <ac:spMk id="24" creationId="{D4771268-CB57-404A-9271-370EB28F6090}"/>
-          </ac:spMkLst>
-        </pc:spChg>
-        <pc:picChg chg="mod">
-          <ac:chgData name="Ihor Aleksandrov" userId="c3051032-6b87-4db2-b257-777a0106fbd9" providerId="ADAL" clId="{C975AD89-9389-4107-B336-68A5516F1324}" dt="2024-01-25T10:22:05.699" v="36" actId="1076"/>
-          <ac:picMkLst>
-            <pc:docMk/>
-            <pc:sldMk cId="2117969225" sldId="273"/>
-            <ac:picMk id="6" creationId="{4FAB23B6-5773-62B9-EF9A-E1E0562BE8E1}"/>
-          </ac:picMkLst>
-        </pc:picChg>
-      </pc:sldChg>
-      <pc:sldChg chg="addSp delSp modSp add mod ord setBg delDesignElem">
-        <pc:chgData name="Ihor Aleksandrov" userId="c3051032-6b87-4db2-b257-777a0106fbd9" providerId="ADAL" clId="{C975AD89-9389-4107-B336-68A5516F1324}" dt="2024-01-25T10:27:17.961" v="68"/>
-        <pc:sldMkLst>
-          <pc:docMk/>
-          <pc:sldMk cId="1169417950" sldId="274"/>
-        </pc:sldMkLst>
-        <pc:spChg chg="mod">
-          <ac:chgData name="Ihor Aleksandrov" userId="c3051032-6b87-4db2-b257-777a0106fbd9" providerId="ADAL" clId="{C975AD89-9389-4107-B336-68A5516F1324}" dt="2024-01-25T10:25:31.238" v="59"/>
-          <ac:spMkLst>
-            <pc:docMk/>
-            <pc:sldMk cId="1169417950" sldId="274"/>
-            <ac:spMk id="2" creationId="{53C5D828-9666-E312-B574-9FE965A7D6BE}"/>
-          </ac:spMkLst>
-        </pc:spChg>
-        <pc:spChg chg="mod ord">
-          <ac:chgData name="Ihor Aleksandrov" userId="c3051032-6b87-4db2-b257-777a0106fbd9" providerId="ADAL" clId="{C975AD89-9389-4107-B336-68A5516F1324}" dt="2024-01-25T10:23:15.070" v="41" actId="26606"/>
-          <ac:spMkLst>
-            <pc:docMk/>
-            <pc:sldMk cId="1169417950" sldId="274"/>
-            <ac:spMk id="3" creationId="{5AA19FA0-A765-8169-03F1-928E3EF7B595}"/>
-          </ac:spMkLst>
-        </pc:spChg>
-        <pc:spChg chg="add del mod">
-          <ac:chgData name="Ihor Aleksandrov" userId="c3051032-6b87-4db2-b257-777a0106fbd9" providerId="ADAL" clId="{C975AD89-9389-4107-B336-68A5516F1324}" dt="2024-01-25T10:25:25.187" v="58" actId="478"/>
-          <ac:spMkLst>
-            <pc:docMk/>
-            <pc:sldMk cId="1169417950" sldId="274"/>
-            <ac:spMk id="6" creationId="{97DA7B28-2C2F-5763-DCEE-731A53DB2AE2}"/>
-          </ac:spMkLst>
-        </pc:spChg>
-        <pc:spChg chg="add mod">
-          <ac:chgData name="Ihor Aleksandrov" userId="c3051032-6b87-4db2-b257-777a0106fbd9" providerId="ADAL" clId="{C975AD89-9389-4107-B336-68A5516F1324}" dt="2024-01-25T10:25:51.390" v="64" actId="20577"/>
-          <ac:spMkLst>
-            <pc:docMk/>
-            <pc:sldMk cId="1169417950" sldId="274"/>
-            <ac:spMk id="9" creationId="{68E6A198-8374-6880-A031-A4B89043E4B3}"/>
-          </ac:spMkLst>
-        </pc:spChg>
-        <pc:spChg chg="add">
-          <ac:chgData name="Ihor Aleksandrov" userId="c3051032-6b87-4db2-b257-777a0106fbd9" providerId="ADAL" clId="{C975AD89-9389-4107-B336-68A5516F1324}" dt="2024-01-25T10:23:15.070" v="41" actId="26606"/>
-          <ac:spMkLst>
-            <pc:docMk/>
-            <pc:sldMk cId="1169417950" sldId="274"/>
-            <ac:spMk id="10" creationId="{D4771268-CB57-404A-9271-370EB28F6090}"/>
-          </ac:spMkLst>
-        </pc:spChg>
-        <pc:spChg chg="del">
-          <ac:chgData name="Ihor Aleksandrov" userId="c3051032-6b87-4db2-b257-777a0106fbd9" providerId="ADAL" clId="{C975AD89-9389-4107-B336-68A5516F1324}" dt="2024-01-25T10:23:10.993" v="40"/>
-          <ac:spMkLst>
-            <pc:docMk/>
-            <pc:sldMk cId="1169417950" sldId="274"/>
-            <ac:spMk id="24" creationId="{D4771268-CB57-404A-9271-370EB28F6090}"/>
-          </ac:spMkLst>
-        </pc:spChg>
-        <pc:picChg chg="del mod">
-          <ac:chgData name="Ihor Aleksandrov" userId="c3051032-6b87-4db2-b257-777a0106fbd9" providerId="ADAL" clId="{C975AD89-9389-4107-B336-68A5516F1324}" dt="2024-01-25T10:25:14.784" v="55" actId="478"/>
-          <ac:picMkLst>
-            <pc:docMk/>
-            <pc:sldMk cId="1169417950" sldId="274"/>
-            <ac:picMk id="5" creationId="{2673936C-DF0C-E6AF-ABCB-83A1EB8FE594}"/>
-          </ac:picMkLst>
-        </pc:picChg>
-        <pc:picChg chg="add mod">
-          <ac:chgData name="Ihor Aleksandrov" userId="c3051032-6b87-4db2-b257-777a0106fbd9" providerId="ADAL" clId="{C975AD89-9389-4107-B336-68A5516F1324}" dt="2024-01-25T10:25:22.065" v="57" actId="1076"/>
-          <ac:picMkLst>
-            <pc:docMk/>
-            <pc:sldMk cId="1169417950" sldId="274"/>
-            <ac:picMk id="7" creationId="{36308785-8759-67DA-50E0-F45FA06B6354}"/>
-          </ac:picMkLst>
-        </pc:picChg>
-      </pc:sldChg>
-      <pc:sldChg chg="delSp add del mod setBg delDesignElem">
-        <pc:chgData name="Ihor Aleksandrov" userId="c3051032-6b87-4db2-b257-777a0106fbd9" providerId="ADAL" clId="{C975AD89-9389-4107-B336-68A5516F1324}" dt="2024-01-25T10:25:07.100" v="53" actId="2696"/>
-        <pc:sldMkLst>
-          <pc:docMk/>
-          <pc:sldMk cId="22639359" sldId="275"/>
-        </pc:sldMkLst>
-        <pc:spChg chg="del">
-          <ac:chgData name="Ihor Aleksandrov" userId="c3051032-6b87-4db2-b257-777a0106fbd9" providerId="ADAL" clId="{C975AD89-9389-4107-B336-68A5516F1324}" dt="2024-01-25T10:24:34.426" v="50"/>
-          <ac:spMkLst>
-            <pc:docMk/>
-            <pc:sldMk cId="22639359" sldId="275"/>
-            <ac:spMk id="24" creationId="{D4771268-CB57-404A-9271-370EB28F6090}"/>
-          </ac:spMkLst>
-        </pc:spChg>
-        <pc:picChg chg="del">
-          <ac:chgData name="Ihor Aleksandrov" userId="c3051032-6b87-4db2-b257-777a0106fbd9" providerId="ADAL" clId="{C975AD89-9389-4107-B336-68A5516F1324}" dt="2024-01-25T10:25:03.933" v="52" actId="21"/>
-          <ac:picMkLst>
-            <pc:docMk/>
-            <pc:sldMk cId="22639359" sldId="275"/>
-            <ac:picMk id="6" creationId="{F57DB18D-BCA3-CA46-401F-99D6D9BB7754}"/>
-          </ac:picMkLst>
-        </pc:picChg>
-      </pc:sldChg>
-      <pc:sldChg chg="delSp modSp add del mod setBg delDesignElem">
-        <pc:chgData name="Ihor Aleksandrov" userId="c3051032-6b87-4db2-b257-777a0106fbd9" providerId="ADAL" clId="{C975AD89-9389-4107-B336-68A5516F1324}" dt="2024-01-25T10:29:26.442" v="88" actId="2696"/>
-        <pc:sldMkLst>
-          <pc:docMk/>
-          <pc:sldMk cId="3976992233" sldId="275"/>
-        </pc:sldMkLst>
-        <pc:spChg chg="del">
-          <ac:chgData name="Ihor Aleksandrov" userId="c3051032-6b87-4db2-b257-777a0106fbd9" providerId="ADAL" clId="{C975AD89-9389-4107-B336-68A5516F1324}" dt="2024-01-25T10:28:35.614" v="76"/>
-          <ac:spMkLst>
-            <pc:docMk/>
-            <pc:sldMk cId="3976992233" sldId="275"/>
-            <ac:spMk id="24" creationId="{D4771268-CB57-404A-9271-370EB28F6090}"/>
-          </ac:spMkLst>
-        </pc:spChg>
-        <pc:picChg chg="del mod">
-          <ac:chgData name="Ihor Aleksandrov" userId="c3051032-6b87-4db2-b257-777a0106fbd9" providerId="ADAL" clId="{C975AD89-9389-4107-B336-68A5516F1324}" dt="2024-01-25T10:28:57.476" v="79" actId="21"/>
-          <ac:picMkLst>
-            <pc:docMk/>
-            <pc:sldMk cId="3976992233" sldId="275"/>
-            <ac:picMk id="6" creationId="{76FE2D85-671A-24B1-C1D7-52F796E16C69}"/>
-          </ac:picMkLst>
-        </pc:picChg>
-      </pc:sldChg>
-      <pc:sldChg chg="add">
-        <pc:chgData name="Ihor Aleksandrov" userId="c3051032-6b87-4db2-b257-777a0106fbd9" providerId="ADAL" clId="{C975AD89-9389-4107-B336-68A5516F1324}" dt="2024-01-25T10:24:59.963" v="51" actId="2890"/>
-        <pc:sldMkLst>
-          <pc:docMk/>
-          <pc:sldMk cId="1690294392" sldId="276"/>
-        </pc:sldMkLst>
-      </pc:sldChg>
-      <pc:sldChg chg="addSp delSp modSp add mod setBg delDesignElem">
-        <pc:chgData name="Ihor Aleksandrov" userId="c3051032-6b87-4db2-b257-777a0106fbd9" providerId="ADAL" clId="{C975AD89-9389-4107-B336-68A5516F1324}" dt="2024-01-25T10:27:46.180" v="74" actId="1076"/>
-        <pc:sldMkLst>
-          <pc:docMk/>
-          <pc:sldMk cId="2169937468" sldId="277"/>
-        </pc:sldMkLst>
-        <pc:spChg chg="mod">
-          <ac:chgData name="Ihor Aleksandrov" userId="c3051032-6b87-4db2-b257-777a0106fbd9" providerId="ADAL" clId="{C975AD89-9389-4107-B336-68A5516F1324}" dt="2024-01-25T10:27:21.906" v="69" actId="26606"/>
-          <ac:spMkLst>
-            <pc:docMk/>
-            <pc:sldMk cId="2169937468" sldId="277"/>
-            <ac:spMk id="2" creationId="{53C5D828-9666-E312-B574-9FE965A7D6BE}"/>
-          </ac:spMkLst>
-        </pc:spChg>
-        <pc:spChg chg="mod ord">
-          <ac:chgData name="Ihor Aleksandrov" userId="c3051032-6b87-4db2-b257-777a0106fbd9" providerId="ADAL" clId="{C975AD89-9389-4107-B336-68A5516F1324}" dt="2024-01-25T10:27:21.906" v="69" actId="26606"/>
-          <ac:spMkLst>
-            <pc:docMk/>
-            <pc:sldMk cId="2169937468" sldId="277"/>
-            <ac:spMk id="3" creationId="{5AA19FA0-A765-8169-03F1-928E3EF7B595}"/>
-          </ac:spMkLst>
-        </pc:spChg>
-        <pc:spChg chg="add mod">
-          <ac:chgData name="Ihor Aleksandrov" userId="c3051032-6b87-4db2-b257-777a0106fbd9" providerId="ADAL" clId="{C975AD89-9389-4107-B336-68A5516F1324}" dt="2024-01-25T10:27:46.180" v="74" actId="1076"/>
-          <ac:spMkLst>
-            <pc:docMk/>
-            <pc:sldMk cId="2169937468" sldId="277"/>
-            <ac:spMk id="6" creationId="{FA5D04A7-9FB8-4DD3-E45B-4245A690D87F}"/>
-          </ac:spMkLst>
-        </pc:spChg>
-        <pc:spChg chg="add">
-          <ac:chgData name="Ihor Aleksandrov" userId="c3051032-6b87-4db2-b257-777a0106fbd9" providerId="ADAL" clId="{C975AD89-9389-4107-B336-68A5516F1324}" dt="2024-01-25T10:27:21.906" v="69" actId="26606"/>
-          <ac:spMkLst>
-            <pc:docMk/>
-            <pc:sldMk cId="2169937468" sldId="277"/>
-            <ac:spMk id="10" creationId="{D4771268-CB57-404A-9271-370EB28F6090}"/>
-          </ac:spMkLst>
-        </pc:spChg>
-        <pc:spChg chg="del">
-          <ac:chgData name="Ihor Aleksandrov" userId="c3051032-6b87-4db2-b257-777a0106fbd9" providerId="ADAL" clId="{C975AD89-9389-4107-B336-68A5516F1324}" dt="2024-01-25T10:27:01.531" v="66"/>
-          <ac:spMkLst>
-            <pc:docMk/>
-            <pc:sldMk cId="2169937468" sldId="277"/>
-            <ac:spMk id="24" creationId="{D4771268-CB57-404A-9271-370EB28F6090}"/>
-          </ac:spMkLst>
-        </pc:spChg>
-        <pc:picChg chg="mod">
-          <ac:chgData name="Ihor Aleksandrov" userId="c3051032-6b87-4db2-b257-777a0106fbd9" providerId="ADAL" clId="{C975AD89-9389-4107-B336-68A5516F1324}" dt="2024-01-25T10:27:28.778" v="71" actId="1076"/>
-          <ac:picMkLst>
-            <pc:docMk/>
-            <pc:sldMk cId="2169937468" sldId="277"/>
-            <ac:picMk id="5" creationId="{9A572A88-7842-99D5-9802-EEA8606516CC}"/>
-          </ac:picMkLst>
-        </pc:picChg>
-      </pc:sldChg>
-      <pc:sldChg chg="addSp delSp modSp add mod">
-        <pc:chgData name="Ihor Aleksandrov" userId="c3051032-6b87-4db2-b257-777a0106fbd9" providerId="ADAL" clId="{C975AD89-9389-4107-B336-68A5516F1324}" dt="2024-01-25T10:29:48.236" v="91" actId="1076"/>
-        <pc:sldMkLst>
-          <pc:docMk/>
-          <pc:sldMk cId="27400258" sldId="278"/>
-        </pc:sldMkLst>
-        <pc:spChg chg="mod">
-          <ac:chgData name="Ihor Aleksandrov" userId="c3051032-6b87-4db2-b257-777a0106fbd9" providerId="ADAL" clId="{C975AD89-9389-4107-B336-68A5516F1324}" dt="2024-01-25T10:29:22.868" v="87" actId="27636"/>
-          <ac:spMkLst>
-            <pc:docMk/>
-            <pc:sldMk cId="27400258" sldId="278"/>
-            <ac:spMk id="2" creationId="{53C5D828-9666-E312-B574-9FE965A7D6BE}"/>
-          </ac:spMkLst>
-        </pc:spChg>
-        <pc:spChg chg="del">
-          <ac:chgData name="Ihor Aleksandrov" userId="c3051032-6b87-4db2-b257-777a0106fbd9" providerId="ADAL" clId="{C975AD89-9389-4107-B336-68A5516F1324}" dt="2024-01-25T10:29:03.150" v="80" actId="478"/>
-          <ac:spMkLst>
-            <pc:docMk/>
-            <pc:sldMk cId="27400258" sldId="278"/>
-            <ac:spMk id="6" creationId="{FA5D04A7-9FB8-4DD3-E45B-4245A690D87F}"/>
-          </ac:spMkLst>
-        </pc:spChg>
-        <pc:spChg chg="add mod">
-          <ac:chgData name="Ihor Aleksandrov" userId="c3051032-6b87-4db2-b257-777a0106fbd9" providerId="ADAL" clId="{C975AD89-9389-4107-B336-68A5516F1324}" dt="2024-01-25T10:29:48.236" v="91" actId="1076"/>
-          <ac:spMkLst>
-            <pc:docMk/>
-            <pc:sldMk cId="27400258" sldId="278"/>
-            <ac:spMk id="8" creationId="{4F750F35-E314-4598-038A-9207943DB0D3}"/>
-          </ac:spMkLst>
-        </pc:spChg>
-        <pc:picChg chg="add mod">
-          <ac:chgData name="Ihor Aleksandrov" userId="c3051032-6b87-4db2-b257-777a0106fbd9" providerId="ADAL" clId="{C975AD89-9389-4107-B336-68A5516F1324}" dt="2024-01-25T10:29:14.596" v="85" actId="1076"/>
-          <ac:picMkLst>
-            <pc:docMk/>
-            <pc:sldMk cId="27400258" sldId="278"/>
-            <ac:picMk id="4" creationId="{B33D34CE-FF91-11F2-8446-ED8FBD31602E}"/>
-          </ac:picMkLst>
-        </pc:picChg>
-        <pc:picChg chg="del">
-          <ac:chgData name="Ihor Aleksandrov" userId="c3051032-6b87-4db2-b257-777a0106fbd9" providerId="ADAL" clId="{C975AD89-9389-4107-B336-68A5516F1324}" dt="2024-01-25T10:29:05.597" v="81" actId="478"/>
-          <ac:picMkLst>
-            <pc:docMk/>
-            <pc:sldMk cId="27400258" sldId="278"/>
-            <ac:picMk id="5" creationId="{9A572A88-7842-99D5-9802-EEA8606516CC}"/>
-          </ac:picMkLst>
-        </pc:picChg>
-      </pc:sldChg>
-      <pc:sldChg chg="addSp delSp modSp add mod setBg delDesignElem">
-        <pc:chgData name="Ihor Aleksandrov" userId="c3051032-6b87-4db2-b257-777a0106fbd9" providerId="ADAL" clId="{C975AD89-9389-4107-B336-68A5516F1324}" dt="2024-01-25T10:35:50.316" v="105"/>
-        <pc:sldMkLst>
-          <pc:docMk/>
-          <pc:sldMk cId="2135561016" sldId="279"/>
-        </pc:sldMkLst>
-        <pc:spChg chg="mod">
-          <ac:chgData name="Ihor Aleksandrov" userId="c3051032-6b87-4db2-b257-777a0106fbd9" providerId="ADAL" clId="{C975AD89-9389-4107-B336-68A5516F1324}" dt="2024-01-25T10:33:04.386" v="94" actId="26606"/>
-          <ac:spMkLst>
-            <pc:docMk/>
-            <pc:sldMk cId="2135561016" sldId="279"/>
-            <ac:spMk id="2" creationId="{18C18207-A109-5552-1541-0ABBAA316282}"/>
-          </ac:spMkLst>
-        </pc:spChg>
-        <pc:spChg chg="del mod">
-          <ac:chgData name="Ihor Aleksandrov" userId="c3051032-6b87-4db2-b257-777a0106fbd9" providerId="ADAL" clId="{C975AD89-9389-4107-B336-68A5516F1324}" dt="2024-01-25T10:33:31.078" v="97" actId="478"/>
-          <ac:spMkLst>
-            <pc:docMk/>
-            <pc:sldMk cId="2135561016" sldId="279"/>
-            <ac:spMk id="3" creationId="{3473E1D3-7401-AD94-5C7A-49912FA8005A}"/>
-          </ac:spMkLst>
-        </pc:spChg>
-        <pc:spChg chg="add">
-          <ac:chgData name="Ihor Aleksandrov" userId="c3051032-6b87-4db2-b257-777a0106fbd9" providerId="ADAL" clId="{C975AD89-9389-4107-B336-68A5516F1324}" dt="2024-01-25T10:33:04.386" v="94" actId="26606"/>
-          <ac:spMkLst>
-            <pc:docMk/>
-            <pc:sldMk cId="2135561016" sldId="279"/>
-            <ac:spMk id="6" creationId="{C3896A03-3945-419A-B66B-4EE266EDD152}"/>
-          </ac:spMkLst>
-        </pc:spChg>
-        <pc:spChg chg="add">
-          <ac:chgData name="Ihor Aleksandrov" userId="c3051032-6b87-4db2-b257-777a0106fbd9" providerId="ADAL" clId="{C975AD89-9389-4107-B336-68A5516F1324}" dt="2024-01-25T10:33:04.386" v="94" actId="26606"/>
-          <ac:spMkLst>
-            <pc:docMk/>
-            <pc:sldMk cId="2135561016" sldId="279"/>
-            <ac:spMk id="7" creationId="{B34F5AD2-EDBD-4BBD-A55C-EAFFD0C7097A}"/>
-          </ac:spMkLst>
-        </pc:spChg>
-        <pc:spChg chg="add del mod">
-          <ac:chgData name="Ihor Aleksandrov" userId="c3051032-6b87-4db2-b257-777a0106fbd9" providerId="ADAL" clId="{C975AD89-9389-4107-B336-68A5516F1324}" dt="2024-01-25T10:33:36.773" v="98" actId="478"/>
-          <ac:spMkLst>
-            <pc:docMk/>
-            <pc:sldMk cId="2135561016" sldId="279"/>
-            <ac:spMk id="8" creationId="{4791D4D6-16B2-07C9-29AF-2022E6BCF129}"/>
-          </ac:spMkLst>
-        </pc:spChg>
-        <pc:spChg chg="del">
-          <ac:chgData name="Ihor Aleksandrov" userId="c3051032-6b87-4db2-b257-777a0106fbd9" providerId="ADAL" clId="{C975AD89-9389-4107-B336-68A5516F1324}" dt="2024-01-25T10:32:55.055" v="93"/>
-          <ac:spMkLst>
-            <pc:docMk/>
-            <pc:sldMk cId="2135561016" sldId="279"/>
-            <ac:spMk id="9" creationId="{C3896A03-3945-419A-B66B-4EE266EDD152}"/>
-          </ac:spMkLst>
-        </pc:spChg>
-        <pc:spChg chg="del">
-          <ac:chgData name="Ihor Aleksandrov" userId="c3051032-6b87-4db2-b257-777a0106fbd9" providerId="ADAL" clId="{C975AD89-9389-4107-B336-68A5516F1324}" dt="2024-01-25T10:32:55.055" v="93"/>
-          <ac:spMkLst>
-            <pc:docMk/>
-            <pc:sldMk cId="2135561016" sldId="279"/>
-            <ac:spMk id="11" creationId="{B34F5AD2-EDBD-4BBD-A55C-EAFFD0C7097A}"/>
-          </ac:spMkLst>
-        </pc:spChg>
-        <pc:spChg chg="add mod">
-          <ac:chgData name="Ihor Aleksandrov" userId="c3051032-6b87-4db2-b257-777a0106fbd9" providerId="ADAL" clId="{C975AD89-9389-4107-B336-68A5516F1324}" dt="2024-01-25T10:33:49.940" v="102" actId="1076"/>
-          <ac:spMkLst>
-            <pc:docMk/>
-            <pc:sldMk cId="2135561016" sldId="279"/>
-            <ac:spMk id="12" creationId="{B7B18A30-2FC0-A8AB-2D13-FC246C9062A4}"/>
-          </ac:spMkLst>
-        </pc:spChg>
-        <pc:picChg chg="add del mod">
-          <ac:chgData name="Ihor Aleksandrov" userId="c3051032-6b87-4db2-b257-777a0106fbd9" providerId="ADAL" clId="{C975AD89-9389-4107-B336-68A5516F1324}" dt="2024-01-25T10:35:50.316" v="105"/>
-          <ac:picMkLst>
-            <pc:docMk/>
-            <pc:sldMk cId="2135561016" sldId="279"/>
-            <ac:picMk id="13" creationId="{B7704C2C-63EC-A867-88E9-B8A9D1D38C1E}"/>
-          </ac:picMkLst>
-        </pc:picChg>
-      </pc:sldChg>
-      <pc:sldChg chg="addSp delSp modSp add mod setBg delDesignElem">
-        <pc:chgData name="Ihor Aleksandrov" userId="c3051032-6b87-4db2-b257-777a0106fbd9" providerId="ADAL" clId="{C975AD89-9389-4107-B336-68A5516F1324}" dt="2024-01-25T10:42:39.978" v="144" actId="34307"/>
-        <pc:sldMkLst>
-          <pc:docMk/>
-          <pc:sldMk cId="3216895555" sldId="280"/>
-        </pc:sldMkLst>
-        <pc:spChg chg="mod">
-          <ac:chgData name="Ihor Aleksandrov" userId="c3051032-6b87-4db2-b257-777a0106fbd9" providerId="ADAL" clId="{C975AD89-9389-4107-B336-68A5516F1324}" dt="2024-01-25T10:36:11.009" v="108" actId="26606"/>
-          <ac:spMkLst>
-            <pc:docMk/>
-            <pc:sldMk cId="3216895555" sldId="280"/>
-            <ac:spMk id="2" creationId="{53C5D828-9666-E312-B574-9FE965A7D6BE}"/>
-          </ac:spMkLst>
-        </pc:spChg>
-        <pc:spChg chg="mod ord">
-          <ac:chgData name="Ihor Aleksandrov" userId="c3051032-6b87-4db2-b257-777a0106fbd9" providerId="ADAL" clId="{C975AD89-9389-4107-B336-68A5516F1324}" dt="2024-01-25T10:36:11.009" v="108" actId="26606"/>
-          <ac:spMkLst>
-            <pc:docMk/>
-            <pc:sldMk cId="3216895555" sldId="280"/>
-            <ac:spMk id="3" creationId="{5AA19FA0-A765-8169-03F1-928E3EF7B595}"/>
-          </ac:spMkLst>
-        </pc:spChg>
-        <pc:spChg chg="add mod">
-          <ac:chgData name="Ihor Aleksandrov" userId="c3051032-6b87-4db2-b257-777a0106fbd9" providerId="ADAL" clId="{C975AD89-9389-4107-B336-68A5516F1324}" dt="2024-01-25T10:38:48.309" v="134" actId="255"/>
-          <ac:spMkLst>
-            <pc:docMk/>
-            <pc:sldMk cId="3216895555" sldId="280"/>
-            <ac:spMk id="6" creationId="{614D9B64-78F1-F260-8187-1FD79C9E6378}"/>
-          </ac:spMkLst>
-        </pc:spChg>
-        <pc:spChg chg="add del mod">
-          <ac:chgData name="Ihor Aleksandrov" userId="c3051032-6b87-4db2-b257-777a0106fbd9" providerId="ADAL" clId="{C975AD89-9389-4107-B336-68A5516F1324}" dt="2024-01-25T10:37:05.044" v="119" actId="22"/>
-          <ac:spMkLst>
-            <pc:docMk/>
-            <pc:sldMk cId="3216895555" sldId="280"/>
-            <ac:spMk id="8" creationId="{20F1E0D3-ACA1-5058-908A-34160DE2DED0}"/>
-          </ac:spMkLst>
-        </pc:spChg>
-        <pc:spChg chg="add">
-          <ac:chgData name="Ihor Aleksandrov" userId="c3051032-6b87-4db2-b257-777a0106fbd9" providerId="ADAL" clId="{C975AD89-9389-4107-B336-68A5516F1324}" dt="2024-01-25T10:36:11.009" v="108" actId="26606"/>
-          <ac:spMkLst>
-            <pc:docMk/>
-            <pc:sldMk cId="3216895555" sldId="280"/>
-            <ac:spMk id="10" creationId="{D4771268-CB57-404A-9271-370EB28F6090}"/>
-          </ac:spMkLst>
-        </pc:spChg>
-        <pc:spChg chg="add mod">
-          <ac:chgData name="Ihor Aleksandrov" userId="c3051032-6b87-4db2-b257-777a0106fbd9" providerId="ADAL" clId="{C975AD89-9389-4107-B336-68A5516F1324}" dt="2024-01-25T10:39:02.240" v="136" actId="1076"/>
-          <ac:spMkLst>
-            <pc:docMk/>
-            <pc:sldMk cId="3216895555" sldId="280"/>
-            <ac:spMk id="11" creationId="{AE0BB7B9-BCB4-3D38-84B1-35C244CDBB52}"/>
-          </ac:spMkLst>
-        </pc:spChg>
-        <pc:spChg chg="add mod">
-          <ac:chgData name="Ihor Aleksandrov" userId="c3051032-6b87-4db2-b257-777a0106fbd9" providerId="ADAL" clId="{C975AD89-9389-4107-B336-68A5516F1324}" dt="2024-01-25T10:39:11.957" v="138" actId="1076"/>
-          <ac:spMkLst>
-            <pc:docMk/>
-            <pc:sldMk cId="3216895555" sldId="280"/>
-            <ac:spMk id="13" creationId="{862EDEC2-0E97-A3E9-BE8B-9B72F56DC4E7}"/>
-          </ac:spMkLst>
-        </pc:spChg>
-        <pc:spChg chg="del">
-          <ac:chgData name="Ihor Aleksandrov" userId="c3051032-6b87-4db2-b257-777a0106fbd9" providerId="ADAL" clId="{C975AD89-9389-4107-B336-68A5516F1324}" dt="2024-01-25T10:36:07.031" v="107"/>
-          <ac:spMkLst>
-            <pc:docMk/>
-            <pc:sldMk cId="3216895555" sldId="280"/>
-            <ac:spMk id="24" creationId="{D4771268-CB57-404A-9271-370EB28F6090}"/>
-          </ac:spMkLst>
-        </pc:spChg>
-        <pc:picChg chg="mod">
-          <ac:chgData name="Ihor Aleksandrov" userId="c3051032-6b87-4db2-b257-777a0106fbd9" providerId="ADAL" clId="{C975AD89-9389-4107-B336-68A5516F1324}" dt="2024-01-25T10:36:20.436" v="111" actId="1076"/>
-          <ac:picMkLst>
-            <pc:docMk/>
-            <pc:sldMk cId="3216895555" sldId="280"/>
-            <ac:picMk id="5" creationId="{523B5826-3FED-E033-7A50-454B720EF960}"/>
-          </ac:picMkLst>
-        </pc:picChg>
-        <pc:picChg chg="add del mod">
-          <ac:chgData name="Ihor Aleksandrov" userId="c3051032-6b87-4db2-b257-777a0106fbd9" providerId="ADAL" clId="{C975AD89-9389-4107-B336-68A5516F1324}" dt="2024-01-25T10:42:17.826" v="142" actId="34307"/>
-          <ac:picMkLst>
-            <pc:docMk/>
-            <pc:sldMk cId="3216895555" sldId="280"/>
-            <ac:picMk id="14" creationId="{F65AE261-F2CC-D682-20EF-97D699BF9D60}"/>
-          </ac:picMkLst>
-        </pc:picChg>
-        <pc:picChg chg="add del mod">
-          <ac:chgData name="Ihor Aleksandrov" userId="c3051032-6b87-4db2-b257-777a0106fbd9" providerId="ADAL" clId="{C975AD89-9389-4107-B336-68A5516F1324}" dt="2024-01-25T10:42:39.978" v="144" actId="34307"/>
-          <ac:picMkLst>
-            <pc:docMk/>
-            <pc:sldMk cId="3216895555" sldId="280"/>
-            <ac:picMk id="15" creationId="{5DA60DE0-DC7B-EC6B-2AD4-A29543F90B84}"/>
-          </ac:picMkLst>
-        </pc:picChg>
-      </pc:sldChg>
-      <pc:sldChg chg="addSp delSp modSp add mod setBg delDesignElem">
-        <pc:chgData name="Ihor Aleksandrov" userId="c3051032-6b87-4db2-b257-777a0106fbd9" providerId="ADAL" clId="{C975AD89-9389-4107-B336-68A5516F1324}" dt="2024-01-25T10:45:21.168" v="155" actId="14100"/>
-        <pc:sldMkLst>
-          <pc:docMk/>
-          <pc:sldMk cId="1506611494" sldId="281"/>
-        </pc:sldMkLst>
-        <pc:spChg chg="mod">
-          <ac:chgData name="Ihor Aleksandrov" userId="c3051032-6b87-4db2-b257-777a0106fbd9" providerId="ADAL" clId="{C975AD89-9389-4107-B336-68A5516F1324}" dt="2024-01-25T10:44:02.546" v="147" actId="26606"/>
-          <ac:spMkLst>
-            <pc:docMk/>
-            <pc:sldMk cId="1506611494" sldId="281"/>
-            <ac:spMk id="2" creationId="{53C5D828-9666-E312-B574-9FE965A7D6BE}"/>
-          </ac:spMkLst>
-        </pc:spChg>
-        <pc:spChg chg="mod ord">
-          <ac:chgData name="Ihor Aleksandrov" userId="c3051032-6b87-4db2-b257-777a0106fbd9" providerId="ADAL" clId="{C975AD89-9389-4107-B336-68A5516F1324}" dt="2024-01-25T10:44:02.546" v="147" actId="26606"/>
-          <ac:spMkLst>
-            <pc:docMk/>
-            <pc:sldMk cId="1506611494" sldId="281"/>
-            <ac:spMk id="3" creationId="{5AA19FA0-A765-8169-03F1-928E3EF7B595}"/>
-          </ac:spMkLst>
-        </pc:spChg>
-        <pc:spChg chg="add mod">
-          <ac:chgData name="Ihor Aleksandrov" userId="c3051032-6b87-4db2-b257-777a0106fbd9" providerId="ADAL" clId="{C975AD89-9389-4107-B336-68A5516F1324}" dt="2024-01-25T10:45:21.168" v="155" actId="14100"/>
-          <ac:spMkLst>
-            <pc:docMk/>
-            <pc:sldMk cId="1506611494" sldId="281"/>
-            <ac:spMk id="5" creationId="{85EC53B5-AD80-8D7B-0BE7-87E4B438471A}"/>
-          </ac:spMkLst>
-        </pc:spChg>
-        <pc:spChg chg="add">
-          <ac:chgData name="Ihor Aleksandrov" userId="c3051032-6b87-4db2-b257-777a0106fbd9" providerId="ADAL" clId="{C975AD89-9389-4107-B336-68A5516F1324}" dt="2024-01-25T10:44:02.546" v="147" actId="26606"/>
-          <ac:spMkLst>
-            <pc:docMk/>
-            <pc:sldMk cId="1506611494" sldId="281"/>
-            <ac:spMk id="11" creationId="{D4771268-CB57-404A-9271-370EB28F6090}"/>
-          </ac:spMkLst>
-        </pc:spChg>
-        <pc:spChg chg="del">
-          <ac:chgData name="Ihor Aleksandrov" userId="c3051032-6b87-4db2-b257-777a0106fbd9" providerId="ADAL" clId="{C975AD89-9389-4107-B336-68A5516F1324}" dt="2024-01-25T10:43:59.075" v="146"/>
-          <ac:spMkLst>
-            <pc:docMk/>
-            <pc:sldMk cId="1506611494" sldId="281"/>
-            <ac:spMk id="24" creationId="{D4771268-CB57-404A-9271-370EB28F6090}"/>
-          </ac:spMkLst>
-        </pc:spChg>
-        <pc:picChg chg="mod">
-          <ac:chgData name="Ihor Aleksandrov" userId="c3051032-6b87-4db2-b257-777a0106fbd9" providerId="ADAL" clId="{C975AD89-9389-4107-B336-68A5516F1324}" dt="2024-01-25T10:44:09.013" v="149" actId="1076"/>
-          <ac:picMkLst>
-            <pc:docMk/>
-            <pc:sldMk cId="1506611494" sldId="281"/>
-            <ac:picMk id="6" creationId="{F7B4799B-BEB4-BC82-1CD6-CE4E3725E9A6}"/>
-          </ac:picMkLst>
-        </pc:picChg>
-      </pc:sldChg>
-      <pc:sldChg chg="addSp delSp modSp add mod setBg delDesignElem">
-        <pc:chgData name="Ihor Aleksandrov" userId="c3051032-6b87-4db2-b257-777a0106fbd9" providerId="ADAL" clId="{C975AD89-9389-4107-B336-68A5516F1324}" dt="2024-01-25T10:50:56.027" v="180" actId="1076"/>
-        <pc:sldMkLst>
-          <pc:docMk/>
-          <pc:sldMk cId="3864832451" sldId="282"/>
-        </pc:sldMkLst>
-        <pc:spChg chg="mod">
-          <ac:chgData name="Ihor Aleksandrov" userId="c3051032-6b87-4db2-b257-777a0106fbd9" providerId="ADAL" clId="{C975AD89-9389-4107-B336-68A5516F1324}" dt="2024-01-25T10:49:42.541" v="165"/>
-          <ac:spMkLst>
-            <pc:docMk/>
-            <pc:sldMk cId="3864832451" sldId="282"/>
-            <ac:spMk id="2" creationId="{53C5D828-9666-E312-B574-9FE965A7D6BE}"/>
-          </ac:spMkLst>
-        </pc:spChg>
-        <pc:spChg chg="mod ord">
-          <ac:chgData name="Ihor Aleksandrov" userId="c3051032-6b87-4db2-b257-777a0106fbd9" providerId="ADAL" clId="{C975AD89-9389-4107-B336-68A5516F1324}" dt="2024-01-25T10:49:22.590" v="158" actId="26606"/>
-          <ac:spMkLst>
-            <pc:docMk/>
-            <pc:sldMk cId="3864832451" sldId="282"/>
-            <ac:spMk id="3" creationId="{5AA19FA0-A765-8169-03F1-928E3EF7B595}"/>
-          </ac:spMkLst>
-        </pc:spChg>
-        <pc:spChg chg="add mod">
-          <ac:chgData name="Ihor Aleksandrov" userId="c3051032-6b87-4db2-b257-777a0106fbd9" providerId="ADAL" clId="{C975AD89-9389-4107-B336-68A5516F1324}" dt="2024-01-25T10:50:20.682" v="172" actId="1076"/>
-          <ac:spMkLst>
-            <pc:docMk/>
-            <pc:sldMk cId="3864832451" sldId="282"/>
-            <ac:spMk id="6" creationId="{12CF0619-126C-0888-A1BF-E4A7B3EBA517}"/>
-          </ac:spMkLst>
-        </pc:spChg>
-        <pc:spChg chg="add mod">
-          <ac:chgData name="Ihor Aleksandrov" userId="c3051032-6b87-4db2-b257-777a0106fbd9" providerId="ADAL" clId="{C975AD89-9389-4107-B336-68A5516F1324}" dt="2024-01-25T10:50:56.027" v="180" actId="1076"/>
-          <ac:spMkLst>
-            <pc:docMk/>
-            <pc:sldMk cId="3864832451" sldId="282"/>
-            <ac:spMk id="8" creationId="{244ADCBF-5DF2-AE48-939C-63FF379832F7}"/>
-          </ac:spMkLst>
-        </pc:spChg>
-        <pc:spChg chg="add">
-          <ac:chgData name="Ihor Aleksandrov" userId="c3051032-6b87-4db2-b257-777a0106fbd9" providerId="ADAL" clId="{C975AD89-9389-4107-B336-68A5516F1324}" dt="2024-01-25T10:49:22.590" v="158" actId="26606"/>
-          <ac:spMkLst>
-            <pc:docMk/>
-            <pc:sldMk cId="3864832451" sldId="282"/>
-            <ac:spMk id="10" creationId="{D4771268-CB57-404A-9271-370EB28F6090}"/>
-          </ac:spMkLst>
-        </pc:spChg>
-        <pc:spChg chg="del">
-          <ac:chgData name="Ihor Aleksandrov" userId="c3051032-6b87-4db2-b257-777a0106fbd9" providerId="ADAL" clId="{C975AD89-9389-4107-B336-68A5516F1324}" dt="2024-01-25T10:49:19.178" v="157"/>
-          <ac:spMkLst>
-            <pc:docMk/>
-            <pc:sldMk cId="3864832451" sldId="282"/>
-            <ac:spMk id="24" creationId="{D4771268-CB57-404A-9271-370EB28F6090}"/>
-          </ac:spMkLst>
-        </pc:spChg>
-        <pc:picChg chg="mod">
-          <ac:chgData name="Ihor Aleksandrov" userId="c3051032-6b87-4db2-b257-777a0106fbd9" providerId="ADAL" clId="{C975AD89-9389-4107-B336-68A5516F1324}" dt="2024-01-25T10:50:05.475" v="167" actId="1076"/>
-          <ac:picMkLst>
-            <pc:docMk/>
-            <pc:sldMk cId="3864832451" sldId="282"/>
-            <ac:picMk id="5" creationId="{C7472C97-E950-C6C2-19AE-07ECFA5C4C69}"/>
-          </ac:picMkLst>
-        </pc:picChg>
-      </pc:sldChg>
-      <pc:sldChg chg="addSp delSp modSp add mod setBg delDesignElem">
-        <pc:chgData name="Ihor Aleksandrov" userId="c3051032-6b87-4db2-b257-777a0106fbd9" providerId="ADAL" clId="{C975AD89-9389-4107-B336-68A5516F1324}" dt="2024-01-25T10:53:03.896" v="199" actId="14100"/>
-        <pc:sldMkLst>
-          <pc:docMk/>
-          <pc:sldMk cId="2194478224" sldId="283"/>
-        </pc:sldMkLst>
-        <pc:spChg chg="mod">
-          <ac:chgData name="Ihor Aleksandrov" userId="c3051032-6b87-4db2-b257-777a0106fbd9" providerId="ADAL" clId="{C975AD89-9389-4107-B336-68A5516F1324}" dt="2024-01-25T10:51:57.012" v="183" actId="26606"/>
-          <ac:spMkLst>
-            <pc:docMk/>
-            <pc:sldMk cId="2194478224" sldId="283"/>
-            <ac:spMk id="2" creationId="{53C5D828-9666-E312-B574-9FE965A7D6BE}"/>
-          </ac:spMkLst>
-        </pc:spChg>
-        <pc:spChg chg="mod ord">
-          <ac:chgData name="Ihor Aleksandrov" userId="c3051032-6b87-4db2-b257-777a0106fbd9" providerId="ADAL" clId="{C975AD89-9389-4107-B336-68A5516F1324}" dt="2024-01-25T10:51:57.012" v="183" actId="26606"/>
-          <ac:spMkLst>
-            <pc:docMk/>
-            <pc:sldMk cId="2194478224" sldId="283"/>
-            <ac:spMk id="3" creationId="{5AA19FA0-A765-8169-03F1-928E3EF7B595}"/>
-          </ac:spMkLst>
-        </pc:spChg>
-        <pc:spChg chg="add mod">
-          <ac:chgData name="Ihor Aleksandrov" userId="c3051032-6b87-4db2-b257-777a0106fbd9" providerId="ADAL" clId="{C975AD89-9389-4107-B336-68A5516F1324}" dt="2024-01-25T10:52:22.888" v="191" actId="14100"/>
-          <ac:spMkLst>
-            <pc:docMk/>
-            <pc:sldMk cId="2194478224" sldId="283"/>
-            <ac:spMk id="6" creationId="{0EF56E11-8A0C-262E-7900-C142560849EA}"/>
-          </ac:spMkLst>
-        </pc:spChg>
-        <pc:spChg chg="add mod">
-          <ac:chgData name="Ihor Aleksandrov" userId="c3051032-6b87-4db2-b257-777a0106fbd9" providerId="ADAL" clId="{C975AD89-9389-4107-B336-68A5516F1324}" dt="2024-01-25T10:53:03.896" v="199" actId="14100"/>
-          <ac:spMkLst>
-            <pc:docMk/>
-            <pc:sldMk cId="2194478224" sldId="283"/>
-            <ac:spMk id="8" creationId="{D0032C88-E589-5987-695A-E6B66ACEB40D}"/>
-          </ac:spMkLst>
-        </pc:spChg>
-        <pc:spChg chg="add">
-          <ac:chgData name="Ihor Aleksandrov" userId="c3051032-6b87-4db2-b257-777a0106fbd9" providerId="ADAL" clId="{C975AD89-9389-4107-B336-68A5516F1324}" dt="2024-01-25T10:51:57.012" v="183" actId="26606"/>
-          <ac:spMkLst>
-            <pc:docMk/>
-            <pc:sldMk cId="2194478224" sldId="283"/>
-            <ac:spMk id="9" creationId="{D4771268-CB57-404A-9271-370EB28F6090}"/>
-          </ac:spMkLst>
-        </pc:spChg>
-        <pc:spChg chg="del">
-          <ac:chgData name="Ihor Aleksandrov" userId="c3051032-6b87-4db2-b257-777a0106fbd9" providerId="ADAL" clId="{C975AD89-9389-4107-B336-68A5516F1324}" dt="2024-01-25T10:51:53.811" v="182"/>
-          <ac:spMkLst>
-            <pc:docMk/>
-            <pc:sldMk cId="2194478224" sldId="283"/>
-            <ac:spMk id="24" creationId="{D4771268-CB57-404A-9271-370EB28F6090}"/>
-          </ac:spMkLst>
-        </pc:spChg>
-        <pc:picChg chg="mod">
-          <ac:chgData name="Ihor Aleksandrov" userId="c3051032-6b87-4db2-b257-777a0106fbd9" providerId="ADAL" clId="{C975AD89-9389-4107-B336-68A5516F1324}" dt="2024-01-25T10:52:05.519" v="187" actId="1076"/>
-          <ac:picMkLst>
-            <pc:docMk/>
-            <pc:sldMk cId="2194478224" sldId="283"/>
-            <ac:picMk id="4" creationId="{8F2E114A-EFDE-8D45-E482-1B0918ACBF79}"/>
-          </ac:picMkLst>
-        </pc:picChg>
-      </pc:sldChg>
-      <pc:sldChg chg="addSp delSp add del setBg delDesignElem">
-        <pc:chgData name="Ihor Aleksandrov" userId="c3051032-6b87-4db2-b257-777a0106fbd9" providerId="ADAL" clId="{C975AD89-9389-4107-B336-68A5516F1324}" dt="2024-01-25T10:56:22.743" v="202"/>
-        <pc:sldMkLst>
-          <pc:docMk/>
-          <pc:sldMk cId="2028152352" sldId="284"/>
-        </pc:sldMkLst>
-        <pc:spChg chg="add del">
-          <ac:chgData name="Ihor Aleksandrov" userId="c3051032-6b87-4db2-b257-777a0106fbd9" providerId="ADAL" clId="{C975AD89-9389-4107-B336-68A5516F1324}" dt="2024-01-25T10:56:22.743" v="202"/>
-          <ac:spMkLst>
-            <pc:docMk/>
-            <pc:sldMk cId="2028152352" sldId="284"/>
-            <ac:spMk id="9" creationId="{C3896A03-3945-419A-B66B-4EE266EDD152}"/>
-          </ac:spMkLst>
-        </pc:spChg>
-        <pc:spChg chg="add del">
-          <ac:chgData name="Ihor Aleksandrov" userId="c3051032-6b87-4db2-b257-777a0106fbd9" providerId="ADAL" clId="{C975AD89-9389-4107-B336-68A5516F1324}" dt="2024-01-25T10:56:22.743" v="202"/>
-          <ac:spMkLst>
-            <pc:docMk/>
-            <pc:sldMk cId="2028152352" sldId="284"/>
-            <ac:spMk id="11" creationId="{B34F5AD2-EDBD-4BBD-A55C-EAFFD0C7097A}"/>
-          </ac:spMkLst>
-        </pc:spChg>
-      </pc:sldChg>
-      <pc:sldChg chg="modSp add ord">
-        <pc:chgData name="Ihor Aleksandrov" userId="c3051032-6b87-4db2-b257-777a0106fbd9" providerId="ADAL" clId="{C975AD89-9389-4107-B336-68A5516F1324}" dt="2024-01-25T10:56:43.408" v="211" actId="20577"/>
-        <pc:sldMkLst>
-          <pc:docMk/>
-          <pc:sldMk cId="3460809786" sldId="284"/>
-        </pc:sldMkLst>
-        <pc:spChg chg="mod">
-          <ac:chgData name="Ihor Aleksandrov" userId="c3051032-6b87-4db2-b257-777a0106fbd9" providerId="ADAL" clId="{C975AD89-9389-4107-B336-68A5516F1324}" dt="2024-01-25T10:56:43.408" v="211" actId="20577"/>
-          <ac:spMkLst>
-            <pc:docMk/>
-            <pc:sldMk cId="3460809786" sldId="284"/>
-            <ac:spMk id="2" creationId="{2C4A1DFF-3C45-F11D-E6A6-19C0306E5E2B}"/>
-          </ac:spMkLst>
-        </pc:spChg>
-      </pc:sldChg>
-      <pc:sldChg chg="addSp delSp modSp add mod ord">
-        <pc:chgData name="Ihor Aleksandrov" userId="c3051032-6b87-4db2-b257-777a0106fbd9" providerId="ADAL" clId="{C975AD89-9389-4107-B336-68A5516F1324}" dt="2024-01-25T10:57:59.160" v="226" actId="1076"/>
-        <pc:sldMkLst>
-          <pc:docMk/>
-          <pc:sldMk cId="376432090" sldId="285"/>
-        </pc:sldMkLst>
-        <pc:spChg chg="mod">
-          <ac:chgData name="Ihor Aleksandrov" userId="c3051032-6b87-4db2-b257-777a0106fbd9" providerId="ADAL" clId="{C975AD89-9389-4107-B336-68A5516F1324}" dt="2024-01-25T10:57:21.162" v="221" actId="20577"/>
-          <ac:spMkLst>
-            <pc:docMk/>
-            <pc:sldMk cId="376432090" sldId="285"/>
-            <ac:spMk id="2" creationId="{2C4A1DFF-3C45-F11D-E6A6-19C0306E5E2B}"/>
-          </ac:spMkLst>
-        </pc:spChg>
-        <pc:spChg chg="del">
-          <ac:chgData name="Ihor Aleksandrov" userId="c3051032-6b87-4db2-b257-777a0106fbd9" providerId="ADAL" clId="{C975AD89-9389-4107-B336-68A5516F1324}" dt="2024-01-25T10:57:37.186" v="222" actId="478"/>
-          <ac:spMkLst>
-            <pc:docMk/>
-            <pc:sldMk cId="376432090" sldId="285"/>
-            <ac:spMk id="3" creationId="{83E94964-4387-6754-A4EC-18732A6BF475}"/>
-          </ac:spMkLst>
-        </pc:spChg>
-        <pc:spChg chg="add mod">
-          <ac:chgData name="Ihor Aleksandrov" userId="c3051032-6b87-4db2-b257-777a0106fbd9" providerId="ADAL" clId="{C975AD89-9389-4107-B336-68A5516F1324}" dt="2024-01-25T10:57:59.160" v="226" actId="1076"/>
-          <ac:spMkLst>
-            <pc:docMk/>
-            <pc:sldMk cId="376432090" sldId="285"/>
-            <ac:spMk id="6" creationId="{EDE2CC06-A039-4585-A400-692CBCC3EF08}"/>
-          </ac:spMkLst>
-        </pc:spChg>
-      </pc:sldChg>
-      <pc:sldChg chg="addSp delSp add del setBg delDesignElem">
-        <pc:chgData name="Ihor Aleksandrov" userId="c3051032-6b87-4db2-b257-777a0106fbd9" providerId="ADAL" clId="{C975AD89-9389-4107-B336-68A5516F1324}" dt="2024-01-25T11:10:48.524" v="262"/>
-        <pc:sldMkLst>
-          <pc:docMk/>
-          <pc:sldMk cId="1586376586" sldId="286"/>
-        </pc:sldMkLst>
-        <pc:spChg chg="add del">
-          <ac:chgData name="Ihor Aleksandrov" userId="c3051032-6b87-4db2-b257-777a0106fbd9" providerId="ADAL" clId="{C975AD89-9389-4107-B336-68A5516F1324}" dt="2024-01-25T11:10:48.524" v="262"/>
-          <ac:spMkLst>
-            <pc:docMk/>
-            <pc:sldMk cId="1586376586" sldId="286"/>
-            <ac:spMk id="24" creationId="{D4771268-CB57-404A-9271-370EB28F6090}"/>
-          </ac:spMkLst>
-        </pc:spChg>
-      </pc:sldChg>
-      <pc:sldChg chg="delSp add del setBg delDesignElem">
-        <pc:chgData name="Ihor Aleksandrov" userId="c3051032-6b87-4db2-b257-777a0106fbd9" providerId="ADAL" clId="{C975AD89-9389-4107-B336-68A5516F1324}" dt="2024-01-25T11:00:13.292" v="234" actId="2696"/>
-        <pc:sldMkLst>
-          <pc:docMk/>
-          <pc:sldMk cId="2433051637" sldId="286"/>
-        </pc:sldMkLst>
-        <pc:spChg chg="del">
-          <ac:chgData name="Ihor Aleksandrov" userId="c3051032-6b87-4db2-b257-777a0106fbd9" providerId="ADAL" clId="{C975AD89-9389-4107-B336-68A5516F1324}" dt="2024-01-25T10:59:19.348" v="228"/>
-          <ac:spMkLst>
-            <pc:docMk/>
-            <pc:sldMk cId="2433051637" sldId="286"/>
-            <ac:spMk id="24" creationId="{D4771268-CB57-404A-9271-370EB28F6090}"/>
-          </ac:spMkLst>
-        </pc:spChg>
-      </pc:sldChg>
-      <pc:sldChg chg="add del">
-        <pc:chgData name="Ihor Aleksandrov" userId="c3051032-6b87-4db2-b257-777a0106fbd9" providerId="ADAL" clId="{C975AD89-9389-4107-B336-68A5516F1324}" dt="2024-01-25T10:59:48.065" v="230" actId="2890"/>
-        <pc:sldMkLst>
-          <pc:docMk/>
-          <pc:sldMk cId="1066104663" sldId="287"/>
-        </pc:sldMkLst>
-      </pc:sldChg>
-      <pc:sldChg chg="addSp delSp modSp add mod ord">
-        <pc:chgData name="Ihor Aleksandrov" userId="c3051032-6b87-4db2-b257-777a0106fbd9" providerId="ADAL" clId="{C975AD89-9389-4107-B336-68A5516F1324}" dt="2024-01-25T11:01:30.390" v="240" actId="1076"/>
-        <pc:sldMkLst>
-          <pc:docMk/>
-          <pc:sldMk cId="1306830866" sldId="287"/>
-        </pc:sldMkLst>
-        <pc:spChg chg="mod">
-          <ac:chgData name="Ihor Aleksandrov" userId="c3051032-6b87-4db2-b257-777a0106fbd9" providerId="ADAL" clId="{C975AD89-9389-4107-B336-68A5516F1324}" dt="2024-01-25T11:01:12.707" v="237"/>
-          <ac:spMkLst>
-            <pc:docMk/>
-            <pc:sldMk cId="1306830866" sldId="287"/>
-            <ac:spMk id="2" creationId="{53C5D828-9666-E312-B574-9FE965A7D6BE}"/>
-          </ac:spMkLst>
-        </pc:spChg>
-        <pc:spChg chg="add mod">
-          <ac:chgData name="Ihor Aleksandrov" userId="c3051032-6b87-4db2-b257-777a0106fbd9" providerId="ADAL" clId="{C975AD89-9389-4107-B336-68A5516F1324}" dt="2024-01-25T11:01:30.390" v="240" actId="1076"/>
-          <ac:spMkLst>
-            <pc:docMk/>
-            <pc:sldMk cId="1306830866" sldId="287"/>
-            <ac:spMk id="5" creationId="{F6D00A0C-6592-19F0-ED9D-25D2F146BF8B}"/>
-          </ac:spMkLst>
-        </pc:spChg>
-        <pc:spChg chg="del">
-          <ac:chgData name="Ihor Aleksandrov" userId="c3051032-6b87-4db2-b257-777a0106fbd9" providerId="ADAL" clId="{C975AD89-9389-4107-B336-68A5516F1324}" dt="2024-01-25T11:01:25.551" v="238" actId="478"/>
-          <ac:spMkLst>
-            <pc:docMk/>
-            <pc:sldMk cId="1306830866" sldId="287"/>
-            <ac:spMk id="10" creationId="{F24BEA27-D44B-2EE7-CAFE-869E74A5EAC6}"/>
-          </ac:spMkLst>
-        </pc:spChg>
-      </pc:sldChg>
-      <pc:sldChg chg="addSp delSp modSp add mod">
-        <pc:chgData name="Ihor Aleksandrov" userId="c3051032-6b87-4db2-b257-777a0106fbd9" providerId="ADAL" clId="{C975AD89-9389-4107-B336-68A5516F1324}" dt="2024-01-25T11:24:18.772" v="286" actId="1076"/>
-        <pc:sldMkLst>
-          <pc:docMk/>
-          <pc:sldMk cId="837736118" sldId="288"/>
-        </pc:sldMkLst>
-        <pc:spChg chg="mod">
-          <ac:chgData name="Ihor Aleksandrov" userId="c3051032-6b87-4db2-b257-777a0106fbd9" providerId="ADAL" clId="{C975AD89-9389-4107-B336-68A5516F1324}" dt="2024-01-25T11:02:26.630" v="247"/>
-          <ac:spMkLst>
-            <pc:docMk/>
-            <pc:sldMk cId="837736118" sldId="288"/>
-            <ac:spMk id="2" creationId="{53C5D828-9666-E312-B574-9FE965A7D6BE}"/>
-          </ac:spMkLst>
-        </pc:spChg>
-        <pc:spChg chg="del">
-          <ac:chgData name="Ihor Aleksandrov" userId="c3051032-6b87-4db2-b257-777a0106fbd9" providerId="ADAL" clId="{C975AD89-9389-4107-B336-68A5516F1324}" dt="2024-01-25T11:02:35.938" v="248" actId="478"/>
-          <ac:spMkLst>
-            <pc:docMk/>
-            <pc:sldMk cId="837736118" sldId="288"/>
-            <ac:spMk id="5" creationId="{F6D00A0C-6592-19F0-ED9D-25D2F146BF8B}"/>
-          </ac:spMkLst>
-        </pc:spChg>
-        <pc:spChg chg="add del mod">
-          <ac:chgData name="Ihor Aleksandrov" userId="c3051032-6b87-4db2-b257-777a0106fbd9" providerId="ADAL" clId="{C975AD89-9389-4107-B336-68A5516F1324}" dt="2024-01-25T11:23:55.017" v="280" actId="478"/>
-          <ac:spMkLst>
-            <pc:docMk/>
-            <pc:sldMk cId="837736118" sldId="288"/>
-            <ac:spMk id="6" creationId="{01AD93BC-945D-BBF5-FDF1-8DC4ABACECF6}"/>
-          </ac:spMkLst>
-        </pc:spChg>
-        <pc:spChg chg="add mod">
-          <ac:chgData name="Ihor Aleksandrov" userId="c3051032-6b87-4db2-b257-777a0106fbd9" providerId="ADAL" clId="{C975AD89-9389-4107-B336-68A5516F1324}" dt="2024-01-25T11:24:18.772" v="286" actId="1076"/>
-          <ac:spMkLst>
-            <pc:docMk/>
-            <pc:sldMk cId="837736118" sldId="288"/>
-            <ac:spMk id="11" creationId="{5E7AA7B8-67EC-41E2-435B-B86B785EF666}"/>
-          </ac:spMkLst>
-        </pc:spChg>
-        <pc:picChg chg="add mod">
-          <ac:chgData name="Ihor Aleksandrov" userId="c3051032-6b87-4db2-b257-777a0106fbd9" providerId="ADAL" clId="{C975AD89-9389-4107-B336-68A5516F1324}" dt="2024-01-25T11:23:52.044" v="279" actId="1076"/>
-          <ac:picMkLst>
-            <pc:docMk/>
-            <pc:sldMk cId="837736118" sldId="288"/>
-            <ac:picMk id="8" creationId="{6BFFE2DA-6DBE-0CC0-59AA-6CC55CA1B64E}"/>
-          </ac:picMkLst>
-        </pc:picChg>
-      </pc:sldChg>
-      <pc:sldChg chg="delSp add del setBg delDesignElem">
-        <pc:chgData name="Ihor Aleksandrov" userId="c3051032-6b87-4db2-b257-777a0106fbd9" providerId="ADAL" clId="{C975AD89-9389-4107-B336-68A5516F1324}" dt="2024-01-25T11:02:11.176" v="243" actId="47"/>
-        <pc:sldMkLst>
-          <pc:docMk/>
-          <pc:sldMk cId="2869825701" sldId="288"/>
-        </pc:sldMkLst>
-        <pc:spChg chg="del">
-          <ac:chgData name="Ihor Aleksandrov" userId="c3051032-6b87-4db2-b257-777a0106fbd9" providerId="ADAL" clId="{C975AD89-9389-4107-B336-68A5516F1324}" dt="2024-01-25T11:01:58.789" v="242"/>
-          <ac:spMkLst>
-            <pc:docMk/>
-            <pc:sldMk cId="2869825701" sldId="288"/>
-            <ac:spMk id="24" creationId="{D4771268-CB57-404A-9271-370EB28F6090}"/>
-          </ac:spMkLst>
-        </pc:spChg>
-      </pc:sldChg>
-      <pc:sldChg chg="addSp delSp modSp add mod setBg delDesignElem">
-        <pc:chgData name="Ihor Aleksandrov" userId="c3051032-6b87-4db2-b257-777a0106fbd9" providerId="ADAL" clId="{C975AD89-9389-4107-B336-68A5516F1324}" dt="2024-01-25T11:06:01.693" v="259" actId="14100"/>
-        <pc:sldMkLst>
-          <pc:docMk/>
-          <pc:sldMk cId="856240837" sldId="289"/>
-        </pc:sldMkLst>
-        <pc:spChg chg="mod">
-          <ac:chgData name="Ihor Aleksandrov" userId="c3051032-6b87-4db2-b257-777a0106fbd9" providerId="ADAL" clId="{C975AD89-9389-4107-B336-68A5516F1324}" dt="2024-01-25T11:04:34.918" v="253" actId="26606"/>
-          <ac:spMkLst>
-            <pc:docMk/>
-            <pc:sldMk cId="856240837" sldId="289"/>
-            <ac:spMk id="2" creationId="{53C5D828-9666-E312-B574-9FE965A7D6BE}"/>
-          </ac:spMkLst>
-        </pc:spChg>
-        <pc:spChg chg="mod ord">
-          <ac:chgData name="Ihor Aleksandrov" userId="c3051032-6b87-4db2-b257-777a0106fbd9" providerId="ADAL" clId="{C975AD89-9389-4107-B336-68A5516F1324}" dt="2024-01-25T11:04:34.918" v="253" actId="26606"/>
-          <ac:spMkLst>
-            <pc:docMk/>
-            <pc:sldMk cId="856240837" sldId="289"/>
-            <ac:spMk id="3" creationId="{1036EAC4-6DDE-DD5B-3CF9-C5CD859E6DC2}"/>
-          </ac:spMkLst>
-        </pc:spChg>
-        <pc:spChg chg="add mod">
-          <ac:chgData name="Ihor Aleksandrov" userId="c3051032-6b87-4db2-b257-777a0106fbd9" providerId="ADAL" clId="{C975AD89-9389-4107-B336-68A5516F1324}" dt="2024-01-25T11:06:01.693" v="259" actId="14100"/>
-          <ac:spMkLst>
-            <pc:docMk/>
-            <pc:sldMk cId="856240837" sldId="289"/>
-            <ac:spMk id="6" creationId="{10E80B22-0D81-BF70-5E1A-3AAF4A059810}"/>
-          </ac:spMkLst>
-        </pc:spChg>
-        <pc:spChg chg="add">
-          <ac:chgData name="Ihor Aleksandrov" userId="c3051032-6b87-4db2-b257-777a0106fbd9" providerId="ADAL" clId="{C975AD89-9389-4107-B336-68A5516F1324}" dt="2024-01-25T11:04:34.918" v="253" actId="26606"/>
-          <ac:spMkLst>
-            <pc:docMk/>
-            <pc:sldMk cId="856240837" sldId="289"/>
-            <ac:spMk id="9" creationId="{D4771268-CB57-404A-9271-370EB28F6090}"/>
-          </ac:spMkLst>
-        </pc:spChg>
-        <pc:spChg chg="del">
-          <ac:chgData name="Ihor Aleksandrov" userId="c3051032-6b87-4db2-b257-777a0106fbd9" providerId="ADAL" clId="{C975AD89-9389-4107-B336-68A5516F1324}" dt="2024-01-25T11:04:29.288" v="252"/>
-          <ac:spMkLst>
-            <pc:docMk/>
-            <pc:sldMk cId="856240837" sldId="289"/>
-            <ac:spMk id="24" creationId="{D4771268-CB57-404A-9271-370EB28F6090}"/>
-          </ac:spMkLst>
-        </pc:spChg>
-        <pc:picChg chg="mod">
-          <ac:chgData name="Ihor Aleksandrov" userId="c3051032-6b87-4db2-b257-777a0106fbd9" providerId="ADAL" clId="{C975AD89-9389-4107-B336-68A5516F1324}" dt="2024-01-25T11:04:40.845" v="255" actId="1076"/>
-          <ac:picMkLst>
-            <pc:docMk/>
-            <pc:sldMk cId="856240837" sldId="289"/>
-            <ac:picMk id="4" creationId="{A8C20435-8FF0-1341-85C4-558E352F27E5}"/>
-          </ac:picMkLst>
-        </pc:picChg>
-      </pc:sldChg>
-      <pc:sldChg chg="modSp add mod ord">
-        <pc:chgData name="Ihor Aleksandrov" userId="c3051032-6b87-4db2-b257-777a0106fbd9" providerId="ADAL" clId="{C975AD89-9389-4107-B336-68A5516F1324}" dt="2024-01-25T11:11:39.695" v="275" actId="1076"/>
-        <pc:sldMkLst>
-          <pc:docMk/>
-          <pc:sldMk cId="509012579" sldId="290"/>
-        </pc:sldMkLst>
-        <pc:spChg chg="mod">
-          <ac:chgData name="Ihor Aleksandrov" userId="c3051032-6b87-4db2-b257-777a0106fbd9" providerId="ADAL" clId="{C975AD89-9389-4107-B336-68A5516F1324}" dt="2024-01-25T11:11:05.918" v="269" actId="27636"/>
-          <ac:spMkLst>
-            <pc:docMk/>
-            <pc:sldMk cId="509012579" sldId="290"/>
-            <ac:spMk id="2" creationId="{53C5D828-9666-E312-B574-9FE965A7D6BE}"/>
-          </ac:spMkLst>
-        </pc:spChg>
-        <pc:spChg chg="mod">
-          <ac:chgData name="Ihor Aleksandrov" userId="c3051032-6b87-4db2-b257-777a0106fbd9" providerId="ADAL" clId="{C975AD89-9389-4107-B336-68A5516F1324}" dt="2024-01-25T11:11:39.695" v="275" actId="1076"/>
-          <ac:spMkLst>
-            <pc:docMk/>
-            <pc:sldMk cId="509012579" sldId="290"/>
-            <ac:spMk id="6" creationId="{01AD93BC-945D-BBF5-FDF1-8DC4ABACECF6}"/>
-          </ac:spMkLst>
-        </pc:spChg>
-      </pc:sldChg>
-      <pc:sldChg chg="addSp delSp modSp add mod ord">
-        <pc:chgData name="Ihor Aleksandrov" userId="c3051032-6b87-4db2-b257-777a0106fbd9" providerId="ADAL" clId="{C975AD89-9389-4107-B336-68A5516F1324}" dt="2024-01-25T11:27:52.258" v="298" actId="14100"/>
-        <pc:sldMkLst>
-          <pc:docMk/>
-          <pc:sldMk cId="454153650" sldId="291"/>
-        </pc:sldMkLst>
-        <pc:spChg chg="mod">
-          <ac:chgData name="Ihor Aleksandrov" userId="c3051032-6b87-4db2-b257-777a0106fbd9" providerId="ADAL" clId="{C975AD89-9389-4107-B336-68A5516F1324}" dt="2024-01-25T11:27:28.049" v="294" actId="20577"/>
-          <ac:spMkLst>
-            <pc:docMk/>
-            <pc:sldMk cId="454153650" sldId="291"/>
-            <ac:spMk id="2" creationId="{2C4A1DFF-3C45-F11D-E6A6-19C0306E5E2B}"/>
-          </ac:spMkLst>
-        </pc:spChg>
-        <pc:spChg chg="add mod">
-          <ac:chgData name="Ihor Aleksandrov" userId="c3051032-6b87-4db2-b257-777a0106fbd9" providerId="ADAL" clId="{C975AD89-9389-4107-B336-68A5516F1324}" dt="2024-01-25T11:27:52.258" v="298" actId="14100"/>
-          <ac:spMkLst>
-            <pc:docMk/>
-            <pc:sldMk cId="454153650" sldId="291"/>
-            <ac:spMk id="5" creationId="{E37FADC7-70DE-0008-DD2A-8D7757A912B1}"/>
-          </ac:spMkLst>
-        </pc:spChg>
-        <pc:spChg chg="del">
-          <ac:chgData name="Ihor Aleksandrov" userId="c3051032-6b87-4db2-b257-777a0106fbd9" providerId="ADAL" clId="{C975AD89-9389-4107-B336-68A5516F1324}" dt="2024-01-25T11:27:42.403" v="295" actId="478"/>
-          <ac:spMkLst>
-            <pc:docMk/>
-            <pc:sldMk cId="454153650" sldId="291"/>
-            <ac:spMk id="6" creationId="{EDE2CC06-A039-4585-A400-692CBCC3EF08}"/>
-          </ac:spMkLst>
-        </pc:spChg>
-      </pc:sldChg>
-      <pc:sldChg chg="addSp delSp modSp add mod setBg delDesignElem">
-        <pc:chgData name="Ihor Aleksandrov" userId="c3051032-6b87-4db2-b257-777a0106fbd9" providerId="ADAL" clId="{C975AD89-9389-4107-B336-68A5516F1324}" dt="2024-01-25T11:29:23.835" v="307" actId="1076"/>
-        <pc:sldMkLst>
-          <pc:docMk/>
-          <pc:sldMk cId="156474206" sldId="292"/>
-        </pc:sldMkLst>
-        <pc:spChg chg="mod">
-          <ac:chgData name="Ihor Aleksandrov" userId="c3051032-6b87-4db2-b257-777a0106fbd9" providerId="ADAL" clId="{C975AD89-9389-4107-B336-68A5516F1324}" dt="2024-01-25T11:28:49.339" v="301" actId="26606"/>
-          <ac:spMkLst>
-            <pc:docMk/>
-            <pc:sldMk cId="156474206" sldId="292"/>
-            <ac:spMk id="2" creationId="{53C5D828-9666-E312-B574-9FE965A7D6BE}"/>
-          </ac:spMkLst>
-        </pc:spChg>
-        <pc:spChg chg="mod ord">
-          <ac:chgData name="Ihor Aleksandrov" userId="c3051032-6b87-4db2-b257-777a0106fbd9" providerId="ADAL" clId="{C975AD89-9389-4107-B336-68A5516F1324}" dt="2024-01-25T11:28:49.339" v="301" actId="26606"/>
-          <ac:spMkLst>
-            <pc:docMk/>
-            <pc:sldMk cId="156474206" sldId="292"/>
-            <ac:spMk id="3" creationId="{1036EAC4-6DDE-DD5B-3CF9-C5CD859E6DC2}"/>
-          </ac:spMkLst>
-        </pc:spChg>
-        <pc:spChg chg="add mod">
-          <ac:chgData name="Ihor Aleksandrov" userId="c3051032-6b87-4db2-b257-777a0106fbd9" providerId="ADAL" clId="{C975AD89-9389-4107-B336-68A5516F1324}" dt="2024-01-25T11:29:23.835" v="307" actId="1076"/>
-          <ac:spMkLst>
-            <pc:docMk/>
-            <pc:sldMk cId="156474206" sldId="292"/>
-            <ac:spMk id="6" creationId="{DFB502F1-4A04-A6A1-E8DE-E0BF84E6FDC5}"/>
-          </ac:spMkLst>
-        </pc:spChg>
-        <pc:spChg chg="add">
-          <ac:chgData name="Ihor Aleksandrov" userId="c3051032-6b87-4db2-b257-777a0106fbd9" providerId="ADAL" clId="{C975AD89-9389-4107-B336-68A5516F1324}" dt="2024-01-25T11:28:49.339" v="301" actId="26606"/>
-          <ac:spMkLst>
-            <pc:docMk/>
-            <pc:sldMk cId="156474206" sldId="292"/>
-            <ac:spMk id="9" creationId="{D4771268-CB57-404A-9271-370EB28F6090}"/>
-          </ac:spMkLst>
-        </pc:spChg>
-        <pc:spChg chg="del">
-          <ac:chgData name="Ihor Aleksandrov" userId="c3051032-6b87-4db2-b257-777a0106fbd9" providerId="ADAL" clId="{C975AD89-9389-4107-B336-68A5516F1324}" dt="2024-01-25T11:28:45.469" v="300"/>
-          <ac:spMkLst>
-            <pc:docMk/>
-            <pc:sldMk cId="156474206" sldId="292"/>
-            <ac:spMk id="24" creationId="{D4771268-CB57-404A-9271-370EB28F6090}"/>
-          </ac:spMkLst>
-        </pc:spChg>
-        <pc:picChg chg="mod">
-          <ac:chgData name="Ihor Aleksandrov" userId="c3051032-6b87-4db2-b257-777a0106fbd9" providerId="ADAL" clId="{C975AD89-9389-4107-B336-68A5516F1324}" dt="2024-01-25T11:29:09.657" v="303" actId="1076"/>
-          <ac:picMkLst>
-            <pc:docMk/>
-            <pc:sldMk cId="156474206" sldId="292"/>
-            <ac:picMk id="4" creationId="{0D7416A8-5E31-A6F5-922C-BB434A29C3EE}"/>
-          </ac:picMkLst>
-        </pc:picChg>
-      </pc:sldChg>
-      <pc:sldChg chg="addSp delSp modSp add mod ord modAnim">
-        <pc:chgData name="Ihor Aleksandrov" userId="c3051032-6b87-4db2-b257-777a0106fbd9" providerId="ADAL" clId="{C975AD89-9389-4107-B336-68A5516F1324}" dt="2024-01-25T11:43:06.200" v="345" actId="14100"/>
-        <pc:sldMkLst>
-          <pc:docMk/>
-          <pc:sldMk cId="1604524467" sldId="293"/>
-        </pc:sldMkLst>
-        <pc:spChg chg="mod">
-          <ac:chgData name="Ihor Aleksandrov" userId="c3051032-6b87-4db2-b257-777a0106fbd9" providerId="ADAL" clId="{C975AD89-9389-4107-B336-68A5516F1324}" dt="2024-01-25T11:42:54.442" v="341" actId="20577"/>
-          <ac:spMkLst>
-            <pc:docMk/>
-            <pc:sldMk cId="1604524467" sldId="293"/>
-            <ac:spMk id="2" creationId="{2C4A1DFF-3C45-F11D-E6A6-19C0306E5E2B}"/>
-          </ac:spMkLst>
-        </pc:spChg>
-        <pc:spChg chg="del">
-          <ac:chgData name="Ihor Aleksandrov" userId="c3051032-6b87-4db2-b257-777a0106fbd9" providerId="ADAL" clId="{C975AD89-9389-4107-B336-68A5516F1324}" dt="2024-01-25T11:42:59.881" v="342" actId="478"/>
-          <ac:spMkLst>
-            <pc:docMk/>
-            <pc:sldMk cId="1604524467" sldId="293"/>
-            <ac:spMk id="5" creationId="{E37FADC7-70DE-0008-DD2A-8D7757A912B1}"/>
-          </ac:spMkLst>
-        </pc:spChg>
-        <pc:spChg chg="add mod">
-          <ac:chgData name="Ihor Aleksandrov" userId="c3051032-6b87-4db2-b257-777a0106fbd9" providerId="ADAL" clId="{C975AD89-9389-4107-B336-68A5516F1324}" dt="2024-01-25T11:43:06.200" v="345" actId="14100"/>
-          <ac:spMkLst>
-            <pc:docMk/>
-            <pc:sldMk cId="1604524467" sldId="293"/>
-            <ac:spMk id="6" creationId="{D2294E31-9E00-72D9-30C7-6482D918EB75}"/>
-          </ac:spMkLst>
-        </pc:spChg>
-      </pc:sldChg>
-      <pc:sldChg chg="addSp delSp modSp add mod setBg delDesignElem">
-        <pc:chgData name="Ihor Aleksandrov" userId="c3051032-6b87-4db2-b257-777a0106fbd9" providerId="ADAL" clId="{C975AD89-9389-4107-B336-68A5516F1324}" dt="2024-01-25T11:50:21.199" v="355" actId="1076"/>
-        <pc:sldMkLst>
-          <pc:docMk/>
-          <pc:sldMk cId="1939738048" sldId="294"/>
-        </pc:sldMkLst>
-        <pc:spChg chg="mod">
-          <ac:chgData name="Ihor Aleksandrov" userId="c3051032-6b87-4db2-b257-777a0106fbd9" providerId="ADAL" clId="{C975AD89-9389-4107-B336-68A5516F1324}" dt="2024-01-25T11:49:50.727" v="348" actId="26606"/>
-          <ac:spMkLst>
-            <pc:docMk/>
-            <pc:sldMk cId="1939738048" sldId="294"/>
-            <ac:spMk id="2" creationId="{53C5D828-9666-E312-B574-9FE965A7D6BE}"/>
-          </ac:spMkLst>
-        </pc:spChg>
-        <pc:spChg chg="mod ord">
-          <ac:chgData name="Ihor Aleksandrov" userId="c3051032-6b87-4db2-b257-777a0106fbd9" providerId="ADAL" clId="{C975AD89-9389-4107-B336-68A5516F1324}" dt="2024-01-25T11:49:50.727" v="348" actId="26606"/>
-          <ac:spMkLst>
-            <pc:docMk/>
-            <pc:sldMk cId="1939738048" sldId="294"/>
-            <ac:spMk id="3" creationId="{1036EAC4-6DDE-DD5B-3CF9-C5CD859E6DC2}"/>
-          </ac:spMkLst>
-        </pc:spChg>
-        <pc:spChg chg="add mod">
-          <ac:chgData name="Ihor Aleksandrov" userId="c3051032-6b87-4db2-b257-777a0106fbd9" providerId="ADAL" clId="{C975AD89-9389-4107-B336-68A5516F1324}" dt="2024-01-25T11:50:21.199" v="355" actId="1076"/>
-          <ac:spMkLst>
-            <pc:docMk/>
-            <pc:sldMk cId="1939738048" sldId="294"/>
-            <ac:spMk id="6" creationId="{C4CA90F0-C137-9C7D-CD89-ECEC7996EB73}"/>
-          </ac:spMkLst>
-        </pc:spChg>
-        <pc:spChg chg="add">
-          <ac:chgData name="Ihor Aleksandrov" userId="c3051032-6b87-4db2-b257-777a0106fbd9" providerId="ADAL" clId="{C975AD89-9389-4107-B336-68A5516F1324}" dt="2024-01-25T11:49:50.727" v="348" actId="26606"/>
-          <ac:spMkLst>
-            <pc:docMk/>
-            <pc:sldMk cId="1939738048" sldId="294"/>
-            <ac:spMk id="9" creationId="{D4771268-CB57-404A-9271-370EB28F6090}"/>
-          </ac:spMkLst>
-        </pc:spChg>
-        <pc:spChg chg="del">
-          <ac:chgData name="Ihor Aleksandrov" userId="c3051032-6b87-4db2-b257-777a0106fbd9" providerId="ADAL" clId="{C975AD89-9389-4107-B336-68A5516F1324}" dt="2024-01-25T11:49:46.822" v="347"/>
-          <ac:spMkLst>
-            <pc:docMk/>
-            <pc:sldMk cId="1939738048" sldId="294"/>
-            <ac:spMk id="24" creationId="{D4771268-CB57-404A-9271-370EB28F6090}"/>
-          </ac:spMkLst>
-        </pc:spChg>
-        <pc:picChg chg="mod">
-          <ac:chgData name="Ihor Aleksandrov" userId="c3051032-6b87-4db2-b257-777a0106fbd9" providerId="ADAL" clId="{C975AD89-9389-4107-B336-68A5516F1324}" dt="2024-01-25T11:49:56.626" v="350" actId="1076"/>
-          <ac:picMkLst>
-            <pc:docMk/>
-            <pc:sldMk cId="1939738048" sldId="294"/>
-            <ac:picMk id="4" creationId="{49B21785-1E7E-8457-4FBF-E3FC2CCADD04}"/>
-          </ac:picMkLst>
-        </pc:picChg>
-      </pc:sldChg>
-      <pc:sldChg chg="delSp add del setBg delDesignElem">
-        <pc:chgData name="Ihor Aleksandrov" userId="c3051032-6b87-4db2-b257-777a0106fbd9" providerId="ADAL" clId="{C975AD89-9389-4107-B336-68A5516F1324}" dt="2024-01-25T11:52:02.779" v="358" actId="47"/>
-        <pc:sldMkLst>
-          <pc:docMk/>
-          <pc:sldMk cId="1018496090" sldId="295"/>
-        </pc:sldMkLst>
-        <pc:spChg chg="del">
-          <ac:chgData name="Ihor Aleksandrov" userId="c3051032-6b87-4db2-b257-777a0106fbd9" providerId="ADAL" clId="{C975AD89-9389-4107-B336-68A5516F1324}" dt="2024-01-25T11:51:54.960" v="357"/>
-          <ac:spMkLst>
-            <pc:docMk/>
-            <pc:sldMk cId="1018496090" sldId="295"/>
-            <ac:spMk id="24" creationId="{D4771268-CB57-404A-9271-370EB28F6090}"/>
-          </ac:spMkLst>
-        </pc:spChg>
-      </pc:sldChg>
-      <pc:sldChg chg="addSp delSp modSp add mod">
-        <pc:chgData name="Ihor Aleksandrov" userId="c3051032-6b87-4db2-b257-777a0106fbd9" providerId="ADAL" clId="{C975AD89-9389-4107-B336-68A5516F1324}" dt="2024-01-25T11:53:30.235" v="375" actId="6549"/>
-        <pc:sldMkLst>
-          <pc:docMk/>
-          <pc:sldMk cId="2160277833" sldId="295"/>
-        </pc:sldMkLst>
-        <pc:spChg chg="mod">
-          <ac:chgData name="Ihor Aleksandrov" userId="c3051032-6b87-4db2-b257-777a0106fbd9" providerId="ADAL" clId="{C975AD89-9389-4107-B336-68A5516F1324}" dt="2024-01-25T11:53:30.235" v="375" actId="6549"/>
-          <ac:spMkLst>
-            <pc:docMk/>
-            <pc:sldMk cId="2160277833" sldId="295"/>
-            <ac:spMk id="2" creationId="{53C5D828-9666-E312-B574-9FE965A7D6BE}"/>
-          </ac:spMkLst>
-        </pc:spChg>
-        <pc:spChg chg="del">
-          <ac:chgData name="Ihor Aleksandrov" userId="c3051032-6b87-4db2-b257-777a0106fbd9" providerId="ADAL" clId="{C975AD89-9389-4107-B336-68A5516F1324}" dt="2024-01-25T11:52:34.416" v="365" actId="478"/>
-          <ac:spMkLst>
-            <pc:docMk/>
-            <pc:sldMk cId="2160277833" sldId="295"/>
-            <ac:spMk id="6" creationId="{C4CA90F0-C137-9C7D-CD89-ECEC7996EB73}"/>
-          </ac:spMkLst>
-        </pc:spChg>
-        <pc:spChg chg="add mod">
-          <ac:chgData name="Ihor Aleksandrov" userId="c3051032-6b87-4db2-b257-777a0106fbd9" providerId="ADAL" clId="{C975AD89-9389-4107-B336-68A5516F1324}" dt="2024-01-25T11:52:43.096" v="368" actId="1076"/>
-          <ac:spMkLst>
-            <pc:docMk/>
-            <pc:sldMk cId="2160277833" sldId="295"/>
-            <ac:spMk id="7" creationId="{F3D3026C-8DCC-0965-350F-E0A76907A91B}"/>
-          </ac:spMkLst>
-        </pc:spChg>
-        <pc:picChg chg="del">
-          <ac:chgData name="Ihor Aleksandrov" userId="c3051032-6b87-4db2-b257-777a0106fbd9" providerId="ADAL" clId="{C975AD89-9389-4107-B336-68A5516F1324}" dt="2024-01-25T11:52:26.178" v="364" actId="478"/>
-          <ac:picMkLst>
-            <pc:docMk/>
-            <pc:sldMk cId="2160277833" sldId="295"/>
-            <ac:picMk id="4" creationId="{49B21785-1E7E-8457-4FBF-E3FC2CCADD04}"/>
-          </ac:picMkLst>
-        </pc:picChg>
-      </pc:sldChg>
-      <pc:sldChg chg="addSp delSp modSp add mod">
-        <pc:chgData name="Ihor Aleksandrov" userId="c3051032-6b87-4db2-b257-777a0106fbd9" providerId="ADAL" clId="{C975AD89-9389-4107-B336-68A5516F1324}" dt="2024-01-25T11:54:21.592" v="382" actId="1076"/>
-        <pc:sldMkLst>
-          <pc:docMk/>
-          <pc:sldMk cId="1321677393" sldId="296"/>
-        </pc:sldMkLst>
-        <pc:spChg chg="mod">
-          <ac:chgData name="Ihor Aleksandrov" userId="c3051032-6b87-4db2-b257-777a0106fbd9" providerId="ADAL" clId="{C975AD89-9389-4107-B336-68A5516F1324}" dt="2024-01-25T11:53:26.580" v="374"/>
-          <ac:spMkLst>
-            <pc:docMk/>
-            <pc:sldMk cId="1321677393" sldId="296"/>
-            <ac:spMk id="2" creationId="{53C5D828-9666-E312-B574-9FE965A7D6BE}"/>
-          </ac:spMkLst>
-        </pc:spChg>
-        <pc:spChg chg="add mod">
-          <ac:chgData name="Ihor Aleksandrov" userId="c3051032-6b87-4db2-b257-777a0106fbd9" providerId="ADAL" clId="{C975AD89-9389-4107-B336-68A5516F1324}" dt="2024-01-25T11:54:21.592" v="382" actId="1076"/>
-          <ac:spMkLst>
-            <pc:docMk/>
-            <pc:sldMk cId="1321677393" sldId="296"/>
-            <ac:spMk id="5" creationId="{ECA813BB-B5E8-9C75-9A4A-1004DB2E1AC6}"/>
-          </ac:spMkLst>
-        </pc:spChg>
-        <pc:spChg chg="del">
-          <ac:chgData name="Ihor Aleksandrov" userId="c3051032-6b87-4db2-b257-777a0106fbd9" providerId="ADAL" clId="{C975AD89-9389-4107-B336-68A5516F1324}" dt="2024-01-25T11:53:45.786" v="376" actId="478"/>
-          <ac:spMkLst>
-            <pc:docMk/>
-            <pc:sldMk cId="1321677393" sldId="296"/>
-            <ac:spMk id="7" creationId="{F3D3026C-8DCC-0965-350F-E0A76907A91B}"/>
-          </ac:spMkLst>
-        </pc:spChg>
-      </pc:sldChg>
-      <pc:sldChg chg="addSp delSp modSp add mod setBg delDesignElem">
-        <pc:chgData name="Ihor Aleksandrov" userId="c3051032-6b87-4db2-b257-777a0106fbd9" providerId="ADAL" clId="{C975AD89-9389-4107-B336-68A5516F1324}" dt="2024-01-25T11:56:38.066" v="394" actId="1076"/>
-        <pc:sldMkLst>
-          <pc:docMk/>
-          <pc:sldMk cId="2059493005" sldId="297"/>
-        </pc:sldMkLst>
-        <pc:spChg chg="mod">
-          <ac:chgData name="Ihor Aleksandrov" userId="c3051032-6b87-4db2-b257-777a0106fbd9" providerId="ADAL" clId="{C975AD89-9389-4107-B336-68A5516F1324}" dt="2024-01-25T11:55:56.078" v="385" actId="26606"/>
-          <ac:spMkLst>
-            <pc:docMk/>
-            <pc:sldMk cId="2059493005" sldId="297"/>
-            <ac:spMk id="2" creationId="{53C5D828-9666-E312-B574-9FE965A7D6BE}"/>
-          </ac:spMkLst>
-        </pc:spChg>
-        <pc:spChg chg="mod ord">
-          <ac:chgData name="Ihor Aleksandrov" userId="c3051032-6b87-4db2-b257-777a0106fbd9" providerId="ADAL" clId="{C975AD89-9389-4107-B336-68A5516F1324}" dt="2024-01-25T11:55:56.078" v="385" actId="26606"/>
-          <ac:spMkLst>
-            <pc:docMk/>
-            <pc:sldMk cId="2059493005" sldId="297"/>
-            <ac:spMk id="3" creationId="{1036EAC4-6DDE-DD5B-3CF9-C5CD859E6DC2}"/>
-          </ac:spMkLst>
-        </pc:spChg>
-        <pc:spChg chg="add mod">
-          <ac:chgData name="Ihor Aleksandrov" userId="c3051032-6b87-4db2-b257-777a0106fbd9" providerId="ADAL" clId="{C975AD89-9389-4107-B336-68A5516F1324}" dt="2024-01-25T11:56:38.066" v="394" actId="1076"/>
-          <ac:spMkLst>
-            <pc:docMk/>
-            <pc:sldMk cId="2059493005" sldId="297"/>
-            <ac:spMk id="6" creationId="{349923F8-2ACA-F7A2-FFE9-EA61D7343662}"/>
-          </ac:spMkLst>
-        </pc:spChg>
-        <pc:spChg chg="add">
-          <ac:chgData name="Ihor Aleksandrov" userId="c3051032-6b87-4db2-b257-777a0106fbd9" providerId="ADAL" clId="{C975AD89-9389-4107-B336-68A5516F1324}" dt="2024-01-25T11:55:56.078" v="385" actId="26606"/>
-          <ac:spMkLst>
-            <pc:docMk/>
-            <pc:sldMk cId="2059493005" sldId="297"/>
-            <ac:spMk id="9" creationId="{D4771268-CB57-404A-9271-370EB28F6090}"/>
-          </ac:spMkLst>
-        </pc:spChg>
-        <pc:spChg chg="del">
-          <ac:chgData name="Ihor Aleksandrov" userId="c3051032-6b87-4db2-b257-777a0106fbd9" providerId="ADAL" clId="{C975AD89-9389-4107-B336-68A5516F1324}" dt="2024-01-25T11:55:52.710" v="384"/>
-          <ac:spMkLst>
-            <pc:docMk/>
-            <pc:sldMk cId="2059493005" sldId="297"/>
-            <ac:spMk id="24" creationId="{D4771268-CB57-404A-9271-370EB28F6090}"/>
-          </ac:spMkLst>
-        </pc:spChg>
-        <pc:picChg chg="mod">
-          <ac:chgData name="Ihor Aleksandrov" userId="c3051032-6b87-4db2-b257-777a0106fbd9" providerId="ADAL" clId="{C975AD89-9389-4107-B336-68A5516F1324}" dt="2024-01-25T11:56:04.050" v="388" actId="14100"/>
-          <ac:picMkLst>
-            <pc:docMk/>
-            <pc:sldMk cId="2059493005" sldId="297"/>
-            <ac:picMk id="4" creationId="{B4989CAB-F181-BB13-C3CC-7303FC972C04}"/>
-          </ac:picMkLst>
-        </pc:picChg>
-      </pc:sldChg>
-      <pc:sldChg chg="addSp delSp modSp add mod setBg delDesignElem">
-        <pc:chgData name="Ihor Aleksandrov" userId="c3051032-6b87-4db2-b257-777a0106fbd9" providerId="ADAL" clId="{C975AD89-9389-4107-B336-68A5516F1324}" dt="2024-01-25T12:01:09.422" v="405" actId="22"/>
-        <pc:sldMkLst>
-          <pc:docMk/>
-          <pc:sldMk cId="1734173143" sldId="298"/>
-        </pc:sldMkLst>
-        <pc:spChg chg="mod">
-          <ac:chgData name="Ihor Aleksandrov" userId="c3051032-6b87-4db2-b257-777a0106fbd9" providerId="ADAL" clId="{C975AD89-9389-4107-B336-68A5516F1324}" dt="2024-01-25T11:57:34.076" v="397" actId="26606"/>
-          <ac:spMkLst>
-            <pc:docMk/>
-            <pc:sldMk cId="1734173143" sldId="298"/>
-            <ac:spMk id="2" creationId="{53C5D828-9666-E312-B574-9FE965A7D6BE}"/>
-          </ac:spMkLst>
-        </pc:spChg>
-        <pc:spChg chg="mod ord">
-          <ac:chgData name="Ihor Aleksandrov" userId="c3051032-6b87-4db2-b257-777a0106fbd9" providerId="ADAL" clId="{C975AD89-9389-4107-B336-68A5516F1324}" dt="2024-01-25T11:57:34.076" v="397" actId="26606"/>
-          <ac:spMkLst>
-            <pc:docMk/>
-            <pc:sldMk cId="1734173143" sldId="298"/>
-            <ac:spMk id="3" creationId="{1036EAC4-6DDE-DD5B-3CF9-C5CD859E6DC2}"/>
-          </ac:spMkLst>
-        </pc:spChg>
-        <pc:spChg chg="add mod">
-          <ac:chgData name="Ihor Aleksandrov" userId="c3051032-6b87-4db2-b257-777a0106fbd9" providerId="ADAL" clId="{C975AD89-9389-4107-B336-68A5516F1324}" dt="2024-01-25T11:58:01.660" v="401" actId="1076"/>
-          <ac:spMkLst>
-            <pc:docMk/>
-            <pc:sldMk cId="1734173143" sldId="298"/>
-            <ac:spMk id="6" creationId="{DE2DABC3-247F-16A7-8B09-C0D9EF4EE1C8}"/>
-          </ac:spMkLst>
-        </pc:spChg>
-        <pc:spChg chg="add">
-          <ac:chgData name="Ihor Aleksandrov" userId="c3051032-6b87-4db2-b257-777a0106fbd9" providerId="ADAL" clId="{C975AD89-9389-4107-B336-68A5516F1324}" dt="2024-01-25T11:57:34.076" v="397" actId="26606"/>
-          <ac:spMkLst>
-            <pc:docMk/>
-            <pc:sldMk cId="1734173143" sldId="298"/>
-            <ac:spMk id="10" creationId="{D4771268-CB57-404A-9271-370EB28F6090}"/>
-          </ac:spMkLst>
-        </pc:spChg>
-        <pc:spChg chg="del">
-          <ac:chgData name="Ihor Aleksandrov" userId="c3051032-6b87-4db2-b257-777a0106fbd9" providerId="ADAL" clId="{C975AD89-9389-4107-B336-68A5516F1324}" dt="2024-01-25T11:57:30.588" v="396"/>
-          <ac:spMkLst>
-            <pc:docMk/>
-            <pc:sldMk cId="1734173143" sldId="298"/>
-            <ac:spMk id="24" creationId="{D4771268-CB57-404A-9271-370EB28F6090}"/>
-          </ac:spMkLst>
-        </pc:spChg>
-        <pc:picChg chg="mod">
-          <ac:chgData name="Ihor Aleksandrov" userId="c3051032-6b87-4db2-b257-777a0106fbd9" providerId="ADAL" clId="{C975AD89-9389-4107-B336-68A5516F1324}" dt="2024-01-25T11:57:41.306" v="399" actId="1076"/>
-          <ac:picMkLst>
-            <pc:docMk/>
-            <pc:sldMk cId="1734173143" sldId="298"/>
-            <ac:picMk id="5" creationId="{EFB4AF76-9D94-7721-E2C8-2472D164A060}"/>
-          </ac:picMkLst>
-        </pc:picChg>
-        <pc:picChg chg="add del">
-          <ac:chgData name="Ihor Aleksandrov" userId="c3051032-6b87-4db2-b257-777a0106fbd9" providerId="ADAL" clId="{C975AD89-9389-4107-B336-68A5516F1324}" dt="2024-01-25T12:01:09.422" v="405" actId="22"/>
-          <ac:picMkLst>
-            <pc:docMk/>
-            <pc:sldMk cId="1734173143" sldId="298"/>
-            <ac:picMk id="8" creationId="{F43C97D3-4D3A-0661-8C12-E010FA7A64CE}"/>
-          </ac:picMkLst>
-        </pc:picChg>
-      </pc:sldChg>
-      <pc:sldChg chg="delSp add del setBg delDesignElem">
-        <pc:chgData name="Ihor Aleksandrov" userId="c3051032-6b87-4db2-b257-777a0106fbd9" providerId="ADAL" clId="{C975AD89-9389-4107-B336-68A5516F1324}" dt="2024-01-25T12:01:59.795" v="425" actId="2696"/>
-        <pc:sldMkLst>
-          <pc:docMk/>
-          <pc:sldMk cId="3102755718" sldId="299"/>
-        </pc:sldMkLst>
-        <pc:spChg chg="del">
-          <ac:chgData name="Ihor Aleksandrov" userId="c3051032-6b87-4db2-b257-777a0106fbd9" providerId="ADAL" clId="{C975AD89-9389-4107-B336-68A5516F1324}" dt="2024-01-25T12:01:19.783" v="407"/>
-          <ac:spMkLst>
-            <pc:docMk/>
-            <pc:sldMk cId="3102755718" sldId="299"/>
-            <ac:spMk id="9" creationId="{C3896A03-3945-419A-B66B-4EE266EDD152}"/>
-          </ac:spMkLst>
-        </pc:spChg>
-        <pc:spChg chg="del">
-          <ac:chgData name="Ihor Aleksandrov" userId="c3051032-6b87-4db2-b257-777a0106fbd9" providerId="ADAL" clId="{C975AD89-9389-4107-B336-68A5516F1324}" dt="2024-01-25T12:01:19.783" v="407"/>
-          <ac:spMkLst>
-            <pc:docMk/>
-            <pc:sldMk cId="3102755718" sldId="299"/>
-            <ac:spMk id="11" creationId="{B34F5AD2-EDBD-4BBD-A55C-EAFFD0C7097A}"/>
-          </ac:spMkLst>
-        </pc:spChg>
-      </pc:sldChg>
-      <pc:sldChg chg="addSp delSp modSp add mod ord modAnim">
-        <pc:chgData name="Ihor Aleksandrov" userId="c3051032-6b87-4db2-b257-777a0106fbd9" providerId="ADAL" clId="{C975AD89-9389-4107-B336-68A5516F1324}" dt="2024-01-25T12:02:19.626" v="430" actId="14100"/>
-        <pc:sldMkLst>
-          <pc:docMk/>
-          <pc:sldMk cId="838327884" sldId="300"/>
-        </pc:sldMkLst>
-        <pc:spChg chg="mod">
-          <ac:chgData name="Ihor Aleksandrov" userId="c3051032-6b87-4db2-b257-777a0106fbd9" providerId="ADAL" clId="{C975AD89-9389-4107-B336-68A5516F1324}" dt="2024-01-25T12:01:54.453" v="424" actId="20577"/>
-          <ac:spMkLst>
-            <pc:docMk/>
-            <pc:sldMk cId="838327884" sldId="300"/>
-            <ac:spMk id="2" creationId="{2C4A1DFF-3C45-F11D-E6A6-19C0306E5E2B}"/>
-          </ac:spMkLst>
-        </pc:spChg>
-        <pc:spChg chg="add mod">
-          <ac:chgData name="Ihor Aleksandrov" userId="c3051032-6b87-4db2-b257-777a0106fbd9" providerId="ADAL" clId="{C975AD89-9389-4107-B336-68A5516F1324}" dt="2024-01-25T12:02:19.626" v="430" actId="14100"/>
-          <ac:spMkLst>
-            <pc:docMk/>
-            <pc:sldMk cId="838327884" sldId="300"/>
-            <ac:spMk id="5" creationId="{20B31DBC-74AC-7957-5CF3-2C993880A56C}"/>
-          </ac:spMkLst>
-        </pc:spChg>
-        <pc:spChg chg="del mod">
-          <ac:chgData name="Ihor Aleksandrov" userId="c3051032-6b87-4db2-b257-777a0106fbd9" providerId="ADAL" clId="{C975AD89-9389-4107-B336-68A5516F1324}" dt="2024-01-25T12:02:12.715" v="427" actId="478"/>
-          <ac:spMkLst>
-            <pc:docMk/>
-            <pc:sldMk cId="838327884" sldId="300"/>
-            <ac:spMk id="6" creationId="{D2294E31-9E00-72D9-30C7-6482D918EB75}"/>
-          </ac:spMkLst>
-        </pc:spChg>
-      </pc:sldChg>
-      <pc:sldChg chg="delSp add del setBg delDesignElem">
-        <pc:chgData name="Ihor Aleksandrov" userId="c3051032-6b87-4db2-b257-777a0106fbd9" providerId="ADAL" clId="{C975AD89-9389-4107-B336-68A5516F1324}" dt="2024-01-25T12:03:09.716" v="433" actId="47"/>
-        <pc:sldMkLst>
-          <pc:docMk/>
-          <pc:sldMk cId="2389832786" sldId="301"/>
-        </pc:sldMkLst>
-        <pc:spChg chg="del">
-          <ac:chgData name="Ihor Aleksandrov" userId="c3051032-6b87-4db2-b257-777a0106fbd9" providerId="ADAL" clId="{C975AD89-9389-4107-B336-68A5516F1324}" dt="2024-01-25T12:03:01.144" v="432"/>
-          <ac:spMkLst>
-            <pc:docMk/>
-            <pc:sldMk cId="2389832786" sldId="301"/>
-            <ac:spMk id="24" creationId="{D4771268-CB57-404A-9271-370EB28F6090}"/>
-          </ac:spMkLst>
-        </pc:spChg>
-      </pc:sldChg>
-      <pc:sldChg chg="addSp delSp modSp add mod ord">
-        <pc:chgData name="Ihor Aleksandrov" userId="c3051032-6b87-4db2-b257-777a0106fbd9" providerId="ADAL" clId="{C975AD89-9389-4107-B336-68A5516F1324}" dt="2024-01-25T12:03:44.399" v="440" actId="1076"/>
-        <pc:sldMkLst>
-          <pc:docMk/>
-          <pc:sldMk cId="3554655275" sldId="301"/>
-        </pc:sldMkLst>
-        <pc:spChg chg="mod">
-          <ac:chgData name="Ihor Aleksandrov" userId="c3051032-6b87-4db2-b257-777a0106fbd9" providerId="ADAL" clId="{C975AD89-9389-4107-B336-68A5516F1324}" dt="2024-01-25T12:03:30.220" v="437"/>
-          <ac:spMkLst>
-            <pc:docMk/>
-            <pc:sldMk cId="3554655275" sldId="301"/>
-            <ac:spMk id="2" creationId="{53C5D828-9666-E312-B574-9FE965A7D6BE}"/>
-          </ac:spMkLst>
-        </pc:spChg>
-        <pc:spChg chg="add mod">
-          <ac:chgData name="Ihor Aleksandrov" userId="c3051032-6b87-4db2-b257-777a0106fbd9" providerId="ADAL" clId="{C975AD89-9389-4107-B336-68A5516F1324}" dt="2024-01-25T12:03:44.399" v="440" actId="1076"/>
-          <ac:spMkLst>
-            <pc:docMk/>
-            <pc:sldMk cId="3554655275" sldId="301"/>
-            <ac:spMk id="5" creationId="{C46C2A29-F250-C08A-684B-CB1993967072}"/>
-          </ac:spMkLst>
-        </pc:spChg>
-        <pc:spChg chg="del">
-          <ac:chgData name="Ihor Aleksandrov" userId="c3051032-6b87-4db2-b257-777a0106fbd9" providerId="ADAL" clId="{C975AD89-9389-4107-B336-68A5516F1324}" dt="2024-01-25T12:03:39.248" v="438" actId="478"/>
-          <ac:spMkLst>
-            <pc:docMk/>
-            <pc:sldMk cId="3554655275" sldId="301"/>
-            <ac:spMk id="7" creationId="{F3D3026C-8DCC-0965-350F-E0A76907A91B}"/>
-          </ac:spMkLst>
-        </pc:spChg>
-      </pc:sldChg>
-      <pc:sldChg chg="addSp delSp modSp add mod">
-        <pc:chgData name="Ihor Aleksandrov" userId="c3051032-6b87-4db2-b257-777a0106fbd9" providerId="ADAL" clId="{C975AD89-9389-4107-B336-68A5516F1324}" dt="2024-01-25T12:04:31.977" v="445" actId="1076"/>
-        <pc:sldMkLst>
-          <pc:docMk/>
-          <pc:sldMk cId="2874081085" sldId="302"/>
-        </pc:sldMkLst>
-        <pc:spChg chg="mod">
-          <ac:chgData name="Ihor Aleksandrov" userId="c3051032-6b87-4db2-b257-777a0106fbd9" providerId="ADAL" clId="{C975AD89-9389-4107-B336-68A5516F1324}" dt="2024-01-25T12:04:17.185" v="442"/>
-          <ac:spMkLst>
-            <pc:docMk/>
-            <pc:sldMk cId="2874081085" sldId="302"/>
-            <ac:spMk id="2" creationId="{53C5D828-9666-E312-B574-9FE965A7D6BE}"/>
-          </ac:spMkLst>
-        </pc:spChg>
-        <pc:spChg chg="del">
-          <ac:chgData name="Ihor Aleksandrov" userId="c3051032-6b87-4db2-b257-777a0106fbd9" providerId="ADAL" clId="{C975AD89-9389-4107-B336-68A5516F1324}" dt="2024-01-25T12:04:26.761" v="443" actId="478"/>
-          <ac:spMkLst>
-            <pc:docMk/>
-            <pc:sldMk cId="2874081085" sldId="302"/>
-            <ac:spMk id="5" creationId="{C46C2A29-F250-C08A-684B-CB1993967072}"/>
-          </ac:spMkLst>
-        </pc:spChg>
-        <pc:spChg chg="add mod">
-          <ac:chgData name="Ihor Aleksandrov" userId="c3051032-6b87-4db2-b257-777a0106fbd9" providerId="ADAL" clId="{C975AD89-9389-4107-B336-68A5516F1324}" dt="2024-01-25T12:04:31.977" v="445" actId="1076"/>
-          <ac:spMkLst>
-            <pc:docMk/>
-            <pc:sldMk cId="2874081085" sldId="302"/>
-            <ac:spMk id="6" creationId="{0F553A73-D13C-371C-E057-6AD7490F1B76}"/>
-          </ac:spMkLst>
-        </pc:spChg>
-      </pc:sldChg>
-      <pc:sldChg chg="addSp delSp modSp add mod">
-        <pc:chgData name="Ihor Aleksandrov" userId="c3051032-6b87-4db2-b257-777a0106fbd9" providerId="ADAL" clId="{C975AD89-9389-4107-B336-68A5516F1324}" dt="2024-01-25T12:06:01.411" v="454" actId="1076"/>
-        <pc:sldMkLst>
-          <pc:docMk/>
-          <pc:sldMk cId="1636319729" sldId="303"/>
-        </pc:sldMkLst>
-        <pc:spChg chg="mod">
-          <ac:chgData name="Ihor Aleksandrov" userId="c3051032-6b87-4db2-b257-777a0106fbd9" providerId="ADAL" clId="{C975AD89-9389-4107-B336-68A5516F1324}" dt="2024-01-25T12:05:20.665" v="447"/>
-          <ac:spMkLst>
-            <pc:docMk/>
-            <pc:sldMk cId="1636319729" sldId="303"/>
-            <ac:spMk id="2" creationId="{53C5D828-9666-E312-B574-9FE965A7D6BE}"/>
-          </ac:spMkLst>
-        </pc:spChg>
-        <pc:spChg chg="add mod">
-          <ac:chgData name="Ihor Aleksandrov" userId="c3051032-6b87-4db2-b257-777a0106fbd9" providerId="ADAL" clId="{C975AD89-9389-4107-B336-68A5516F1324}" dt="2024-01-25T12:06:01.411" v="454" actId="1076"/>
-          <ac:spMkLst>
-            <pc:docMk/>
-            <pc:sldMk cId="1636319729" sldId="303"/>
-            <ac:spMk id="5" creationId="{F575C6CA-07B5-0507-46E6-86E5A6E7C7F7}"/>
-          </ac:spMkLst>
-        </pc:spChg>
-        <pc:spChg chg="del">
-          <ac:chgData name="Ihor Aleksandrov" userId="c3051032-6b87-4db2-b257-777a0106fbd9" providerId="ADAL" clId="{C975AD89-9389-4107-B336-68A5516F1324}" dt="2024-01-25T12:05:33.803" v="448" actId="478"/>
-          <ac:spMkLst>
-            <pc:docMk/>
-            <pc:sldMk cId="1636319729" sldId="303"/>
-            <ac:spMk id="6" creationId="{0F553A73-D13C-371C-E057-6AD7490F1B76}"/>
-          </ac:spMkLst>
-        </pc:spChg>
-      </pc:sldChg>
-      <pc:sldChg chg="addSp delSp modSp add mod">
-        <pc:chgData name="Ihor Aleksandrov" userId="c3051032-6b87-4db2-b257-777a0106fbd9" providerId="ADAL" clId="{C975AD89-9389-4107-B336-68A5516F1324}" dt="2024-01-25T12:08:35.673" v="459" actId="1076"/>
-        <pc:sldMkLst>
-          <pc:docMk/>
-          <pc:sldMk cId="4016723334" sldId="304"/>
-        </pc:sldMkLst>
-        <pc:spChg chg="mod">
-          <ac:chgData name="Ihor Aleksandrov" userId="c3051032-6b87-4db2-b257-777a0106fbd9" providerId="ADAL" clId="{C975AD89-9389-4107-B336-68A5516F1324}" dt="2024-01-25T12:08:16.931" v="456"/>
-          <ac:spMkLst>
-            <pc:docMk/>
-            <pc:sldMk cId="4016723334" sldId="304"/>
-            <ac:spMk id="2" creationId="{53C5D828-9666-E312-B574-9FE965A7D6BE}"/>
-          </ac:spMkLst>
-        </pc:spChg>
-        <pc:spChg chg="del">
-          <ac:chgData name="Ihor Aleksandrov" userId="c3051032-6b87-4db2-b257-777a0106fbd9" providerId="ADAL" clId="{C975AD89-9389-4107-B336-68A5516F1324}" dt="2024-01-25T12:08:27.578" v="457" actId="478"/>
-          <ac:spMkLst>
-            <pc:docMk/>
-            <pc:sldMk cId="4016723334" sldId="304"/>
-            <ac:spMk id="5" creationId="{F575C6CA-07B5-0507-46E6-86E5A6E7C7F7}"/>
-          </ac:spMkLst>
-        </pc:spChg>
-        <pc:spChg chg="add mod">
-          <ac:chgData name="Ihor Aleksandrov" userId="c3051032-6b87-4db2-b257-777a0106fbd9" providerId="ADAL" clId="{C975AD89-9389-4107-B336-68A5516F1324}" dt="2024-01-25T12:08:35.673" v="459" actId="1076"/>
-          <ac:spMkLst>
-            <pc:docMk/>
-            <pc:sldMk cId="4016723334" sldId="304"/>
-            <ac:spMk id="6" creationId="{43C3C5EF-3FC0-ECB8-B8B5-698DD9F2DCA5}"/>
-          </ac:spMkLst>
-        </pc:spChg>
-      </pc:sldChg>
-      <pc:sldChg chg="addSp delSp modSp add mod">
-        <pc:chgData name="Ihor Aleksandrov" userId="c3051032-6b87-4db2-b257-777a0106fbd9" providerId="ADAL" clId="{C975AD89-9389-4107-B336-68A5516F1324}" dt="2024-01-25T12:10:33.284" v="469" actId="14100"/>
-        <pc:sldMkLst>
-          <pc:docMk/>
-          <pc:sldMk cId="3734445878" sldId="305"/>
-        </pc:sldMkLst>
-        <pc:spChg chg="mod">
-          <ac:chgData name="Ihor Aleksandrov" userId="c3051032-6b87-4db2-b257-777a0106fbd9" providerId="ADAL" clId="{C975AD89-9389-4107-B336-68A5516F1324}" dt="2024-01-25T12:10:08.059" v="463"/>
-          <ac:spMkLst>
-            <pc:docMk/>
-            <pc:sldMk cId="3734445878" sldId="305"/>
-            <ac:spMk id="2" creationId="{53C5D828-9666-E312-B574-9FE965A7D6BE}"/>
-          </ac:spMkLst>
-        </pc:spChg>
-        <pc:spChg chg="add mod">
-          <ac:chgData name="Ihor Aleksandrov" userId="c3051032-6b87-4db2-b257-777a0106fbd9" providerId="ADAL" clId="{C975AD89-9389-4107-B336-68A5516F1324}" dt="2024-01-25T12:10:33.284" v="469" actId="14100"/>
-          <ac:spMkLst>
-            <pc:docMk/>
-            <pc:sldMk cId="3734445878" sldId="305"/>
-            <ac:spMk id="5" creationId="{BE4A9611-EC37-FD2C-5B25-DDDB64B0FB7D}"/>
-          </ac:spMkLst>
-        </pc:spChg>
-        <pc:spChg chg="del">
-          <ac:chgData name="Ihor Aleksandrov" userId="c3051032-6b87-4db2-b257-777a0106fbd9" providerId="ADAL" clId="{C975AD89-9389-4107-B336-68A5516F1324}" dt="2024-01-25T12:10:17.279" v="464" actId="478"/>
-          <ac:spMkLst>
-            <pc:docMk/>
-            <pc:sldMk cId="3734445878" sldId="305"/>
-            <ac:spMk id="6" creationId="{43C3C5EF-3FC0-ECB8-B8B5-698DD9F2DCA5}"/>
-          </ac:spMkLst>
-        </pc:spChg>
-      </pc:sldChg>
-      <pc:sldChg chg="addSp delSp modSp add mod">
-        <pc:chgData name="Ihor Aleksandrov" userId="c3051032-6b87-4db2-b257-777a0106fbd9" providerId="ADAL" clId="{C975AD89-9389-4107-B336-68A5516F1324}" dt="2024-01-25T12:11:28.179" v="476" actId="1076"/>
-        <pc:sldMkLst>
-          <pc:docMk/>
-          <pc:sldMk cId="1774601108" sldId="306"/>
-        </pc:sldMkLst>
-        <pc:spChg chg="mod">
-          <ac:chgData name="Ihor Aleksandrov" userId="c3051032-6b87-4db2-b257-777a0106fbd9" providerId="ADAL" clId="{C975AD89-9389-4107-B336-68A5516F1324}" dt="2024-01-25T12:11:07.919" v="472" actId="27636"/>
-          <ac:spMkLst>
-            <pc:docMk/>
-            <pc:sldMk cId="1774601108" sldId="306"/>
-            <ac:spMk id="2" creationId="{53C5D828-9666-E312-B574-9FE965A7D6BE}"/>
-          </ac:spMkLst>
-        </pc:spChg>
-        <pc:spChg chg="del">
-          <ac:chgData name="Ihor Aleksandrov" userId="c3051032-6b87-4db2-b257-777a0106fbd9" providerId="ADAL" clId="{C975AD89-9389-4107-B336-68A5516F1324}" dt="2024-01-25T12:11:18" v="473" actId="478"/>
-          <ac:spMkLst>
-            <pc:docMk/>
-            <pc:sldMk cId="1774601108" sldId="306"/>
-            <ac:spMk id="5" creationId="{BE4A9611-EC37-FD2C-5B25-DDDB64B0FB7D}"/>
-          </ac:spMkLst>
-        </pc:spChg>
-        <pc:spChg chg="add mod">
-          <ac:chgData name="Ihor Aleksandrov" userId="c3051032-6b87-4db2-b257-777a0106fbd9" providerId="ADAL" clId="{C975AD89-9389-4107-B336-68A5516F1324}" dt="2024-01-25T12:11:28.179" v="476" actId="1076"/>
-          <ac:spMkLst>
-            <pc:docMk/>
-            <pc:sldMk cId="1774601108" sldId="306"/>
-            <ac:spMk id="6" creationId="{3309E106-0F94-ADD6-D354-4D5DB24E6274}"/>
-          </ac:spMkLst>
-        </pc:spChg>
-      </pc:sldChg>
-      <pc:sldChg chg="addSp modSp new mod setBg">
-        <pc:chgData name="Ihor Aleksandrov" userId="c3051032-6b87-4db2-b257-777a0106fbd9" providerId="ADAL" clId="{C975AD89-9389-4107-B336-68A5516F1324}" dt="2024-01-25T12:16:09.970" v="535" actId="26606"/>
-        <pc:sldMkLst>
-          <pc:docMk/>
-          <pc:sldMk cId="2052164358" sldId="307"/>
-        </pc:sldMkLst>
-        <pc:spChg chg="mod">
-          <ac:chgData name="Ihor Aleksandrov" userId="c3051032-6b87-4db2-b257-777a0106fbd9" providerId="ADAL" clId="{C975AD89-9389-4107-B336-68A5516F1324}" dt="2024-01-25T12:16:09.970" v="535" actId="26606"/>
-          <ac:spMkLst>
-            <pc:docMk/>
-            <pc:sldMk cId="2052164358" sldId="307"/>
-            <ac:spMk id="2" creationId="{5DF8ECE0-DBF5-C309-B35B-C6A0C6C847B2}"/>
-          </ac:spMkLst>
-        </pc:spChg>
-        <pc:spChg chg="mod">
-          <ac:chgData name="Ihor Aleksandrov" userId="c3051032-6b87-4db2-b257-777a0106fbd9" providerId="ADAL" clId="{C975AD89-9389-4107-B336-68A5516F1324}" dt="2024-01-25T12:16:09.970" v="535" actId="26606"/>
-          <ac:spMkLst>
-            <pc:docMk/>
-            <pc:sldMk cId="2052164358" sldId="307"/>
-            <ac:spMk id="3" creationId="{CC0591DF-C2F9-838D-FBD9-6ECAF8229E69}"/>
-          </ac:spMkLst>
-        </pc:spChg>
-        <pc:spChg chg="mod">
-          <ac:chgData name="Ihor Aleksandrov" userId="c3051032-6b87-4db2-b257-777a0106fbd9" providerId="ADAL" clId="{C975AD89-9389-4107-B336-68A5516F1324}" dt="2024-01-25T12:16:09.970" v="535" actId="26606"/>
-          <ac:spMkLst>
-            <pc:docMk/>
-            <pc:sldMk cId="2052164358" sldId="307"/>
-            <ac:spMk id="4" creationId="{0E3F0720-F024-291D-B095-733008D2CF3F}"/>
-          </ac:spMkLst>
-        </pc:spChg>
-        <pc:spChg chg="add">
-          <ac:chgData name="Ihor Aleksandrov" userId="c3051032-6b87-4db2-b257-777a0106fbd9" providerId="ADAL" clId="{C975AD89-9389-4107-B336-68A5516F1324}" dt="2024-01-25T12:16:09.970" v="535" actId="26606"/>
-          <ac:spMkLst>
-            <pc:docMk/>
-            <pc:sldMk cId="2052164358" sldId="307"/>
-            <ac:spMk id="9" creationId="{C3896A03-3945-419A-B66B-4EE266EDD152}"/>
-          </ac:spMkLst>
-        </pc:spChg>
-        <pc:spChg chg="add">
-          <ac:chgData name="Ihor Aleksandrov" userId="c3051032-6b87-4db2-b257-777a0106fbd9" providerId="ADAL" clId="{C975AD89-9389-4107-B336-68A5516F1324}" dt="2024-01-25T12:16:09.970" v="535" actId="26606"/>
-          <ac:spMkLst>
-            <pc:docMk/>
-            <pc:sldMk cId="2052164358" sldId="307"/>
-            <ac:spMk id="11" creationId="{B34F5AD2-EDBD-4BBD-A55C-EAFFD0C7097A}"/>
-          </ac:spMkLst>
-        </pc:spChg>
-        <pc:spChg chg="add">
-          <ac:chgData name="Ihor Aleksandrov" userId="c3051032-6b87-4db2-b257-777a0106fbd9" providerId="ADAL" clId="{C975AD89-9389-4107-B336-68A5516F1324}" dt="2024-01-25T12:16:09.970" v="535" actId="26606"/>
-          <ac:spMkLst>
-            <pc:docMk/>
-            <pc:sldMk cId="2052164358" sldId="307"/>
-            <ac:spMk id="13" creationId="{6832F003-FCA6-4CFB-A2EA-308F3AA257D1}"/>
-          </ac:spMkLst>
-        </pc:spChg>
-      </pc:sldChg>
-      <pc:sldChg chg="addSp delSp modSp new mod setBg">
-        <pc:chgData name="Ihor Aleksandrov" userId="c3051032-6b87-4db2-b257-777a0106fbd9" providerId="ADAL" clId="{C975AD89-9389-4107-B336-68A5516F1324}" dt="2024-01-25T12:17:02.243" v="546" actId="26606"/>
-        <pc:sldMkLst>
-          <pc:docMk/>
-          <pc:sldMk cId="2972731808" sldId="308"/>
-        </pc:sldMkLst>
-        <pc:spChg chg="mod">
-          <ac:chgData name="Ihor Aleksandrov" userId="c3051032-6b87-4db2-b257-777a0106fbd9" providerId="ADAL" clId="{C975AD89-9389-4107-B336-68A5516F1324}" dt="2024-01-25T12:16:54.169" v="539" actId="26606"/>
-          <ac:spMkLst>
-            <pc:docMk/>
-            <pc:sldMk cId="2972731808" sldId="308"/>
-            <ac:spMk id="2" creationId="{D0943DE7-1B02-667A-3F0C-AF294FF74898}"/>
-          </ac:spMkLst>
-        </pc:spChg>
-        <pc:spChg chg="add del mod ord">
-          <ac:chgData name="Ihor Aleksandrov" userId="c3051032-6b87-4db2-b257-777a0106fbd9" providerId="ADAL" clId="{C975AD89-9389-4107-B336-68A5516F1324}" dt="2024-01-25T12:17:02.243" v="546" actId="26606"/>
-          <ac:spMkLst>
-            <pc:docMk/>
-            <pc:sldMk cId="2972731808" sldId="308"/>
-            <ac:spMk id="3" creationId="{B3E417F1-B6F3-1FCC-3673-465992A438C3}"/>
-          </ac:spMkLst>
-        </pc:spChg>
-        <pc:spChg chg="mod">
-          <ac:chgData name="Ihor Aleksandrov" userId="c3051032-6b87-4db2-b257-777a0106fbd9" providerId="ADAL" clId="{C975AD89-9389-4107-B336-68A5516F1324}" dt="2024-01-25T12:16:33.869" v="537" actId="26606"/>
-          <ac:spMkLst>
-            <pc:docMk/>
-            <pc:sldMk cId="2972731808" sldId="308"/>
-            <ac:spMk id="4" creationId="{6698CFAA-FBE6-1385-DD40-EFF9167C6E7B}"/>
-          </ac:spMkLst>
-        </pc:spChg>
-        <pc:spChg chg="add del">
-          <ac:chgData name="Ihor Aleksandrov" userId="c3051032-6b87-4db2-b257-777a0106fbd9" providerId="ADAL" clId="{C975AD89-9389-4107-B336-68A5516F1324}" dt="2024-01-25T12:16:33.869" v="537" actId="26606"/>
-          <ac:spMkLst>
-            <pc:docMk/>
-            <pc:sldMk cId="2972731808" sldId="308"/>
-            <ac:spMk id="9" creationId="{70DFC902-7D23-471A-B557-B6B6917D7A0D}"/>
-          </ac:spMkLst>
-        </pc:spChg>
-        <pc:spChg chg="add del">
-          <ac:chgData name="Ihor Aleksandrov" userId="c3051032-6b87-4db2-b257-777a0106fbd9" providerId="ADAL" clId="{C975AD89-9389-4107-B336-68A5516F1324}" dt="2024-01-25T12:16:33.869" v="537" actId="26606"/>
-          <ac:spMkLst>
-            <pc:docMk/>
-            <pc:sldMk cId="2972731808" sldId="308"/>
-            <ac:spMk id="11" creationId="{A55D5633-D557-4DCA-982C-FF36EB7A1C00}"/>
-          </ac:spMkLst>
-        </pc:spChg>
-        <pc:spChg chg="add del">
-          <ac:chgData name="Ihor Aleksandrov" userId="c3051032-6b87-4db2-b257-777a0106fbd9" providerId="ADAL" clId="{C975AD89-9389-4107-B336-68A5516F1324}" dt="2024-01-25T12:16:33.869" v="537" actId="26606"/>
-          <ac:spMkLst>
-            <pc:docMk/>
-            <pc:sldMk cId="2972731808" sldId="308"/>
-            <ac:spMk id="13" creationId="{450D3AD2-FA80-415F-A9CE-54D884561CD7}"/>
-          </ac:spMkLst>
-        </pc:spChg>
-        <pc:spChg chg="add del">
-          <ac:chgData name="Ihor Aleksandrov" userId="c3051032-6b87-4db2-b257-777a0106fbd9" providerId="ADAL" clId="{C975AD89-9389-4107-B336-68A5516F1324}" dt="2024-01-25T12:17:02.243" v="546" actId="26606"/>
-          <ac:spMkLst>
-            <pc:docMk/>
-            <pc:sldMk cId="2972731808" sldId="308"/>
-            <ac:spMk id="18" creationId="{B34F5AD2-EDBD-4BBD-A55C-EAFFD0C7097A}"/>
-          </ac:spMkLst>
-        </pc:spChg>
-        <pc:spChg chg="add del">
-          <ac:chgData name="Ihor Aleksandrov" userId="c3051032-6b87-4db2-b257-777a0106fbd9" providerId="ADAL" clId="{C975AD89-9389-4107-B336-68A5516F1324}" dt="2024-01-25T12:17:02.243" v="546" actId="26606"/>
-          <ac:spMkLst>
-            <pc:docMk/>
-            <pc:sldMk cId="2972731808" sldId="308"/>
-            <ac:spMk id="20" creationId="{C3896A03-3945-419A-B66B-4EE266EDD152}"/>
-          </ac:spMkLst>
-        </pc:spChg>
-        <pc:spChg chg="add del">
-          <ac:chgData name="Ihor Aleksandrov" userId="c3051032-6b87-4db2-b257-777a0106fbd9" providerId="ADAL" clId="{C975AD89-9389-4107-B336-68A5516F1324}" dt="2024-01-25T12:17:02.243" v="546" actId="26606"/>
-          <ac:spMkLst>
-            <pc:docMk/>
-            <pc:sldMk cId="2972731808" sldId="308"/>
-            <ac:spMk id="22" creationId="{B8EAE243-3A9F-4A46-B0D9-04C723A8A1BD}"/>
-          </ac:spMkLst>
-        </pc:spChg>
-        <pc:spChg chg="add del">
-          <ac:chgData name="Ihor Aleksandrov" userId="c3051032-6b87-4db2-b257-777a0106fbd9" providerId="ADAL" clId="{C975AD89-9389-4107-B336-68A5516F1324}" dt="2024-01-25T12:16:54.169" v="539" actId="26606"/>
-          <ac:spMkLst>
-            <pc:docMk/>
-            <pc:sldMk cId="2972731808" sldId="308"/>
-            <ac:spMk id="27" creationId="{C3896A03-3945-419A-B66B-4EE266EDD152}"/>
-          </ac:spMkLst>
-        </pc:spChg>
-        <pc:spChg chg="add del">
-          <ac:chgData name="Ihor Aleksandrov" userId="c3051032-6b87-4db2-b257-777a0106fbd9" providerId="ADAL" clId="{C975AD89-9389-4107-B336-68A5516F1324}" dt="2024-01-25T12:16:54.169" v="539" actId="26606"/>
-          <ac:spMkLst>
-            <pc:docMk/>
-            <pc:sldMk cId="2972731808" sldId="308"/>
-            <ac:spMk id="29" creationId="{B34F5AD2-EDBD-4BBD-A55C-EAFFD0C7097A}"/>
-          </ac:spMkLst>
-        </pc:spChg>
-        <pc:spChg chg="add del">
-          <ac:chgData name="Ihor Aleksandrov" userId="c3051032-6b87-4db2-b257-777a0106fbd9" providerId="ADAL" clId="{C975AD89-9389-4107-B336-68A5516F1324}" dt="2024-01-25T12:16:54.169" v="539" actId="26606"/>
-          <ac:spMkLst>
-            <pc:docMk/>
-            <pc:sldMk cId="2972731808" sldId="308"/>
-            <ac:spMk id="31" creationId="{450D3AD2-FA80-415F-A9CE-54D884561CD7}"/>
-          </ac:spMkLst>
-        </pc:spChg>
-        <pc:spChg chg="add del">
-          <ac:chgData name="Ihor Aleksandrov" userId="c3051032-6b87-4db2-b257-777a0106fbd9" providerId="ADAL" clId="{C975AD89-9389-4107-B336-68A5516F1324}" dt="2024-01-25T12:16:57.069" v="541" actId="26606"/>
-          <ac:spMkLst>
-            <pc:docMk/>
-            <pc:sldMk cId="2972731808" sldId="308"/>
-            <ac:spMk id="33" creationId="{B34F5AD2-EDBD-4BBD-A55C-EAFFD0C7097A}"/>
-          </ac:spMkLst>
-        </pc:spChg>
-        <pc:spChg chg="add del">
-          <ac:chgData name="Ihor Aleksandrov" userId="c3051032-6b87-4db2-b257-777a0106fbd9" providerId="ADAL" clId="{C975AD89-9389-4107-B336-68A5516F1324}" dt="2024-01-25T12:16:57.069" v="541" actId="26606"/>
-          <ac:spMkLst>
-            <pc:docMk/>
-            <pc:sldMk cId="2972731808" sldId="308"/>
-            <ac:spMk id="34" creationId="{C3896A03-3945-419A-B66B-4EE266EDD152}"/>
-          </ac:spMkLst>
-        </pc:spChg>
-        <pc:spChg chg="add del">
-          <ac:chgData name="Ihor Aleksandrov" userId="c3051032-6b87-4db2-b257-777a0106fbd9" providerId="ADAL" clId="{C975AD89-9389-4107-B336-68A5516F1324}" dt="2024-01-25T12:16:57.069" v="541" actId="26606"/>
-          <ac:spMkLst>
-            <pc:docMk/>
-            <pc:sldMk cId="2972731808" sldId="308"/>
-            <ac:spMk id="35" creationId="{B8EAE243-3A9F-4A46-B0D9-04C723A8A1BD}"/>
-          </ac:spMkLst>
-        </pc:spChg>
-        <pc:spChg chg="add del">
-          <ac:chgData name="Ihor Aleksandrov" userId="c3051032-6b87-4db2-b257-777a0106fbd9" providerId="ADAL" clId="{C975AD89-9389-4107-B336-68A5516F1324}" dt="2024-01-25T12:16:58.901" v="543" actId="26606"/>
-          <ac:spMkLst>
-            <pc:docMk/>
-            <pc:sldMk cId="2972731808" sldId="308"/>
-            <ac:spMk id="37" creationId="{B34F5AD2-EDBD-4BBD-A55C-EAFFD0C7097A}"/>
-          </ac:spMkLst>
-        </pc:spChg>
-        <pc:spChg chg="add del">
-          <ac:chgData name="Ihor Aleksandrov" userId="c3051032-6b87-4db2-b257-777a0106fbd9" providerId="ADAL" clId="{C975AD89-9389-4107-B336-68A5516F1324}" dt="2024-01-25T12:16:58.901" v="543" actId="26606"/>
-          <ac:spMkLst>
-            <pc:docMk/>
-            <pc:sldMk cId="2972731808" sldId="308"/>
-            <ac:spMk id="38" creationId="{C3896A03-3945-419A-B66B-4EE266EDD152}"/>
-          </ac:spMkLst>
-        </pc:spChg>
-        <pc:spChg chg="add del">
-          <ac:chgData name="Ihor Aleksandrov" userId="c3051032-6b87-4db2-b257-777a0106fbd9" providerId="ADAL" clId="{C975AD89-9389-4107-B336-68A5516F1324}" dt="2024-01-25T12:16:58.901" v="543" actId="26606"/>
-          <ac:spMkLst>
-            <pc:docMk/>
-            <pc:sldMk cId="2972731808" sldId="308"/>
-            <ac:spMk id="39" creationId="{B8EAE243-3A9F-4A46-B0D9-04C723A8A1BD}"/>
-          </ac:spMkLst>
-        </pc:spChg>
-        <pc:spChg chg="add del">
-          <ac:chgData name="Ihor Aleksandrov" userId="c3051032-6b87-4db2-b257-777a0106fbd9" providerId="ADAL" clId="{C975AD89-9389-4107-B336-68A5516F1324}" dt="2024-01-25T12:17:02.224" v="545" actId="26606"/>
-          <ac:spMkLst>
-            <pc:docMk/>
-            <pc:sldMk cId="2972731808" sldId="308"/>
-            <ac:spMk id="42" creationId="{B34F5AD2-EDBD-4BBD-A55C-EAFFD0C7097A}"/>
-          </ac:spMkLst>
-        </pc:spChg>
-        <pc:spChg chg="add del">
-          <ac:chgData name="Ihor Aleksandrov" userId="c3051032-6b87-4db2-b257-777a0106fbd9" providerId="ADAL" clId="{C975AD89-9389-4107-B336-68A5516F1324}" dt="2024-01-25T12:17:02.224" v="545" actId="26606"/>
-          <ac:spMkLst>
-            <pc:docMk/>
-            <pc:sldMk cId="2972731808" sldId="308"/>
-            <ac:spMk id="43" creationId="{C3896A03-3945-419A-B66B-4EE266EDD152}"/>
-          </ac:spMkLst>
-        </pc:spChg>
-        <pc:spChg chg="add del">
-          <ac:chgData name="Ihor Aleksandrov" userId="c3051032-6b87-4db2-b257-777a0106fbd9" providerId="ADAL" clId="{C975AD89-9389-4107-B336-68A5516F1324}" dt="2024-01-25T12:17:02.224" v="545" actId="26606"/>
-          <ac:spMkLst>
-            <pc:docMk/>
-            <pc:sldMk cId="2972731808" sldId="308"/>
-            <ac:spMk id="44" creationId="{B8EAE243-3A9F-4A46-B0D9-04C723A8A1BD}"/>
-          </ac:spMkLst>
-        </pc:spChg>
-        <pc:spChg chg="add">
-          <ac:chgData name="Ihor Aleksandrov" userId="c3051032-6b87-4db2-b257-777a0106fbd9" providerId="ADAL" clId="{C975AD89-9389-4107-B336-68A5516F1324}" dt="2024-01-25T12:17:02.243" v="546" actId="26606"/>
-          <ac:spMkLst>
-            <pc:docMk/>
-            <pc:sldMk cId="2972731808" sldId="308"/>
-            <ac:spMk id="47" creationId="{B34F5AD2-EDBD-4BBD-A55C-EAFFD0C7097A}"/>
-          </ac:spMkLst>
-        </pc:spChg>
-        <pc:spChg chg="add">
-          <ac:chgData name="Ihor Aleksandrov" userId="c3051032-6b87-4db2-b257-777a0106fbd9" providerId="ADAL" clId="{C975AD89-9389-4107-B336-68A5516F1324}" dt="2024-01-25T12:17:02.243" v="546" actId="26606"/>
-          <ac:spMkLst>
-            <pc:docMk/>
-            <pc:sldMk cId="2972731808" sldId="308"/>
-            <ac:spMk id="48" creationId="{C3896A03-3945-419A-B66B-4EE266EDD152}"/>
-          </ac:spMkLst>
-        </pc:spChg>
-        <pc:spChg chg="add">
-          <ac:chgData name="Ihor Aleksandrov" userId="c3051032-6b87-4db2-b257-777a0106fbd9" providerId="ADAL" clId="{C975AD89-9389-4107-B336-68A5516F1324}" dt="2024-01-25T12:17:02.243" v="546" actId="26606"/>
-          <ac:spMkLst>
-            <pc:docMk/>
-            <pc:sldMk cId="2972731808" sldId="308"/>
-            <ac:spMk id="49" creationId="{B8EAE243-3A9F-4A46-B0D9-04C723A8A1BD}"/>
-          </ac:spMkLst>
-        </pc:spChg>
-        <pc:graphicFrameChg chg="add del">
-          <ac:chgData name="Ihor Aleksandrov" userId="c3051032-6b87-4db2-b257-777a0106fbd9" providerId="ADAL" clId="{C975AD89-9389-4107-B336-68A5516F1324}" dt="2024-01-25T12:16:57.069" v="541" actId="26606"/>
-          <ac:graphicFrameMkLst>
-            <pc:docMk/>
-            <pc:sldMk cId="2972731808" sldId="308"/>
-            <ac:graphicFrameMk id="24" creationId="{B1DF12BD-C829-ACAE-B131-9005BD28D94C}"/>
-          </ac:graphicFrameMkLst>
-        </pc:graphicFrameChg>
-        <pc:graphicFrameChg chg="add del">
-          <ac:chgData name="Ihor Aleksandrov" userId="c3051032-6b87-4db2-b257-777a0106fbd9" providerId="ADAL" clId="{C975AD89-9389-4107-B336-68A5516F1324}" dt="2024-01-25T12:16:58.901" v="543" actId="26606"/>
-          <ac:graphicFrameMkLst>
-            <pc:docMk/>
-            <pc:sldMk cId="2972731808" sldId="308"/>
-            <ac:graphicFrameMk id="40" creationId="{6C86E01F-5877-63CC-D7B9-91D3284A56A5}"/>
-          </ac:graphicFrameMkLst>
-        </pc:graphicFrameChg>
-        <pc:graphicFrameChg chg="add del">
-          <ac:chgData name="Ihor Aleksandrov" userId="c3051032-6b87-4db2-b257-777a0106fbd9" providerId="ADAL" clId="{C975AD89-9389-4107-B336-68A5516F1324}" dt="2024-01-25T12:17:02.224" v="545" actId="26606"/>
-          <ac:graphicFrameMkLst>
-            <pc:docMk/>
-            <pc:sldMk cId="2972731808" sldId="308"/>
-            <ac:graphicFrameMk id="45" creationId="{46109661-CA2A-F035-4AF8-397A29F0C859}"/>
-          </ac:graphicFrameMkLst>
-        </pc:graphicFrameChg>
-        <pc:graphicFrameChg chg="add">
-          <ac:chgData name="Ihor Aleksandrov" userId="c3051032-6b87-4db2-b257-777a0106fbd9" providerId="ADAL" clId="{C975AD89-9389-4107-B336-68A5516F1324}" dt="2024-01-25T12:17:02.243" v="546" actId="26606"/>
-          <ac:graphicFrameMkLst>
-            <pc:docMk/>
-            <pc:sldMk cId="2972731808" sldId="308"/>
-            <ac:graphicFrameMk id="50" creationId="{438840ED-2B50-ED19-12CF-99B1789AE150}"/>
-          </ac:graphicFrameMkLst>
-        </pc:graphicFrameChg>
-      </pc:sldChg>
-    </pc:docChg>
-  </pc:docChgLst>
-  <pc:docChgLst>
-    <pc:chgData name="Ihor Aleksandrov" userId="c3051032-6b87-4db2-b257-777a0106fbd9" providerId="ADAL" clId="{56332CB3-8148-420A-A659-8047DFDBF6F1}"/>
-    <pc:docChg chg="undo custSel addSld delSld modSld sldOrd addSection modSection">
-      <pc:chgData name="Ihor Aleksandrov" userId="c3051032-6b87-4db2-b257-777a0106fbd9" providerId="ADAL" clId="{56332CB3-8148-420A-A659-8047DFDBF6F1}" dt="2024-01-26T13:08:59.561" v="220" actId="20577"/>
-      <pc:docMkLst>
-        <pc:docMk/>
-      </pc:docMkLst>
-      <pc:sldChg chg="modSp">
-        <pc:chgData name="Ihor Aleksandrov" userId="c3051032-6b87-4db2-b257-777a0106fbd9" providerId="ADAL" clId="{56332CB3-8148-420A-A659-8047DFDBF6F1}" dt="2024-01-26T09:37:35.628" v="15" actId="20577"/>
-        <pc:sldMkLst>
-          <pc:docMk/>
-          <pc:sldMk cId="588564705" sldId="256"/>
-        </pc:sldMkLst>
-        <pc:spChg chg="mod">
-          <ac:chgData name="Ihor Aleksandrov" userId="c3051032-6b87-4db2-b257-777a0106fbd9" providerId="ADAL" clId="{56332CB3-8148-420A-A659-8047DFDBF6F1}" dt="2024-01-26T09:37:35.628" v="15" actId="20577"/>
-          <ac:spMkLst>
-            <pc:docMk/>
-            <pc:sldMk cId="588564705" sldId="256"/>
-            <ac:spMk id="2" creationId="{2C4A1DFF-3C45-F11D-E6A6-19C0306E5E2B}"/>
-          </ac:spMkLst>
-        </pc:spChg>
-      </pc:sldChg>
-      <pc:sldChg chg="addSp delSp modSp add mod setBg delDesignElem">
-        <pc:chgData name="Ihor Aleksandrov" userId="c3051032-6b87-4db2-b257-777a0106fbd9" providerId="ADAL" clId="{56332CB3-8148-420A-A659-8047DFDBF6F1}" dt="2024-01-26T10:35:18.591" v="25" actId="20577"/>
-        <pc:sldMkLst>
-          <pc:docMk/>
-          <pc:sldMk cId="4197480136" sldId="268"/>
-        </pc:sldMkLst>
-        <pc:spChg chg="mod">
-          <ac:chgData name="Ihor Aleksandrov" userId="c3051032-6b87-4db2-b257-777a0106fbd9" providerId="ADAL" clId="{56332CB3-8148-420A-A659-8047DFDBF6F1}" dt="2024-01-26T10:34:21.837" v="18" actId="26606"/>
-          <ac:spMkLst>
-            <pc:docMk/>
-            <pc:sldMk cId="4197480136" sldId="268"/>
-            <ac:spMk id="2" creationId="{53C5D828-9666-E312-B574-9FE965A7D6BE}"/>
-          </ac:spMkLst>
-        </pc:spChg>
-        <pc:spChg chg="mod ord">
-          <ac:chgData name="Ihor Aleksandrov" userId="c3051032-6b87-4db2-b257-777a0106fbd9" providerId="ADAL" clId="{56332CB3-8148-420A-A659-8047DFDBF6F1}" dt="2024-01-26T10:34:21.837" v="18" actId="26606"/>
-          <ac:spMkLst>
-            <pc:docMk/>
-            <pc:sldMk cId="4197480136" sldId="268"/>
-            <ac:spMk id="3" creationId="{5AA19FA0-A765-8169-03F1-928E3EF7B595}"/>
-          </ac:spMkLst>
-        </pc:spChg>
-        <pc:spChg chg="add mod">
-          <ac:chgData name="Ihor Aleksandrov" userId="c3051032-6b87-4db2-b257-777a0106fbd9" providerId="ADAL" clId="{56332CB3-8148-420A-A659-8047DFDBF6F1}" dt="2024-01-26T10:35:18.591" v="25" actId="20577"/>
-          <ac:spMkLst>
-            <pc:docMk/>
-            <pc:sldMk cId="4197480136" sldId="268"/>
-            <ac:spMk id="6" creationId="{38F38C99-3FFF-CC1B-A865-D41BAF094870}"/>
-          </ac:spMkLst>
-        </pc:spChg>
-        <pc:spChg chg="add">
-          <ac:chgData name="Ihor Aleksandrov" userId="c3051032-6b87-4db2-b257-777a0106fbd9" providerId="ADAL" clId="{56332CB3-8148-420A-A659-8047DFDBF6F1}" dt="2024-01-26T10:34:21.837" v="18" actId="26606"/>
-          <ac:spMkLst>
-            <pc:docMk/>
-            <pc:sldMk cId="4197480136" sldId="268"/>
-            <ac:spMk id="10" creationId="{D4771268-CB57-404A-9271-370EB28F6090}"/>
-          </ac:spMkLst>
-        </pc:spChg>
-        <pc:spChg chg="del">
-          <ac:chgData name="Ihor Aleksandrov" userId="c3051032-6b87-4db2-b257-777a0106fbd9" providerId="ADAL" clId="{56332CB3-8148-420A-A659-8047DFDBF6F1}" dt="2024-01-26T10:34:17.668" v="17"/>
-          <ac:spMkLst>
-            <pc:docMk/>
-            <pc:sldMk cId="4197480136" sldId="268"/>
-            <ac:spMk id="24" creationId="{D4771268-CB57-404A-9271-370EB28F6090}"/>
-          </ac:spMkLst>
-        </pc:spChg>
-        <pc:picChg chg="mod">
-          <ac:chgData name="Ihor Aleksandrov" userId="c3051032-6b87-4db2-b257-777a0106fbd9" providerId="ADAL" clId="{56332CB3-8148-420A-A659-8047DFDBF6F1}" dt="2024-01-26T10:34:37.730" v="21" actId="1076"/>
-          <ac:picMkLst>
-            <pc:docMk/>
-            <pc:sldMk cId="4197480136" sldId="268"/>
-            <ac:picMk id="5" creationId="{48B8D675-CA93-B1DA-C8B0-E9A8D9721494}"/>
-          </ac:picMkLst>
-        </pc:picChg>
-      </pc:sldChg>
-      <pc:sldChg chg="del">
-        <pc:chgData name="Ihor Aleksandrov" userId="c3051032-6b87-4db2-b257-777a0106fbd9" providerId="ADAL" clId="{56332CB3-8148-420A-A659-8047DFDBF6F1}" dt="2024-01-26T10:34:28.581" v="19" actId="2696"/>
-        <pc:sldMkLst>
-          <pc:docMk/>
-          <pc:sldMk cId="1284720075" sldId="271"/>
-        </pc:sldMkLst>
-      </pc:sldChg>
-      <pc:sldChg chg="del">
-        <pc:chgData name="Ihor Aleksandrov" userId="c3051032-6b87-4db2-b257-777a0106fbd9" providerId="ADAL" clId="{56332CB3-8148-420A-A659-8047DFDBF6F1}" dt="2024-01-26T09:37:21.787" v="2" actId="2696"/>
-        <pc:sldMkLst>
-          <pc:docMk/>
-          <pc:sldMk cId="2437677464" sldId="304"/>
-        </pc:sldMkLst>
-      </pc:sldChg>
-      <pc:sldChg chg="addSp delSp modSp add mod setBg delDesignElem">
-        <pc:chgData name="Ihor Aleksandrov" userId="c3051032-6b87-4db2-b257-777a0106fbd9" providerId="ADAL" clId="{56332CB3-8148-420A-A659-8047DFDBF6F1}" dt="2024-01-26T10:41:09.384" v="33" actId="1076"/>
-        <pc:sldMkLst>
-          <pc:docMk/>
-          <pc:sldMk cId="2663829398" sldId="304"/>
-        </pc:sldMkLst>
-        <pc:spChg chg="mod">
-          <ac:chgData name="Ihor Aleksandrov" userId="c3051032-6b87-4db2-b257-777a0106fbd9" providerId="ADAL" clId="{56332CB3-8148-420A-A659-8047DFDBF6F1}" dt="2024-01-26T10:38:40.346" v="28" actId="26606"/>
-          <ac:spMkLst>
-            <pc:docMk/>
-            <pc:sldMk cId="2663829398" sldId="304"/>
-            <ac:spMk id="2" creationId="{53C5D828-9666-E312-B574-9FE965A7D6BE}"/>
-          </ac:spMkLst>
-        </pc:spChg>
-        <pc:spChg chg="mod ord">
-          <ac:chgData name="Ihor Aleksandrov" userId="c3051032-6b87-4db2-b257-777a0106fbd9" providerId="ADAL" clId="{56332CB3-8148-420A-A659-8047DFDBF6F1}" dt="2024-01-26T10:38:40.346" v="28" actId="26606"/>
-          <ac:spMkLst>
-            <pc:docMk/>
-            <pc:sldMk cId="2663829398" sldId="304"/>
-            <ac:spMk id="3" creationId="{5AA19FA0-A765-8169-03F1-928E3EF7B595}"/>
-          </ac:spMkLst>
-        </pc:spChg>
-        <pc:spChg chg="add mod">
-          <ac:chgData name="Ihor Aleksandrov" userId="c3051032-6b87-4db2-b257-777a0106fbd9" providerId="ADAL" clId="{56332CB3-8148-420A-A659-8047DFDBF6F1}" dt="2024-01-26T10:41:09.384" v="33" actId="1076"/>
-          <ac:spMkLst>
-            <pc:docMk/>
-            <pc:sldMk cId="2663829398" sldId="304"/>
-            <ac:spMk id="6" creationId="{2F53A0FB-CBBF-56F6-D0C7-F065FF56D201}"/>
-          </ac:spMkLst>
-        </pc:spChg>
-        <pc:spChg chg="add">
-          <ac:chgData name="Ihor Aleksandrov" userId="c3051032-6b87-4db2-b257-777a0106fbd9" providerId="ADAL" clId="{56332CB3-8148-420A-A659-8047DFDBF6F1}" dt="2024-01-26T10:38:40.346" v="28" actId="26606"/>
-          <ac:spMkLst>
-            <pc:docMk/>
-            <pc:sldMk cId="2663829398" sldId="304"/>
-            <ac:spMk id="9" creationId="{D4771268-CB57-404A-9271-370EB28F6090}"/>
-          </ac:spMkLst>
-        </pc:spChg>
-        <pc:spChg chg="del">
-          <ac:chgData name="Ihor Aleksandrov" userId="c3051032-6b87-4db2-b257-777a0106fbd9" providerId="ADAL" clId="{56332CB3-8148-420A-A659-8047DFDBF6F1}" dt="2024-01-26T10:38:36.586" v="27"/>
-          <ac:spMkLst>
-            <pc:docMk/>
-            <pc:sldMk cId="2663829398" sldId="304"/>
-            <ac:spMk id="24" creationId="{D4771268-CB57-404A-9271-370EB28F6090}"/>
-          </ac:spMkLst>
-        </pc:spChg>
-        <pc:picChg chg="mod">
-          <ac:chgData name="Ihor Aleksandrov" userId="c3051032-6b87-4db2-b257-777a0106fbd9" providerId="ADAL" clId="{56332CB3-8148-420A-A659-8047DFDBF6F1}" dt="2024-01-26T10:41:04.898" v="30" actId="1076"/>
-          <ac:picMkLst>
-            <pc:docMk/>
-            <pc:sldMk cId="2663829398" sldId="304"/>
-            <ac:picMk id="4" creationId="{FCFA766F-83CB-5C1C-AAE0-E7EBDC3565E1}"/>
-          </ac:picMkLst>
-        </pc:picChg>
-      </pc:sldChg>
-      <pc:sldChg chg="delSp add del setBg delDesignElem">
-        <pc:chgData name="Ihor Aleksandrov" userId="c3051032-6b87-4db2-b257-777a0106fbd9" providerId="ADAL" clId="{56332CB3-8148-420A-A659-8047DFDBF6F1}" dt="2024-01-26T11:03:21.076" v="37" actId="2696"/>
-        <pc:sldMkLst>
-          <pc:docMk/>
-          <pc:sldMk cId="90847877" sldId="305"/>
-        </pc:sldMkLst>
-        <pc:spChg chg="del">
-          <ac:chgData name="Ihor Aleksandrov" userId="c3051032-6b87-4db2-b257-777a0106fbd9" providerId="ADAL" clId="{56332CB3-8148-420A-A659-8047DFDBF6F1}" dt="2024-01-26T11:03:04.972" v="35"/>
-          <ac:spMkLst>
-            <pc:docMk/>
-            <pc:sldMk cId="90847877" sldId="305"/>
-            <ac:spMk id="24" creationId="{D4771268-CB57-404A-9271-370EB28F6090}"/>
-          </ac:spMkLst>
-        </pc:spChg>
-      </pc:sldChg>
-      <pc:sldChg chg="del">
-        <pc:chgData name="Ihor Aleksandrov" userId="c3051032-6b87-4db2-b257-777a0106fbd9" providerId="ADAL" clId="{56332CB3-8148-420A-A659-8047DFDBF6F1}" dt="2024-01-26T09:37:21.787" v="2" actId="2696"/>
-        <pc:sldMkLst>
-          <pc:docMk/>
-          <pc:sldMk cId="3615190178" sldId="305"/>
-        </pc:sldMkLst>
-      </pc:sldChg>
-      <pc:sldChg chg="del">
-        <pc:chgData name="Ihor Aleksandrov" userId="c3051032-6b87-4db2-b257-777a0106fbd9" providerId="ADAL" clId="{56332CB3-8148-420A-A659-8047DFDBF6F1}" dt="2024-01-26T09:37:21.787" v="2" actId="2696"/>
-        <pc:sldMkLst>
-          <pc:docMk/>
-          <pc:sldMk cId="1836256656" sldId="306"/>
-        </pc:sldMkLst>
-      </pc:sldChg>
-      <pc:sldChg chg="modSp mod">
-        <pc:chgData name="Ihor Aleksandrov" userId="c3051032-6b87-4db2-b257-777a0106fbd9" providerId="ADAL" clId="{56332CB3-8148-420A-A659-8047DFDBF6F1}" dt="2024-01-26T09:35:56.072" v="1" actId="20577"/>
-        <pc:sldMkLst>
-          <pc:docMk/>
-          <pc:sldMk cId="2052164358" sldId="307"/>
-        </pc:sldMkLst>
-        <pc:spChg chg="mod">
-          <ac:chgData name="Ihor Aleksandrov" userId="c3051032-6b87-4db2-b257-777a0106fbd9" providerId="ADAL" clId="{56332CB3-8148-420A-A659-8047DFDBF6F1}" dt="2024-01-26T09:35:56.072" v="1" actId="20577"/>
-          <ac:spMkLst>
-            <pc:docMk/>
-            <pc:sldMk cId="2052164358" sldId="307"/>
-            <ac:spMk id="2" creationId="{5DF8ECE0-DBF5-C309-B35B-C6A0C6C847B2}"/>
-          </ac:spMkLst>
-        </pc:spChg>
-      </pc:sldChg>
-      <pc:sldChg chg="del">
-        <pc:chgData name="Ihor Aleksandrov" userId="c3051032-6b87-4db2-b257-777a0106fbd9" providerId="ADAL" clId="{56332CB3-8148-420A-A659-8047DFDBF6F1}" dt="2024-01-26T09:37:21.787" v="2" actId="2696"/>
-        <pc:sldMkLst>
-          <pc:docMk/>
-          <pc:sldMk cId="198741980" sldId="309"/>
-        </pc:sldMkLst>
-      </pc:sldChg>
-      <pc:sldChg chg="addSp delSp modSp add mod">
-        <pc:chgData name="Ihor Aleksandrov" userId="c3051032-6b87-4db2-b257-777a0106fbd9" providerId="ADAL" clId="{56332CB3-8148-420A-A659-8047DFDBF6F1}" dt="2024-01-26T11:04:14.283" v="47" actId="1076"/>
-        <pc:sldMkLst>
-          <pc:docMk/>
-          <pc:sldMk cId="629780150" sldId="309"/>
-        </pc:sldMkLst>
-        <pc:spChg chg="mod">
-          <ac:chgData name="Ihor Aleksandrov" userId="c3051032-6b87-4db2-b257-777a0106fbd9" providerId="ADAL" clId="{56332CB3-8148-420A-A659-8047DFDBF6F1}" dt="2024-01-26T11:03:27.455" v="43" actId="20577"/>
-          <ac:spMkLst>
-            <pc:docMk/>
-            <pc:sldMk cId="629780150" sldId="309"/>
-            <ac:spMk id="2" creationId="{53C5D828-9666-E312-B574-9FE965A7D6BE}"/>
-          </ac:spMkLst>
-        </pc:spChg>
-        <pc:spChg chg="del">
-          <ac:chgData name="Ihor Aleksandrov" userId="c3051032-6b87-4db2-b257-777a0106fbd9" providerId="ADAL" clId="{56332CB3-8148-420A-A659-8047DFDBF6F1}" dt="2024-01-26T11:03:57.947" v="44" actId="478"/>
-          <ac:spMkLst>
-            <pc:docMk/>
-            <pc:sldMk cId="629780150" sldId="309"/>
-            <ac:spMk id="6" creationId="{2F53A0FB-CBBF-56F6-D0C7-F065FF56D201}"/>
-          </ac:spMkLst>
-        </pc:spChg>
-        <pc:spChg chg="add mod">
-          <ac:chgData name="Ihor Aleksandrov" userId="c3051032-6b87-4db2-b257-777a0106fbd9" providerId="ADAL" clId="{56332CB3-8148-420A-A659-8047DFDBF6F1}" dt="2024-01-26T11:04:14.283" v="47" actId="1076"/>
-          <ac:spMkLst>
-            <pc:docMk/>
-            <pc:sldMk cId="629780150" sldId="309"/>
-            <ac:spMk id="7" creationId="{51851773-D242-E7C0-784C-81973E41A18D}"/>
-          </ac:spMkLst>
-        </pc:spChg>
-        <pc:picChg chg="del">
-          <ac:chgData name="Ihor Aleksandrov" userId="c3051032-6b87-4db2-b257-777a0106fbd9" providerId="ADAL" clId="{56332CB3-8148-420A-A659-8047DFDBF6F1}" dt="2024-01-26T11:04:00.131" v="45" actId="478"/>
-          <ac:picMkLst>
-            <pc:docMk/>
-            <pc:sldMk cId="629780150" sldId="309"/>
-            <ac:picMk id="4" creationId="{FCFA766F-83CB-5C1C-AAE0-E7EBDC3565E1}"/>
-          </ac:picMkLst>
-        </pc:picChg>
-      </pc:sldChg>
-      <pc:sldChg chg="del">
-        <pc:chgData name="Ihor Aleksandrov" userId="c3051032-6b87-4db2-b257-777a0106fbd9" providerId="ADAL" clId="{56332CB3-8148-420A-A659-8047DFDBF6F1}" dt="2024-01-26T09:37:21.787" v="2" actId="2696"/>
-        <pc:sldMkLst>
-          <pc:docMk/>
-          <pc:sldMk cId="2347286244" sldId="310"/>
-        </pc:sldMkLst>
-      </pc:sldChg>
-      <pc:sldChg chg="addSp delSp modSp add mod">
-        <pc:chgData name="Ihor Aleksandrov" userId="c3051032-6b87-4db2-b257-777a0106fbd9" providerId="ADAL" clId="{56332CB3-8148-420A-A659-8047DFDBF6F1}" dt="2024-01-26T11:08:58.318" v="54" actId="1076"/>
-        <pc:sldMkLst>
-          <pc:docMk/>
-          <pc:sldMk cId="3034518977" sldId="310"/>
-        </pc:sldMkLst>
-        <pc:spChg chg="mod">
-          <ac:chgData name="Ihor Aleksandrov" userId="c3051032-6b87-4db2-b257-777a0106fbd9" providerId="ADAL" clId="{56332CB3-8148-420A-A659-8047DFDBF6F1}" dt="2024-01-26T11:08:38.691" v="51" actId="20577"/>
-          <ac:spMkLst>
-            <pc:docMk/>
-            <pc:sldMk cId="3034518977" sldId="310"/>
-            <ac:spMk id="2" creationId="{53C5D828-9666-E312-B574-9FE965A7D6BE}"/>
-          </ac:spMkLst>
-        </pc:spChg>
-        <pc:spChg chg="add mod">
-          <ac:chgData name="Ihor Aleksandrov" userId="c3051032-6b87-4db2-b257-777a0106fbd9" providerId="ADAL" clId="{56332CB3-8148-420A-A659-8047DFDBF6F1}" dt="2024-01-26T11:08:58.318" v="54" actId="1076"/>
-          <ac:spMkLst>
-            <pc:docMk/>
-            <pc:sldMk cId="3034518977" sldId="310"/>
-            <ac:spMk id="5" creationId="{0E4712DF-C5FE-F37F-C135-D8FC65FD71C8}"/>
-          </ac:spMkLst>
-        </pc:spChg>
-        <pc:spChg chg="del">
-          <ac:chgData name="Ihor Aleksandrov" userId="c3051032-6b87-4db2-b257-777a0106fbd9" providerId="ADAL" clId="{56332CB3-8148-420A-A659-8047DFDBF6F1}" dt="2024-01-26T11:08:52.701" v="52" actId="478"/>
-          <ac:spMkLst>
-            <pc:docMk/>
-            <pc:sldMk cId="3034518977" sldId="310"/>
-            <ac:spMk id="7" creationId="{51851773-D242-E7C0-784C-81973E41A18D}"/>
-          </ac:spMkLst>
-        </pc:spChg>
-      </pc:sldChg>
-      <pc:sldChg chg="modSp add mod">
-        <pc:chgData name="Ihor Aleksandrov" userId="c3051032-6b87-4db2-b257-777a0106fbd9" providerId="ADAL" clId="{56332CB3-8148-420A-A659-8047DFDBF6F1}" dt="2024-01-26T11:11:27.715" v="63" actId="1076"/>
-        <pc:sldMkLst>
-          <pc:docMk/>
-          <pc:sldMk cId="3867706840" sldId="311"/>
-        </pc:sldMkLst>
-        <pc:spChg chg="mod">
-          <ac:chgData name="Ihor Aleksandrov" userId="c3051032-6b87-4db2-b257-777a0106fbd9" providerId="ADAL" clId="{56332CB3-8148-420A-A659-8047DFDBF6F1}" dt="2024-01-26T11:11:11.098" v="61" actId="20577"/>
-          <ac:spMkLst>
-            <pc:docMk/>
-            <pc:sldMk cId="3867706840" sldId="311"/>
-            <ac:spMk id="2" creationId="{53C5D828-9666-E312-B574-9FE965A7D6BE}"/>
-          </ac:spMkLst>
-        </pc:spChg>
-        <pc:spChg chg="mod">
-          <ac:chgData name="Ihor Aleksandrov" userId="c3051032-6b87-4db2-b257-777a0106fbd9" providerId="ADAL" clId="{56332CB3-8148-420A-A659-8047DFDBF6F1}" dt="2024-01-26T11:11:27.715" v="63" actId="1076"/>
-          <ac:spMkLst>
-            <pc:docMk/>
-            <pc:sldMk cId="3867706840" sldId="311"/>
-            <ac:spMk id="5" creationId="{0E4712DF-C5FE-F37F-C135-D8FC65FD71C8}"/>
-          </ac:spMkLst>
-        </pc:spChg>
-      </pc:sldChg>
-      <pc:sldChg chg="addSp delSp modSp add mod">
-        <pc:chgData name="Ihor Aleksandrov" userId="c3051032-6b87-4db2-b257-777a0106fbd9" providerId="ADAL" clId="{56332CB3-8148-420A-A659-8047DFDBF6F1}" dt="2024-01-26T11:18:12.023" v="74" actId="1076"/>
-        <pc:sldMkLst>
-          <pc:docMk/>
-          <pc:sldMk cId="983266819" sldId="312"/>
-        </pc:sldMkLst>
-        <pc:spChg chg="mod">
-          <ac:chgData name="Ihor Aleksandrov" userId="c3051032-6b87-4db2-b257-777a0106fbd9" providerId="ADAL" clId="{56332CB3-8148-420A-A659-8047DFDBF6F1}" dt="2024-01-26T11:17:51.081" v="70" actId="20577"/>
-          <ac:spMkLst>
-            <pc:docMk/>
-            <pc:sldMk cId="983266819" sldId="312"/>
-            <ac:spMk id="2" creationId="{53C5D828-9666-E312-B574-9FE965A7D6BE}"/>
-          </ac:spMkLst>
-        </pc:spChg>
-        <pc:spChg chg="del">
-          <ac:chgData name="Ihor Aleksandrov" userId="c3051032-6b87-4db2-b257-777a0106fbd9" providerId="ADAL" clId="{56332CB3-8148-420A-A659-8047DFDBF6F1}" dt="2024-01-26T11:18:04.517" v="71" actId="478"/>
-          <ac:spMkLst>
-            <pc:docMk/>
-            <pc:sldMk cId="983266819" sldId="312"/>
-            <ac:spMk id="5" creationId="{0E4712DF-C5FE-F37F-C135-D8FC65FD71C8}"/>
-          </ac:spMkLst>
-        </pc:spChg>
-        <pc:spChg chg="add mod">
-          <ac:chgData name="Ihor Aleksandrov" userId="c3051032-6b87-4db2-b257-777a0106fbd9" providerId="ADAL" clId="{56332CB3-8148-420A-A659-8047DFDBF6F1}" dt="2024-01-26T11:18:12.023" v="74" actId="1076"/>
-          <ac:spMkLst>
-            <pc:docMk/>
-            <pc:sldMk cId="983266819" sldId="312"/>
-            <ac:spMk id="6" creationId="{AA2CEE1E-78C8-7295-B0CD-DC0B0D71DAC3}"/>
-          </ac:spMkLst>
-        </pc:spChg>
-      </pc:sldChg>
-      <pc:sldChg chg="addSp delSp modSp add mod setBg delDesignElem">
-        <pc:chgData name="Ihor Aleksandrov" userId="c3051032-6b87-4db2-b257-777a0106fbd9" providerId="ADAL" clId="{56332CB3-8148-420A-A659-8047DFDBF6F1}" dt="2024-01-26T11:22:54.012" v="82" actId="1076"/>
-        <pc:sldMkLst>
-          <pc:docMk/>
-          <pc:sldMk cId="3572219502" sldId="313"/>
-        </pc:sldMkLst>
-        <pc:spChg chg="mod">
-          <ac:chgData name="Ihor Aleksandrov" userId="c3051032-6b87-4db2-b257-777a0106fbd9" providerId="ADAL" clId="{56332CB3-8148-420A-A659-8047DFDBF6F1}" dt="2024-01-26T11:21:41.208" v="77" actId="26606"/>
-          <ac:spMkLst>
-            <pc:docMk/>
-            <pc:sldMk cId="3572219502" sldId="313"/>
-            <ac:spMk id="2" creationId="{53C5D828-9666-E312-B574-9FE965A7D6BE}"/>
-          </ac:spMkLst>
-        </pc:spChg>
-        <pc:spChg chg="mod ord">
-          <ac:chgData name="Ihor Aleksandrov" userId="c3051032-6b87-4db2-b257-777a0106fbd9" providerId="ADAL" clId="{56332CB3-8148-420A-A659-8047DFDBF6F1}" dt="2024-01-26T11:21:41.208" v="77" actId="26606"/>
-          <ac:spMkLst>
-            <pc:docMk/>
-            <pc:sldMk cId="3572219502" sldId="313"/>
-            <ac:spMk id="3" creationId="{5AA19FA0-A765-8169-03F1-928E3EF7B595}"/>
-          </ac:spMkLst>
-        </pc:spChg>
-        <pc:spChg chg="add mod">
-          <ac:chgData name="Ihor Aleksandrov" userId="c3051032-6b87-4db2-b257-777a0106fbd9" providerId="ADAL" clId="{56332CB3-8148-420A-A659-8047DFDBF6F1}" dt="2024-01-26T11:22:54.012" v="82" actId="1076"/>
-          <ac:spMkLst>
-            <pc:docMk/>
-            <pc:sldMk cId="3572219502" sldId="313"/>
-            <ac:spMk id="6" creationId="{384DCFC9-DBBE-2840-3C1C-9B97F7CD6E37}"/>
-          </ac:spMkLst>
-        </pc:spChg>
-        <pc:spChg chg="add">
-          <ac:chgData name="Ihor Aleksandrov" userId="c3051032-6b87-4db2-b257-777a0106fbd9" providerId="ADAL" clId="{56332CB3-8148-420A-A659-8047DFDBF6F1}" dt="2024-01-26T11:21:41.208" v="77" actId="26606"/>
-          <ac:spMkLst>
-            <pc:docMk/>
-            <pc:sldMk cId="3572219502" sldId="313"/>
-            <ac:spMk id="10" creationId="{D4771268-CB57-404A-9271-370EB28F6090}"/>
-          </ac:spMkLst>
-        </pc:spChg>
-        <pc:spChg chg="del">
-          <ac:chgData name="Ihor Aleksandrov" userId="c3051032-6b87-4db2-b257-777a0106fbd9" providerId="ADAL" clId="{56332CB3-8148-420A-A659-8047DFDBF6F1}" dt="2024-01-26T11:21:37.574" v="76"/>
-          <ac:spMkLst>
-            <pc:docMk/>
-            <pc:sldMk cId="3572219502" sldId="313"/>
-            <ac:spMk id="24" creationId="{D4771268-CB57-404A-9271-370EB28F6090}"/>
-          </ac:spMkLst>
-        </pc:spChg>
-        <pc:picChg chg="mod">
-          <ac:chgData name="Ihor Aleksandrov" userId="c3051032-6b87-4db2-b257-777a0106fbd9" providerId="ADAL" clId="{56332CB3-8148-420A-A659-8047DFDBF6F1}" dt="2024-01-26T11:22:16.056" v="80" actId="1076"/>
-          <ac:picMkLst>
-            <pc:docMk/>
-            <pc:sldMk cId="3572219502" sldId="313"/>
-            <ac:picMk id="5" creationId="{7CADBF52-3379-A0DB-C2D3-AD13E50F4810}"/>
-          </ac:picMkLst>
-        </pc:picChg>
-      </pc:sldChg>
-      <pc:sldChg chg="addSp delSp modSp add mod setBg delDesignElem">
-        <pc:chgData name="Ihor Aleksandrov" userId="c3051032-6b87-4db2-b257-777a0106fbd9" providerId="ADAL" clId="{56332CB3-8148-420A-A659-8047DFDBF6F1}" dt="2024-01-26T11:26:18.355" v="91" actId="14100"/>
-        <pc:sldMkLst>
-          <pc:docMk/>
-          <pc:sldMk cId="2777986827" sldId="314"/>
-        </pc:sldMkLst>
-        <pc:spChg chg="mod">
-          <ac:chgData name="Ihor Aleksandrov" userId="c3051032-6b87-4db2-b257-777a0106fbd9" providerId="ADAL" clId="{56332CB3-8148-420A-A659-8047DFDBF6F1}" dt="2024-01-26T11:25:38.784" v="85" actId="26606"/>
-          <ac:spMkLst>
-            <pc:docMk/>
-            <pc:sldMk cId="2777986827" sldId="314"/>
-            <ac:spMk id="2" creationId="{53C5D828-9666-E312-B574-9FE965A7D6BE}"/>
-          </ac:spMkLst>
-        </pc:spChg>
-        <pc:spChg chg="mod ord">
-          <ac:chgData name="Ihor Aleksandrov" userId="c3051032-6b87-4db2-b257-777a0106fbd9" providerId="ADAL" clId="{56332CB3-8148-420A-A659-8047DFDBF6F1}" dt="2024-01-26T11:25:38.784" v="85" actId="26606"/>
-          <ac:spMkLst>
-            <pc:docMk/>
-            <pc:sldMk cId="2777986827" sldId="314"/>
-            <ac:spMk id="3" creationId="{5AA19FA0-A765-8169-03F1-928E3EF7B595}"/>
-          </ac:spMkLst>
-        </pc:spChg>
-        <pc:spChg chg="add mod">
-          <ac:chgData name="Ihor Aleksandrov" userId="c3051032-6b87-4db2-b257-777a0106fbd9" providerId="ADAL" clId="{56332CB3-8148-420A-A659-8047DFDBF6F1}" dt="2024-01-26T11:26:18.355" v="91" actId="14100"/>
-          <ac:spMkLst>
-            <pc:docMk/>
-            <pc:sldMk cId="2777986827" sldId="314"/>
-            <ac:spMk id="5" creationId="{CC9C52EB-37CB-738F-4C98-85A5A4D9960F}"/>
-          </ac:spMkLst>
-        </pc:spChg>
-        <pc:spChg chg="add">
-          <ac:chgData name="Ihor Aleksandrov" userId="c3051032-6b87-4db2-b257-777a0106fbd9" providerId="ADAL" clId="{56332CB3-8148-420A-A659-8047DFDBF6F1}" dt="2024-01-26T11:25:38.784" v="85" actId="26606"/>
-          <ac:spMkLst>
-            <pc:docMk/>
-            <pc:sldMk cId="2777986827" sldId="314"/>
-            <ac:spMk id="11" creationId="{D4771268-CB57-404A-9271-370EB28F6090}"/>
-          </ac:spMkLst>
-        </pc:spChg>
-        <pc:spChg chg="del">
-          <ac:chgData name="Ihor Aleksandrov" userId="c3051032-6b87-4db2-b257-777a0106fbd9" providerId="ADAL" clId="{56332CB3-8148-420A-A659-8047DFDBF6F1}" dt="2024-01-26T11:25:34.840" v="84"/>
-          <ac:spMkLst>
-            <pc:docMk/>
-            <pc:sldMk cId="2777986827" sldId="314"/>
-            <ac:spMk id="24" creationId="{D4771268-CB57-404A-9271-370EB28F6090}"/>
-          </ac:spMkLst>
-        </pc:spChg>
-        <pc:picChg chg="mod">
-          <ac:chgData name="Ihor Aleksandrov" userId="c3051032-6b87-4db2-b257-777a0106fbd9" providerId="ADAL" clId="{56332CB3-8148-420A-A659-8047DFDBF6F1}" dt="2024-01-26T11:25:45.993" v="87" actId="1076"/>
-          <ac:picMkLst>
-            <pc:docMk/>
-            <pc:sldMk cId="2777986827" sldId="314"/>
-            <ac:picMk id="6" creationId="{0FF2F593-A13B-5DDB-88EB-006260BEE328}"/>
-          </ac:picMkLst>
-        </pc:picChg>
-      </pc:sldChg>
-      <pc:sldChg chg="addSp delSp modSp add mod ord">
-        <pc:chgData name="Ihor Aleksandrov" userId="c3051032-6b87-4db2-b257-777a0106fbd9" providerId="ADAL" clId="{56332CB3-8148-420A-A659-8047DFDBF6F1}" dt="2024-01-26T11:57:58.852" v="109" actId="1076"/>
-        <pc:sldMkLst>
-          <pc:docMk/>
-          <pc:sldMk cId="835617285" sldId="315"/>
-        </pc:sldMkLst>
-        <pc:spChg chg="mod">
-          <ac:chgData name="Ihor Aleksandrov" userId="c3051032-6b87-4db2-b257-777a0106fbd9" providerId="ADAL" clId="{56332CB3-8148-420A-A659-8047DFDBF6F1}" dt="2024-01-26T11:57:34.295" v="104" actId="20577"/>
-          <ac:spMkLst>
-            <pc:docMk/>
-            <pc:sldMk cId="835617285" sldId="315"/>
-            <ac:spMk id="2" creationId="{2C4A1DFF-3C45-F11D-E6A6-19C0306E5E2B}"/>
-          </ac:spMkLst>
-        </pc:spChg>
-        <pc:spChg chg="del">
-          <ac:chgData name="Ihor Aleksandrov" userId="c3051032-6b87-4db2-b257-777a0106fbd9" providerId="ADAL" clId="{56332CB3-8148-420A-A659-8047DFDBF6F1}" dt="2024-01-26T11:57:47.459" v="105" actId="478"/>
-          <ac:spMkLst>
-            <pc:docMk/>
-            <pc:sldMk cId="835617285" sldId="315"/>
-            <ac:spMk id="3" creationId="{83E94964-4387-6754-A4EC-18732A6BF475}"/>
-          </ac:spMkLst>
-        </pc:spChg>
-        <pc:spChg chg="add mod">
-          <ac:chgData name="Ihor Aleksandrov" userId="c3051032-6b87-4db2-b257-777a0106fbd9" providerId="ADAL" clId="{56332CB3-8148-420A-A659-8047DFDBF6F1}" dt="2024-01-26T11:57:58.852" v="109" actId="1076"/>
-          <ac:spMkLst>
-            <pc:docMk/>
-            <pc:sldMk cId="835617285" sldId="315"/>
-            <ac:spMk id="6" creationId="{44CE86EE-6ADA-E483-D72A-747542295E67}"/>
-          </ac:spMkLst>
-        </pc:spChg>
-      </pc:sldChg>
-      <pc:sldChg chg="addSp delSp modSp add mod setBg delDesignElem">
-        <pc:chgData name="Ihor Aleksandrov" userId="c3051032-6b87-4db2-b257-777a0106fbd9" providerId="ADAL" clId="{56332CB3-8148-420A-A659-8047DFDBF6F1}" dt="2024-01-26T12:02:31.231" v="116" actId="1076"/>
-        <pc:sldMkLst>
-          <pc:docMk/>
-          <pc:sldMk cId="3071951183" sldId="316"/>
-        </pc:sldMkLst>
-        <pc:spChg chg="mod">
-          <ac:chgData name="Ihor Aleksandrov" userId="c3051032-6b87-4db2-b257-777a0106fbd9" providerId="ADAL" clId="{56332CB3-8148-420A-A659-8047DFDBF6F1}" dt="2024-01-26T12:02:12.178" v="112" actId="26606"/>
-          <ac:spMkLst>
-            <pc:docMk/>
-            <pc:sldMk cId="3071951183" sldId="316"/>
-            <ac:spMk id="2" creationId="{53C5D828-9666-E312-B574-9FE965A7D6BE}"/>
-          </ac:spMkLst>
-        </pc:spChg>
-        <pc:spChg chg="mod ord">
-          <ac:chgData name="Ihor Aleksandrov" userId="c3051032-6b87-4db2-b257-777a0106fbd9" providerId="ADAL" clId="{56332CB3-8148-420A-A659-8047DFDBF6F1}" dt="2024-01-26T12:02:12.178" v="112" actId="26606"/>
-          <ac:spMkLst>
-            <pc:docMk/>
-            <pc:sldMk cId="3071951183" sldId="316"/>
-            <ac:spMk id="3" creationId="{5AA19FA0-A765-8169-03F1-928E3EF7B595}"/>
-          </ac:spMkLst>
-        </pc:spChg>
-        <pc:spChg chg="add mod">
-          <ac:chgData name="Ihor Aleksandrov" userId="c3051032-6b87-4db2-b257-777a0106fbd9" providerId="ADAL" clId="{56332CB3-8148-420A-A659-8047DFDBF6F1}" dt="2024-01-26T12:02:31.231" v="116" actId="1076"/>
-          <ac:spMkLst>
-            <pc:docMk/>
-            <pc:sldMk cId="3071951183" sldId="316"/>
-            <ac:spMk id="6" creationId="{E1A5B1FA-DD39-ADB8-84F7-709A272BFF44}"/>
-          </ac:spMkLst>
-        </pc:spChg>
-        <pc:spChg chg="add">
-          <ac:chgData name="Ihor Aleksandrov" userId="c3051032-6b87-4db2-b257-777a0106fbd9" providerId="ADAL" clId="{56332CB3-8148-420A-A659-8047DFDBF6F1}" dt="2024-01-26T12:02:12.178" v="112" actId="26606"/>
-          <ac:spMkLst>
-            <pc:docMk/>
-            <pc:sldMk cId="3071951183" sldId="316"/>
-            <ac:spMk id="10" creationId="{D4771268-CB57-404A-9271-370EB28F6090}"/>
-          </ac:spMkLst>
-        </pc:spChg>
-        <pc:spChg chg="del">
-          <ac:chgData name="Ihor Aleksandrov" userId="c3051032-6b87-4db2-b257-777a0106fbd9" providerId="ADAL" clId="{56332CB3-8148-420A-A659-8047DFDBF6F1}" dt="2024-01-26T12:02:06.820" v="111"/>
-          <ac:spMkLst>
-            <pc:docMk/>
-            <pc:sldMk cId="3071951183" sldId="316"/>
-            <ac:spMk id="24" creationId="{D4771268-CB57-404A-9271-370EB28F6090}"/>
-          </ac:spMkLst>
-        </pc:spChg>
-        <pc:picChg chg="mod">
-          <ac:chgData name="Ihor Aleksandrov" userId="c3051032-6b87-4db2-b257-777a0106fbd9" providerId="ADAL" clId="{56332CB3-8148-420A-A659-8047DFDBF6F1}" dt="2024-01-26T12:02:19.647" v="114" actId="1076"/>
-          <ac:picMkLst>
-            <pc:docMk/>
-            <pc:sldMk cId="3071951183" sldId="316"/>
-            <ac:picMk id="5" creationId="{A4BEC793-F7E8-D57E-E495-4A952075089A}"/>
-          </ac:picMkLst>
-        </pc:picChg>
-      </pc:sldChg>
-      <pc:sldChg chg="addSp delSp modSp add mod setBg delDesignElem">
-        <pc:chgData name="Ihor Aleksandrov" userId="c3051032-6b87-4db2-b257-777a0106fbd9" providerId="ADAL" clId="{56332CB3-8148-420A-A659-8047DFDBF6F1}" dt="2024-01-26T12:33:56.554" v="139" actId="1076"/>
-        <pc:sldMkLst>
-          <pc:docMk/>
-          <pc:sldMk cId="4014532755" sldId="317"/>
-        </pc:sldMkLst>
-        <pc:spChg chg="mod">
-          <ac:chgData name="Ihor Aleksandrov" userId="c3051032-6b87-4db2-b257-777a0106fbd9" providerId="ADAL" clId="{56332CB3-8148-420A-A659-8047DFDBF6F1}" dt="2024-01-26T12:30:20.866" v="119" actId="26606"/>
-          <ac:spMkLst>
-            <pc:docMk/>
-            <pc:sldMk cId="4014532755" sldId="317"/>
-            <ac:spMk id="2" creationId="{53C5D828-9666-E312-B574-9FE965A7D6BE}"/>
-          </ac:spMkLst>
-        </pc:spChg>
-        <pc:spChg chg="mod ord">
-          <ac:chgData name="Ihor Aleksandrov" userId="c3051032-6b87-4db2-b257-777a0106fbd9" providerId="ADAL" clId="{56332CB3-8148-420A-A659-8047DFDBF6F1}" dt="2024-01-26T12:30:20.866" v="119" actId="26606"/>
-          <ac:spMkLst>
-            <pc:docMk/>
-            <pc:sldMk cId="4014532755" sldId="317"/>
-            <ac:spMk id="3" creationId="{5AA19FA0-A765-8169-03F1-928E3EF7B595}"/>
-          </ac:spMkLst>
-        </pc:spChg>
-        <pc:spChg chg="add mod">
-          <ac:chgData name="Ihor Aleksandrov" userId="c3051032-6b87-4db2-b257-777a0106fbd9" providerId="ADAL" clId="{56332CB3-8148-420A-A659-8047DFDBF6F1}" dt="2024-01-26T12:33:56.554" v="139" actId="1076"/>
-          <ac:spMkLst>
-            <pc:docMk/>
-            <pc:sldMk cId="4014532755" sldId="317"/>
-            <ac:spMk id="5" creationId="{A2927EEF-BDE4-4425-7B2B-8358A7E55E6B}"/>
-          </ac:spMkLst>
-        </pc:spChg>
-        <pc:spChg chg="add">
-          <ac:chgData name="Ihor Aleksandrov" userId="c3051032-6b87-4db2-b257-777a0106fbd9" providerId="ADAL" clId="{56332CB3-8148-420A-A659-8047DFDBF6F1}" dt="2024-01-26T12:30:20.866" v="119" actId="26606"/>
-          <ac:spMkLst>
-            <pc:docMk/>
-            <pc:sldMk cId="4014532755" sldId="317"/>
-            <ac:spMk id="11" creationId="{D4771268-CB57-404A-9271-370EB28F6090}"/>
-          </ac:spMkLst>
-        </pc:spChg>
-        <pc:spChg chg="del">
-          <ac:chgData name="Ihor Aleksandrov" userId="c3051032-6b87-4db2-b257-777a0106fbd9" providerId="ADAL" clId="{56332CB3-8148-420A-A659-8047DFDBF6F1}" dt="2024-01-26T12:30:15.840" v="118"/>
-          <ac:spMkLst>
-            <pc:docMk/>
-            <pc:sldMk cId="4014532755" sldId="317"/>
-            <ac:spMk id="24" creationId="{D4771268-CB57-404A-9271-370EB28F6090}"/>
-          </ac:spMkLst>
-        </pc:spChg>
-        <pc:picChg chg="mod">
-          <ac:chgData name="Ihor Aleksandrov" userId="c3051032-6b87-4db2-b257-777a0106fbd9" providerId="ADAL" clId="{56332CB3-8148-420A-A659-8047DFDBF6F1}" dt="2024-01-26T12:30:30.234" v="123" actId="1076"/>
-          <ac:picMkLst>
-            <pc:docMk/>
-            <pc:sldMk cId="4014532755" sldId="317"/>
-            <ac:picMk id="6" creationId="{B022E9A4-52AD-1F66-AC22-B0AE53D1145C}"/>
-          </ac:picMkLst>
-        </pc:picChg>
-      </pc:sldChg>
-      <pc:sldChg chg="addSp delSp modSp add mod setBg delDesignElem">
-        <pc:chgData name="Ihor Aleksandrov" userId="c3051032-6b87-4db2-b257-777a0106fbd9" providerId="ADAL" clId="{56332CB3-8148-420A-A659-8047DFDBF6F1}" dt="2024-01-26T12:44:04.562" v="178"/>
-        <pc:sldMkLst>
-          <pc:docMk/>
-          <pc:sldMk cId="701027107" sldId="318"/>
-        </pc:sldMkLst>
-        <pc:spChg chg="mod">
-          <ac:chgData name="Ihor Aleksandrov" userId="c3051032-6b87-4db2-b257-777a0106fbd9" providerId="ADAL" clId="{56332CB3-8148-420A-A659-8047DFDBF6F1}" dt="2024-01-26T12:43:44.758" v="172" actId="26606"/>
-          <ac:spMkLst>
-            <pc:docMk/>
-            <pc:sldMk cId="701027107" sldId="318"/>
-            <ac:spMk id="2" creationId="{53C5D828-9666-E312-B574-9FE965A7D6BE}"/>
-          </ac:spMkLst>
-        </pc:spChg>
-        <pc:spChg chg="mod ord">
-          <ac:chgData name="Ihor Aleksandrov" userId="c3051032-6b87-4db2-b257-777a0106fbd9" providerId="ADAL" clId="{56332CB3-8148-420A-A659-8047DFDBF6F1}" dt="2024-01-26T12:43:44.758" v="172" actId="26606"/>
-          <ac:spMkLst>
-            <pc:docMk/>
-            <pc:sldMk cId="701027107" sldId="318"/>
-            <ac:spMk id="3" creationId="{5AA19FA0-A765-8169-03F1-928E3EF7B595}"/>
-          </ac:spMkLst>
-        </pc:spChg>
-        <pc:spChg chg="add mod">
-          <ac:chgData name="Ihor Aleksandrov" userId="c3051032-6b87-4db2-b257-777a0106fbd9" providerId="ADAL" clId="{56332CB3-8148-420A-A659-8047DFDBF6F1}" dt="2024-01-26T12:44:01.259" v="176" actId="1076"/>
-          <ac:spMkLst>
-            <pc:docMk/>
-            <pc:sldMk cId="701027107" sldId="318"/>
-            <ac:spMk id="6" creationId="{7EB6A943-74DA-9917-3BC2-245F69C49D96}"/>
-          </ac:spMkLst>
-        </pc:spChg>
-        <pc:spChg chg="add mod">
-          <ac:chgData name="Ihor Aleksandrov" userId="c3051032-6b87-4db2-b257-777a0106fbd9" providerId="ADAL" clId="{56332CB3-8148-420A-A659-8047DFDBF6F1}" dt="2024-01-26T12:44:04.562" v="178"/>
-          <ac:spMkLst>
-            <pc:docMk/>
-            <pc:sldMk cId="701027107" sldId="318"/>
-            <ac:spMk id="7" creationId="{6D7F6395-E754-DC72-D894-F9128A9F4178}"/>
-          </ac:spMkLst>
-        </pc:spChg>
-        <pc:spChg chg="add">
-          <ac:chgData name="Ihor Aleksandrov" userId="c3051032-6b87-4db2-b257-777a0106fbd9" providerId="ADAL" clId="{56332CB3-8148-420A-A659-8047DFDBF6F1}" dt="2024-01-26T12:43:44.758" v="172" actId="26606"/>
-          <ac:spMkLst>
-            <pc:docMk/>
-            <pc:sldMk cId="701027107" sldId="318"/>
-            <ac:spMk id="10" creationId="{D4771268-CB57-404A-9271-370EB28F6090}"/>
-          </ac:spMkLst>
-        </pc:spChg>
-        <pc:spChg chg="del">
-          <ac:chgData name="Ihor Aleksandrov" userId="c3051032-6b87-4db2-b257-777a0106fbd9" providerId="ADAL" clId="{56332CB3-8148-420A-A659-8047DFDBF6F1}" dt="2024-01-26T12:43:39.158" v="170"/>
-          <ac:spMkLst>
-            <pc:docMk/>
-            <pc:sldMk cId="701027107" sldId="318"/>
-            <ac:spMk id="24" creationId="{D4771268-CB57-404A-9271-370EB28F6090}"/>
-          </ac:spMkLst>
-        </pc:spChg>
-        <pc:picChg chg="mod">
-          <ac:chgData name="Ihor Aleksandrov" userId="c3051032-6b87-4db2-b257-777a0106fbd9" providerId="ADAL" clId="{56332CB3-8148-420A-A659-8047DFDBF6F1}" dt="2024-01-26T12:43:50.807" v="174" actId="1076"/>
-          <ac:picMkLst>
-            <pc:docMk/>
-            <pc:sldMk cId="701027107" sldId="318"/>
-            <ac:picMk id="5" creationId="{C9E7A61D-7A9F-90BF-2073-99800DC02183}"/>
-          </ac:picMkLst>
-        </pc:picChg>
-        <pc:picChg chg="del">
-          <ac:chgData name="Ihor Aleksandrov" userId="c3051032-6b87-4db2-b257-777a0106fbd9" providerId="ADAL" clId="{56332CB3-8148-420A-A659-8047DFDBF6F1}" dt="2024-01-26T12:43:41.285" v="171" actId="478"/>
-          <ac:picMkLst>
-            <pc:docMk/>
-            <pc:sldMk cId="701027107" sldId="318"/>
-            <ac:picMk id="8" creationId="{38F011CA-CFEE-3631-F749-FEC935A4A03A}"/>
-          </ac:picMkLst>
-        </pc:picChg>
-      </pc:sldChg>
-      <pc:sldChg chg="delSp modSp add del mod setBg delDesignElem">
-        <pc:chgData name="Ihor Aleksandrov" userId="c3051032-6b87-4db2-b257-777a0106fbd9" providerId="ADAL" clId="{56332CB3-8148-420A-A659-8047DFDBF6F1}" dt="2024-01-26T12:34:16.754" v="140" actId="2696"/>
-        <pc:sldMkLst>
-          <pc:docMk/>
-          <pc:sldMk cId="2667496052" sldId="318"/>
-        </pc:sldMkLst>
-        <pc:spChg chg="del">
-          <ac:chgData name="Ihor Aleksandrov" userId="c3051032-6b87-4db2-b257-777a0106fbd9" providerId="ADAL" clId="{56332CB3-8148-420A-A659-8047DFDBF6F1}" dt="2024-01-26T12:33:07.052" v="127"/>
-          <ac:spMkLst>
-            <pc:docMk/>
-            <pc:sldMk cId="2667496052" sldId="318"/>
-            <ac:spMk id="24" creationId="{D4771268-CB57-404A-9271-370EB28F6090}"/>
-          </ac:spMkLst>
-        </pc:spChg>
-        <pc:picChg chg="del mod">
-          <ac:chgData name="Ihor Aleksandrov" userId="c3051032-6b87-4db2-b257-777a0106fbd9" providerId="ADAL" clId="{56332CB3-8148-420A-A659-8047DFDBF6F1}" dt="2024-01-26T12:33:27.552" v="131" actId="21"/>
-          <ac:picMkLst>
-            <pc:docMk/>
-            <pc:sldMk cId="2667496052" sldId="318"/>
-            <ac:picMk id="5" creationId="{2A84FB53-5035-A5A9-7433-F22FB7E72F74}"/>
-          </ac:picMkLst>
-        </pc:picChg>
-        <pc:picChg chg="del">
-          <ac:chgData name="Ihor Aleksandrov" userId="c3051032-6b87-4db2-b257-777a0106fbd9" providerId="ADAL" clId="{56332CB3-8148-420A-A659-8047DFDBF6F1}" dt="2024-01-26T12:33:21.759" v="129" actId="478"/>
-          <ac:picMkLst>
-            <pc:docMk/>
-            <pc:sldMk cId="2667496052" sldId="318"/>
-            <ac:picMk id="8" creationId="{788EF69A-41E4-9FC3-E1EB-9468A0CB8CE3}"/>
-          </ac:picMkLst>
-        </pc:picChg>
-      </pc:sldChg>
-      <pc:sldChg chg="addSp delSp modSp add mod">
-        <pc:chgData name="Ihor Aleksandrov" userId="c3051032-6b87-4db2-b257-777a0106fbd9" providerId="ADAL" clId="{56332CB3-8148-420A-A659-8047DFDBF6F1}" dt="2024-01-26T12:33:52.393" v="138" actId="1076"/>
-        <pc:sldMkLst>
-          <pc:docMk/>
-          <pc:sldMk cId="2946863765" sldId="319"/>
-        </pc:sldMkLst>
-        <pc:spChg chg="del mod">
-          <ac:chgData name="Ihor Aleksandrov" userId="c3051032-6b87-4db2-b257-777a0106fbd9" providerId="ADAL" clId="{56332CB3-8148-420A-A659-8047DFDBF6F1}" dt="2024-01-26T12:33:46.884" v="136" actId="478"/>
-          <ac:spMkLst>
-            <pc:docMk/>
-            <pc:sldMk cId="2946863765" sldId="319"/>
-            <ac:spMk id="5" creationId="{A2927EEF-BDE4-4425-7B2B-8358A7E55E6B}"/>
-          </ac:spMkLst>
-        </pc:spChg>
-        <pc:spChg chg="add mod">
-          <ac:chgData name="Ihor Aleksandrov" userId="c3051032-6b87-4db2-b257-777a0106fbd9" providerId="ADAL" clId="{56332CB3-8148-420A-A659-8047DFDBF6F1}" dt="2024-01-26T12:33:52.393" v="138" actId="1076"/>
-          <ac:spMkLst>
-            <pc:docMk/>
-            <pc:sldMk cId="2946863765" sldId="319"/>
-            <ac:spMk id="8" creationId="{63582E4D-51E0-7C32-0B7E-EA43E9A420B8}"/>
-          </ac:spMkLst>
-        </pc:spChg>
-        <pc:picChg chg="add mod">
-          <ac:chgData name="Ihor Aleksandrov" userId="c3051032-6b87-4db2-b257-777a0106fbd9" providerId="ADAL" clId="{56332CB3-8148-420A-A659-8047DFDBF6F1}" dt="2024-01-26T12:33:35.236" v="134" actId="1076"/>
-          <ac:picMkLst>
-            <pc:docMk/>
-            <pc:sldMk cId="2946863765" sldId="319"/>
-            <ac:picMk id="4" creationId="{9AF469C3-3B3B-F68D-E585-D3E50706787E}"/>
-          </ac:picMkLst>
-        </pc:picChg>
-        <pc:picChg chg="del">
-          <ac:chgData name="Ihor Aleksandrov" userId="c3051032-6b87-4db2-b257-777a0106fbd9" providerId="ADAL" clId="{56332CB3-8148-420A-A659-8047DFDBF6F1}" dt="2024-01-26T12:33:30.849" v="132" actId="478"/>
-          <ac:picMkLst>
-            <pc:docMk/>
-            <pc:sldMk cId="2946863765" sldId="319"/>
-            <ac:picMk id="6" creationId="{B022E9A4-52AD-1F66-AC22-B0AE53D1145C}"/>
-          </ac:picMkLst>
-        </pc:picChg>
-      </pc:sldChg>
-      <pc:sldChg chg="addSp delSp modSp add mod setBg delDesignElem">
-        <pc:chgData name="Ihor Aleksandrov" userId="c3051032-6b87-4db2-b257-777a0106fbd9" providerId="ADAL" clId="{56332CB3-8148-420A-A659-8047DFDBF6F1}" dt="2024-01-26T12:36:29.716" v="149" actId="1076"/>
-        <pc:sldMkLst>
-          <pc:docMk/>
-          <pc:sldMk cId="2503154780" sldId="320"/>
-        </pc:sldMkLst>
-        <pc:spChg chg="mod">
-          <ac:chgData name="Ihor Aleksandrov" userId="c3051032-6b87-4db2-b257-777a0106fbd9" providerId="ADAL" clId="{56332CB3-8148-420A-A659-8047DFDBF6F1}" dt="2024-01-26T12:36:04.036" v="144" actId="26606"/>
-          <ac:spMkLst>
-            <pc:docMk/>
-            <pc:sldMk cId="2503154780" sldId="320"/>
-            <ac:spMk id="2" creationId="{53C5D828-9666-E312-B574-9FE965A7D6BE}"/>
-          </ac:spMkLst>
-        </pc:spChg>
-        <pc:spChg chg="mod ord">
-          <ac:chgData name="Ihor Aleksandrov" userId="c3051032-6b87-4db2-b257-777a0106fbd9" providerId="ADAL" clId="{56332CB3-8148-420A-A659-8047DFDBF6F1}" dt="2024-01-26T12:36:04.036" v="144" actId="26606"/>
-          <ac:spMkLst>
-            <pc:docMk/>
-            <pc:sldMk cId="2503154780" sldId="320"/>
-            <ac:spMk id="3" creationId="{5AA19FA0-A765-8169-03F1-928E3EF7B595}"/>
-          </ac:spMkLst>
-        </pc:spChg>
-        <pc:spChg chg="add mod">
-          <ac:chgData name="Ihor Aleksandrov" userId="c3051032-6b87-4db2-b257-777a0106fbd9" providerId="ADAL" clId="{56332CB3-8148-420A-A659-8047DFDBF6F1}" dt="2024-01-26T12:36:29.716" v="149" actId="1076"/>
-          <ac:spMkLst>
-            <pc:docMk/>
-            <pc:sldMk cId="2503154780" sldId="320"/>
-            <ac:spMk id="5" creationId="{875BBE68-CA22-E766-7384-9CC92C704707}"/>
-          </ac:spMkLst>
-        </pc:spChg>
-        <pc:spChg chg="add">
-          <ac:chgData name="Ihor Aleksandrov" userId="c3051032-6b87-4db2-b257-777a0106fbd9" providerId="ADAL" clId="{56332CB3-8148-420A-A659-8047DFDBF6F1}" dt="2024-01-26T12:36:04.036" v="144" actId="26606"/>
-          <ac:spMkLst>
-            <pc:docMk/>
-            <pc:sldMk cId="2503154780" sldId="320"/>
-            <ac:spMk id="11" creationId="{D4771268-CB57-404A-9271-370EB28F6090}"/>
-          </ac:spMkLst>
-        </pc:spChg>
-        <pc:spChg chg="del">
-          <ac:chgData name="Ihor Aleksandrov" userId="c3051032-6b87-4db2-b257-777a0106fbd9" providerId="ADAL" clId="{56332CB3-8148-420A-A659-8047DFDBF6F1}" dt="2024-01-26T12:35:56.580" v="142"/>
-          <ac:spMkLst>
-            <pc:docMk/>
-            <pc:sldMk cId="2503154780" sldId="320"/>
-            <ac:spMk id="24" creationId="{D4771268-CB57-404A-9271-370EB28F6090}"/>
-          </ac:spMkLst>
-        </pc:spChg>
-        <pc:picChg chg="mod">
-          <ac:chgData name="Ihor Aleksandrov" userId="c3051032-6b87-4db2-b257-777a0106fbd9" providerId="ADAL" clId="{56332CB3-8148-420A-A659-8047DFDBF6F1}" dt="2024-01-26T12:36:12.171" v="147" actId="1076"/>
-          <ac:picMkLst>
-            <pc:docMk/>
-            <pc:sldMk cId="2503154780" sldId="320"/>
-            <ac:picMk id="6" creationId="{9A2F53BF-A25F-C5EF-07AB-3F824C4EA8C5}"/>
-          </ac:picMkLst>
-        </pc:picChg>
-        <pc:picChg chg="del">
-          <ac:chgData name="Ihor Aleksandrov" userId="c3051032-6b87-4db2-b257-777a0106fbd9" providerId="ADAL" clId="{56332CB3-8148-420A-A659-8047DFDBF6F1}" dt="2024-01-26T12:36:02.299" v="143" actId="478"/>
-          <ac:picMkLst>
-            <pc:docMk/>
-            <pc:sldMk cId="2503154780" sldId="320"/>
-            <ac:picMk id="9" creationId="{34F80E18-578A-16A9-85C5-532F9FD4B0B9}"/>
-          </ac:picMkLst>
-        </pc:picChg>
-      </pc:sldChg>
-      <pc:sldChg chg="addSp delSp modSp add mod setBg delDesignElem">
-        <pc:chgData name="Ihor Aleksandrov" userId="c3051032-6b87-4db2-b257-777a0106fbd9" providerId="ADAL" clId="{56332CB3-8148-420A-A659-8047DFDBF6F1}" dt="2024-01-26T12:39:21.253" v="158" actId="1076"/>
-        <pc:sldMkLst>
-          <pc:docMk/>
-          <pc:sldMk cId="4210310787" sldId="321"/>
-        </pc:sldMkLst>
-        <pc:spChg chg="mod">
-          <ac:chgData name="Ihor Aleksandrov" userId="c3051032-6b87-4db2-b257-777a0106fbd9" providerId="ADAL" clId="{56332CB3-8148-420A-A659-8047DFDBF6F1}" dt="2024-01-26T12:38:57.051" v="153" actId="26606"/>
-          <ac:spMkLst>
-            <pc:docMk/>
-            <pc:sldMk cId="4210310787" sldId="321"/>
-            <ac:spMk id="2" creationId="{53C5D828-9666-E312-B574-9FE965A7D6BE}"/>
-          </ac:spMkLst>
-        </pc:spChg>
-        <pc:spChg chg="mod ord">
-          <ac:chgData name="Ihor Aleksandrov" userId="c3051032-6b87-4db2-b257-777a0106fbd9" providerId="ADAL" clId="{56332CB3-8148-420A-A659-8047DFDBF6F1}" dt="2024-01-26T12:38:57.051" v="153" actId="26606"/>
-          <ac:spMkLst>
-            <pc:docMk/>
-            <pc:sldMk cId="4210310787" sldId="321"/>
-            <ac:spMk id="3" creationId="{5AA19FA0-A765-8169-03F1-928E3EF7B595}"/>
-          </ac:spMkLst>
-        </pc:spChg>
-        <pc:spChg chg="add mod">
-          <ac:chgData name="Ihor Aleksandrov" userId="c3051032-6b87-4db2-b257-777a0106fbd9" providerId="ADAL" clId="{56332CB3-8148-420A-A659-8047DFDBF6F1}" dt="2024-01-26T12:39:21.253" v="158" actId="1076"/>
-          <ac:spMkLst>
-            <pc:docMk/>
-            <pc:sldMk cId="4210310787" sldId="321"/>
-            <ac:spMk id="6" creationId="{5E95BF28-AE71-0DAD-50E2-AD17EBE73DCD}"/>
-          </ac:spMkLst>
-        </pc:spChg>
-        <pc:spChg chg="add">
-          <ac:chgData name="Ihor Aleksandrov" userId="c3051032-6b87-4db2-b257-777a0106fbd9" providerId="ADAL" clId="{56332CB3-8148-420A-A659-8047DFDBF6F1}" dt="2024-01-26T12:38:57.051" v="153" actId="26606"/>
-          <ac:spMkLst>
-            <pc:docMk/>
-            <pc:sldMk cId="4210310787" sldId="321"/>
-            <ac:spMk id="10" creationId="{D4771268-CB57-404A-9271-370EB28F6090}"/>
-          </ac:spMkLst>
-        </pc:spChg>
-        <pc:spChg chg="del">
-          <ac:chgData name="Ihor Aleksandrov" userId="c3051032-6b87-4db2-b257-777a0106fbd9" providerId="ADAL" clId="{56332CB3-8148-420A-A659-8047DFDBF6F1}" dt="2024-01-26T12:38:50.894" v="151"/>
-          <ac:spMkLst>
-            <pc:docMk/>
-            <pc:sldMk cId="4210310787" sldId="321"/>
-            <ac:spMk id="24" creationId="{D4771268-CB57-404A-9271-370EB28F6090}"/>
-          </ac:spMkLst>
-        </pc:spChg>
-        <pc:picChg chg="mod">
-          <ac:chgData name="Ihor Aleksandrov" userId="c3051032-6b87-4db2-b257-777a0106fbd9" providerId="ADAL" clId="{56332CB3-8148-420A-A659-8047DFDBF6F1}" dt="2024-01-26T12:39:05.901" v="156" actId="1076"/>
-          <ac:picMkLst>
-            <pc:docMk/>
-            <pc:sldMk cId="4210310787" sldId="321"/>
-            <ac:picMk id="5" creationId="{8E7A6064-484E-B30C-7E3A-19B2D5316902}"/>
-          </ac:picMkLst>
-        </pc:picChg>
-        <pc:picChg chg="del">
-          <ac:chgData name="Ihor Aleksandrov" userId="c3051032-6b87-4db2-b257-777a0106fbd9" providerId="ADAL" clId="{56332CB3-8148-420A-A659-8047DFDBF6F1}" dt="2024-01-26T12:38:53.764" v="152" actId="478"/>
-          <ac:picMkLst>
-            <pc:docMk/>
-            <pc:sldMk cId="4210310787" sldId="321"/>
-            <ac:picMk id="8" creationId="{5275D103-485B-C43F-327E-ED0BECCAB575}"/>
-          </ac:picMkLst>
-        </pc:picChg>
-      </pc:sldChg>
-      <pc:sldChg chg="addSp delSp modSp add mod setBg delDesignElem">
-        <pc:chgData name="Ihor Aleksandrov" userId="c3051032-6b87-4db2-b257-777a0106fbd9" providerId="ADAL" clId="{56332CB3-8148-420A-A659-8047DFDBF6F1}" dt="2024-01-26T12:41:21.166" v="168" actId="1076"/>
-        <pc:sldMkLst>
-          <pc:docMk/>
-          <pc:sldMk cId="1401046882" sldId="322"/>
-        </pc:sldMkLst>
-        <pc:spChg chg="mod">
-          <ac:chgData name="Ihor Aleksandrov" userId="c3051032-6b87-4db2-b257-777a0106fbd9" providerId="ADAL" clId="{56332CB3-8148-420A-A659-8047DFDBF6F1}" dt="2024-01-26T12:41:00.272" v="164" actId="26606"/>
-          <ac:spMkLst>
-            <pc:docMk/>
-            <pc:sldMk cId="1401046882" sldId="322"/>
-            <ac:spMk id="2" creationId="{53C5D828-9666-E312-B574-9FE965A7D6BE}"/>
-          </ac:spMkLst>
-        </pc:spChg>
-        <pc:spChg chg="mod ord">
-          <ac:chgData name="Ihor Aleksandrov" userId="c3051032-6b87-4db2-b257-777a0106fbd9" providerId="ADAL" clId="{56332CB3-8148-420A-A659-8047DFDBF6F1}" dt="2024-01-26T12:41:00.272" v="164" actId="26606"/>
-          <ac:spMkLst>
-            <pc:docMk/>
-            <pc:sldMk cId="1401046882" sldId="322"/>
-            <ac:spMk id="3" creationId="{5AA19FA0-A765-8169-03F1-928E3EF7B595}"/>
-          </ac:spMkLst>
-        </pc:spChg>
-        <pc:spChg chg="add mod">
-          <ac:chgData name="Ihor Aleksandrov" userId="c3051032-6b87-4db2-b257-777a0106fbd9" providerId="ADAL" clId="{56332CB3-8148-420A-A659-8047DFDBF6F1}" dt="2024-01-26T12:41:21.166" v="168" actId="1076"/>
-          <ac:spMkLst>
-            <pc:docMk/>
-            <pc:sldMk cId="1401046882" sldId="322"/>
-            <ac:spMk id="5" creationId="{9570D4E3-8053-FC35-7B1A-50EF248291D7}"/>
-          </ac:spMkLst>
-        </pc:spChg>
-        <pc:spChg chg="add">
-          <ac:chgData name="Ihor Aleksandrov" userId="c3051032-6b87-4db2-b257-777a0106fbd9" providerId="ADAL" clId="{56332CB3-8148-420A-A659-8047DFDBF6F1}" dt="2024-01-26T12:41:00.272" v="164" actId="26606"/>
-          <ac:spMkLst>
-            <pc:docMk/>
-            <pc:sldMk cId="1401046882" sldId="322"/>
-            <ac:spMk id="11" creationId="{D4771268-CB57-404A-9271-370EB28F6090}"/>
-          </ac:spMkLst>
-        </pc:spChg>
-        <pc:spChg chg="del">
-          <ac:chgData name="Ihor Aleksandrov" userId="c3051032-6b87-4db2-b257-777a0106fbd9" providerId="ADAL" clId="{56332CB3-8148-420A-A659-8047DFDBF6F1}" dt="2024-01-26T12:40:55.158" v="162"/>
-          <ac:spMkLst>
-            <pc:docMk/>
-            <pc:sldMk cId="1401046882" sldId="322"/>
-            <ac:spMk id="24" creationId="{D4771268-CB57-404A-9271-370EB28F6090}"/>
-          </ac:spMkLst>
-        </pc:spChg>
-        <pc:picChg chg="mod">
-          <ac:chgData name="Ihor Aleksandrov" userId="c3051032-6b87-4db2-b257-777a0106fbd9" providerId="ADAL" clId="{56332CB3-8148-420A-A659-8047DFDBF6F1}" dt="2024-01-26T12:41:05.403" v="166" actId="1076"/>
-          <ac:picMkLst>
-            <pc:docMk/>
-            <pc:sldMk cId="1401046882" sldId="322"/>
-            <ac:picMk id="6" creationId="{C1BEC785-1A5C-BC57-8AF1-75EF2EF4F5B0}"/>
-          </ac:picMkLst>
-        </pc:picChg>
-        <pc:picChg chg="del">
-          <ac:chgData name="Ihor Aleksandrov" userId="c3051032-6b87-4db2-b257-777a0106fbd9" providerId="ADAL" clId="{56332CB3-8148-420A-A659-8047DFDBF6F1}" dt="2024-01-26T12:40:57.445" v="163" actId="478"/>
-          <ac:picMkLst>
-            <pc:docMk/>
-            <pc:sldMk cId="1401046882" sldId="322"/>
-            <ac:picMk id="9" creationId="{25716AD4-AC61-DD67-E0EB-5B1D649196E5}"/>
-          </ac:picMkLst>
-        </pc:picChg>
-      </pc:sldChg>
-      <pc:sldChg chg="add del">
-        <pc:chgData name="Ihor Aleksandrov" userId="c3051032-6b87-4db2-b257-777a0106fbd9" providerId="ADAL" clId="{56332CB3-8148-420A-A659-8047DFDBF6F1}" dt="2024-01-26T12:39:39.208" v="160" actId="2890"/>
-        <pc:sldMkLst>
-          <pc:docMk/>
-          <pc:sldMk cId="3780716600" sldId="322"/>
-        </pc:sldMkLst>
-      </pc:sldChg>
-      <pc:sldChg chg="addSp delSp modSp add mod setBg delDesignElem">
-        <pc:chgData name="Ihor Aleksandrov" userId="c3051032-6b87-4db2-b257-777a0106fbd9" providerId="ADAL" clId="{56332CB3-8148-420A-A659-8047DFDBF6F1}" dt="2024-01-26T12:59:29.876" v="201" actId="1076"/>
-        <pc:sldMkLst>
-          <pc:docMk/>
-          <pc:sldMk cId="166848246" sldId="323"/>
-        </pc:sldMkLst>
-        <pc:spChg chg="mod">
-          <ac:chgData name="Ihor Aleksandrov" userId="c3051032-6b87-4db2-b257-777a0106fbd9" providerId="ADAL" clId="{56332CB3-8148-420A-A659-8047DFDBF6F1}" dt="2024-01-26T12:57:48.597" v="181" actId="26606"/>
-          <ac:spMkLst>
-            <pc:docMk/>
-            <pc:sldMk cId="166848246" sldId="323"/>
-            <ac:spMk id="2" creationId="{53C5D828-9666-E312-B574-9FE965A7D6BE}"/>
-          </ac:spMkLst>
-        </pc:spChg>
-        <pc:spChg chg="mod ord">
-          <ac:chgData name="Ihor Aleksandrov" userId="c3051032-6b87-4db2-b257-777a0106fbd9" providerId="ADAL" clId="{56332CB3-8148-420A-A659-8047DFDBF6F1}" dt="2024-01-26T12:57:48.597" v="181" actId="26606"/>
-          <ac:spMkLst>
-            <pc:docMk/>
-            <pc:sldMk cId="166848246" sldId="323"/>
-            <ac:spMk id="3" creationId="{5AA19FA0-A765-8169-03F1-928E3EF7B595}"/>
-          </ac:spMkLst>
-        </pc:spChg>
-        <pc:spChg chg="add mod">
-          <ac:chgData name="Ihor Aleksandrov" userId="c3051032-6b87-4db2-b257-777a0106fbd9" providerId="ADAL" clId="{56332CB3-8148-420A-A659-8047DFDBF6F1}" dt="2024-01-26T12:59:29.876" v="201" actId="1076"/>
-          <ac:spMkLst>
-            <pc:docMk/>
-            <pc:sldMk cId="166848246" sldId="323"/>
-            <ac:spMk id="5" creationId="{4A5BCB8D-1396-5DAE-F1DF-0DCC6242AB7C}"/>
-          </ac:spMkLst>
-        </pc:spChg>
-        <pc:spChg chg="add">
-          <ac:chgData name="Ihor Aleksandrov" userId="c3051032-6b87-4db2-b257-777a0106fbd9" providerId="ADAL" clId="{56332CB3-8148-420A-A659-8047DFDBF6F1}" dt="2024-01-26T12:57:48.597" v="181" actId="26606"/>
-          <ac:spMkLst>
-            <pc:docMk/>
-            <pc:sldMk cId="166848246" sldId="323"/>
-            <ac:spMk id="11" creationId="{D4771268-CB57-404A-9271-370EB28F6090}"/>
-          </ac:spMkLst>
-        </pc:spChg>
-        <pc:spChg chg="del">
-          <ac:chgData name="Ihor Aleksandrov" userId="c3051032-6b87-4db2-b257-777a0106fbd9" providerId="ADAL" clId="{56332CB3-8148-420A-A659-8047DFDBF6F1}" dt="2024-01-26T12:57:44.737" v="180"/>
-          <ac:spMkLst>
-            <pc:docMk/>
-            <pc:sldMk cId="166848246" sldId="323"/>
-            <ac:spMk id="24" creationId="{D4771268-CB57-404A-9271-370EB28F6090}"/>
-          </ac:spMkLst>
-        </pc:spChg>
-        <pc:picChg chg="mod">
-          <ac:chgData name="Ihor Aleksandrov" userId="c3051032-6b87-4db2-b257-777a0106fbd9" providerId="ADAL" clId="{56332CB3-8148-420A-A659-8047DFDBF6F1}" dt="2024-01-26T12:57:53.539" v="183" actId="1076"/>
-          <ac:picMkLst>
-            <pc:docMk/>
-            <pc:sldMk cId="166848246" sldId="323"/>
-            <ac:picMk id="6" creationId="{A6296786-68CA-315E-9A7E-1157749A9EE6}"/>
-          </ac:picMkLst>
-        </pc:picChg>
-      </pc:sldChg>
-      <pc:sldChg chg="addSp delSp modSp add mod setBg delDesignElem">
-        <pc:chgData name="Ihor Aleksandrov" userId="c3051032-6b87-4db2-b257-777a0106fbd9" providerId="ADAL" clId="{56332CB3-8148-420A-A659-8047DFDBF6F1}" dt="2024-01-26T13:08:59.561" v="220" actId="20577"/>
-        <pc:sldMkLst>
-          <pc:docMk/>
-          <pc:sldMk cId="362375175" sldId="324"/>
-        </pc:sldMkLst>
-        <pc:spChg chg="mod">
-          <ac:chgData name="Ihor Aleksandrov" userId="c3051032-6b87-4db2-b257-777a0106fbd9" providerId="ADAL" clId="{56332CB3-8148-420A-A659-8047DFDBF6F1}" dt="2024-01-26T13:08:15.409" v="204" actId="26606"/>
-          <ac:spMkLst>
-            <pc:docMk/>
-            <pc:sldMk cId="362375175" sldId="324"/>
-            <ac:spMk id="2" creationId="{53C5D828-9666-E312-B574-9FE965A7D6BE}"/>
-          </ac:spMkLst>
-        </pc:spChg>
-        <pc:spChg chg="mod ord">
-          <ac:chgData name="Ihor Aleksandrov" userId="c3051032-6b87-4db2-b257-777a0106fbd9" providerId="ADAL" clId="{56332CB3-8148-420A-A659-8047DFDBF6F1}" dt="2024-01-26T13:08:15.409" v="204" actId="26606"/>
-          <ac:spMkLst>
-            <pc:docMk/>
-            <pc:sldMk cId="362375175" sldId="324"/>
-            <ac:spMk id="3" creationId="{5AA19FA0-A765-8169-03F1-928E3EF7B595}"/>
-          </ac:spMkLst>
-        </pc:spChg>
-        <pc:spChg chg="add mod">
-          <ac:chgData name="Ihor Aleksandrov" userId="c3051032-6b87-4db2-b257-777a0106fbd9" providerId="ADAL" clId="{56332CB3-8148-420A-A659-8047DFDBF6F1}" dt="2024-01-26T13:08:59.561" v="220" actId="20577"/>
-          <ac:spMkLst>
-            <pc:docMk/>
-            <pc:sldMk cId="362375175" sldId="324"/>
-            <ac:spMk id="4" creationId="{BB8D013F-31AC-E845-3ED8-53EDC38D14EF}"/>
-          </ac:spMkLst>
-        </pc:spChg>
-        <pc:spChg chg="add">
-          <ac:chgData name="Ihor Aleksandrov" userId="c3051032-6b87-4db2-b257-777a0106fbd9" providerId="ADAL" clId="{56332CB3-8148-420A-A659-8047DFDBF6F1}" dt="2024-01-26T13:08:15.409" v="204" actId="26606"/>
-          <ac:spMkLst>
-            <pc:docMk/>
-            <pc:sldMk cId="362375175" sldId="324"/>
-            <ac:spMk id="11" creationId="{D4771268-CB57-404A-9271-370EB28F6090}"/>
-          </ac:spMkLst>
-        </pc:spChg>
-        <pc:spChg chg="del">
-          <ac:chgData name="Ihor Aleksandrov" userId="c3051032-6b87-4db2-b257-777a0106fbd9" providerId="ADAL" clId="{56332CB3-8148-420A-A659-8047DFDBF6F1}" dt="2024-01-26T13:08:11.816" v="203"/>
-          <ac:spMkLst>
-            <pc:docMk/>
-            <pc:sldMk cId="362375175" sldId="324"/>
-            <ac:spMk id="24" creationId="{D4771268-CB57-404A-9271-370EB28F6090}"/>
-          </ac:spMkLst>
-        </pc:spChg>
-        <pc:picChg chg="del mod">
-          <ac:chgData name="Ihor Aleksandrov" userId="c3051032-6b87-4db2-b257-777a0106fbd9" providerId="ADAL" clId="{56332CB3-8148-420A-A659-8047DFDBF6F1}" dt="2024-01-26T13:08:16.962" v="205" actId="478"/>
-          <ac:picMkLst>
-            <pc:docMk/>
-            <pc:sldMk cId="362375175" sldId="324"/>
-            <ac:picMk id="6" creationId="{BB101808-A913-0FD5-1B8C-DA75C36C2155}"/>
-          </ac:picMkLst>
-        </pc:picChg>
-      </pc:sldChg>
-    </pc:docChg>
-  </pc:docChgLst>
-  <pc:docChgLst>
-    <pc:chgData name="Ihor Aleksandrov" userId="c3051032-6b87-4db2-b257-777a0106fbd9" providerId="ADAL" clId="{543CC2C6-7ABF-48C5-8FEB-8FEABF903516}"/>
-    <pc:docChg chg="custSel addSld delSld modSld sldOrd delMainMaster delSection modSection">
-      <pc:chgData name="Ihor Aleksandrov" userId="c3051032-6b87-4db2-b257-777a0106fbd9" providerId="ADAL" clId="{543CC2C6-7ABF-48C5-8FEB-8FEABF903516}" dt="2024-01-25T15:38:56.762" v="81" actId="2696"/>
-      <pc:docMkLst>
-        <pc:docMk/>
-      </pc:docMkLst>
-      <pc:sldChg chg="modSp">
-        <pc:chgData name="Ihor Aleksandrov" userId="c3051032-6b87-4db2-b257-777a0106fbd9" providerId="ADAL" clId="{543CC2C6-7ABF-48C5-8FEB-8FEABF903516}" dt="2024-01-25T15:02:12.388" v="5" actId="20577"/>
-        <pc:sldMkLst>
-          <pc:docMk/>
-          <pc:sldMk cId="588564705" sldId="256"/>
-        </pc:sldMkLst>
-        <pc:spChg chg="mod">
-          <ac:chgData name="Ihor Aleksandrov" userId="c3051032-6b87-4db2-b257-777a0106fbd9" providerId="ADAL" clId="{543CC2C6-7ABF-48C5-8FEB-8FEABF903516}" dt="2024-01-25T15:02:12.388" v="5" actId="20577"/>
-          <ac:spMkLst>
-            <pc:docMk/>
-            <pc:sldMk cId="588564705" sldId="256"/>
-            <ac:spMk id="2" creationId="{2C4A1DFF-3C45-F11D-E6A6-19C0306E5E2B}"/>
-          </ac:spMkLst>
-        </pc:spChg>
-      </pc:sldChg>
-      <pc:sldChg chg="del">
-        <pc:chgData name="Ihor Aleksandrov" userId="c3051032-6b87-4db2-b257-777a0106fbd9" providerId="ADAL" clId="{543CC2C6-7ABF-48C5-8FEB-8FEABF903516}" dt="2024-01-25T15:06:57.792" v="21" actId="2696"/>
-        <pc:sldMkLst>
-          <pc:docMk/>
-          <pc:sldMk cId="3270890867" sldId="257"/>
-        </pc:sldMkLst>
-      </pc:sldChg>
-      <pc:sldChg chg="del">
-        <pc:chgData name="Ihor Aleksandrov" userId="c3051032-6b87-4db2-b257-777a0106fbd9" providerId="ADAL" clId="{543CC2C6-7ABF-48C5-8FEB-8FEABF903516}" dt="2024-01-25T15:22:56.379" v="25" actId="2696"/>
-        <pc:sldMkLst>
-          <pc:docMk/>
-          <pc:sldMk cId="3417182101" sldId="258"/>
-        </pc:sldMkLst>
-      </pc:sldChg>
-      <pc:sldChg chg="del">
-        <pc:chgData name="Ihor Aleksandrov" userId="c3051032-6b87-4db2-b257-777a0106fbd9" providerId="ADAL" clId="{543CC2C6-7ABF-48C5-8FEB-8FEABF903516}" dt="2024-01-25T15:22:56.379" v="25" actId="2696"/>
-        <pc:sldMkLst>
-          <pc:docMk/>
-          <pc:sldMk cId="2385514391" sldId="259"/>
-        </pc:sldMkLst>
-      </pc:sldChg>
-      <pc:sldChg chg="del">
-        <pc:chgData name="Ihor Aleksandrov" userId="c3051032-6b87-4db2-b257-777a0106fbd9" providerId="ADAL" clId="{543CC2C6-7ABF-48C5-8FEB-8FEABF903516}" dt="2024-01-25T15:22:56.379" v="25" actId="2696"/>
-        <pc:sldMkLst>
-          <pc:docMk/>
-          <pc:sldMk cId="1272792471" sldId="260"/>
-        </pc:sldMkLst>
-      </pc:sldChg>
-      <pc:sldChg chg="del">
-        <pc:chgData name="Ihor Aleksandrov" userId="c3051032-6b87-4db2-b257-777a0106fbd9" providerId="ADAL" clId="{543CC2C6-7ABF-48C5-8FEB-8FEABF903516}" dt="2024-01-25T15:22:56.379" v="25" actId="2696"/>
-        <pc:sldMkLst>
-          <pc:docMk/>
-          <pc:sldMk cId="3278151509" sldId="261"/>
-        </pc:sldMkLst>
-      </pc:sldChg>
-      <pc:sldChg chg="del">
-        <pc:chgData name="Ihor Aleksandrov" userId="c3051032-6b87-4db2-b257-777a0106fbd9" providerId="ADAL" clId="{543CC2C6-7ABF-48C5-8FEB-8FEABF903516}" dt="2024-01-25T15:22:56.379" v="25" actId="2696"/>
-        <pc:sldMkLst>
-          <pc:docMk/>
-          <pc:sldMk cId="3670086471" sldId="262"/>
-        </pc:sldMkLst>
-      </pc:sldChg>
-      <pc:sldChg chg="del">
-        <pc:chgData name="Ihor Aleksandrov" userId="c3051032-6b87-4db2-b257-777a0106fbd9" providerId="ADAL" clId="{543CC2C6-7ABF-48C5-8FEB-8FEABF903516}" dt="2024-01-25T15:22:56.379" v="25" actId="2696"/>
-        <pc:sldMkLst>
-          <pc:docMk/>
-          <pc:sldMk cId="2476824021" sldId="263"/>
-        </pc:sldMkLst>
-      </pc:sldChg>
-      <pc:sldChg chg="del">
-        <pc:chgData name="Ihor Aleksandrov" userId="c3051032-6b87-4db2-b257-777a0106fbd9" providerId="ADAL" clId="{543CC2C6-7ABF-48C5-8FEB-8FEABF903516}" dt="2024-01-25T15:22:56.379" v="25" actId="2696"/>
-        <pc:sldMkLst>
-          <pc:docMk/>
-          <pc:sldMk cId="1454947672" sldId="266"/>
-        </pc:sldMkLst>
-      </pc:sldChg>
-      <pc:sldChg chg="del">
-        <pc:chgData name="Ihor Aleksandrov" userId="c3051032-6b87-4db2-b257-777a0106fbd9" providerId="ADAL" clId="{543CC2C6-7ABF-48C5-8FEB-8FEABF903516}" dt="2024-01-25T15:22:56.379" v="25" actId="2696"/>
-        <pc:sldMkLst>
-          <pc:docMk/>
-          <pc:sldMk cId="361920255" sldId="267"/>
-        </pc:sldMkLst>
-      </pc:sldChg>
-      <pc:sldChg chg="del">
-        <pc:chgData name="Ihor Aleksandrov" userId="c3051032-6b87-4db2-b257-777a0106fbd9" providerId="ADAL" clId="{543CC2C6-7ABF-48C5-8FEB-8FEABF903516}" dt="2024-01-25T15:22:56.379" v="25" actId="2696"/>
-        <pc:sldMkLst>
-          <pc:docMk/>
-          <pc:sldMk cId="2161892916" sldId="268"/>
-        </pc:sldMkLst>
-      </pc:sldChg>
-      <pc:sldChg chg="del">
-        <pc:chgData name="Ihor Aleksandrov" userId="c3051032-6b87-4db2-b257-777a0106fbd9" providerId="ADAL" clId="{543CC2C6-7ABF-48C5-8FEB-8FEABF903516}" dt="2024-01-25T15:22:56.379" v="25" actId="2696"/>
-        <pc:sldMkLst>
-          <pc:docMk/>
-          <pc:sldMk cId="3157685417" sldId="269"/>
-        </pc:sldMkLst>
-      </pc:sldChg>
-      <pc:sldChg chg="del">
-        <pc:chgData name="Ihor Aleksandrov" userId="c3051032-6b87-4db2-b257-777a0106fbd9" providerId="ADAL" clId="{543CC2C6-7ABF-48C5-8FEB-8FEABF903516}" dt="2024-01-25T15:06:57.792" v="21" actId="2696"/>
-        <pc:sldMkLst>
-          <pc:docMk/>
-          <pc:sldMk cId="3985704815" sldId="270"/>
-        </pc:sldMkLst>
-      </pc:sldChg>
-      <pc:sldChg chg="addSp delSp modSp mod ord">
-        <pc:chgData name="Ihor Aleksandrov" userId="c3051032-6b87-4db2-b257-777a0106fbd9" providerId="ADAL" clId="{543CC2C6-7ABF-48C5-8FEB-8FEABF903516}" dt="2024-01-25T15:06:41.652" v="20"/>
-        <pc:sldMkLst>
-          <pc:docMk/>
-          <pc:sldMk cId="1284720075" sldId="271"/>
-        </pc:sldMkLst>
-        <pc:spChg chg="mod">
-          <ac:chgData name="Ihor Aleksandrov" userId="c3051032-6b87-4db2-b257-777a0106fbd9" providerId="ADAL" clId="{543CC2C6-7ABF-48C5-8FEB-8FEABF903516}" dt="2024-01-25T15:05:05.744" v="7"/>
-          <ac:spMkLst>
-            <pc:docMk/>
-            <pc:sldMk cId="1284720075" sldId="271"/>
-            <ac:spMk id="2" creationId="{DB2FBD6F-5487-CF83-1B78-61E52C9B601E}"/>
-          </ac:spMkLst>
-        </pc:spChg>
-        <pc:spChg chg="del">
-          <ac:chgData name="Ihor Aleksandrov" userId="c3051032-6b87-4db2-b257-777a0106fbd9" providerId="ADAL" clId="{543CC2C6-7ABF-48C5-8FEB-8FEABF903516}" dt="2024-01-25T15:05:13.151" v="8" actId="478"/>
-          <ac:spMkLst>
-            <pc:docMk/>
-            <pc:sldMk cId="1284720075" sldId="271"/>
-            <ac:spMk id="5" creationId="{7F019A57-CA59-E832-88C6-3CC1DBB2CB31}"/>
-          </ac:spMkLst>
-        </pc:spChg>
-        <pc:spChg chg="add mod">
-          <ac:chgData name="Ihor Aleksandrov" userId="c3051032-6b87-4db2-b257-777a0106fbd9" providerId="ADAL" clId="{543CC2C6-7ABF-48C5-8FEB-8FEABF903516}" dt="2024-01-25T15:06:23.621" v="16" actId="1076"/>
-          <ac:spMkLst>
-            <pc:docMk/>
-            <pc:sldMk cId="1284720075" sldId="271"/>
-            <ac:spMk id="7" creationId="{CB986B99-8F91-8FA6-3B8E-A20D176C7350}"/>
-          </ac:spMkLst>
-        </pc:spChg>
-        <pc:picChg chg="del">
-          <ac:chgData name="Ihor Aleksandrov" userId="c3051032-6b87-4db2-b257-777a0106fbd9" providerId="ADAL" clId="{543CC2C6-7ABF-48C5-8FEB-8FEABF903516}" dt="2024-01-25T15:06:14.808" v="13" actId="478"/>
-          <ac:picMkLst>
-            <pc:docMk/>
-            <pc:sldMk cId="1284720075" sldId="271"/>
-            <ac:picMk id="3" creationId="{4E689865-968D-3D93-994B-3AAC3051378B}"/>
-          </ac:picMkLst>
-        </pc:picChg>
-        <pc:picChg chg="add mod">
-          <ac:chgData name="Ihor Aleksandrov" userId="c3051032-6b87-4db2-b257-777a0106fbd9" providerId="ADAL" clId="{543CC2C6-7ABF-48C5-8FEB-8FEABF903516}" dt="2024-01-25T15:06:20.841" v="15" actId="1076"/>
-          <ac:picMkLst>
-            <pc:docMk/>
-            <pc:sldMk cId="1284720075" sldId="271"/>
-            <ac:picMk id="8" creationId="{D274BED8-2FC3-7632-0828-FE7D570B2DD4}"/>
-          </ac:picMkLst>
-        </pc:picChg>
-      </pc:sldChg>
-      <pc:sldChg chg="del">
-        <pc:chgData name="Ihor Aleksandrov" userId="c3051032-6b87-4db2-b257-777a0106fbd9" providerId="ADAL" clId="{543CC2C6-7ABF-48C5-8FEB-8FEABF903516}" dt="2024-01-25T15:06:57.792" v="21" actId="2696"/>
-        <pc:sldMkLst>
-          <pc:docMk/>
-          <pc:sldMk cId="2124347573" sldId="272"/>
-        </pc:sldMkLst>
-      </pc:sldChg>
-      <pc:sldChg chg="del">
-        <pc:chgData name="Ihor Aleksandrov" userId="c3051032-6b87-4db2-b257-777a0106fbd9" providerId="ADAL" clId="{543CC2C6-7ABF-48C5-8FEB-8FEABF903516}" dt="2024-01-25T15:06:57.792" v="21" actId="2696"/>
-        <pc:sldMkLst>
-          <pc:docMk/>
-          <pc:sldMk cId="2117969225" sldId="273"/>
-        </pc:sldMkLst>
-      </pc:sldChg>
-      <pc:sldChg chg="del">
-        <pc:chgData name="Ihor Aleksandrov" userId="c3051032-6b87-4db2-b257-777a0106fbd9" providerId="ADAL" clId="{543CC2C6-7ABF-48C5-8FEB-8FEABF903516}" dt="2024-01-25T15:06:57.792" v="21" actId="2696"/>
-        <pc:sldMkLst>
-          <pc:docMk/>
-          <pc:sldMk cId="1169417950" sldId="274"/>
-        </pc:sldMkLst>
-      </pc:sldChg>
-      <pc:sldChg chg="del">
-        <pc:chgData name="Ihor Aleksandrov" userId="c3051032-6b87-4db2-b257-777a0106fbd9" providerId="ADAL" clId="{543CC2C6-7ABF-48C5-8FEB-8FEABF903516}" dt="2024-01-25T15:06:57.792" v="21" actId="2696"/>
-        <pc:sldMkLst>
-          <pc:docMk/>
-          <pc:sldMk cId="1690294392" sldId="276"/>
-        </pc:sldMkLst>
-      </pc:sldChg>
-      <pc:sldChg chg="del">
-        <pc:chgData name="Ihor Aleksandrov" userId="c3051032-6b87-4db2-b257-777a0106fbd9" providerId="ADAL" clId="{543CC2C6-7ABF-48C5-8FEB-8FEABF903516}" dt="2024-01-25T15:06:57.792" v="21" actId="2696"/>
-        <pc:sldMkLst>
-          <pc:docMk/>
-          <pc:sldMk cId="2169937468" sldId="277"/>
-        </pc:sldMkLst>
-      </pc:sldChg>
-      <pc:sldChg chg="del">
-        <pc:chgData name="Ihor Aleksandrov" userId="c3051032-6b87-4db2-b257-777a0106fbd9" providerId="ADAL" clId="{543CC2C6-7ABF-48C5-8FEB-8FEABF903516}" dt="2024-01-25T15:06:57.792" v="21" actId="2696"/>
-        <pc:sldMkLst>
-          <pc:docMk/>
-          <pc:sldMk cId="27400258" sldId="278"/>
-        </pc:sldMkLst>
-      </pc:sldChg>
-      <pc:sldChg chg="del">
-        <pc:chgData name="Ihor Aleksandrov" userId="c3051032-6b87-4db2-b257-777a0106fbd9" providerId="ADAL" clId="{543CC2C6-7ABF-48C5-8FEB-8FEABF903516}" dt="2024-01-25T15:06:57.792" v="21" actId="2696"/>
-        <pc:sldMkLst>
-          <pc:docMk/>
-          <pc:sldMk cId="2135561016" sldId="279"/>
-        </pc:sldMkLst>
-      </pc:sldChg>
-      <pc:sldChg chg="del">
-        <pc:chgData name="Ihor Aleksandrov" userId="c3051032-6b87-4db2-b257-777a0106fbd9" providerId="ADAL" clId="{543CC2C6-7ABF-48C5-8FEB-8FEABF903516}" dt="2024-01-25T15:06:57.792" v="21" actId="2696"/>
-        <pc:sldMkLst>
-          <pc:docMk/>
-          <pc:sldMk cId="3216895555" sldId="280"/>
-        </pc:sldMkLst>
-      </pc:sldChg>
-      <pc:sldChg chg="del">
-        <pc:chgData name="Ihor Aleksandrov" userId="c3051032-6b87-4db2-b257-777a0106fbd9" providerId="ADAL" clId="{543CC2C6-7ABF-48C5-8FEB-8FEABF903516}" dt="2024-01-25T15:06:57.792" v="21" actId="2696"/>
-        <pc:sldMkLst>
-          <pc:docMk/>
-          <pc:sldMk cId="1506611494" sldId="281"/>
-        </pc:sldMkLst>
-      </pc:sldChg>
-      <pc:sldChg chg="del">
-        <pc:chgData name="Ihor Aleksandrov" userId="c3051032-6b87-4db2-b257-777a0106fbd9" providerId="ADAL" clId="{543CC2C6-7ABF-48C5-8FEB-8FEABF903516}" dt="2024-01-25T15:06:57.792" v="21" actId="2696"/>
-        <pc:sldMkLst>
-          <pc:docMk/>
-          <pc:sldMk cId="3864832451" sldId="282"/>
-        </pc:sldMkLst>
-      </pc:sldChg>
-      <pc:sldChg chg="del">
-        <pc:chgData name="Ihor Aleksandrov" userId="c3051032-6b87-4db2-b257-777a0106fbd9" providerId="ADAL" clId="{543CC2C6-7ABF-48C5-8FEB-8FEABF903516}" dt="2024-01-25T15:06:57.792" v="21" actId="2696"/>
-        <pc:sldMkLst>
-          <pc:docMk/>
-          <pc:sldMk cId="2194478224" sldId="283"/>
-        </pc:sldMkLst>
-      </pc:sldChg>
-      <pc:sldChg chg="del">
-        <pc:chgData name="Ihor Aleksandrov" userId="c3051032-6b87-4db2-b257-777a0106fbd9" providerId="ADAL" clId="{543CC2C6-7ABF-48C5-8FEB-8FEABF903516}" dt="2024-01-25T15:22:56.379" v="25" actId="2696"/>
-        <pc:sldMkLst>
-          <pc:docMk/>
-          <pc:sldMk cId="3460809786" sldId="284"/>
-        </pc:sldMkLst>
-      </pc:sldChg>
-      <pc:sldChg chg="del">
-        <pc:chgData name="Ihor Aleksandrov" userId="c3051032-6b87-4db2-b257-777a0106fbd9" providerId="ADAL" clId="{543CC2C6-7ABF-48C5-8FEB-8FEABF903516}" dt="2024-01-25T15:22:56.379" v="25" actId="2696"/>
-        <pc:sldMkLst>
-          <pc:docMk/>
-          <pc:sldMk cId="376432090" sldId="285"/>
-        </pc:sldMkLst>
-      </pc:sldChg>
-      <pc:sldChg chg="del">
-        <pc:chgData name="Ihor Aleksandrov" userId="c3051032-6b87-4db2-b257-777a0106fbd9" providerId="ADAL" clId="{543CC2C6-7ABF-48C5-8FEB-8FEABF903516}" dt="2024-01-25T15:22:56.379" v="25" actId="2696"/>
-        <pc:sldMkLst>
-          <pc:docMk/>
-          <pc:sldMk cId="1306830866" sldId="287"/>
-        </pc:sldMkLst>
-      </pc:sldChg>
-      <pc:sldChg chg="del">
-        <pc:chgData name="Ihor Aleksandrov" userId="c3051032-6b87-4db2-b257-777a0106fbd9" providerId="ADAL" clId="{543CC2C6-7ABF-48C5-8FEB-8FEABF903516}" dt="2024-01-25T15:22:56.379" v="25" actId="2696"/>
-        <pc:sldMkLst>
-          <pc:docMk/>
-          <pc:sldMk cId="837736118" sldId="288"/>
-        </pc:sldMkLst>
-      </pc:sldChg>
-      <pc:sldChg chg="del">
-        <pc:chgData name="Ihor Aleksandrov" userId="c3051032-6b87-4db2-b257-777a0106fbd9" providerId="ADAL" clId="{543CC2C6-7ABF-48C5-8FEB-8FEABF903516}" dt="2024-01-25T15:22:56.379" v="25" actId="2696"/>
-        <pc:sldMkLst>
-          <pc:docMk/>
-          <pc:sldMk cId="856240837" sldId="289"/>
-        </pc:sldMkLst>
-      </pc:sldChg>
-      <pc:sldChg chg="del">
-        <pc:chgData name="Ihor Aleksandrov" userId="c3051032-6b87-4db2-b257-777a0106fbd9" providerId="ADAL" clId="{543CC2C6-7ABF-48C5-8FEB-8FEABF903516}" dt="2024-01-25T15:22:56.379" v="25" actId="2696"/>
-        <pc:sldMkLst>
-          <pc:docMk/>
-          <pc:sldMk cId="509012579" sldId="290"/>
-        </pc:sldMkLst>
-      </pc:sldChg>
-      <pc:sldChg chg="del">
-        <pc:chgData name="Ihor Aleksandrov" userId="c3051032-6b87-4db2-b257-777a0106fbd9" providerId="ADAL" clId="{543CC2C6-7ABF-48C5-8FEB-8FEABF903516}" dt="2024-01-25T15:22:56.379" v="25" actId="2696"/>
-        <pc:sldMkLst>
-          <pc:docMk/>
-          <pc:sldMk cId="454153650" sldId="291"/>
-        </pc:sldMkLst>
-      </pc:sldChg>
-      <pc:sldChg chg="del">
-        <pc:chgData name="Ihor Aleksandrov" userId="c3051032-6b87-4db2-b257-777a0106fbd9" providerId="ADAL" clId="{543CC2C6-7ABF-48C5-8FEB-8FEABF903516}" dt="2024-01-25T15:22:56.379" v="25" actId="2696"/>
-        <pc:sldMkLst>
-          <pc:docMk/>
-          <pc:sldMk cId="156474206" sldId="292"/>
-        </pc:sldMkLst>
-      </pc:sldChg>
-      <pc:sldChg chg="del">
-        <pc:chgData name="Ihor Aleksandrov" userId="c3051032-6b87-4db2-b257-777a0106fbd9" providerId="ADAL" clId="{543CC2C6-7ABF-48C5-8FEB-8FEABF903516}" dt="2024-01-25T15:22:56.379" v="25" actId="2696"/>
-        <pc:sldMkLst>
-          <pc:docMk/>
-          <pc:sldMk cId="1604524467" sldId="293"/>
-        </pc:sldMkLst>
-      </pc:sldChg>
-      <pc:sldChg chg="del">
-        <pc:chgData name="Ihor Aleksandrov" userId="c3051032-6b87-4db2-b257-777a0106fbd9" providerId="ADAL" clId="{543CC2C6-7ABF-48C5-8FEB-8FEABF903516}" dt="2024-01-25T15:22:56.379" v="25" actId="2696"/>
-        <pc:sldMkLst>
-          <pc:docMk/>
-          <pc:sldMk cId="1939738048" sldId="294"/>
-        </pc:sldMkLst>
-      </pc:sldChg>
-      <pc:sldChg chg="del">
-        <pc:chgData name="Ihor Aleksandrov" userId="c3051032-6b87-4db2-b257-777a0106fbd9" providerId="ADAL" clId="{543CC2C6-7ABF-48C5-8FEB-8FEABF903516}" dt="2024-01-25T15:22:56.379" v="25" actId="2696"/>
-        <pc:sldMkLst>
-          <pc:docMk/>
-          <pc:sldMk cId="2160277833" sldId="295"/>
-        </pc:sldMkLst>
-      </pc:sldChg>
-      <pc:sldChg chg="del">
-        <pc:chgData name="Ihor Aleksandrov" userId="c3051032-6b87-4db2-b257-777a0106fbd9" providerId="ADAL" clId="{543CC2C6-7ABF-48C5-8FEB-8FEABF903516}" dt="2024-01-25T15:22:56.379" v="25" actId="2696"/>
-        <pc:sldMkLst>
-          <pc:docMk/>
-          <pc:sldMk cId="1321677393" sldId="296"/>
-        </pc:sldMkLst>
-      </pc:sldChg>
-      <pc:sldChg chg="del">
-        <pc:chgData name="Ihor Aleksandrov" userId="c3051032-6b87-4db2-b257-777a0106fbd9" providerId="ADAL" clId="{543CC2C6-7ABF-48C5-8FEB-8FEABF903516}" dt="2024-01-25T15:22:56.379" v="25" actId="2696"/>
-        <pc:sldMkLst>
-          <pc:docMk/>
-          <pc:sldMk cId="2059493005" sldId="297"/>
-        </pc:sldMkLst>
-      </pc:sldChg>
-      <pc:sldChg chg="del">
-        <pc:chgData name="Ihor Aleksandrov" userId="c3051032-6b87-4db2-b257-777a0106fbd9" providerId="ADAL" clId="{543CC2C6-7ABF-48C5-8FEB-8FEABF903516}" dt="2024-01-25T15:22:56.379" v="25" actId="2696"/>
-        <pc:sldMkLst>
-          <pc:docMk/>
-          <pc:sldMk cId="1734173143" sldId="298"/>
-        </pc:sldMkLst>
-      </pc:sldChg>
-      <pc:sldChg chg="del">
-        <pc:chgData name="Ihor Aleksandrov" userId="c3051032-6b87-4db2-b257-777a0106fbd9" providerId="ADAL" clId="{543CC2C6-7ABF-48C5-8FEB-8FEABF903516}" dt="2024-01-25T15:22:56.379" v="25" actId="2696"/>
-        <pc:sldMkLst>
-          <pc:docMk/>
-          <pc:sldMk cId="838327884" sldId="300"/>
-        </pc:sldMkLst>
-      </pc:sldChg>
-      <pc:sldChg chg="del">
-        <pc:chgData name="Ihor Aleksandrov" userId="c3051032-6b87-4db2-b257-777a0106fbd9" providerId="ADAL" clId="{543CC2C6-7ABF-48C5-8FEB-8FEABF903516}" dt="2024-01-25T15:22:56.379" v="25" actId="2696"/>
-        <pc:sldMkLst>
-          <pc:docMk/>
-          <pc:sldMk cId="3554655275" sldId="301"/>
-        </pc:sldMkLst>
-      </pc:sldChg>
-      <pc:sldChg chg="del">
-        <pc:chgData name="Ihor Aleksandrov" userId="c3051032-6b87-4db2-b257-777a0106fbd9" providerId="ADAL" clId="{543CC2C6-7ABF-48C5-8FEB-8FEABF903516}" dt="2024-01-25T15:22:56.379" v="25" actId="2696"/>
-        <pc:sldMkLst>
-          <pc:docMk/>
-          <pc:sldMk cId="2874081085" sldId="302"/>
-        </pc:sldMkLst>
-      </pc:sldChg>
-      <pc:sldChg chg="del">
-        <pc:chgData name="Ihor Aleksandrov" userId="c3051032-6b87-4db2-b257-777a0106fbd9" providerId="ADAL" clId="{543CC2C6-7ABF-48C5-8FEB-8FEABF903516}" dt="2024-01-25T15:22:56.379" v="25" actId="2696"/>
-        <pc:sldMkLst>
-          <pc:docMk/>
-          <pc:sldMk cId="1636319729" sldId="303"/>
-        </pc:sldMkLst>
-      </pc:sldChg>
-      <pc:sldChg chg="addSp delSp modSp add del mod setBg delDesignElem">
-        <pc:chgData name="Ihor Aleksandrov" userId="c3051032-6b87-4db2-b257-777a0106fbd9" providerId="ADAL" clId="{543CC2C6-7ABF-48C5-8FEB-8FEABF903516}" dt="2024-01-25T15:38:56.762" v="81" actId="2696"/>
-        <pc:sldMkLst>
-          <pc:docMk/>
-          <pc:sldMk cId="3078579406" sldId="303"/>
-        </pc:sldMkLst>
-        <pc:spChg chg="mod">
-          <ac:chgData name="Ihor Aleksandrov" userId="c3051032-6b87-4db2-b257-777a0106fbd9" providerId="ADAL" clId="{543CC2C6-7ABF-48C5-8FEB-8FEABF903516}" dt="2024-01-25T15:38:35.087" v="77" actId="26606"/>
-          <ac:spMkLst>
-            <pc:docMk/>
-            <pc:sldMk cId="3078579406" sldId="303"/>
-            <ac:spMk id="2" creationId="{D0943DE7-1B02-667A-3F0C-AF294FF74898}"/>
-          </ac:spMkLst>
-        </pc:spChg>
-        <pc:spChg chg="mod">
-          <ac:chgData name="Ihor Aleksandrov" userId="c3051032-6b87-4db2-b257-777a0106fbd9" providerId="ADAL" clId="{543CC2C6-7ABF-48C5-8FEB-8FEABF903516}" dt="2024-01-25T15:38:35.087" v="77" actId="26606"/>
-          <ac:spMkLst>
-            <pc:docMk/>
-            <pc:sldMk cId="3078579406" sldId="303"/>
-            <ac:spMk id="4" creationId="{6698CFAA-FBE6-1385-DD40-EFF9167C6E7B}"/>
-          </ac:spMkLst>
-        </pc:spChg>
-        <pc:spChg chg="del">
-          <ac:chgData name="Ihor Aleksandrov" userId="c3051032-6b87-4db2-b257-777a0106fbd9" providerId="ADAL" clId="{543CC2C6-7ABF-48C5-8FEB-8FEABF903516}" dt="2024-01-25T15:35:33.210" v="76"/>
-          <ac:spMkLst>
-            <pc:docMk/>
-            <pc:sldMk cId="3078579406" sldId="303"/>
-            <ac:spMk id="47" creationId="{B34F5AD2-EDBD-4BBD-A55C-EAFFD0C7097A}"/>
-          </ac:spMkLst>
-        </pc:spChg>
-        <pc:spChg chg="del">
-          <ac:chgData name="Ihor Aleksandrov" userId="c3051032-6b87-4db2-b257-777a0106fbd9" providerId="ADAL" clId="{543CC2C6-7ABF-48C5-8FEB-8FEABF903516}" dt="2024-01-25T15:35:33.210" v="76"/>
-          <ac:spMkLst>
-            <pc:docMk/>
-            <pc:sldMk cId="3078579406" sldId="303"/>
-            <ac:spMk id="48" creationId="{C3896A03-3945-419A-B66B-4EE266EDD152}"/>
-          </ac:spMkLst>
-        </pc:spChg>
-        <pc:spChg chg="del">
-          <ac:chgData name="Ihor Aleksandrov" userId="c3051032-6b87-4db2-b257-777a0106fbd9" providerId="ADAL" clId="{543CC2C6-7ABF-48C5-8FEB-8FEABF903516}" dt="2024-01-25T15:35:33.210" v="76"/>
-          <ac:spMkLst>
-            <pc:docMk/>
-            <pc:sldMk cId="3078579406" sldId="303"/>
-            <ac:spMk id="49" creationId="{B8EAE243-3A9F-4A46-B0D9-04C723A8A1BD}"/>
-          </ac:spMkLst>
-        </pc:spChg>
-        <pc:spChg chg="add">
-          <ac:chgData name="Ihor Aleksandrov" userId="c3051032-6b87-4db2-b257-777a0106fbd9" providerId="ADAL" clId="{543CC2C6-7ABF-48C5-8FEB-8FEABF903516}" dt="2024-01-25T15:38:35.087" v="77" actId="26606"/>
-          <ac:spMkLst>
-            <pc:docMk/>
-            <pc:sldMk cId="3078579406" sldId="303"/>
-            <ac:spMk id="55" creationId="{D4771268-CB57-404A-9271-370EB28F6090}"/>
-          </ac:spMkLst>
-        </pc:spChg>
-        <pc:graphicFrameChg chg="modGraphic">
-          <ac:chgData name="Ihor Aleksandrov" userId="c3051032-6b87-4db2-b257-777a0106fbd9" providerId="ADAL" clId="{543CC2C6-7ABF-48C5-8FEB-8FEABF903516}" dt="2024-01-25T15:38:35.087" v="77" actId="26606"/>
-          <ac:graphicFrameMkLst>
-            <pc:docMk/>
-            <pc:sldMk cId="3078579406" sldId="303"/>
-            <ac:graphicFrameMk id="50" creationId="{438840ED-2B50-ED19-12CF-99B1789AE150}"/>
-          </ac:graphicFrameMkLst>
-        </pc:graphicFrameChg>
-      </pc:sldChg>
-      <pc:sldChg chg="addSp delSp modSp add mod setBg delDesignElem">
-        <pc:chgData name="Ihor Aleksandrov" userId="c3051032-6b87-4db2-b257-777a0106fbd9" providerId="ADAL" clId="{543CC2C6-7ABF-48C5-8FEB-8FEABF903516}" dt="2024-01-25T15:23:27.915" v="32" actId="1076"/>
-        <pc:sldMkLst>
-          <pc:docMk/>
-          <pc:sldMk cId="2437677464" sldId="304"/>
-        </pc:sldMkLst>
-        <pc:spChg chg="mod">
-          <ac:chgData name="Ihor Aleksandrov" userId="c3051032-6b87-4db2-b257-777a0106fbd9" providerId="ADAL" clId="{543CC2C6-7ABF-48C5-8FEB-8FEABF903516}" dt="2024-01-25T15:23:04.206" v="28" actId="26606"/>
-          <ac:spMkLst>
-            <pc:docMk/>
-            <pc:sldMk cId="2437677464" sldId="304"/>
-            <ac:spMk id="2" creationId="{53C5D828-9666-E312-B574-9FE965A7D6BE}"/>
-          </ac:spMkLst>
-        </pc:spChg>
-        <pc:spChg chg="mod ord">
-          <ac:chgData name="Ihor Aleksandrov" userId="c3051032-6b87-4db2-b257-777a0106fbd9" providerId="ADAL" clId="{543CC2C6-7ABF-48C5-8FEB-8FEABF903516}" dt="2024-01-25T15:23:04.206" v="28" actId="26606"/>
-          <ac:spMkLst>
-            <pc:docMk/>
-            <pc:sldMk cId="2437677464" sldId="304"/>
-            <ac:spMk id="3" creationId="{5AA19FA0-A765-8169-03F1-928E3EF7B595}"/>
-          </ac:spMkLst>
-        </pc:spChg>
-        <pc:spChg chg="add mod">
-          <ac:chgData name="Ihor Aleksandrov" userId="c3051032-6b87-4db2-b257-777a0106fbd9" providerId="ADAL" clId="{543CC2C6-7ABF-48C5-8FEB-8FEABF903516}" dt="2024-01-25T15:23:27.915" v="32" actId="1076"/>
-          <ac:spMkLst>
-            <pc:docMk/>
-            <pc:sldMk cId="2437677464" sldId="304"/>
-            <ac:spMk id="6" creationId="{488235DB-5FF7-1D9C-83DC-447CDF5C2568}"/>
-          </ac:spMkLst>
-        </pc:spChg>
-        <pc:spChg chg="add">
-          <ac:chgData name="Ihor Aleksandrov" userId="c3051032-6b87-4db2-b257-777a0106fbd9" providerId="ADAL" clId="{543CC2C6-7ABF-48C5-8FEB-8FEABF903516}" dt="2024-01-25T15:23:04.206" v="28" actId="26606"/>
-          <ac:spMkLst>
-            <pc:docMk/>
-            <pc:sldMk cId="2437677464" sldId="304"/>
-            <ac:spMk id="10" creationId="{D4771268-CB57-404A-9271-370EB28F6090}"/>
-          </ac:spMkLst>
-        </pc:spChg>
-        <pc:spChg chg="del">
-          <ac:chgData name="Ihor Aleksandrov" userId="c3051032-6b87-4db2-b257-777a0106fbd9" providerId="ADAL" clId="{543CC2C6-7ABF-48C5-8FEB-8FEABF903516}" dt="2024-01-25T15:23:00.336" v="27"/>
-          <ac:spMkLst>
-            <pc:docMk/>
-            <pc:sldMk cId="2437677464" sldId="304"/>
-            <ac:spMk id="24" creationId="{D4771268-CB57-404A-9271-370EB28F6090}"/>
-          </ac:spMkLst>
-        </pc:spChg>
-        <pc:picChg chg="mod">
-          <ac:chgData name="Ihor Aleksandrov" userId="c3051032-6b87-4db2-b257-777a0106fbd9" providerId="ADAL" clId="{543CC2C6-7ABF-48C5-8FEB-8FEABF903516}" dt="2024-01-25T15:23:11.850" v="30" actId="1076"/>
-          <ac:picMkLst>
-            <pc:docMk/>
-            <pc:sldMk cId="2437677464" sldId="304"/>
-            <ac:picMk id="5" creationId="{532ADD11-32FE-79D7-3D72-769CD8D5331E}"/>
-          </ac:picMkLst>
-        </pc:picChg>
-      </pc:sldChg>
-      <pc:sldChg chg="del">
-        <pc:chgData name="Ihor Aleksandrov" userId="c3051032-6b87-4db2-b257-777a0106fbd9" providerId="ADAL" clId="{543CC2C6-7ABF-48C5-8FEB-8FEABF903516}" dt="2024-01-25T15:22:56.379" v="25" actId="2696"/>
-        <pc:sldMkLst>
-          <pc:docMk/>
-          <pc:sldMk cId="4016723334" sldId="304"/>
-        </pc:sldMkLst>
-      </pc:sldChg>
-      <pc:sldChg chg="addSp delSp modSp add mod setBg delDesignElem">
-        <pc:chgData name="Ihor Aleksandrov" userId="c3051032-6b87-4db2-b257-777a0106fbd9" providerId="ADAL" clId="{543CC2C6-7ABF-48C5-8FEB-8FEABF903516}" dt="2024-01-25T15:25:11.995" v="41" actId="1076"/>
-        <pc:sldMkLst>
-          <pc:docMk/>
-          <pc:sldMk cId="3615190178" sldId="305"/>
-        </pc:sldMkLst>
-        <pc:spChg chg="mod">
-          <ac:chgData name="Ihor Aleksandrov" userId="c3051032-6b87-4db2-b257-777a0106fbd9" providerId="ADAL" clId="{543CC2C6-7ABF-48C5-8FEB-8FEABF903516}" dt="2024-01-25T15:24:38.816" v="35" actId="26606"/>
-          <ac:spMkLst>
-            <pc:docMk/>
-            <pc:sldMk cId="3615190178" sldId="305"/>
-            <ac:spMk id="2" creationId="{53C5D828-9666-E312-B574-9FE965A7D6BE}"/>
-          </ac:spMkLst>
-        </pc:spChg>
-        <pc:spChg chg="mod ord">
-          <ac:chgData name="Ihor Aleksandrov" userId="c3051032-6b87-4db2-b257-777a0106fbd9" providerId="ADAL" clId="{543CC2C6-7ABF-48C5-8FEB-8FEABF903516}" dt="2024-01-25T15:24:38.816" v="35" actId="26606"/>
-          <ac:spMkLst>
-            <pc:docMk/>
-            <pc:sldMk cId="3615190178" sldId="305"/>
-            <ac:spMk id="3" creationId="{5AA19FA0-A765-8169-03F1-928E3EF7B595}"/>
-          </ac:spMkLst>
-        </pc:spChg>
-        <pc:spChg chg="add mod">
-          <ac:chgData name="Ihor Aleksandrov" userId="c3051032-6b87-4db2-b257-777a0106fbd9" providerId="ADAL" clId="{543CC2C6-7ABF-48C5-8FEB-8FEABF903516}" dt="2024-01-25T15:25:11.995" v="41" actId="1076"/>
-          <ac:spMkLst>
-            <pc:docMk/>
-            <pc:sldMk cId="3615190178" sldId="305"/>
-            <ac:spMk id="6" creationId="{8898B333-7DE0-14D0-95DC-7BD2A7981F0C}"/>
-          </ac:spMkLst>
-        </pc:spChg>
-        <pc:spChg chg="add">
-          <ac:chgData name="Ihor Aleksandrov" userId="c3051032-6b87-4db2-b257-777a0106fbd9" providerId="ADAL" clId="{543CC2C6-7ABF-48C5-8FEB-8FEABF903516}" dt="2024-01-25T15:24:38.816" v="35" actId="26606"/>
-          <ac:spMkLst>
-            <pc:docMk/>
-            <pc:sldMk cId="3615190178" sldId="305"/>
-            <ac:spMk id="9" creationId="{D4771268-CB57-404A-9271-370EB28F6090}"/>
-          </ac:spMkLst>
-        </pc:spChg>
-        <pc:spChg chg="del">
-          <ac:chgData name="Ihor Aleksandrov" userId="c3051032-6b87-4db2-b257-777a0106fbd9" providerId="ADAL" clId="{543CC2C6-7ABF-48C5-8FEB-8FEABF903516}" dt="2024-01-25T15:24:35.336" v="34"/>
-          <ac:spMkLst>
-            <pc:docMk/>
-            <pc:sldMk cId="3615190178" sldId="305"/>
-            <ac:spMk id="24" creationId="{D4771268-CB57-404A-9271-370EB28F6090}"/>
-          </ac:spMkLst>
-        </pc:spChg>
-        <pc:picChg chg="mod">
-          <ac:chgData name="Ihor Aleksandrov" userId="c3051032-6b87-4db2-b257-777a0106fbd9" providerId="ADAL" clId="{543CC2C6-7ABF-48C5-8FEB-8FEABF903516}" dt="2024-01-25T15:24:44.506" v="37" actId="1076"/>
-          <ac:picMkLst>
-            <pc:docMk/>
-            <pc:sldMk cId="3615190178" sldId="305"/>
-            <ac:picMk id="4" creationId="{2A852FFB-4A92-5087-5B17-CDEC3DAD94D1}"/>
-          </ac:picMkLst>
-        </pc:picChg>
-      </pc:sldChg>
-      <pc:sldChg chg="del">
-        <pc:chgData name="Ihor Aleksandrov" userId="c3051032-6b87-4db2-b257-777a0106fbd9" providerId="ADAL" clId="{543CC2C6-7ABF-48C5-8FEB-8FEABF903516}" dt="2024-01-25T15:22:56.379" v="25" actId="2696"/>
-        <pc:sldMkLst>
-          <pc:docMk/>
-          <pc:sldMk cId="3734445878" sldId="305"/>
-        </pc:sldMkLst>
-      </pc:sldChg>
-      <pc:sldChg chg="del">
-        <pc:chgData name="Ihor Aleksandrov" userId="c3051032-6b87-4db2-b257-777a0106fbd9" providerId="ADAL" clId="{543CC2C6-7ABF-48C5-8FEB-8FEABF903516}" dt="2024-01-25T15:22:56.379" v="25" actId="2696"/>
-        <pc:sldMkLst>
-          <pc:docMk/>
-          <pc:sldMk cId="1774601108" sldId="306"/>
-        </pc:sldMkLst>
-      </pc:sldChg>
-      <pc:sldChg chg="addSp delSp modSp add mod setBg delDesignElem">
-        <pc:chgData name="Ihor Aleksandrov" userId="c3051032-6b87-4db2-b257-777a0106fbd9" providerId="ADAL" clId="{543CC2C6-7ABF-48C5-8FEB-8FEABF903516}" dt="2024-01-25T15:32:48.683" v="70" actId="1076"/>
-        <pc:sldMkLst>
-          <pc:docMk/>
-          <pc:sldMk cId="1836256656" sldId="306"/>
-        </pc:sldMkLst>
-        <pc:spChg chg="mod">
-          <ac:chgData name="Ihor Aleksandrov" userId="c3051032-6b87-4db2-b257-777a0106fbd9" providerId="ADAL" clId="{543CC2C6-7ABF-48C5-8FEB-8FEABF903516}" dt="2024-01-25T15:26:58.196" v="44" actId="26606"/>
-          <ac:spMkLst>
-            <pc:docMk/>
-            <pc:sldMk cId="1836256656" sldId="306"/>
-            <ac:spMk id="2" creationId="{53C5D828-9666-E312-B574-9FE965A7D6BE}"/>
-          </ac:spMkLst>
-        </pc:spChg>
-        <pc:spChg chg="mod ord">
-          <ac:chgData name="Ihor Aleksandrov" userId="c3051032-6b87-4db2-b257-777a0106fbd9" providerId="ADAL" clId="{543CC2C6-7ABF-48C5-8FEB-8FEABF903516}" dt="2024-01-25T15:26:58.196" v="44" actId="26606"/>
-          <ac:spMkLst>
-            <pc:docMk/>
-            <pc:sldMk cId="1836256656" sldId="306"/>
-            <ac:spMk id="3" creationId="{5AA19FA0-A765-8169-03F1-928E3EF7B595}"/>
-          </ac:spMkLst>
-        </pc:spChg>
-        <pc:spChg chg="add mod">
-          <ac:chgData name="Ihor Aleksandrov" userId="c3051032-6b87-4db2-b257-777a0106fbd9" providerId="ADAL" clId="{543CC2C6-7ABF-48C5-8FEB-8FEABF903516}" dt="2024-01-25T15:27:15.469" v="47" actId="1076"/>
-          <ac:spMkLst>
-            <pc:docMk/>
-            <pc:sldMk cId="1836256656" sldId="306"/>
-            <ac:spMk id="5" creationId="{E85CBB3D-041E-35D9-2468-93510A9E83FC}"/>
-          </ac:spMkLst>
-        </pc:spChg>
-        <pc:spChg chg="add">
-          <ac:chgData name="Ihor Aleksandrov" userId="c3051032-6b87-4db2-b257-777a0106fbd9" providerId="ADAL" clId="{543CC2C6-7ABF-48C5-8FEB-8FEABF903516}" dt="2024-01-25T15:26:58.196" v="44" actId="26606"/>
-          <ac:spMkLst>
-            <pc:docMk/>
-            <pc:sldMk cId="1836256656" sldId="306"/>
-            <ac:spMk id="12" creationId="{D4771268-CB57-404A-9271-370EB28F6090}"/>
-          </ac:spMkLst>
-        </pc:spChg>
-        <pc:spChg chg="del">
-          <ac:chgData name="Ihor Aleksandrov" userId="c3051032-6b87-4db2-b257-777a0106fbd9" providerId="ADAL" clId="{543CC2C6-7ABF-48C5-8FEB-8FEABF903516}" dt="2024-01-25T15:26:52.809" v="43"/>
-          <ac:spMkLst>
-            <pc:docMk/>
-            <pc:sldMk cId="1836256656" sldId="306"/>
-            <ac:spMk id="24" creationId="{D4771268-CB57-404A-9271-370EB28F6090}"/>
-          </ac:spMkLst>
-        </pc:spChg>
-        <pc:picChg chg="add mod">
-          <ac:chgData name="Ihor Aleksandrov" userId="c3051032-6b87-4db2-b257-777a0106fbd9" providerId="ADAL" clId="{543CC2C6-7ABF-48C5-8FEB-8FEABF903516}" dt="2024-01-25T15:32:48.683" v="70" actId="1076"/>
-          <ac:picMkLst>
-            <pc:docMk/>
-            <pc:sldMk cId="1836256656" sldId="306"/>
-            <ac:picMk id="6" creationId="{F6DDF002-BEAF-F47E-E493-34CBB721F142}"/>
-          </ac:picMkLst>
-        </pc:picChg>
-        <pc:picChg chg="del mod">
-          <ac:chgData name="Ihor Aleksandrov" userId="c3051032-6b87-4db2-b257-777a0106fbd9" providerId="ADAL" clId="{543CC2C6-7ABF-48C5-8FEB-8FEABF903516}" dt="2024-01-25T15:27:00.095" v="45" actId="478"/>
-          <ac:picMkLst>
-            <pc:docMk/>
-            <pc:sldMk cId="1836256656" sldId="306"/>
-            <ac:picMk id="7" creationId="{1F9EBC7C-BE04-D287-A7CB-C870F1A5B62C}"/>
-          </ac:picMkLst>
-        </pc:picChg>
-      </pc:sldChg>
-      <pc:sldChg chg="modSp mod">
-        <pc:chgData name="Ihor Aleksandrov" userId="c3051032-6b87-4db2-b257-777a0106fbd9" providerId="ADAL" clId="{543CC2C6-7ABF-48C5-8FEB-8FEABF903516}" dt="2024-01-25T15:02:03.601" v="0"/>
-        <pc:sldMkLst>
-          <pc:docMk/>
-          <pc:sldMk cId="2052164358" sldId="307"/>
-        </pc:sldMkLst>
-        <pc:spChg chg="mod">
-          <ac:chgData name="Ihor Aleksandrov" userId="c3051032-6b87-4db2-b257-777a0106fbd9" providerId="ADAL" clId="{543CC2C6-7ABF-48C5-8FEB-8FEABF903516}" dt="2024-01-25T15:02:03.601" v="0"/>
-          <ac:spMkLst>
-            <pc:docMk/>
-            <pc:sldMk cId="2052164358" sldId="307"/>
-            <ac:spMk id="2" creationId="{5DF8ECE0-DBF5-C309-B35B-C6A0C6C847B2}"/>
-          </ac:spMkLst>
-        </pc:spChg>
-      </pc:sldChg>
-      <pc:sldChg chg="addSp delSp modSp mod">
-        <pc:chgData name="Ihor Aleksandrov" userId="c3051032-6b87-4db2-b257-777a0106fbd9" providerId="ADAL" clId="{543CC2C6-7ABF-48C5-8FEB-8FEABF903516}" dt="2024-01-25T15:38:51.615" v="80" actId="478"/>
-        <pc:sldMkLst>
-          <pc:docMk/>
-          <pc:sldMk cId="2972731808" sldId="308"/>
-        </pc:sldMkLst>
-        <pc:spChg chg="add del mod">
-          <ac:chgData name="Ihor Aleksandrov" userId="c3051032-6b87-4db2-b257-777a0106fbd9" providerId="ADAL" clId="{543CC2C6-7ABF-48C5-8FEB-8FEABF903516}" dt="2024-01-25T15:38:51.615" v="80" actId="478"/>
-          <ac:spMkLst>
-            <pc:docMk/>
-            <pc:sldMk cId="2972731808" sldId="308"/>
-            <ac:spMk id="5" creationId="{B5C66924-DA5D-2A0C-588D-BB5649DE60E7}"/>
-          </ac:spMkLst>
-        </pc:spChg>
-        <pc:graphicFrameChg chg="add mod">
-          <ac:chgData name="Ihor Aleksandrov" userId="c3051032-6b87-4db2-b257-777a0106fbd9" providerId="ADAL" clId="{543CC2C6-7ABF-48C5-8FEB-8FEABF903516}" dt="2024-01-25T15:38:48.614" v="79"/>
-          <ac:graphicFrameMkLst>
-            <pc:docMk/>
-            <pc:sldMk cId="2972731808" sldId="308"/>
-            <ac:graphicFrameMk id="6" creationId="{0A25AD42-052A-793B-B420-809C33CC274D}"/>
-          </ac:graphicFrameMkLst>
-        </pc:graphicFrameChg>
-        <pc:graphicFrameChg chg="del">
-          <ac:chgData name="Ihor Aleksandrov" userId="c3051032-6b87-4db2-b257-777a0106fbd9" providerId="ADAL" clId="{543CC2C6-7ABF-48C5-8FEB-8FEABF903516}" dt="2024-01-25T15:38:47.393" v="78" actId="478"/>
-          <ac:graphicFrameMkLst>
-            <pc:docMk/>
-            <pc:sldMk cId="2972731808" sldId="308"/>
-            <ac:graphicFrameMk id="50" creationId="{438840ED-2B50-ED19-12CF-99B1789AE150}"/>
-          </ac:graphicFrameMkLst>
-        </pc:graphicFrameChg>
-      </pc:sldChg>
-      <pc:sldChg chg="addSp delSp modSp add mod setBg delDesignElem">
-        <pc:chgData name="Ihor Aleksandrov" userId="c3051032-6b87-4db2-b257-777a0106fbd9" providerId="ADAL" clId="{543CC2C6-7ABF-48C5-8FEB-8FEABF903516}" dt="2024-01-25T15:32:15.751" v="65" actId="1076"/>
-        <pc:sldMkLst>
-          <pc:docMk/>
-          <pc:sldMk cId="198741980" sldId="309"/>
-        </pc:sldMkLst>
-        <pc:spChg chg="mod">
-          <ac:chgData name="Ihor Aleksandrov" userId="c3051032-6b87-4db2-b257-777a0106fbd9" providerId="ADAL" clId="{543CC2C6-7ABF-48C5-8FEB-8FEABF903516}" dt="2024-01-25T15:29:41.303" v="50" actId="26606"/>
-          <ac:spMkLst>
-            <pc:docMk/>
-            <pc:sldMk cId="198741980" sldId="309"/>
-            <ac:spMk id="2" creationId="{53C5D828-9666-E312-B574-9FE965A7D6BE}"/>
-          </ac:spMkLst>
-        </pc:spChg>
-        <pc:spChg chg="mod ord">
-          <ac:chgData name="Ihor Aleksandrov" userId="c3051032-6b87-4db2-b257-777a0106fbd9" providerId="ADAL" clId="{543CC2C6-7ABF-48C5-8FEB-8FEABF903516}" dt="2024-01-25T15:29:41.303" v="50" actId="26606"/>
-          <ac:spMkLst>
-            <pc:docMk/>
-            <pc:sldMk cId="198741980" sldId="309"/>
-            <ac:spMk id="3" creationId="{5AA19FA0-A765-8169-03F1-928E3EF7B595}"/>
-          </ac:spMkLst>
-        </pc:spChg>
-        <pc:spChg chg="add mod">
-          <ac:chgData name="Ihor Aleksandrov" userId="c3051032-6b87-4db2-b257-777a0106fbd9" providerId="ADAL" clId="{543CC2C6-7ABF-48C5-8FEB-8FEABF903516}" dt="2024-01-25T15:30:01.878" v="57" actId="1076"/>
-          <ac:spMkLst>
-            <pc:docMk/>
-            <pc:sldMk cId="198741980" sldId="309"/>
-            <ac:spMk id="6" creationId="{412AFE14-BB8A-D88D-22AD-F324CABD2ECB}"/>
-          </ac:spMkLst>
-        </pc:spChg>
-        <pc:spChg chg="add">
-          <ac:chgData name="Ihor Aleksandrov" userId="c3051032-6b87-4db2-b257-777a0106fbd9" providerId="ADAL" clId="{543CC2C6-7ABF-48C5-8FEB-8FEABF903516}" dt="2024-01-25T15:29:41.303" v="50" actId="26606"/>
-          <ac:spMkLst>
-            <pc:docMk/>
-            <pc:sldMk cId="198741980" sldId="309"/>
-            <ac:spMk id="9" creationId="{D4771268-CB57-404A-9271-370EB28F6090}"/>
-          </ac:spMkLst>
-        </pc:spChg>
-        <pc:spChg chg="del">
-          <ac:chgData name="Ihor Aleksandrov" userId="c3051032-6b87-4db2-b257-777a0106fbd9" providerId="ADAL" clId="{543CC2C6-7ABF-48C5-8FEB-8FEABF903516}" dt="2024-01-25T15:29:36.930" v="49"/>
-          <ac:spMkLst>
-            <pc:docMk/>
-            <pc:sldMk cId="198741980" sldId="309"/>
-            <ac:spMk id="24" creationId="{D4771268-CB57-404A-9271-370EB28F6090}"/>
-          </ac:spMkLst>
-        </pc:spChg>
-        <pc:picChg chg="del mod">
-          <ac:chgData name="Ihor Aleksandrov" userId="c3051032-6b87-4db2-b257-777a0106fbd9" providerId="ADAL" clId="{543CC2C6-7ABF-48C5-8FEB-8FEABF903516}" dt="2024-01-25T15:29:43.702" v="51" actId="478"/>
-          <ac:picMkLst>
-            <pc:docMk/>
-            <pc:sldMk cId="198741980" sldId="309"/>
-            <ac:picMk id="4" creationId="{2F3456F0-6D67-01CE-D6B3-FC19AC71F944}"/>
-          </ac:picMkLst>
-        </pc:picChg>
-        <pc:picChg chg="add mod">
-          <ac:chgData name="Ihor Aleksandrov" userId="c3051032-6b87-4db2-b257-777a0106fbd9" providerId="ADAL" clId="{543CC2C6-7ABF-48C5-8FEB-8FEABF903516}" dt="2024-01-25T15:32:15.751" v="65" actId="1076"/>
-          <ac:picMkLst>
-            <pc:docMk/>
-            <pc:sldMk cId="198741980" sldId="309"/>
-            <ac:picMk id="7" creationId="{93C7CC7C-FAD9-32CF-6707-FC9E556AFF1D}"/>
-          </ac:picMkLst>
-        </pc:picChg>
-      </pc:sldChg>
-      <pc:sldChg chg="addSp delSp modSp add mod setBg delDesignElem">
-        <pc:chgData name="Ihor Aleksandrov" userId="c3051032-6b87-4db2-b257-777a0106fbd9" providerId="ADAL" clId="{543CC2C6-7ABF-48C5-8FEB-8FEABF903516}" dt="2024-01-25T15:33:10.090" v="74" actId="1076"/>
-        <pc:sldMkLst>
-          <pc:docMk/>
-          <pc:sldMk cId="2347286244" sldId="310"/>
-        </pc:sldMkLst>
-        <pc:spChg chg="mod">
-          <ac:chgData name="Ihor Aleksandrov" userId="c3051032-6b87-4db2-b257-777a0106fbd9" providerId="ADAL" clId="{543CC2C6-7ABF-48C5-8FEB-8FEABF903516}" dt="2024-01-25T15:31:53.714" v="60" actId="26606"/>
-          <ac:spMkLst>
-            <pc:docMk/>
-            <pc:sldMk cId="2347286244" sldId="310"/>
-            <ac:spMk id="2" creationId="{53C5D828-9666-E312-B574-9FE965A7D6BE}"/>
-          </ac:spMkLst>
-        </pc:spChg>
-        <pc:spChg chg="mod ord">
-          <ac:chgData name="Ihor Aleksandrov" userId="c3051032-6b87-4db2-b257-777a0106fbd9" providerId="ADAL" clId="{543CC2C6-7ABF-48C5-8FEB-8FEABF903516}" dt="2024-01-25T15:31:53.714" v="60" actId="26606"/>
-          <ac:spMkLst>
-            <pc:docMk/>
-            <pc:sldMk cId="2347286244" sldId="310"/>
-            <ac:spMk id="3" creationId="{5AA19FA0-A765-8169-03F1-928E3EF7B595}"/>
-          </ac:spMkLst>
-        </pc:spChg>
-        <pc:spChg chg="add mod">
-          <ac:chgData name="Ihor Aleksandrov" userId="c3051032-6b87-4db2-b257-777a0106fbd9" providerId="ADAL" clId="{543CC2C6-7ABF-48C5-8FEB-8FEABF903516}" dt="2024-01-25T15:33:10.090" v="74" actId="1076"/>
-          <ac:spMkLst>
-            <pc:docMk/>
-            <pc:sldMk cId="2347286244" sldId="310"/>
-            <ac:spMk id="5" creationId="{B48FA841-F3F0-710F-1055-97505D85F5FB}"/>
-          </ac:spMkLst>
-        </pc:spChg>
-        <pc:spChg chg="add">
-          <ac:chgData name="Ihor Aleksandrov" userId="c3051032-6b87-4db2-b257-777a0106fbd9" providerId="ADAL" clId="{543CC2C6-7ABF-48C5-8FEB-8FEABF903516}" dt="2024-01-25T15:31:53.714" v="60" actId="26606"/>
-          <ac:spMkLst>
-            <pc:docMk/>
-            <pc:sldMk cId="2347286244" sldId="310"/>
-            <ac:spMk id="11" creationId="{D4771268-CB57-404A-9271-370EB28F6090}"/>
-          </ac:spMkLst>
-        </pc:spChg>
-        <pc:spChg chg="del">
-          <ac:chgData name="Ihor Aleksandrov" userId="c3051032-6b87-4db2-b257-777a0106fbd9" providerId="ADAL" clId="{543CC2C6-7ABF-48C5-8FEB-8FEABF903516}" dt="2024-01-25T15:31:49.661" v="59"/>
-          <ac:spMkLst>
-            <pc:docMk/>
-            <pc:sldMk cId="2347286244" sldId="310"/>
-            <ac:spMk id="24" creationId="{D4771268-CB57-404A-9271-370EB28F6090}"/>
-          </ac:spMkLst>
-        </pc:spChg>
-        <pc:picChg chg="mod">
-          <ac:chgData name="Ihor Aleksandrov" userId="c3051032-6b87-4db2-b257-777a0106fbd9" providerId="ADAL" clId="{543CC2C6-7ABF-48C5-8FEB-8FEABF903516}" dt="2024-01-25T15:32:57.482" v="72" actId="1076"/>
-          <ac:picMkLst>
-            <pc:docMk/>
-            <pc:sldMk cId="2347286244" sldId="310"/>
-            <ac:picMk id="6" creationId="{0617AFD0-0603-925A-5FD5-56C87DFDAB14}"/>
-          </ac:picMkLst>
-        </pc:picChg>
-      </pc:sldChg>
-      <pc:sldMasterChg chg="del delSldLayout">
-        <pc:chgData name="Ihor Aleksandrov" userId="c3051032-6b87-4db2-b257-777a0106fbd9" providerId="ADAL" clId="{543CC2C6-7ABF-48C5-8FEB-8FEABF903516}" dt="2024-01-25T15:22:56.379" v="25" actId="2696"/>
-        <pc:sldMasterMkLst>
-          <pc:docMk/>
-          <pc:sldMasterMk cId="1579723609" sldId="2147483660"/>
-        </pc:sldMasterMkLst>
-        <pc:sldLayoutChg chg="del">
-          <pc:chgData name="Ihor Aleksandrov" userId="c3051032-6b87-4db2-b257-777a0106fbd9" providerId="ADAL" clId="{543CC2C6-7ABF-48C5-8FEB-8FEABF903516}" dt="2024-01-25T15:22:56.379" v="25" actId="2696"/>
-          <pc:sldLayoutMkLst>
-            <pc:docMk/>
-            <pc:sldMasterMk cId="1579723609" sldId="2147483660"/>
-            <pc:sldLayoutMk cId="1498987355" sldId="2147483662"/>
-          </pc:sldLayoutMkLst>
-        </pc:sldLayoutChg>
-      </pc:sldMasterChg>
     </pc:docChg>
   </pc:docChgLst>
 </pc:chgInfo>
@@ -10996,7 +10996,7 @@
           <a:p>
             <a:fld id="{EABA3F4B-EFF6-45E3-A6AB-4944039E81EC}" type="datetimeFigureOut">
               <a:rPr lang="ru-UA" smtClean="0"/>
-              <a:t>31.01.2024</a:t>
+              <a:t>03.02.2024</a:t>
             </a:fld>
             <a:endParaRPr lang="ru-UA"/>
           </a:p>
@@ -11413,7 +11413,7 @@
           <a:p>
             <a:fld id="{C75B975F-BA21-4E1C-99B6-ABED30F89540}" type="datetime1">
               <a:rPr lang="ru-UA" smtClean="0"/>
-              <a:t>31.01.2024</a:t>
+              <a:t>03.02.2024</a:t>
             </a:fld>
             <a:endParaRPr lang="ru-UA"/>
           </a:p>
@@ -11617,7 +11617,7 @@
           <a:p>
             <a:fld id="{D66328E5-C855-4166-8AD5-040012BE18D2}" type="datetime1">
               <a:rPr lang="ru-UA" smtClean="0"/>
-              <a:t>31.01.2024</a:t>
+              <a:t>03.02.2024</a:t>
             </a:fld>
             <a:endParaRPr lang="ru-UA"/>
           </a:p>
@@ -11831,7 +11831,7 @@
           <a:p>
             <a:fld id="{84DAB8F6-F46E-4246-80EF-DE02354418E7}" type="datetime1">
               <a:rPr lang="ru-UA" smtClean="0"/>
-              <a:t>31.01.2024</a:t>
+              <a:t>03.02.2024</a:t>
             </a:fld>
             <a:endParaRPr lang="ru-UA"/>
           </a:p>
@@ -12035,7 +12035,7 @@
           <a:p>
             <a:fld id="{8467C913-2051-48A1-86F2-D1DABB2E6F13}" type="datetime1">
               <a:rPr lang="ru-UA" smtClean="0"/>
-              <a:t>31.01.2024</a:t>
+              <a:t>03.02.2024</a:t>
             </a:fld>
             <a:endParaRPr lang="ru-UA"/>
           </a:p>
@@ -12315,7 +12315,7 @@
           <a:p>
             <a:fld id="{4343B6D0-012B-4BC7-8612-51CB74638584}" type="datetime1">
               <a:rPr lang="ru-UA" smtClean="0"/>
-              <a:t>31.01.2024</a:t>
+              <a:t>03.02.2024</a:t>
             </a:fld>
             <a:endParaRPr lang="ru-UA"/>
           </a:p>
@@ -12587,7 +12587,7 @@
           <a:p>
             <a:fld id="{DA3001A2-AE52-4B99-AC5B-08EC45DA8AD0}" type="datetime1">
               <a:rPr lang="ru-UA" smtClean="0"/>
-              <a:t>31.01.2024</a:t>
+              <a:t>03.02.2024</a:t>
             </a:fld>
             <a:endParaRPr lang="ru-UA"/>
           </a:p>
@@ -13006,7 +13006,7 @@
           <a:p>
             <a:fld id="{A27ADE6B-13FE-4183-AA7E-A7D12E19AD4E}" type="datetime1">
               <a:rPr lang="ru-UA" smtClean="0"/>
-              <a:t>31.01.2024</a:t>
+              <a:t>03.02.2024</a:t>
             </a:fld>
             <a:endParaRPr lang="ru-UA"/>
           </a:p>
@@ -13152,7 +13152,7 @@
           <a:p>
             <a:fld id="{F2FE09EF-E9B0-47B3-A956-B1218ACEB757}" type="datetime1">
               <a:rPr lang="ru-UA" smtClean="0"/>
-              <a:t>31.01.2024</a:t>
+              <a:t>03.02.2024</a:t>
             </a:fld>
             <a:endParaRPr lang="ru-UA"/>
           </a:p>
@@ -13269,7 +13269,7 @@
           <a:p>
             <a:fld id="{7C0BA055-DA58-45E6-8246-829A0C23A93B}" type="datetime1">
               <a:rPr lang="ru-UA" smtClean="0"/>
-              <a:t>31.01.2024</a:t>
+              <a:t>03.02.2024</a:t>
             </a:fld>
             <a:endParaRPr lang="ru-UA"/>
           </a:p>
@@ -13586,7 +13586,7 @@
           <a:p>
             <a:fld id="{6AED41DF-758F-4A6C-8E37-CA28871B2E5A}" type="datetime1">
               <a:rPr lang="ru-UA" smtClean="0"/>
-              <a:t>31.01.2024</a:t>
+              <a:t>03.02.2024</a:t>
             </a:fld>
             <a:endParaRPr lang="ru-UA"/>
           </a:p>
@@ -13879,7 +13879,7 @@
           <a:p>
             <a:fld id="{B092880E-860C-4927-A378-BCF65DB089C9}" type="datetime1">
               <a:rPr lang="ru-UA" smtClean="0"/>
-              <a:t>31.01.2024</a:t>
+              <a:t>03.02.2024</a:t>
             </a:fld>
             <a:endParaRPr lang="ru-UA"/>
           </a:p>
@@ -14126,7 +14126,7 @@
           <a:p>
             <a:fld id="{50344D1B-5235-486F-A999-CD74520911B6}" type="datetime1">
               <a:rPr lang="ru-UA" smtClean="0"/>
-              <a:t>31.01.2024</a:t>
+              <a:t>03.02.2024</a:t>
             </a:fld>
             <a:endParaRPr lang="ru-UA"/>
           </a:p>
@@ -15167,6 +15167,36 @@
           </a:p>
         </p:txBody>
       </p:sp>
+      <p:pic>
+        <p:nvPicPr>
+          <p:cNvPr id="4" name="Рисунок 3">
+            <a:extLst>
+              <a:ext uri="{FF2B5EF4-FFF2-40B4-BE49-F238E27FC236}">
+                <a16:creationId xmlns:a16="http://schemas.microsoft.com/office/drawing/2014/main" id="{DA79A4CA-2243-4268-8F8E-9DB4916D3B31}"/>
+              </a:ext>
+            </a:extLst>
+          </p:cNvPr>
+          <p:cNvPicPr>
+            <a:picLocks noChangeAspect="1"/>
+          </p:cNvPicPr>
+          <p:nvPr/>
+        </p:nvPicPr>
+        <p:blipFill>
+          <a:blip r:embed="rId2"/>
+          <a:stretch>
+            <a:fillRect/>
+          </a:stretch>
+        </p:blipFill>
+        <p:spPr>
+          <a:xfrm>
+            <a:off x="1712037" y="5200330"/>
+            <a:ext cx="852507" cy="382811"/>
+          </a:xfrm>
+          <a:prstGeom prst="rect">
+            <a:avLst/>
+          </a:prstGeom>
+        </p:spPr>
+      </p:pic>
     </p:spTree>
     <p:extLst>
       <p:ext uri="{BB962C8B-B14F-4D97-AF65-F5344CB8AC3E}">
@@ -15493,6 +15523,36 @@
           </a:p>
         </p:txBody>
       </p:sp>
+      <p:pic>
+        <p:nvPicPr>
+          <p:cNvPr id="4" name="Рисунок 3">
+            <a:extLst>
+              <a:ext uri="{FF2B5EF4-FFF2-40B4-BE49-F238E27FC236}">
+                <a16:creationId xmlns:a16="http://schemas.microsoft.com/office/drawing/2014/main" id="{68A2FB51-7487-42FA-BE70-70390B7BD354}"/>
+              </a:ext>
+            </a:extLst>
+          </p:cNvPr>
+          <p:cNvPicPr>
+            <a:picLocks noChangeAspect="1"/>
+          </p:cNvPicPr>
+          <p:nvPr/>
+        </p:nvPicPr>
+        <p:blipFill>
+          <a:blip r:embed="rId2"/>
+          <a:stretch>
+            <a:fillRect/>
+          </a:stretch>
+        </p:blipFill>
+        <p:spPr>
+          <a:xfrm>
+            <a:off x="1539307" y="5145434"/>
+            <a:ext cx="1144628" cy="585081"/>
+          </a:xfrm>
+          <a:prstGeom prst="rect">
+            <a:avLst/>
+          </a:prstGeom>
+        </p:spPr>
+      </p:pic>
     </p:spTree>
     <p:extLst>
       <p:ext uri="{BB962C8B-B14F-4D97-AF65-F5344CB8AC3E}">
@@ -15820,6 +15880,36 @@
           </a:p>
         </p:txBody>
       </p:sp>
+      <p:pic>
+        <p:nvPicPr>
+          <p:cNvPr id="9" name="Рисунок 8">
+            <a:extLst>
+              <a:ext uri="{FF2B5EF4-FFF2-40B4-BE49-F238E27FC236}">
+                <a16:creationId xmlns:a16="http://schemas.microsoft.com/office/drawing/2014/main" id="{B1600D7C-CA73-405C-846D-771C219CE5EA}"/>
+              </a:ext>
+            </a:extLst>
+          </p:cNvPr>
+          <p:cNvPicPr>
+            <a:picLocks noChangeAspect="1"/>
+          </p:cNvPicPr>
+          <p:nvPr/>
+        </p:nvPicPr>
+        <p:blipFill>
+          <a:blip r:embed="rId2"/>
+          <a:stretch>
+            <a:fillRect/>
+          </a:stretch>
+        </p:blipFill>
+        <p:spPr>
+          <a:xfrm>
+            <a:off x="1677655" y="5265545"/>
+            <a:ext cx="907018" cy="465277"/>
+          </a:xfrm>
+          <a:prstGeom prst="rect">
+            <a:avLst/>
+          </a:prstGeom>
+        </p:spPr>
+      </p:pic>
     </p:spTree>
     <p:extLst>
       <p:ext uri="{BB962C8B-B14F-4D97-AF65-F5344CB8AC3E}">
@@ -16157,6 +16247,36 @@
           </a:p>
         </p:txBody>
       </p:sp>
+      <p:pic>
+        <p:nvPicPr>
+          <p:cNvPr id="5" name="Рисунок 4">
+            <a:extLst>
+              <a:ext uri="{FF2B5EF4-FFF2-40B4-BE49-F238E27FC236}">
+                <a16:creationId xmlns:a16="http://schemas.microsoft.com/office/drawing/2014/main" id="{3D326E57-583F-46A8-A289-5CEEC25B56D5}"/>
+              </a:ext>
+            </a:extLst>
+          </p:cNvPr>
+          <p:cNvPicPr>
+            <a:picLocks noChangeAspect="1"/>
+          </p:cNvPicPr>
+          <p:nvPr/>
+        </p:nvPicPr>
+        <p:blipFill>
+          <a:blip r:embed="rId2"/>
+          <a:stretch>
+            <a:fillRect/>
+          </a:stretch>
+        </p:blipFill>
+        <p:spPr>
+          <a:xfrm>
+            <a:off x="1801902" y="5049555"/>
+            <a:ext cx="926631" cy="511425"/>
+          </a:xfrm>
+          <a:prstGeom prst="rect">
+            <a:avLst/>
+          </a:prstGeom>
+        </p:spPr>
+      </p:pic>
     </p:spTree>
     <p:extLst>
       <p:ext uri="{BB962C8B-B14F-4D97-AF65-F5344CB8AC3E}">
@@ -16458,6 +16578,36 @@
           </a:p>
         </p:txBody>
       </p:sp>
+      <p:pic>
+        <p:nvPicPr>
+          <p:cNvPr id="6" name="Рисунок 5">
+            <a:extLst>
+              <a:ext uri="{FF2B5EF4-FFF2-40B4-BE49-F238E27FC236}">
+                <a16:creationId xmlns:a16="http://schemas.microsoft.com/office/drawing/2014/main" id="{908C8509-C382-483B-8A12-E04487BA5452}"/>
+              </a:ext>
+            </a:extLst>
+          </p:cNvPr>
+          <p:cNvPicPr>
+            <a:picLocks noChangeAspect="1"/>
+          </p:cNvPicPr>
+          <p:nvPr/>
+        </p:nvPicPr>
+        <p:blipFill>
+          <a:blip r:embed="rId2"/>
+          <a:stretch>
+            <a:fillRect/>
+          </a:stretch>
+        </p:blipFill>
+        <p:spPr>
+          <a:xfrm>
+            <a:off x="1464287" y="5303553"/>
+            <a:ext cx="1219647" cy="328506"/>
+          </a:xfrm>
+          <a:prstGeom prst="rect">
+            <a:avLst/>
+          </a:prstGeom>
+        </p:spPr>
+      </p:pic>
     </p:spTree>
     <p:extLst>
       <p:ext uri="{BB962C8B-B14F-4D97-AF65-F5344CB8AC3E}">
@@ -16819,6 +16969,36 @@
           </a:p>
         </p:txBody>
       </p:sp>
+      <p:pic>
+        <p:nvPicPr>
+          <p:cNvPr id="5" name="Рисунок 4">
+            <a:extLst>
+              <a:ext uri="{FF2B5EF4-FFF2-40B4-BE49-F238E27FC236}">
+                <a16:creationId xmlns:a16="http://schemas.microsoft.com/office/drawing/2014/main" id="{5A320E3B-D623-4EDE-BF9F-1EFE387FE0CD}"/>
+              </a:ext>
+            </a:extLst>
+          </p:cNvPr>
+          <p:cNvPicPr>
+            <a:picLocks noChangeAspect="1"/>
+          </p:cNvPicPr>
+          <p:nvPr/>
+        </p:nvPicPr>
+        <p:blipFill>
+          <a:blip r:embed="rId2"/>
+          <a:stretch>
+            <a:fillRect/>
+          </a:stretch>
+        </p:blipFill>
+        <p:spPr>
+          <a:xfrm>
+            <a:off x="1511928" y="5283981"/>
+            <a:ext cx="1197531" cy="422658"/>
+          </a:xfrm>
+          <a:prstGeom prst="rect">
+            <a:avLst/>
+          </a:prstGeom>
+        </p:spPr>
+      </p:pic>
     </p:spTree>
     <p:extLst>
       <p:ext uri="{BB962C8B-B14F-4D97-AF65-F5344CB8AC3E}">
@@ -17119,6 +17299,36 @@
           </a:p>
         </p:txBody>
       </p:sp>
+      <p:pic>
+        <p:nvPicPr>
+          <p:cNvPr id="6" name="Рисунок 5">
+            <a:extLst>
+              <a:ext uri="{FF2B5EF4-FFF2-40B4-BE49-F238E27FC236}">
+                <a16:creationId xmlns:a16="http://schemas.microsoft.com/office/drawing/2014/main" id="{B9D691F6-B05B-4D8A-B087-009F9C56996C}"/>
+              </a:ext>
+            </a:extLst>
+          </p:cNvPr>
+          <p:cNvPicPr>
+            <a:picLocks noChangeAspect="1"/>
+          </p:cNvPicPr>
+          <p:nvPr/>
+        </p:nvPicPr>
+        <p:blipFill>
+          <a:blip r:embed="rId2"/>
+          <a:stretch>
+            <a:fillRect/>
+          </a:stretch>
+        </p:blipFill>
+        <p:spPr>
+          <a:xfrm>
+            <a:off x="1848057" y="5134368"/>
+            <a:ext cx="699823" cy="365125"/>
+          </a:xfrm>
+          <a:prstGeom prst="rect">
+            <a:avLst/>
+          </a:prstGeom>
+        </p:spPr>
+      </p:pic>
     </p:spTree>
     <p:extLst>
       <p:ext uri="{BB962C8B-B14F-4D97-AF65-F5344CB8AC3E}">
@@ -17526,6 +17736,36 @@
           </a:p>
         </p:txBody>
       </p:sp>
+      <p:pic>
+        <p:nvPicPr>
+          <p:cNvPr id="5" name="Рисунок 4">
+            <a:extLst>
+              <a:ext uri="{FF2B5EF4-FFF2-40B4-BE49-F238E27FC236}">
+                <a16:creationId xmlns:a16="http://schemas.microsoft.com/office/drawing/2014/main" id="{645BFC97-8BDF-4793-B3C0-87AD4E4F9CE4}"/>
+              </a:ext>
+            </a:extLst>
+          </p:cNvPr>
+          <p:cNvPicPr>
+            <a:picLocks noChangeAspect="1"/>
+          </p:cNvPicPr>
+          <p:nvPr/>
+        </p:nvPicPr>
+        <p:blipFill>
+          <a:blip r:embed="rId2"/>
+          <a:stretch>
+            <a:fillRect/>
+          </a:stretch>
+        </p:blipFill>
+        <p:spPr>
+          <a:xfrm>
+            <a:off x="1747316" y="5054515"/>
+            <a:ext cx="1038218" cy="458932"/>
+          </a:xfrm>
+          <a:prstGeom prst="rect">
+            <a:avLst/>
+          </a:prstGeom>
+        </p:spPr>
+      </p:pic>
     </p:spTree>
     <p:extLst>
       <p:ext uri="{BB962C8B-B14F-4D97-AF65-F5344CB8AC3E}">
@@ -17764,6 +18004,36 @@
           </a:p>
         </p:txBody>
       </p:sp>
+      <p:pic>
+        <p:nvPicPr>
+          <p:cNvPr id="5" name="Рисунок 4">
+            <a:extLst>
+              <a:ext uri="{FF2B5EF4-FFF2-40B4-BE49-F238E27FC236}">
+                <a16:creationId xmlns:a16="http://schemas.microsoft.com/office/drawing/2014/main" id="{FA438C68-5E0B-4ECE-92F5-477D6C49E697}"/>
+              </a:ext>
+            </a:extLst>
+          </p:cNvPr>
+          <p:cNvPicPr>
+            <a:picLocks noChangeAspect="1"/>
+          </p:cNvPicPr>
+          <p:nvPr/>
+        </p:nvPicPr>
+        <p:blipFill>
+          <a:blip r:embed="rId2"/>
+          <a:stretch>
+            <a:fillRect/>
+          </a:stretch>
+        </p:blipFill>
+        <p:spPr>
+          <a:xfrm>
+            <a:off x="1720272" y="5097620"/>
+            <a:ext cx="965200" cy="506730"/>
+          </a:xfrm>
+          <a:prstGeom prst="rect">
+            <a:avLst/>
+          </a:prstGeom>
+        </p:spPr>
+      </p:pic>
     </p:spTree>
     <p:extLst>
       <p:ext uri="{BB962C8B-B14F-4D97-AF65-F5344CB8AC3E}">
@@ -20372,6 +20642,36 @@
           </a:p>
         </p:txBody>
       </p:sp>
+      <p:pic>
+        <p:nvPicPr>
+          <p:cNvPr id="4" name="Рисунок 3">
+            <a:extLst>
+              <a:ext uri="{FF2B5EF4-FFF2-40B4-BE49-F238E27FC236}">
+                <a16:creationId xmlns:a16="http://schemas.microsoft.com/office/drawing/2014/main" id="{F919484A-3AC9-4030-BED8-B0464C71AB65}"/>
+              </a:ext>
+            </a:extLst>
+          </p:cNvPr>
+          <p:cNvPicPr>
+            <a:picLocks noChangeAspect="1"/>
+          </p:cNvPicPr>
+          <p:nvPr/>
+        </p:nvPicPr>
+        <p:blipFill>
+          <a:blip r:embed="rId2"/>
+          <a:stretch>
+            <a:fillRect/>
+          </a:stretch>
+        </p:blipFill>
+        <p:spPr>
+          <a:xfrm>
+            <a:off x="1870779" y="5122157"/>
+            <a:ext cx="596195" cy="357717"/>
+          </a:xfrm>
+          <a:prstGeom prst="rect">
+            <a:avLst/>
+          </a:prstGeom>
+        </p:spPr>
+      </p:pic>
     </p:spTree>
     <p:extLst>
       <p:ext uri="{BB962C8B-B14F-4D97-AF65-F5344CB8AC3E}">
@@ -22039,6 +22339,36 @@
           </a:p>
         </p:txBody>
       </p:sp>
+      <p:pic>
+        <p:nvPicPr>
+          <p:cNvPr id="5" name="Рисунок 4">
+            <a:extLst>
+              <a:ext uri="{FF2B5EF4-FFF2-40B4-BE49-F238E27FC236}">
+                <a16:creationId xmlns:a16="http://schemas.microsoft.com/office/drawing/2014/main" id="{4D47DFDB-989D-4A86-84A9-2AC919A07BD1}"/>
+              </a:ext>
+            </a:extLst>
+          </p:cNvPr>
+          <p:cNvPicPr>
+            <a:picLocks noChangeAspect="1"/>
+          </p:cNvPicPr>
+          <p:nvPr/>
+        </p:nvPicPr>
+        <p:blipFill>
+          <a:blip r:embed="rId2"/>
+          <a:stretch>
+            <a:fillRect/>
+          </a:stretch>
+        </p:blipFill>
+        <p:spPr>
+          <a:xfrm>
+            <a:off x="1895727" y="5148342"/>
+            <a:ext cx="447423" cy="531632"/>
+          </a:xfrm>
+          <a:prstGeom prst="rect">
+            <a:avLst/>
+          </a:prstGeom>
+        </p:spPr>
+      </p:pic>
     </p:spTree>
     <p:extLst>
       <p:ext uri="{BB962C8B-B14F-4D97-AF65-F5344CB8AC3E}">
@@ -22338,6 +22668,53 @@
           </a:p>
         </p:txBody>
       </p:sp>
+      <p:pic>
+        <p:nvPicPr>
+          <p:cNvPr id="1026" name="Picture 2" descr="DevOps] Infrastructure Provisioning — Multiple Environment Deployment with  Terraform Workspaces &amp; Terraform Variables. | by Tonytruong | DevOps.dev">
+            <a:extLst>
+              <a:ext uri="{FF2B5EF4-FFF2-40B4-BE49-F238E27FC236}">
+                <a16:creationId xmlns:a16="http://schemas.microsoft.com/office/drawing/2014/main" id="{11D264DC-AAF8-42D9-8E59-19FD845D5A3C}"/>
+              </a:ext>
+            </a:extLst>
+          </p:cNvPr>
+          <p:cNvPicPr>
+            <a:picLocks noChangeAspect="1" noChangeArrowheads="1"/>
+          </p:cNvPicPr>
+          <p:nvPr/>
+        </p:nvPicPr>
+        <p:blipFill>
+          <a:blip r:embed="rId2">
+            <a:extLst>
+              <a:ext uri="{28A0092B-C50C-407E-A947-70E740481C1C}">
+                <a14:useLocalDpi xmlns:a14="http://schemas.microsoft.com/office/drawing/2010/main" val="0"/>
+              </a:ext>
+            </a:extLst>
+          </a:blip>
+          <a:srcRect/>
+          <a:stretch>
+            <a:fillRect/>
+          </a:stretch>
+        </p:blipFill>
+        <p:spPr bwMode="auto">
+          <a:xfrm>
+            <a:off x="1735667" y="5212127"/>
+            <a:ext cx="939800" cy="528638"/>
+          </a:xfrm>
+          <a:prstGeom prst="rect">
+            <a:avLst/>
+          </a:prstGeom>
+          <a:noFill/>
+          <a:extLst>
+            <a:ext uri="{909E8E84-426E-40DD-AFC4-6F175D3DCCD1}">
+              <a14:hiddenFill xmlns:a14="http://schemas.microsoft.com/office/drawing/2010/main">
+                <a:solidFill>
+                  <a:srgbClr val="FFFFFF"/>
+                </a:solidFill>
+              </a14:hiddenFill>
+            </a:ext>
+          </a:extLst>
+        </p:spPr>
+      </p:pic>
     </p:spTree>
     <p:extLst>
       <p:ext uri="{BB962C8B-B14F-4D97-AF65-F5344CB8AC3E}">
@@ -22670,6 +23047,53 @@
           </a:p>
         </p:txBody>
       </p:sp>
+      <p:pic>
+        <p:nvPicPr>
+          <p:cNvPr id="2050" name="Picture 2" descr="Terraform tfstate - javatpoint">
+            <a:extLst>
+              <a:ext uri="{FF2B5EF4-FFF2-40B4-BE49-F238E27FC236}">
+                <a16:creationId xmlns:a16="http://schemas.microsoft.com/office/drawing/2014/main" id="{4D610CEE-C197-4F41-A3E8-7E4DDBE1D7B6}"/>
+              </a:ext>
+            </a:extLst>
+          </p:cNvPr>
+          <p:cNvPicPr>
+            <a:picLocks noChangeAspect="1" noChangeArrowheads="1"/>
+          </p:cNvPicPr>
+          <p:nvPr/>
+        </p:nvPicPr>
+        <p:blipFill>
+          <a:blip r:embed="rId2">
+            <a:extLst>
+              <a:ext uri="{28A0092B-C50C-407E-A947-70E740481C1C}">
+                <a14:useLocalDpi xmlns:a14="http://schemas.microsoft.com/office/drawing/2010/main" val="0"/>
+              </a:ext>
+            </a:extLst>
+          </a:blip>
+          <a:srcRect/>
+          <a:stretch>
+            <a:fillRect/>
+          </a:stretch>
+        </p:blipFill>
+        <p:spPr bwMode="auto">
+          <a:xfrm>
+            <a:off x="1895475" y="5385198"/>
+            <a:ext cx="895350" cy="493722"/>
+          </a:xfrm>
+          <a:prstGeom prst="rect">
+            <a:avLst/>
+          </a:prstGeom>
+          <a:noFill/>
+          <a:extLst>
+            <a:ext uri="{909E8E84-426E-40DD-AFC4-6F175D3DCCD1}">
+              <a14:hiddenFill xmlns:a14="http://schemas.microsoft.com/office/drawing/2010/main">
+                <a:solidFill>
+                  <a:srgbClr val="FFFFFF"/>
+                </a:solidFill>
+              </a14:hiddenFill>
+            </a:ext>
+          </a:extLst>
+        </p:spPr>
+      </p:pic>
     </p:spTree>
     <p:extLst>
       <p:ext uri="{BB962C8B-B14F-4D97-AF65-F5344CB8AC3E}">

--- a/Step05-Infrastructure_as_a_Code_speach.pptx
+++ b/Step05-Infrastructure_as_a_Code_speach.pptx
@@ -11411,7 +11411,7 @@
           <a:bodyPr/>
           <a:lstStyle/>
           <a:p>
-            <a:fld id="{C75B975F-BA21-4E1C-99B6-ABED30F89540}" type="datetime1">
+            <a:fld id="{BEDA47D5-8BBD-4DB6-82D1-74A4FCAD1029}" type="datetime1">
               <a:rPr lang="ru-UA" smtClean="0"/>
               <a:t>03.02.2024</a:t>
             </a:fld>
@@ -11442,7 +11442,7 @@
           <a:p>
             <a:r>
               <a:rPr lang="es-ES"/>
-              <a:t>Step 1 - Model - ver. 1</a:t>
+              <a:t>Step 5. Infrastructure as a Code - ver. 1</a:t>
             </a:r>
             <a:endParaRPr lang="ru-UA"/>
           </a:p>
@@ -11615,7 +11615,7 @@
           <a:bodyPr/>
           <a:lstStyle/>
           <a:p>
-            <a:fld id="{D66328E5-C855-4166-8AD5-040012BE18D2}" type="datetime1">
+            <a:fld id="{77F8D744-C4C1-4D27-8E46-47CA34DF035D}" type="datetime1">
               <a:rPr lang="ru-UA" smtClean="0"/>
               <a:t>03.02.2024</a:t>
             </a:fld>
@@ -11646,7 +11646,7 @@
           <a:p>
             <a:r>
               <a:rPr lang="es-ES"/>
-              <a:t>Step 1 - Model - ver. 1</a:t>
+              <a:t>Step 5. Infrastructure as a Code - ver. 1</a:t>
             </a:r>
             <a:endParaRPr lang="ru-UA"/>
           </a:p>
@@ -11829,7 +11829,7 @@
           <a:bodyPr/>
           <a:lstStyle/>
           <a:p>
-            <a:fld id="{84DAB8F6-F46E-4246-80EF-DE02354418E7}" type="datetime1">
+            <a:fld id="{AD1B4AF8-A76A-4F48-9997-58FBAB9C0749}" type="datetime1">
               <a:rPr lang="ru-UA" smtClean="0"/>
               <a:t>03.02.2024</a:t>
             </a:fld>
@@ -11860,7 +11860,7 @@
           <a:p>
             <a:r>
               <a:rPr lang="es-ES"/>
-              <a:t>Step 1 - Model - ver. 1</a:t>
+              <a:t>Step 5. Infrastructure as a Code - ver. 1</a:t>
             </a:r>
             <a:endParaRPr lang="ru-UA"/>
           </a:p>
@@ -12033,7 +12033,7 @@
           <a:bodyPr/>
           <a:lstStyle/>
           <a:p>
-            <a:fld id="{8467C913-2051-48A1-86F2-D1DABB2E6F13}" type="datetime1">
+            <a:fld id="{852A57C3-99C8-4A44-AB1C-84D382A0E091}" type="datetime1">
               <a:rPr lang="ru-UA" smtClean="0"/>
               <a:t>03.02.2024</a:t>
             </a:fld>
@@ -12064,7 +12064,7 @@
           <a:p>
             <a:r>
               <a:rPr lang="es-ES"/>
-              <a:t>Step 1 - Model - ver. 1</a:t>
+              <a:t>Step 5. Infrastructure as a Code - ver. 1</a:t>
             </a:r>
             <a:endParaRPr lang="ru-UA"/>
           </a:p>
@@ -12313,7 +12313,7 @@
           <a:bodyPr/>
           <a:lstStyle/>
           <a:p>
-            <a:fld id="{4343B6D0-012B-4BC7-8612-51CB74638584}" type="datetime1">
+            <a:fld id="{ACA42FB2-D8B5-4DDA-8CA0-922E4C075079}" type="datetime1">
               <a:rPr lang="ru-UA" smtClean="0"/>
               <a:t>03.02.2024</a:t>
             </a:fld>
@@ -12344,7 +12344,7 @@
           <a:p>
             <a:r>
               <a:rPr lang="es-ES"/>
-              <a:t>Step 1 - Model - ver. 1</a:t>
+              <a:t>Step 5. Infrastructure as a Code - ver. 1</a:t>
             </a:r>
             <a:endParaRPr lang="ru-UA"/>
           </a:p>
@@ -12585,7 +12585,7 @@
           <a:bodyPr/>
           <a:lstStyle/>
           <a:p>
-            <a:fld id="{DA3001A2-AE52-4B99-AC5B-08EC45DA8AD0}" type="datetime1">
+            <a:fld id="{CCCFD07C-1E5A-47EB-B6D6-9E333B9363F3}" type="datetime1">
               <a:rPr lang="ru-UA" smtClean="0"/>
               <a:t>03.02.2024</a:t>
             </a:fld>
@@ -12616,7 +12616,7 @@
           <a:p>
             <a:r>
               <a:rPr lang="es-ES"/>
-              <a:t>Step 1 - Model - ver. 1</a:t>
+              <a:t>Step 5. Infrastructure as a Code - ver. 1</a:t>
             </a:r>
             <a:endParaRPr lang="ru-UA"/>
           </a:p>
@@ -13004,7 +13004,7 @@
           <a:bodyPr/>
           <a:lstStyle/>
           <a:p>
-            <a:fld id="{A27ADE6B-13FE-4183-AA7E-A7D12E19AD4E}" type="datetime1">
+            <a:fld id="{0DD86E25-271D-4AC0-B612-7FA4D6111A2F}" type="datetime1">
               <a:rPr lang="ru-UA" smtClean="0"/>
               <a:t>03.02.2024</a:t>
             </a:fld>
@@ -13035,7 +13035,7 @@
           <a:p>
             <a:r>
               <a:rPr lang="es-ES"/>
-              <a:t>Step 1 - Model - ver. 1</a:t>
+              <a:t>Step 5. Infrastructure as a Code - ver. 1</a:t>
             </a:r>
             <a:endParaRPr lang="ru-UA"/>
           </a:p>
@@ -13150,7 +13150,7 @@
           <a:bodyPr/>
           <a:lstStyle/>
           <a:p>
-            <a:fld id="{F2FE09EF-E9B0-47B3-A956-B1218ACEB757}" type="datetime1">
+            <a:fld id="{07AD2369-174A-4E2D-9CBD-39574CC817C5}" type="datetime1">
               <a:rPr lang="ru-UA" smtClean="0"/>
               <a:t>03.02.2024</a:t>
             </a:fld>
@@ -13181,7 +13181,7 @@
           <a:p>
             <a:r>
               <a:rPr lang="es-ES"/>
-              <a:t>Step 1 - Model - ver. 1</a:t>
+              <a:t>Step 5. Infrastructure as a Code - ver. 1</a:t>
             </a:r>
             <a:endParaRPr lang="ru-UA"/>
           </a:p>
@@ -13267,7 +13267,7 @@
           <a:bodyPr/>
           <a:lstStyle/>
           <a:p>
-            <a:fld id="{7C0BA055-DA58-45E6-8246-829A0C23A93B}" type="datetime1">
+            <a:fld id="{F7F25501-08CD-4158-8804-27273FF88280}" type="datetime1">
               <a:rPr lang="ru-UA" smtClean="0"/>
               <a:t>03.02.2024</a:t>
             </a:fld>
@@ -13298,7 +13298,7 @@
           <a:p>
             <a:r>
               <a:rPr lang="es-ES"/>
-              <a:t>Step 1 - Model - ver. 1</a:t>
+              <a:t>Step 5. Infrastructure as a Code - ver. 1</a:t>
             </a:r>
             <a:endParaRPr lang="ru-UA"/>
           </a:p>
@@ -13584,7 +13584,7 @@
           <a:bodyPr/>
           <a:lstStyle/>
           <a:p>
-            <a:fld id="{6AED41DF-758F-4A6C-8E37-CA28871B2E5A}" type="datetime1">
+            <a:fld id="{A360B789-F48A-423E-8DA0-52FC575B2AFF}" type="datetime1">
               <a:rPr lang="ru-UA" smtClean="0"/>
               <a:t>03.02.2024</a:t>
             </a:fld>
@@ -13615,7 +13615,7 @@
           <a:p>
             <a:r>
               <a:rPr lang="es-ES"/>
-              <a:t>Step 1 - Model - ver. 1</a:t>
+              <a:t>Step 5. Infrastructure as a Code - ver. 1</a:t>
             </a:r>
             <a:endParaRPr lang="ru-UA"/>
           </a:p>
@@ -13877,7 +13877,7 @@
           <a:bodyPr/>
           <a:lstStyle/>
           <a:p>
-            <a:fld id="{B092880E-860C-4927-A378-BCF65DB089C9}" type="datetime1">
+            <a:fld id="{C28C34E8-46DD-4F68-A9D4-E2A503417006}" type="datetime1">
               <a:rPr lang="ru-UA" smtClean="0"/>
               <a:t>03.02.2024</a:t>
             </a:fld>
@@ -13908,7 +13908,7 @@
           <a:p>
             <a:r>
               <a:rPr lang="es-ES"/>
-              <a:t>Step 1 - Model - ver. 1</a:t>
+              <a:t>Step 5. Infrastructure as a Code - ver. 1</a:t>
             </a:r>
             <a:endParaRPr lang="ru-UA"/>
           </a:p>
@@ -14124,7 +14124,7 @@
             </a:lvl1pPr>
           </a:lstStyle>
           <a:p>
-            <a:fld id="{50344D1B-5235-486F-A999-CD74520911B6}" type="datetime1">
+            <a:fld id="{55F1977D-6F73-440F-B0AA-E1452C5B5DB1}" type="datetime1">
               <a:rPr lang="ru-UA" smtClean="0"/>
               <a:t>03.02.2024</a:t>
             </a:fld>
@@ -14173,7 +14173,7 @@
           <a:p>
             <a:r>
               <a:rPr lang="es-ES"/>
-              <a:t>Step 1 - Model - ver. 1</a:t>
+              <a:t>Step 5. Infrastructure as a Code - ver. 1</a:t>
             </a:r>
             <a:endParaRPr lang="ru-UA"/>
           </a:p>
@@ -14819,7 +14819,7 @@
         </p:spPr>
         <p:txBody>
           <a:bodyPr anchor="ctr">
-            <a:normAutofit/>
+            <a:normAutofit fontScale="92500" lnSpcReduction="10000"/>
           </a:bodyPr>
           <a:lstStyle/>
           <a:p>
@@ -14834,7 +14834,7 @@
                   <a:schemeClr val="tx1"/>
                 </a:solidFill>
               </a:rPr>
-              <a:t>Step 1 - Model - ver. 1</a:t>
+              <a:t>Step 5. Infrastructure as a Code - ver. 1</a:t>
             </a:r>
             <a:endParaRPr lang="ru-UA" sz="900">
               <a:solidFill>
@@ -15041,7 +15041,7 @@
                 <a:ea typeface="+mn-ea"/>
                 <a:cs typeface="+mn-cs"/>
               </a:rPr>
-              <a:t>Step 1 - Model - ver. 1</a:t>
+              <a:t>Step 5. Infrastructure as a Code - ver. 1</a:t>
             </a:r>
           </a:p>
         </p:txBody>
@@ -15394,7 +15394,7 @@
                 <a:ea typeface="+mn-ea"/>
                 <a:cs typeface="+mn-cs"/>
               </a:rPr>
-              <a:t>Step 1 - Model - ver. 1</a:t>
+              <a:t>Step 5. Infrastructure as a Code - ver. 1</a:t>
             </a:r>
           </a:p>
         </p:txBody>
@@ -15750,7 +15750,7 @@
                 <a:ea typeface="+mn-ea"/>
                 <a:cs typeface="+mn-cs"/>
               </a:rPr>
-              <a:t>Step 1 - Model - ver. 1</a:t>
+              <a:t>Step 5. Infrastructure as a Code - ver. 1</a:t>
             </a:r>
           </a:p>
         </p:txBody>
@@ -16107,7 +16107,7 @@
                 <a:ea typeface="+mn-ea"/>
                 <a:cs typeface="+mn-cs"/>
               </a:rPr>
-              <a:t>Step 1 - Model - ver. 1</a:t>
+              <a:t>Step 5. Infrastructure as a Code - ver. 1</a:t>
             </a:r>
           </a:p>
         </p:txBody>
@@ -16474,7 +16474,7 @@
                 <a:ea typeface="+mn-ea"/>
                 <a:cs typeface="+mn-cs"/>
               </a:rPr>
-              <a:t>Step 1 - Model - ver. 1</a:t>
+              <a:t>Step 5. Infrastructure as a Code - ver. 1</a:t>
             </a:r>
           </a:p>
         </p:txBody>
@@ -16795,7 +16795,7 @@
               </a:spcAft>
             </a:pPr>
             <a:r>
-              <a:rPr lang="en-US" kern="1200" dirty="0">
+              <a:rPr lang="en-US" kern="1200">
                 <a:solidFill>
                   <a:schemeClr val="tx1">
                     <a:alpha val="80000"/>
@@ -16805,8 +16805,18 @@
                 <a:ea typeface="+mn-ea"/>
                 <a:cs typeface="+mn-cs"/>
               </a:rPr>
-              <a:t>Step 1 - Model - ver. 1</a:t>
-            </a:r>
+              <a:t>Step 5. Infrastructure as a Code - ver. 1</a:t>
+            </a:r>
+            <a:endParaRPr lang="en-US" kern="1200" dirty="0">
+              <a:solidFill>
+                <a:schemeClr val="tx1">
+                  <a:alpha val="80000"/>
+                </a:schemeClr>
+              </a:solidFill>
+              <a:latin typeface="+mn-lt"/>
+              <a:ea typeface="+mn-ea"/>
+              <a:cs typeface="+mn-cs"/>
+            </a:endParaRPr>
           </a:p>
         </p:txBody>
       </p:sp>
@@ -17186,7 +17196,7 @@
               </a:spcAft>
             </a:pPr>
             <a:r>
-              <a:rPr lang="en-US" kern="1200" dirty="0">
+              <a:rPr lang="en-US" kern="1200">
                 <a:solidFill>
                   <a:schemeClr val="tx1">
                     <a:alpha val="80000"/>
@@ -17196,8 +17206,18 @@
                 <a:ea typeface="+mn-ea"/>
                 <a:cs typeface="+mn-cs"/>
               </a:rPr>
-              <a:t>Step 1 - Model - ver. 1</a:t>
-            </a:r>
+              <a:t>Step 5. Infrastructure as a Code - ver. 1</a:t>
+            </a:r>
+            <a:endParaRPr lang="en-US" kern="1200" dirty="0">
+              <a:solidFill>
+                <a:schemeClr val="tx1">
+                  <a:alpha val="80000"/>
+                </a:schemeClr>
+              </a:solidFill>
+              <a:latin typeface="+mn-lt"/>
+              <a:ea typeface="+mn-ea"/>
+              <a:cs typeface="+mn-cs"/>
+            </a:endParaRPr>
           </a:p>
         </p:txBody>
       </p:sp>
@@ -17516,7 +17536,7 @@
               </a:spcAft>
             </a:pPr>
             <a:r>
-              <a:rPr lang="en-US" kern="1200" dirty="0">
+              <a:rPr lang="en-US" kern="1200">
                 <a:solidFill>
                   <a:schemeClr val="tx1">
                     <a:alpha val="80000"/>
@@ -17526,8 +17546,18 @@
                 <a:ea typeface="+mn-ea"/>
                 <a:cs typeface="+mn-cs"/>
               </a:rPr>
-              <a:t>Step 1 - Model - ver. 1</a:t>
-            </a:r>
+              <a:t>Step 5. Infrastructure as a Code - ver. 1</a:t>
+            </a:r>
+            <a:endParaRPr lang="en-US" kern="1200" dirty="0">
+              <a:solidFill>
+                <a:schemeClr val="tx1">
+                  <a:alpha val="80000"/>
+                </a:schemeClr>
+              </a:solidFill>
+              <a:latin typeface="+mn-lt"/>
+              <a:ea typeface="+mn-ea"/>
+              <a:cs typeface="+mn-cs"/>
+            </a:endParaRPr>
           </a:p>
         </p:txBody>
       </p:sp>
@@ -17953,7 +17983,7 @@
               </a:spcAft>
             </a:pPr>
             <a:r>
-              <a:rPr lang="en-US" kern="1200" dirty="0">
+              <a:rPr lang="en-US" kern="1200">
                 <a:solidFill>
                   <a:schemeClr val="tx1">
                     <a:alpha val="80000"/>
@@ -17963,8 +17993,18 @@
                 <a:ea typeface="+mn-ea"/>
                 <a:cs typeface="+mn-cs"/>
               </a:rPr>
-              <a:t>Step 1 - Model - ver. 1</a:t>
-            </a:r>
+              <a:t>Step 5. Infrastructure as a Code - ver. 1</a:t>
+            </a:r>
+            <a:endParaRPr lang="en-US" kern="1200" dirty="0">
+              <a:solidFill>
+                <a:schemeClr val="tx1">
+                  <a:alpha val="80000"/>
+                </a:schemeClr>
+              </a:solidFill>
+              <a:latin typeface="+mn-lt"/>
+              <a:ea typeface="+mn-ea"/>
+              <a:cs typeface="+mn-cs"/>
+            </a:endParaRPr>
           </a:p>
         </p:txBody>
       </p:sp>
@@ -18272,7 +18312,7 @@
         </p:spPr>
         <p:txBody>
           <a:bodyPr anchor="ctr">
-            <a:normAutofit/>
+            <a:normAutofit fontScale="92500" lnSpcReduction="10000"/>
           </a:bodyPr>
           <a:lstStyle/>
           <a:p>
@@ -18287,7 +18327,7 @@
                   <a:schemeClr val="bg1"/>
                 </a:solidFill>
               </a:rPr>
-              <a:t>Step 1 - Model - ver. 1</a:t>
+              <a:t>Step 5. Infrastructure as a Code - ver. 1</a:t>
             </a:r>
             <a:endParaRPr lang="ru-UA" sz="900">
               <a:solidFill>
@@ -18751,7 +18791,7 @@
         </p:spPr>
         <p:txBody>
           <a:bodyPr anchor="ctr">
-            <a:normAutofit/>
+            <a:normAutofit fontScale="92500" lnSpcReduction="10000"/>
           </a:bodyPr>
           <a:lstStyle/>
           <a:p>
@@ -18766,7 +18806,7 @@
                   <a:schemeClr val="bg1"/>
                 </a:solidFill>
               </a:rPr>
-              <a:t>Step 1 - Model - ver. 1</a:t>
+              <a:t>Step 5. Infrastructure as a Code - ver. 1</a:t>
             </a:r>
             <a:endParaRPr lang="ru-UA" sz="900">
               <a:solidFill>
@@ -19034,7 +19074,7 @@
               </a:spcAft>
             </a:pPr>
             <a:r>
-              <a:rPr lang="en-US" kern="1200" dirty="0">
+              <a:rPr lang="en-US" kern="1200">
                 <a:solidFill>
                   <a:schemeClr val="tx1">
                     <a:alpha val="80000"/>
@@ -19044,8 +19084,18 @@
                 <a:ea typeface="+mn-ea"/>
                 <a:cs typeface="+mn-cs"/>
               </a:rPr>
-              <a:t>Step 1 - Model - ver. 1</a:t>
-            </a:r>
+              <a:t>Step 5. Infrastructure as a Code - ver. 1</a:t>
+            </a:r>
+            <a:endParaRPr lang="en-US" kern="1200" dirty="0">
+              <a:solidFill>
+                <a:schemeClr val="tx1">
+                  <a:alpha val="80000"/>
+                </a:schemeClr>
+              </a:solidFill>
+              <a:latin typeface="+mn-lt"/>
+              <a:ea typeface="+mn-ea"/>
+              <a:cs typeface="+mn-cs"/>
+            </a:endParaRPr>
           </a:p>
         </p:txBody>
       </p:sp>
@@ -19332,7 +19382,7 @@
                 <a:ea typeface="+mn-ea"/>
                 <a:cs typeface="+mn-cs"/>
               </a:rPr>
-              <a:t>Step 1 - Model - ver. 1</a:t>
+              <a:t>Step 5. Infrastructure as a Code - ver. 1</a:t>
             </a:r>
           </a:p>
         </p:txBody>
@@ -19653,7 +19703,7 @@
                 <a:ea typeface="+mn-ea"/>
                 <a:cs typeface="+mn-cs"/>
               </a:rPr>
-              <a:t>Step 1 - Model - ver. 1</a:t>
+              <a:t>Step 5. Infrastructure as a Code - ver. 1</a:t>
             </a:r>
           </a:p>
         </p:txBody>
@@ -19974,7 +20024,7 @@
                 <a:ea typeface="+mn-ea"/>
                 <a:cs typeface="+mn-cs"/>
               </a:rPr>
-              <a:t>Step 1 - Model - ver. 1</a:t>
+              <a:t>Step 5. Infrastructure as a Code - ver. 1</a:t>
             </a:r>
           </a:p>
         </p:txBody>
@@ -20339,7 +20389,7 @@
                 <a:ea typeface="+mn-ea"/>
                 <a:cs typeface="+mn-cs"/>
               </a:rPr>
-              <a:t>Step 1 - Model - ver. 1</a:t>
+              <a:t>Step 5. Infrastructure as a Code - ver. 1</a:t>
             </a:r>
           </a:p>
         </p:txBody>
@@ -20601,7 +20651,7 @@
                 <a:ea typeface="+mn-ea"/>
                 <a:cs typeface="+mn-cs"/>
               </a:rPr>
-              <a:t>Step 1 - Model - ver. 1</a:t>
+              <a:t>Step 5. Infrastructure as a Code - ver. 1</a:t>
             </a:r>
           </a:p>
         </p:txBody>
@@ -20910,7 +20960,7 @@
         </p:spPr>
         <p:txBody>
           <a:bodyPr anchor="ctr">
-            <a:normAutofit/>
+            <a:normAutofit fontScale="92500" lnSpcReduction="10000"/>
           </a:bodyPr>
           <a:lstStyle/>
           <a:p>
@@ -20925,7 +20975,7 @@
                   <a:schemeClr val="bg1"/>
                 </a:solidFill>
               </a:rPr>
-              <a:t>Step 1 - Model - ver. 1</a:t>
+              <a:t>Step 5. Infrastructure as a Code - ver. 1</a:t>
             </a:r>
             <a:endParaRPr lang="ru-UA" sz="900">
               <a:solidFill>
@@ -21325,7 +21375,7 @@
                 <a:ea typeface="+mn-ea"/>
                 <a:cs typeface="+mn-cs"/>
               </a:rPr>
-              <a:t>Step 1 - Model - ver. 1</a:t>
+              <a:t>Step 5. Infrastructure as a Code - ver. 1</a:t>
             </a:r>
           </a:p>
         </p:txBody>
@@ -21609,7 +21659,7 @@
                 <a:ea typeface="+mn-ea"/>
                 <a:cs typeface="+mn-cs"/>
               </a:rPr>
-              <a:t>Step 1 - Model - ver. 1</a:t>
+              <a:t>Step 5. Infrastructure as a Code - ver. 1</a:t>
             </a:r>
           </a:p>
         </p:txBody>
@@ -21922,7 +21972,7 @@
                 <a:ea typeface="+mn-ea"/>
                 <a:cs typeface="+mn-cs"/>
               </a:rPr>
-              <a:t>Step 1 - Model - ver. 1</a:t>
+              <a:t>Step 5. Infrastructure as a Code - ver. 1</a:t>
             </a:r>
           </a:p>
         </p:txBody>
@@ -22216,7 +22266,7 @@
                 <a:ea typeface="+mn-ea"/>
                 <a:cs typeface="+mn-cs"/>
               </a:rPr>
-              <a:t>Step 1 - Model - ver. 1</a:t>
+              <a:t>Step 5. Infrastructure as a Code - ver. 1</a:t>
             </a:r>
           </a:p>
         </p:txBody>
@@ -22566,7 +22616,7 @@
                 <a:ea typeface="+mn-ea"/>
                 <a:cs typeface="+mn-cs"/>
               </a:rPr>
-              <a:t>Step 1 - Model - ver. 1</a:t>
+              <a:t>Step 5. Infrastructure as a Code - ver. 1</a:t>
             </a:r>
           </a:p>
         </p:txBody>
@@ -22912,7 +22962,7 @@
                 <a:ea typeface="+mn-ea"/>
                 <a:cs typeface="+mn-cs"/>
               </a:rPr>
-              <a:t>Step 1 - Model - ver. 1</a:t>
+              <a:t>Step 5. Infrastructure as a Code - ver. 1</a:t>
             </a:r>
           </a:p>
         </p:txBody>
